--- a/内包表記.pptx
+++ b/内包表記.pptx
@@ -132,6 +132,11 @@
       </a:defRPr>
     </a:lvl9pPr>
   </p:defaultTextStyle>
+  <p:extLst>
+    <p:ext uri="{EFAFB233-063F-42B5-8137-9DF3F51BA10A}">
+      <p15:sldGuideLst xmlns:p15="http://schemas.microsoft.com/office/powerpoint/2012/main"/>
+    </p:ext>
+  </p:extLst>
 </p:presentation>
 </file>
 
@@ -6953,6 +6958,223 @@
       </p:grpSpPr>
       <p:sp>
         <p:nvSpPr>
+          <p:cNvPr id="5" name="テキスト プレースホルダー 4"/>
+          <p:cNvSpPr>
+            <a:spLocks noGrp="1"/>
+          </p:cNvSpPr>
+          <p:nvPr>
+            <p:ph type="body"/>
+          </p:nvPr>
+        </p:nvSpPr>
+        <p:spPr/>
+        <p:txBody>
+          <a:bodyPr>
+            <a:normAutofit fontScale="92500" lnSpcReduction="10000"/>
+          </a:bodyPr>
+          <a:lstStyle/>
+          <a:p>
+            <a:r>
+              <a:rPr lang="ja-JP" altLang="en-US" dirty="0" smtClean="0"/>
+              <a:t>変数</a:t>
+            </a:r>
+            <a:r>
+              <a:rPr lang="ja-JP" altLang="en-US" dirty="0"/>
+              <a:t>定義</a:t>
+            </a:r>
+            <a:endParaRPr lang="en-US" altLang="ja-JP" dirty="0"/>
+          </a:p>
+          <a:p>
+            <a:pPr marL="0" indent="0">
+              <a:buNone/>
+            </a:pPr>
+            <a:r>
+              <a:rPr lang="ja-JP" altLang="en-US" dirty="0"/>
+              <a:t>　内包表記内では変数の宣言ができない</a:t>
+            </a:r>
+            <a:endParaRPr lang="en-US" altLang="ja-JP" dirty="0"/>
+          </a:p>
+          <a:p>
+            <a:pPr marL="0" indent="0">
+              <a:buNone/>
+            </a:pPr>
+            <a:r>
+              <a:rPr lang="en-US" altLang="ja-JP" dirty="0"/>
+              <a:t>	</a:t>
+            </a:r>
+            <a:r>
+              <a:rPr lang="ja-JP" altLang="en-US" dirty="0"/>
+              <a:t>→本当に？</a:t>
+            </a:r>
+            <a:endParaRPr lang="en-US" altLang="ja-JP" dirty="0"/>
+          </a:p>
+          <a:p>
+            <a:pPr marL="0" indent="0">
+              <a:buNone/>
+            </a:pPr>
+            <a:endParaRPr lang="en-US" altLang="ja-JP" dirty="0"/>
+          </a:p>
+          <a:p>
+            <a:pPr marL="0" indent="0">
+              <a:buNone/>
+            </a:pPr>
+            <a:r>
+              <a:rPr lang="ja-JP" altLang="en-US" dirty="0"/>
+              <a:t>　次のようなコードを考える</a:t>
+            </a:r>
+            <a:endParaRPr lang="en-US" altLang="ja-JP" dirty="0"/>
+          </a:p>
+          <a:p>
+            <a:pPr marL="0" indent="0">
+              <a:buNone/>
+            </a:pPr>
+            <a:r>
+              <a:rPr lang="en-US" altLang="ja-JP" dirty="0"/>
+              <a:t>	[</a:t>
+            </a:r>
+            <a:r>
+              <a:rPr lang="en-US" altLang="ja-JP" dirty="0" err="1"/>
+              <a:t>i</a:t>
+            </a:r>
+            <a:r>
+              <a:rPr lang="en-US" altLang="ja-JP" dirty="0"/>
+              <a:t> for </a:t>
+            </a:r>
+            <a:r>
+              <a:rPr lang="en-US" altLang="ja-JP" dirty="0" err="1"/>
+              <a:t>i</a:t>
+            </a:r>
+            <a:r>
+              <a:rPr lang="en-US" altLang="ja-JP" dirty="0"/>
+              <a:t> in [</a:t>
+            </a:r>
+            <a:r>
+              <a:rPr lang="en-US" altLang="ja-JP" dirty="0" err="1"/>
+              <a:t>int</a:t>
+            </a:r>
+            <a:r>
+              <a:rPr lang="en-US" altLang="ja-JP" dirty="0"/>
+              <a:t>(1)]]</a:t>
+            </a:r>
+          </a:p>
+          <a:p>
+            <a:pPr marL="0" indent="0">
+              <a:buNone/>
+            </a:pPr>
+            <a:r>
+              <a:rPr lang="ja-JP" altLang="en-US" dirty="0"/>
+              <a:t>　ここで</a:t>
+            </a:r>
+            <a:r>
+              <a:rPr lang="en-US" altLang="ja-JP" dirty="0" err="1"/>
+              <a:t>i</a:t>
+            </a:r>
+            <a:r>
+              <a:rPr lang="ja-JP" altLang="en-US" dirty="0"/>
+              <a:t>の中身は、解説の２より</a:t>
+            </a:r>
+            <a:r>
+              <a:rPr lang="en-US" altLang="ja-JP" dirty="0"/>
+              <a:t>[]</a:t>
+            </a:r>
+            <a:r>
+              <a:rPr lang="ja-JP" altLang="en-US" dirty="0"/>
+              <a:t>の中身の</a:t>
+            </a:r>
+            <a:r>
+              <a:rPr lang="en-US" altLang="ja-JP" dirty="0" err="1"/>
+              <a:t>int</a:t>
+            </a:r>
+            <a:r>
+              <a:rPr lang="en-US" altLang="ja-JP" dirty="0"/>
+              <a:t>(1),</a:t>
+            </a:r>
+            <a:r>
+              <a:rPr lang="ja-JP" altLang="en-US" dirty="0"/>
+              <a:t>つまり </a:t>
+            </a:r>
+            <a:endParaRPr lang="en-US" altLang="ja-JP" dirty="0"/>
+          </a:p>
+          <a:p>
+            <a:pPr marL="0" indent="0">
+              <a:buNone/>
+            </a:pPr>
+            <a:r>
+              <a:rPr lang="en-US" altLang="ja-JP" dirty="0"/>
+              <a:t>	</a:t>
+            </a:r>
+            <a:r>
+              <a:rPr lang="en-US" altLang="ja-JP" dirty="0" err="1"/>
+              <a:t>i</a:t>
+            </a:r>
+            <a:r>
+              <a:rPr lang="en-US" altLang="ja-JP" dirty="0"/>
+              <a:t> = </a:t>
+            </a:r>
+            <a:r>
+              <a:rPr lang="en-US" altLang="ja-JP" dirty="0" err="1"/>
+              <a:t>int</a:t>
+            </a:r>
+            <a:r>
+              <a:rPr lang="en-US" altLang="ja-JP" dirty="0"/>
+              <a:t>(1)</a:t>
+            </a:r>
+          </a:p>
+          <a:p>
+            <a:pPr marL="0" indent="0">
+              <a:buNone/>
+            </a:pPr>
+            <a:endParaRPr lang="en-US" altLang="ja-JP" dirty="0"/>
+          </a:p>
+          <a:p>
+            <a:pPr marL="0" indent="0">
+              <a:buNone/>
+            </a:pPr>
+            <a:r>
+              <a:rPr lang="ja-JP" altLang="en-US" dirty="0"/>
+              <a:t>　以上より </a:t>
+            </a:r>
+            <a:r>
+              <a:rPr lang="en-US" altLang="ja-JP" dirty="0"/>
+              <a:t>for </a:t>
+            </a:r>
+            <a:r>
+              <a:rPr lang="en-US" altLang="ja-JP" dirty="0" err="1"/>
+              <a:t>var</a:t>
+            </a:r>
+            <a:r>
+              <a:rPr lang="en-US" altLang="ja-JP" dirty="0"/>
+              <a:t> in [type]</a:t>
+            </a:r>
+            <a:r>
+              <a:rPr lang="ja-JP" altLang="en-US" dirty="0"/>
+              <a:t>で</a:t>
+            </a:r>
+            <a:r>
+              <a:rPr lang="en-US" altLang="ja-JP" dirty="0"/>
+              <a:t>type</a:t>
+            </a:r>
+            <a:r>
+              <a:rPr lang="ja-JP" altLang="en-US" dirty="0"/>
+              <a:t>型の変数</a:t>
+            </a:r>
+            <a:r>
+              <a:rPr lang="en-US" altLang="ja-JP" dirty="0" err="1"/>
+              <a:t>var</a:t>
+            </a:r>
+            <a:r>
+              <a:rPr lang="ja-JP" altLang="en-US" dirty="0"/>
+              <a:t>が作れる</a:t>
+            </a:r>
+            <a:r>
+              <a:rPr lang="ja-JP" altLang="en-US" dirty="0" smtClean="0"/>
+              <a:t>。　</a:t>
+            </a:r>
+            <a:endParaRPr lang="ja-JP" altLang="en-US" dirty="0"/>
+          </a:p>
+        </p:txBody>
+      </p:sp>
+      <p:sp>
+        <p:nvSpPr>
           <p:cNvPr id="2" name="タイトル 1"/>
           <p:cNvSpPr>
             <a:spLocks noGrp="1"/>
@@ -6967,236 +7189,14 @@
           <a:lstStyle/>
           <a:p>
             <a:r>
-              <a:rPr kumimoji="1" lang="en-US" altLang="ja-JP" dirty="0" smtClean="0"/>
+              <a:rPr lang="en-US" altLang="ja-JP" smtClean="0"/>
               <a:t>Python</a:t>
             </a:r>
             <a:r>
-              <a:rPr kumimoji="1" lang="ja-JP" altLang="en-US" dirty="0" smtClean="0"/>
+              <a:rPr lang="ja-JP" altLang="en-US" smtClean="0"/>
               <a:t>芸の手法</a:t>
             </a:r>
-            <a:endParaRPr kumimoji="1" lang="ja-JP" altLang="en-US" dirty="0"/>
-          </a:p>
-        </p:txBody>
-      </p:sp>
-      <p:sp>
-        <p:nvSpPr>
-          <p:cNvPr id="3" name="テキスト プレースホルダー 2"/>
-          <p:cNvSpPr>
-            <a:spLocks noGrp="1"/>
-          </p:cNvSpPr>
-          <p:nvPr>
-            <p:ph type="body"/>
-          </p:nvPr>
-        </p:nvSpPr>
-        <p:spPr>
-          <a:xfrm>
-            <a:off x="503640" y="1800000"/>
-            <a:ext cx="9070920" cy="5335318"/>
-          </a:xfrm>
-        </p:spPr>
-        <p:txBody>
-          <a:bodyPr>
-            <a:normAutofit/>
-          </a:bodyPr>
-          <a:lstStyle/>
-          <a:p>
-            <a:pPr marL="0" indent="0">
-              <a:buNone/>
-            </a:pPr>
-            <a:r>
-              <a:rPr kumimoji="1" lang="en-US" altLang="ja-JP" dirty="0" smtClean="0"/>
-              <a:t>1.</a:t>
-            </a:r>
-            <a:r>
-              <a:rPr kumimoji="1" lang="ja-JP" altLang="en-US" dirty="0" smtClean="0"/>
-              <a:t>変数定義</a:t>
-            </a:r>
-            <a:endParaRPr kumimoji="1" lang="en-US" altLang="ja-JP" dirty="0" smtClean="0"/>
-          </a:p>
-          <a:p>
-            <a:pPr marL="0" indent="0">
-              <a:buNone/>
-            </a:pPr>
-            <a:r>
-              <a:rPr lang="ja-JP" altLang="en-US" dirty="0" smtClean="0"/>
-              <a:t>　内包表記内では変数の宣言ができない</a:t>
-            </a:r>
-            <a:endParaRPr lang="en-US" altLang="ja-JP" dirty="0" smtClean="0"/>
-          </a:p>
-          <a:p>
-            <a:pPr marL="0" indent="0">
-              <a:buNone/>
-            </a:pPr>
-            <a:r>
-              <a:rPr kumimoji="1" lang="en-US" altLang="ja-JP" dirty="0"/>
-              <a:t>	</a:t>
-            </a:r>
-            <a:r>
-              <a:rPr kumimoji="1" lang="ja-JP" altLang="en-US" dirty="0" smtClean="0"/>
-              <a:t>→本当に？</a:t>
-            </a:r>
-            <a:endParaRPr kumimoji="1" lang="en-US" altLang="ja-JP" dirty="0" smtClean="0"/>
-          </a:p>
-          <a:p>
-            <a:pPr marL="0" indent="0">
-              <a:buNone/>
-            </a:pPr>
-            <a:endParaRPr lang="en-US" altLang="ja-JP" dirty="0"/>
-          </a:p>
-          <a:p>
-            <a:pPr marL="0" indent="0">
-              <a:buNone/>
-            </a:pPr>
-            <a:r>
-              <a:rPr kumimoji="1" lang="ja-JP" altLang="en-US" dirty="0" smtClean="0"/>
-              <a:t>　次のようなコードを考える</a:t>
-            </a:r>
-            <a:endParaRPr kumimoji="1" lang="en-US" altLang="ja-JP" dirty="0" smtClean="0"/>
-          </a:p>
-          <a:p>
-            <a:pPr marL="0" indent="0">
-              <a:buNone/>
-            </a:pPr>
-            <a:r>
-              <a:rPr lang="en-US" altLang="ja-JP" dirty="0" smtClean="0"/>
-              <a:t>	[</a:t>
-            </a:r>
-            <a:r>
-              <a:rPr lang="en-US" altLang="ja-JP" dirty="0" err="1" smtClean="0"/>
-              <a:t>i</a:t>
-            </a:r>
-            <a:r>
-              <a:rPr lang="en-US" altLang="ja-JP" dirty="0" smtClean="0"/>
-              <a:t> for </a:t>
-            </a:r>
-            <a:r>
-              <a:rPr lang="en-US" altLang="ja-JP" dirty="0" err="1" smtClean="0"/>
-              <a:t>i</a:t>
-            </a:r>
-            <a:r>
-              <a:rPr lang="en-US" altLang="ja-JP" dirty="0" smtClean="0"/>
-              <a:t> in [</a:t>
-            </a:r>
-            <a:r>
-              <a:rPr lang="en-US" altLang="ja-JP" dirty="0" err="1" smtClean="0"/>
-              <a:t>int</a:t>
-            </a:r>
-            <a:r>
-              <a:rPr lang="en-US" altLang="ja-JP" dirty="0" smtClean="0"/>
-              <a:t>(1)]]</a:t>
-            </a:r>
-            <a:endParaRPr lang="en-US" altLang="ja-JP" dirty="0"/>
-          </a:p>
-          <a:p>
-            <a:pPr marL="0" indent="0">
-              <a:buNone/>
-            </a:pPr>
-            <a:r>
-              <a:rPr lang="ja-JP" altLang="en-US" dirty="0" smtClean="0"/>
-              <a:t>　ここで</a:t>
-            </a:r>
-            <a:r>
-              <a:rPr lang="en-US" altLang="ja-JP" dirty="0" err="1" smtClean="0"/>
-              <a:t>i</a:t>
-            </a:r>
-            <a:r>
-              <a:rPr lang="ja-JP" altLang="en-US" dirty="0" smtClean="0"/>
-              <a:t>の中身は、解説の２より</a:t>
-            </a:r>
-            <a:r>
-              <a:rPr lang="en-US" altLang="ja-JP" dirty="0" smtClean="0"/>
-              <a:t>[]</a:t>
-            </a:r>
-            <a:r>
-              <a:rPr lang="ja-JP" altLang="en-US" dirty="0" smtClean="0"/>
-              <a:t>の中身の</a:t>
-            </a:r>
-            <a:r>
-              <a:rPr lang="en-US" altLang="ja-JP" dirty="0" err="1" smtClean="0"/>
-              <a:t>int</a:t>
-            </a:r>
-            <a:r>
-              <a:rPr lang="en-US" altLang="ja-JP" dirty="0" smtClean="0"/>
-              <a:t>(1),</a:t>
-            </a:r>
-            <a:r>
-              <a:rPr lang="ja-JP" altLang="en-US" dirty="0" smtClean="0"/>
-              <a:t>つまり </a:t>
-            </a:r>
-            <a:endParaRPr lang="en-US" altLang="ja-JP" dirty="0"/>
-          </a:p>
-          <a:p>
-            <a:pPr marL="0" indent="0">
-              <a:buNone/>
-            </a:pPr>
-            <a:r>
-              <a:rPr lang="en-US" altLang="ja-JP" dirty="0" smtClean="0"/>
-              <a:t>	</a:t>
-            </a:r>
-            <a:r>
-              <a:rPr lang="en-US" altLang="ja-JP" dirty="0" err="1" smtClean="0"/>
-              <a:t>i</a:t>
-            </a:r>
-            <a:r>
-              <a:rPr lang="en-US" altLang="ja-JP" dirty="0" smtClean="0"/>
-              <a:t> = </a:t>
-            </a:r>
-            <a:r>
-              <a:rPr lang="en-US" altLang="ja-JP" dirty="0" err="1" smtClean="0"/>
-              <a:t>int</a:t>
-            </a:r>
-            <a:r>
-              <a:rPr lang="en-US" altLang="ja-JP" dirty="0" smtClean="0"/>
-              <a:t>(1)</a:t>
-            </a:r>
-          </a:p>
-          <a:p>
-            <a:pPr marL="0" indent="0">
-              <a:buNone/>
-            </a:pPr>
-            <a:endParaRPr lang="en-US" altLang="ja-JP" dirty="0"/>
-          </a:p>
-          <a:p>
-            <a:pPr marL="0" indent="0">
-              <a:buNone/>
-            </a:pPr>
-            <a:r>
-              <a:rPr lang="ja-JP" altLang="en-US" dirty="0" smtClean="0"/>
-              <a:t>　以上より </a:t>
-            </a:r>
-            <a:r>
-              <a:rPr lang="en-US" altLang="ja-JP" dirty="0" smtClean="0"/>
-              <a:t>for </a:t>
-            </a:r>
-            <a:r>
-              <a:rPr lang="en-US" altLang="ja-JP" dirty="0" err="1" smtClean="0"/>
-              <a:t>var</a:t>
-            </a:r>
-            <a:r>
-              <a:rPr lang="en-US" altLang="ja-JP" dirty="0" smtClean="0"/>
-              <a:t> in [type]</a:t>
-            </a:r>
-            <a:r>
-              <a:rPr lang="ja-JP" altLang="en-US" dirty="0" smtClean="0"/>
-              <a:t>で</a:t>
-            </a:r>
-            <a:r>
-              <a:rPr lang="en-US" altLang="ja-JP" dirty="0" smtClean="0"/>
-              <a:t>type</a:t>
-            </a:r>
-            <a:r>
-              <a:rPr lang="ja-JP" altLang="en-US" dirty="0" smtClean="0"/>
-              <a:t>型の変数</a:t>
-            </a:r>
-            <a:r>
-              <a:rPr lang="en-US" altLang="ja-JP" dirty="0" err="1" smtClean="0"/>
-              <a:t>var</a:t>
-            </a:r>
-            <a:r>
-              <a:rPr lang="ja-JP" altLang="en-US" dirty="0" smtClean="0"/>
-              <a:t>が作れる。</a:t>
-            </a:r>
-            <a:endParaRPr lang="en-US" altLang="ja-JP" dirty="0" smtClean="0"/>
+            <a:endParaRPr lang="ja-JP" altLang="en-US" dirty="0"/>
           </a:p>
         </p:txBody>
       </p:sp>
@@ -7213,422 +7213,7 @@
   <p:timing>
     <p:tnLst>
       <p:par>
-        <p:cTn id="1" dur="indefinite" restart="never" nodeType="tmRoot">
-          <p:childTnLst>
-            <p:seq concurrent="1" nextAc="seek">
-              <p:cTn id="2" dur="indefinite" nodeType="mainSeq">
-                <p:childTnLst>
-                  <p:par>
-                    <p:cTn id="3" fill="hold">
-                      <p:stCondLst>
-                        <p:cond delay="indefinite"/>
-                      </p:stCondLst>
-                      <p:childTnLst>
-                        <p:par>
-                          <p:cTn id="4" fill="hold">
-                            <p:stCondLst>
-                              <p:cond delay="0"/>
-                            </p:stCondLst>
-                            <p:childTnLst>
-                              <p:par>
-                                <p:cTn id="5" presetID="1" presetClass="entr" presetSubtype="0" fill="hold" nodeType="clickEffect">
-                                  <p:stCondLst>
-                                    <p:cond delay="0"/>
-                                  </p:stCondLst>
-                                  <p:childTnLst>
-                                    <p:set>
-                                      <p:cBhvr>
-                                        <p:cTn id="6" dur="1" fill="hold">
-                                          <p:stCondLst>
-                                            <p:cond delay="0"/>
-                                          </p:stCondLst>
-                                        </p:cTn>
-                                        <p:tgtEl>
-                                          <p:spTgt spid="3">
-                                            <p:txEl>
-                                              <p:pRg st="0" end="0"/>
-                                            </p:txEl>
-                                          </p:spTgt>
-                                        </p:tgtEl>
-                                        <p:attrNameLst>
-                                          <p:attrName>style.visibility</p:attrName>
-                                        </p:attrNameLst>
-                                      </p:cBhvr>
-                                      <p:to>
-                                        <p:strVal val="visible"/>
-                                      </p:to>
-                                    </p:set>
-                                  </p:childTnLst>
-                                </p:cTn>
-                              </p:par>
-                            </p:childTnLst>
-                          </p:cTn>
-                        </p:par>
-                      </p:childTnLst>
-                    </p:cTn>
-                  </p:par>
-                  <p:par>
-                    <p:cTn id="7" fill="hold">
-                      <p:stCondLst>
-                        <p:cond delay="indefinite"/>
-                      </p:stCondLst>
-                      <p:childTnLst>
-                        <p:par>
-                          <p:cTn id="8" fill="hold">
-                            <p:stCondLst>
-                              <p:cond delay="0"/>
-                            </p:stCondLst>
-                            <p:childTnLst>
-                              <p:par>
-                                <p:cTn id="9" presetID="1" presetClass="entr" presetSubtype="0" fill="hold" nodeType="clickEffect">
-                                  <p:stCondLst>
-                                    <p:cond delay="0"/>
-                                  </p:stCondLst>
-                                  <p:childTnLst>
-                                    <p:set>
-                                      <p:cBhvr>
-                                        <p:cTn id="10" dur="1" fill="hold">
-                                          <p:stCondLst>
-                                            <p:cond delay="0"/>
-                                          </p:stCondLst>
-                                        </p:cTn>
-                                        <p:tgtEl>
-                                          <p:spTgt spid="3">
-                                            <p:txEl>
-                                              <p:pRg st="1" end="1"/>
-                                            </p:txEl>
-                                          </p:spTgt>
-                                        </p:tgtEl>
-                                        <p:attrNameLst>
-                                          <p:attrName>style.visibility</p:attrName>
-                                        </p:attrNameLst>
-                                      </p:cBhvr>
-                                      <p:to>
-                                        <p:strVal val="visible"/>
-                                      </p:to>
-                                    </p:set>
-                                  </p:childTnLst>
-                                </p:cTn>
-                              </p:par>
-                            </p:childTnLst>
-                          </p:cTn>
-                        </p:par>
-                      </p:childTnLst>
-                    </p:cTn>
-                  </p:par>
-                  <p:par>
-                    <p:cTn id="11" fill="hold">
-                      <p:stCondLst>
-                        <p:cond delay="indefinite"/>
-                      </p:stCondLst>
-                      <p:childTnLst>
-                        <p:par>
-                          <p:cTn id="12" fill="hold">
-                            <p:stCondLst>
-                              <p:cond delay="0"/>
-                            </p:stCondLst>
-                            <p:childTnLst>
-                              <p:par>
-                                <p:cTn id="13" presetID="1" presetClass="entr" presetSubtype="0" fill="hold" nodeType="clickEffect">
-                                  <p:stCondLst>
-                                    <p:cond delay="0"/>
-                                  </p:stCondLst>
-                                  <p:childTnLst>
-                                    <p:set>
-                                      <p:cBhvr>
-                                        <p:cTn id="14" dur="1" fill="hold">
-                                          <p:stCondLst>
-                                            <p:cond delay="0"/>
-                                          </p:stCondLst>
-                                        </p:cTn>
-                                        <p:tgtEl>
-                                          <p:spTgt spid="3">
-                                            <p:txEl>
-                                              <p:pRg st="2" end="2"/>
-                                            </p:txEl>
-                                          </p:spTgt>
-                                        </p:tgtEl>
-                                        <p:attrNameLst>
-                                          <p:attrName>style.visibility</p:attrName>
-                                        </p:attrNameLst>
-                                      </p:cBhvr>
-                                      <p:to>
-                                        <p:strVal val="visible"/>
-                                      </p:to>
-                                    </p:set>
-                                  </p:childTnLst>
-                                </p:cTn>
-                              </p:par>
-                            </p:childTnLst>
-                          </p:cTn>
-                        </p:par>
-                      </p:childTnLst>
-                    </p:cTn>
-                  </p:par>
-                  <p:par>
-                    <p:cTn id="15" fill="hold">
-                      <p:stCondLst>
-                        <p:cond delay="indefinite"/>
-                      </p:stCondLst>
-                      <p:childTnLst>
-                        <p:par>
-                          <p:cTn id="16" fill="hold">
-                            <p:stCondLst>
-                              <p:cond delay="0"/>
-                            </p:stCondLst>
-                            <p:childTnLst>
-                              <p:par>
-                                <p:cTn id="17" presetID="1" presetClass="entr" presetSubtype="0" fill="hold" nodeType="clickEffect">
-                                  <p:stCondLst>
-                                    <p:cond delay="0"/>
-                                  </p:stCondLst>
-                                  <p:childTnLst>
-                                    <p:set>
-                                      <p:cBhvr>
-                                        <p:cTn id="18" dur="1" fill="hold">
-                                          <p:stCondLst>
-                                            <p:cond delay="0"/>
-                                          </p:stCondLst>
-                                        </p:cTn>
-                                        <p:tgtEl>
-                                          <p:spTgt spid="3">
-                                            <p:txEl>
-                                              <p:pRg st="4" end="4"/>
-                                            </p:txEl>
-                                          </p:spTgt>
-                                        </p:tgtEl>
-                                        <p:attrNameLst>
-                                          <p:attrName>style.visibility</p:attrName>
-                                        </p:attrNameLst>
-                                      </p:cBhvr>
-                                      <p:to>
-                                        <p:strVal val="visible"/>
-                                      </p:to>
-                                    </p:set>
-                                  </p:childTnLst>
-                                </p:cTn>
-                              </p:par>
-                            </p:childTnLst>
-                          </p:cTn>
-                        </p:par>
-                      </p:childTnLst>
-                    </p:cTn>
-                  </p:par>
-                  <p:par>
-                    <p:cTn id="19" fill="hold">
-                      <p:stCondLst>
-                        <p:cond delay="indefinite"/>
-                      </p:stCondLst>
-                      <p:childTnLst>
-                        <p:par>
-                          <p:cTn id="20" fill="hold">
-                            <p:stCondLst>
-                              <p:cond delay="0"/>
-                            </p:stCondLst>
-                            <p:childTnLst>
-                              <p:par>
-                                <p:cTn id="21" presetID="1" presetClass="entr" presetSubtype="0" fill="hold" nodeType="clickEffect">
-                                  <p:stCondLst>
-                                    <p:cond delay="0"/>
-                                  </p:stCondLst>
-                                  <p:childTnLst>
-                                    <p:set>
-                                      <p:cBhvr>
-                                        <p:cTn id="22" dur="1" fill="hold">
-                                          <p:stCondLst>
-                                            <p:cond delay="0"/>
-                                          </p:stCondLst>
-                                        </p:cTn>
-                                        <p:tgtEl>
-                                          <p:spTgt spid="3">
-                                            <p:txEl>
-                                              <p:pRg st="5" end="5"/>
-                                            </p:txEl>
-                                          </p:spTgt>
-                                        </p:tgtEl>
-                                        <p:attrNameLst>
-                                          <p:attrName>style.visibility</p:attrName>
-                                        </p:attrNameLst>
-                                      </p:cBhvr>
-                                      <p:to>
-                                        <p:strVal val="visible"/>
-                                      </p:to>
-                                    </p:set>
-                                  </p:childTnLst>
-                                </p:cTn>
-                              </p:par>
-                            </p:childTnLst>
-                          </p:cTn>
-                        </p:par>
-                      </p:childTnLst>
-                    </p:cTn>
-                  </p:par>
-                  <p:par>
-                    <p:cTn id="23" fill="hold">
-                      <p:stCondLst>
-                        <p:cond delay="indefinite"/>
-                      </p:stCondLst>
-                      <p:childTnLst>
-                        <p:par>
-                          <p:cTn id="24" fill="hold">
-                            <p:stCondLst>
-                              <p:cond delay="0"/>
-                            </p:stCondLst>
-                            <p:childTnLst>
-                              <p:par>
-                                <p:cTn id="25" presetID="1" presetClass="entr" presetSubtype="0" fill="hold" nodeType="clickEffect">
-                                  <p:stCondLst>
-                                    <p:cond delay="0"/>
-                                  </p:stCondLst>
-                                  <p:childTnLst>
-                                    <p:set>
-                                      <p:cBhvr>
-                                        <p:cTn id="26" dur="1" fill="hold">
-                                          <p:stCondLst>
-                                            <p:cond delay="0"/>
-                                          </p:stCondLst>
-                                        </p:cTn>
-                                        <p:tgtEl>
-                                          <p:spTgt spid="3">
-                                            <p:txEl>
-                                              <p:pRg st="6" end="6"/>
-                                            </p:txEl>
-                                          </p:spTgt>
-                                        </p:tgtEl>
-                                        <p:attrNameLst>
-                                          <p:attrName>style.visibility</p:attrName>
-                                        </p:attrNameLst>
-                                      </p:cBhvr>
-                                      <p:to>
-                                        <p:strVal val="visible"/>
-                                      </p:to>
-                                    </p:set>
-                                  </p:childTnLst>
-                                </p:cTn>
-                              </p:par>
-                            </p:childTnLst>
-                          </p:cTn>
-                        </p:par>
-                      </p:childTnLst>
-                    </p:cTn>
-                  </p:par>
-                  <p:par>
-                    <p:cTn id="27" fill="hold">
-                      <p:stCondLst>
-                        <p:cond delay="indefinite"/>
-                      </p:stCondLst>
-                      <p:childTnLst>
-                        <p:par>
-                          <p:cTn id="28" fill="hold">
-                            <p:stCondLst>
-                              <p:cond delay="0"/>
-                            </p:stCondLst>
-                            <p:childTnLst>
-                              <p:par>
-                                <p:cTn id="29" presetID="1" presetClass="entr" presetSubtype="0" fill="hold" nodeType="clickEffect">
-                                  <p:stCondLst>
-                                    <p:cond delay="0"/>
-                                  </p:stCondLst>
-                                  <p:childTnLst>
-                                    <p:set>
-                                      <p:cBhvr>
-                                        <p:cTn id="30" dur="1" fill="hold">
-                                          <p:stCondLst>
-                                            <p:cond delay="0"/>
-                                          </p:stCondLst>
-                                        </p:cTn>
-                                        <p:tgtEl>
-                                          <p:spTgt spid="3">
-                                            <p:txEl>
-                                              <p:pRg st="7" end="7"/>
-                                            </p:txEl>
-                                          </p:spTgt>
-                                        </p:tgtEl>
-                                        <p:attrNameLst>
-                                          <p:attrName>style.visibility</p:attrName>
-                                        </p:attrNameLst>
-                                      </p:cBhvr>
-                                      <p:to>
-                                        <p:strVal val="visible"/>
-                                      </p:to>
-                                    </p:set>
-                                  </p:childTnLst>
-                                </p:cTn>
-                              </p:par>
-                            </p:childTnLst>
-                          </p:cTn>
-                        </p:par>
-                      </p:childTnLst>
-                    </p:cTn>
-                  </p:par>
-                  <p:par>
-                    <p:cTn id="31" fill="hold">
-                      <p:stCondLst>
-                        <p:cond delay="indefinite"/>
-                      </p:stCondLst>
-                      <p:childTnLst>
-                        <p:par>
-                          <p:cTn id="32" fill="hold">
-                            <p:stCondLst>
-                              <p:cond delay="0"/>
-                            </p:stCondLst>
-                            <p:childTnLst>
-                              <p:par>
-                                <p:cTn id="33" presetID="1" presetClass="entr" presetSubtype="0" fill="hold" nodeType="clickEffect">
-                                  <p:stCondLst>
-                                    <p:cond delay="0"/>
-                                  </p:stCondLst>
-                                  <p:childTnLst>
-                                    <p:set>
-                                      <p:cBhvr>
-                                        <p:cTn id="34" dur="1" fill="hold">
-                                          <p:stCondLst>
-                                            <p:cond delay="0"/>
-                                          </p:stCondLst>
-                                        </p:cTn>
-                                        <p:tgtEl>
-                                          <p:spTgt spid="3">
-                                            <p:txEl>
-                                              <p:pRg st="9" end="9"/>
-                                            </p:txEl>
-                                          </p:spTgt>
-                                        </p:tgtEl>
-                                        <p:attrNameLst>
-                                          <p:attrName>style.visibility</p:attrName>
-                                        </p:attrNameLst>
-                                      </p:cBhvr>
-                                      <p:to>
-                                        <p:strVal val="visible"/>
-                                      </p:to>
-                                    </p:set>
-                                  </p:childTnLst>
-                                </p:cTn>
-                              </p:par>
-                            </p:childTnLst>
-                          </p:cTn>
-                        </p:par>
-                      </p:childTnLst>
-                    </p:cTn>
-                  </p:par>
-                </p:childTnLst>
-              </p:cTn>
-              <p:prevCondLst>
-                <p:cond evt="onPrev" delay="0">
-                  <p:tgtEl>
-                    <p:sldTgt/>
-                  </p:tgtEl>
-                </p:cond>
-              </p:prevCondLst>
-              <p:nextCondLst>
-                <p:cond evt="onNext" delay="0">
-                  <p:tgtEl>
-                    <p:sldTgt/>
-                  </p:tgtEl>
-                </p:cond>
-              </p:nextCondLst>
-            </p:seq>
-          </p:childTnLst>
-        </p:cTn>
+        <p:cTn id="1" dur="indefinite" restart="never" nodeType="tmRoot"/>
       </p:par>
     </p:tnLst>
   </p:timing>
@@ -7654,6 +7239,175 @@
       </p:grpSpPr>
       <p:sp>
         <p:nvSpPr>
+          <p:cNvPr id="4" name="テキスト プレースホルダー 3"/>
+          <p:cNvSpPr>
+            <a:spLocks noGrp="1"/>
+          </p:cNvSpPr>
+          <p:nvPr>
+            <p:ph type="body"/>
+          </p:nvPr>
+        </p:nvSpPr>
+        <p:spPr>
+          <a:xfrm>
+            <a:off x="503640" y="1799999"/>
+            <a:ext cx="9070920" cy="5260367"/>
+          </a:xfrm>
+        </p:spPr>
+        <p:txBody>
+          <a:bodyPr>
+            <a:normAutofit/>
+          </a:bodyPr>
+          <a:lstStyle/>
+          <a:p>
+            <a:r>
+              <a:rPr lang="ja-JP" altLang="en-US" dirty="0"/>
+              <a:t>複数命令</a:t>
+            </a:r>
+            <a:endParaRPr lang="en-US" altLang="ja-JP" dirty="0"/>
+          </a:p>
+          <a:p>
+            <a:pPr marL="0" indent="0">
+              <a:buNone/>
+            </a:pPr>
+            <a:r>
+              <a:rPr lang="ja-JP" altLang="en-US" dirty="0"/>
+              <a:t>　内包表記では基本的に１つの命令しか実行できない。</a:t>
+            </a:r>
+            <a:endParaRPr lang="en-US" altLang="ja-JP" dirty="0"/>
+          </a:p>
+          <a:p>
+            <a:pPr marL="0" indent="0">
+              <a:buNone/>
+            </a:pPr>
+            <a:endParaRPr lang="en-US" altLang="ja-JP" dirty="0"/>
+          </a:p>
+          <a:p>
+            <a:pPr marL="0" indent="0">
+              <a:buNone/>
+            </a:pPr>
+            <a:r>
+              <a:rPr lang="ja-JP" altLang="en-US" dirty="0"/>
+              <a:t>　次のコードを考える</a:t>
+            </a:r>
+            <a:endParaRPr lang="en-US" altLang="ja-JP" dirty="0"/>
+          </a:p>
+          <a:p>
+            <a:pPr marL="0" indent="0" algn="ctr">
+              <a:buNone/>
+            </a:pPr>
+            <a:r>
+              <a:rPr lang="en-US" altLang="ja-JP" sz="2400" dirty="0" smtClean="0"/>
+              <a:t>[[</a:t>
+            </a:r>
+            <a:r>
+              <a:rPr lang="en-US" altLang="ja-JP" sz="2400" dirty="0" err="1"/>
+              <a:t>a.extend</a:t>
+            </a:r>
+            <a:r>
+              <a:rPr lang="en-US" altLang="ja-JP" sz="2400" dirty="0"/>
+              <a:t>([a[0]-2]), </a:t>
+            </a:r>
+            <a:r>
+              <a:rPr lang="en-US" altLang="ja-JP" sz="2400" dirty="0" err="1"/>
+              <a:t>a.extend</a:t>
+            </a:r>
+            <a:r>
+              <a:rPr lang="en-US" altLang="ja-JP" sz="2400" dirty="0"/>
+              <a:t>([a[1]+1]), a[2]][2] for a in [[1</a:t>
+            </a:r>
+            <a:r>
+              <a:rPr lang="en-US" altLang="ja-JP" sz="2400" dirty="0" smtClean="0"/>
+              <a:t>]]]</a:t>
+            </a:r>
+            <a:endParaRPr lang="en-US" altLang="ja-JP" sz="4000" dirty="0"/>
+          </a:p>
+          <a:p>
+            <a:pPr marL="0" indent="0">
+              <a:buNone/>
+            </a:pPr>
+            <a:r>
+              <a:rPr lang="ja-JP" altLang="en-US" dirty="0"/>
+              <a:t>最初の</a:t>
+            </a:r>
+            <a:r>
+              <a:rPr lang="en-US" altLang="ja-JP" dirty="0"/>
+              <a:t>[]</a:t>
+            </a:r>
+            <a:r>
+              <a:rPr lang="ja-JP" altLang="en-US" dirty="0"/>
+              <a:t>は先に</a:t>
+            </a:r>
+            <a:r>
+              <a:rPr lang="en-US" altLang="ja-JP" dirty="0"/>
+              <a:t>a[0].append(a[0]-2)</a:t>
+            </a:r>
+            <a:r>
+              <a:rPr lang="ja-JP" altLang="en-US" dirty="0" err="1"/>
+              <a:t>が評</a:t>
+            </a:r>
+            <a:r>
+              <a:rPr lang="ja-JP" altLang="en-US" dirty="0"/>
+              <a:t>価された後に、</a:t>
+            </a:r>
+            <a:r>
+              <a:rPr lang="en-US" altLang="ja-JP" dirty="0"/>
+              <a:t>a[0].append(a[0]+1)</a:t>
+            </a:r>
+            <a:r>
+              <a:rPr lang="ja-JP" altLang="en-US" dirty="0"/>
+              <a:t> 、最後に</a:t>
+            </a:r>
+            <a:r>
+              <a:rPr lang="en-US" altLang="ja-JP" dirty="0"/>
+              <a:t>a[2]</a:t>
+            </a:r>
+            <a:r>
+              <a:rPr lang="ja-JP" altLang="en-US" dirty="0" err="1"/>
+              <a:t>が評</a:t>
+            </a:r>
+            <a:r>
+              <a:rPr lang="ja-JP" altLang="en-US" dirty="0"/>
+              <a:t>価されそれぞれの結果を要素に持つリストが生成される。</a:t>
+            </a:r>
+            <a:endParaRPr lang="en-US" altLang="ja-JP" dirty="0"/>
+          </a:p>
+          <a:p>
+            <a:pPr marL="0" indent="0">
+              <a:buNone/>
+            </a:pPr>
+            <a:r>
+              <a:rPr lang="ja-JP" altLang="en-US" dirty="0"/>
+              <a:t>　この場合の結果は</a:t>
+            </a:r>
+            <a:r>
+              <a:rPr lang="en-US" altLang="ja-JP" dirty="0"/>
+              <a:t>[0]</a:t>
+            </a:r>
+          </a:p>
+          <a:p>
+            <a:pPr marL="0" indent="0">
+              <a:buNone/>
+            </a:pPr>
+            <a:endParaRPr lang="en-US" altLang="ja-JP" dirty="0"/>
+          </a:p>
+          <a:p>
+            <a:pPr marL="0" indent="0">
+              <a:buNone/>
+            </a:pPr>
+            <a:r>
+              <a:rPr lang="ja-JP" altLang="en-US" dirty="0"/>
+              <a:t>　内包表記内で複数の命令を行うことができた</a:t>
+            </a:r>
+            <a:r>
+              <a:rPr lang="ja-JP" altLang="en-US" dirty="0" smtClean="0"/>
+              <a:t>。</a:t>
+            </a:r>
+            <a:endParaRPr lang="en-US" altLang="ja-JP" dirty="0"/>
+          </a:p>
+        </p:txBody>
+      </p:sp>
+      <p:sp>
+        <p:nvSpPr>
           <p:cNvPr id="2" name="タイトル 1"/>
           <p:cNvSpPr>
             <a:spLocks noGrp="1"/>
@@ -7676,201 +7430,6 @@
               <a:t>芸の手法</a:t>
             </a:r>
             <a:endParaRPr kumimoji="1" lang="ja-JP" altLang="en-US" dirty="0"/>
-          </a:p>
-        </p:txBody>
-      </p:sp>
-      <p:sp>
-        <p:nvSpPr>
-          <p:cNvPr id="3" name="テキスト プレースホルダー 2"/>
-          <p:cNvSpPr>
-            <a:spLocks noGrp="1"/>
-          </p:cNvSpPr>
-          <p:nvPr>
-            <p:ph type="body"/>
-          </p:nvPr>
-        </p:nvSpPr>
-        <p:spPr>
-          <a:xfrm>
-            <a:off x="503640" y="1799999"/>
-            <a:ext cx="9070920" cy="5380289"/>
-          </a:xfrm>
-        </p:spPr>
-        <p:txBody>
-          <a:bodyPr>
-            <a:normAutofit lnSpcReduction="10000"/>
-          </a:bodyPr>
-          <a:lstStyle/>
-          <a:p>
-            <a:r>
-              <a:rPr kumimoji="1" lang="ja-JP" altLang="en-US" dirty="0" smtClean="0"/>
-              <a:t>複数命令</a:t>
-            </a:r>
-            <a:endParaRPr lang="en-US" altLang="ja-JP" dirty="0" smtClean="0"/>
-          </a:p>
-          <a:p>
-            <a:pPr marL="0" indent="0">
-              <a:buNone/>
-            </a:pPr>
-            <a:r>
-              <a:rPr kumimoji="1" lang="ja-JP" altLang="en-US" dirty="0" smtClean="0"/>
-              <a:t>　内包表記では基本的に１つの命令しか実行できない。</a:t>
-            </a:r>
-            <a:endParaRPr lang="en-US" altLang="ja-JP" dirty="0"/>
-          </a:p>
-          <a:p>
-            <a:pPr marL="0" indent="0">
-              <a:buNone/>
-            </a:pPr>
-            <a:endParaRPr kumimoji="1" lang="en-US" altLang="ja-JP" dirty="0" smtClean="0"/>
-          </a:p>
-          <a:p>
-            <a:pPr marL="0" indent="0">
-              <a:buNone/>
-            </a:pPr>
-            <a:r>
-              <a:rPr lang="ja-JP" altLang="en-US" dirty="0"/>
-              <a:t>　</a:t>
-            </a:r>
-            <a:r>
-              <a:rPr lang="ja-JP" altLang="en-US" dirty="0" smtClean="0"/>
-              <a:t>次のコードを考える</a:t>
-            </a:r>
-            <a:endParaRPr lang="en-US" altLang="ja-JP" dirty="0" smtClean="0"/>
-          </a:p>
-          <a:p>
-            <a:pPr marL="0" indent="0">
-              <a:buNone/>
-            </a:pPr>
-            <a:r>
-              <a:rPr kumimoji="1" lang="en-US" altLang="ja-JP" sz="2400" dirty="0"/>
-              <a:t>	</a:t>
-            </a:r>
-            <a:r>
-              <a:rPr lang="en-US" altLang="ja-JP" sz="2400" dirty="0" smtClean="0"/>
-              <a:t>[[</a:t>
-            </a:r>
-            <a:r>
-              <a:rPr lang="en-US" altLang="ja-JP" sz="2400" dirty="0" err="1"/>
-              <a:t>a.extend</a:t>
-            </a:r>
-            <a:r>
-              <a:rPr lang="en-US" altLang="ja-JP" sz="2400" dirty="0"/>
-              <a:t>([a[0]-2]), </a:t>
-            </a:r>
-            <a:r>
-              <a:rPr lang="en-US" altLang="ja-JP" sz="2400" dirty="0" err="1"/>
-              <a:t>a.extend</a:t>
-            </a:r>
-            <a:r>
-              <a:rPr lang="en-US" altLang="ja-JP" sz="2400" dirty="0"/>
-              <a:t>([a[1]+1]), a[2]][2] for a in [[1</a:t>
-            </a:r>
-            <a:r>
-              <a:rPr lang="en-US" altLang="ja-JP" sz="2400" dirty="0" smtClean="0"/>
-              <a:t>]]]</a:t>
-            </a:r>
-            <a:endParaRPr lang="en-US" altLang="ja-JP" sz="2400" dirty="0"/>
-          </a:p>
-          <a:p>
-            <a:pPr marL="0" indent="0">
-              <a:buNone/>
-            </a:pPr>
-            <a:r>
-              <a:rPr kumimoji="1" lang="ja-JP" altLang="en-US" dirty="0"/>
-              <a:t>　</a:t>
-            </a:r>
-            <a:endParaRPr kumimoji="1" lang="en-US" altLang="ja-JP" dirty="0" smtClean="0"/>
-          </a:p>
-          <a:p>
-            <a:pPr marL="0" indent="0">
-              <a:buNone/>
-            </a:pPr>
-            <a:r>
-              <a:rPr lang="ja-JP" altLang="en-US" dirty="0" smtClean="0"/>
-              <a:t>最初の</a:t>
-            </a:r>
-            <a:r>
-              <a:rPr lang="en-US" altLang="ja-JP" dirty="0" smtClean="0"/>
-              <a:t>[]</a:t>
-            </a:r>
-            <a:r>
-              <a:rPr lang="ja-JP" altLang="en-US" dirty="0" smtClean="0"/>
-              <a:t>は先に</a:t>
-            </a:r>
-            <a:r>
-              <a:rPr lang="en-US" altLang="ja-JP" dirty="0"/>
-              <a:t>a[0].append(a[0]-2)</a:t>
-            </a:r>
-            <a:r>
-              <a:rPr lang="ja-JP" altLang="en-US" dirty="0" err="1" smtClean="0"/>
-              <a:t>が評</a:t>
-            </a:r>
-            <a:r>
-              <a:rPr lang="ja-JP" altLang="en-US" dirty="0" smtClean="0"/>
-              <a:t>価された後に、</a:t>
-            </a:r>
-            <a:r>
-              <a:rPr lang="en-US" altLang="ja-JP" dirty="0"/>
-              <a:t>a[0].append(a[0</a:t>
-            </a:r>
-            <a:r>
-              <a:rPr lang="en-US" altLang="ja-JP" dirty="0" smtClean="0"/>
-              <a:t>]+1)</a:t>
-            </a:r>
-            <a:r>
-              <a:rPr lang="ja-JP" altLang="en-US" dirty="0" smtClean="0"/>
-              <a:t> 、最後に</a:t>
-            </a:r>
-            <a:r>
-              <a:rPr lang="en-US" altLang="ja-JP" dirty="0" smtClean="0"/>
-              <a:t>a[2]</a:t>
-            </a:r>
-            <a:r>
-              <a:rPr lang="ja-JP" altLang="en-US" dirty="0" err="1" smtClean="0"/>
-              <a:t>が評</a:t>
-            </a:r>
-            <a:r>
-              <a:rPr lang="ja-JP" altLang="en-US" dirty="0" smtClean="0"/>
-              <a:t>価されそれぞれの結果を要素に持つリストが生成される。</a:t>
-            </a:r>
-            <a:endParaRPr lang="en-US" altLang="ja-JP" dirty="0" smtClean="0"/>
-          </a:p>
-          <a:p>
-            <a:pPr marL="0" indent="0">
-              <a:buNone/>
-            </a:pPr>
-            <a:r>
-              <a:rPr lang="ja-JP" altLang="en-US" dirty="0"/>
-              <a:t>　</a:t>
-            </a:r>
-            <a:r>
-              <a:rPr lang="ja-JP" altLang="en-US" dirty="0" smtClean="0"/>
-              <a:t>この場合の結果は</a:t>
-            </a:r>
-            <a:r>
-              <a:rPr lang="en-US" altLang="ja-JP" dirty="0" smtClean="0"/>
-              <a:t>[0]</a:t>
-            </a:r>
-          </a:p>
-          <a:p>
-            <a:pPr marL="0" indent="0">
-              <a:buNone/>
-            </a:pPr>
-            <a:endParaRPr lang="en-US" altLang="ja-JP" dirty="0" smtClean="0"/>
-          </a:p>
-          <a:p>
-            <a:pPr marL="0" indent="0">
-              <a:buNone/>
-            </a:pPr>
-            <a:r>
-              <a:rPr lang="ja-JP" altLang="en-US" dirty="0"/>
-              <a:t>　</a:t>
-            </a:r>
-            <a:r>
-              <a:rPr lang="ja-JP" altLang="en-US" dirty="0" smtClean="0"/>
-              <a:t>内包表記内で複数の命令を行うことができた。</a:t>
-            </a:r>
-            <a:endParaRPr lang="en-US" altLang="ja-JP" dirty="0" smtClean="0"/>
           </a:p>
         </p:txBody>
       </p:sp>
@@ -7887,404 +7446,7 @@
   <p:timing>
     <p:tnLst>
       <p:par>
-        <p:cTn id="1" dur="indefinite" restart="never" nodeType="tmRoot">
-          <p:childTnLst>
-            <p:seq concurrent="1" nextAc="seek">
-              <p:cTn id="2" dur="indefinite" nodeType="mainSeq">
-                <p:childTnLst>
-                  <p:par>
-                    <p:cTn id="3" fill="hold">
-                      <p:stCondLst>
-                        <p:cond delay="indefinite"/>
-                      </p:stCondLst>
-                      <p:childTnLst>
-                        <p:par>
-                          <p:cTn id="4" fill="hold">
-                            <p:stCondLst>
-                              <p:cond delay="0"/>
-                            </p:stCondLst>
-                            <p:childTnLst>
-                              <p:par>
-                                <p:cTn id="5" presetID="1" presetClass="entr" presetSubtype="0" fill="hold" nodeType="clickEffect">
-                                  <p:stCondLst>
-                                    <p:cond delay="0"/>
-                                  </p:stCondLst>
-                                  <p:childTnLst>
-                                    <p:set>
-                                      <p:cBhvr>
-                                        <p:cTn id="6" dur="1" fill="hold">
-                                          <p:stCondLst>
-                                            <p:cond delay="0"/>
-                                          </p:stCondLst>
-                                        </p:cTn>
-                                        <p:tgtEl>
-                                          <p:spTgt spid="3">
-                                            <p:txEl>
-                                              <p:pRg st="0" end="0"/>
-                                            </p:txEl>
-                                          </p:spTgt>
-                                        </p:tgtEl>
-                                        <p:attrNameLst>
-                                          <p:attrName>style.visibility</p:attrName>
-                                        </p:attrNameLst>
-                                      </p:cBhvr>
-                                      <p:to>
-                                        <p:strVal val="visible"/>
-                                      </p:to>
-                                    </p:set>
-                                  </p:childTnLst>
-                                </p:cTn>
-                              </p:par>
-                            </p:childTnLst>
-                          </p:cTn>
-                        </p:par>
-                      </p:childTnLst>
-                    </p:cTn>
-                  </p:par>
-                  <p:par>
-                    <p:cTn id="7" fill="hold">
-                      <p:stCondLst>
-                        <p:cond delay="indefinite"/>
-                      </p:stCondLst>
-                      <p:childTnLst>
-                        <p:par>
-                          <p:cTn id="8" fill="hold">
-                            <p:stCondLst>
-                              <p:cond delay="0"/>
-                            </p:stCondLst>
-                            <p:childTnLst>
-                              <p:par>
-                                <p:cTn id="9" presetID="1" presetClass="entr" presetSubtype="0" fill="hold" nodeType="clickEffect">
-                                  <p:stCondLst>
-                                    <p:cond delay="0"/>
-                                  </p:stCondLst>
-                                  <p:childTnLst>
-                                    <p:set>
-                                      <p:cBhvr>
-                                        <p:cTn id="10" dur="1" fill="hold">
-                                          <p:stCondLst>
-                                            <p:cond delay="0"/>
-                                          </p:stCondLst>
-                                        </p:cTn>
-                                        <p:tgtEl>
-                                          <p:spTgt spid="3">
-                                            <p:txEl>
-                                              <p:pRg st="1" end="1"/>
-                                            </p:txEl>
-                                          </p:spTgt>
-                                        </p:tgtEl>
-                                        <p:attrNameLst>
-                                          <p:attrName>style.visibility</p:attrName>
-                                        </p:attrNameLst>
-                                      </p:cBhvr>
-                                      <p:to>
-                                        <p:strVal val="visible"/>
-                                      </p:to>
-                                    </p:set>
-                                  </p:childTnLst>
-                                </p:cTn>
-                              </p:par>
-                            </p:childTnLst>
-                          </p:cTn>
-                        </p:par>
-                      </p:childTnLst>
-                    </p:cTn>
-                  </p:par>
-                  <p:par>
-                    <p:cTn id="11" fill="hold">
-                      <p:stCondLst>
-                        <p:cond delay="indefinite"/>
-                      </p:stCondLst>
-                      <p:childTnLst>
-                        <p:par>
-                          <p:cTn id="12" fill="hold">
-                            <p:stCondLst>
-                              <p:cond delay="0"/>
-                            </p:stCondLst>
-                            <p:childTnLst>
-                              <p:par>
-                                <p:cTn id="13" presetID="1" presetClass="entr" presetSubtype="0" fill="hold" nodeType="clickEffect">
-                                  <p:stCondLst>
-                                    <p:cond delay="0"/>
-                                  </p:stCondLst>
-                                  <p:childTnLst>
-                                    <p:set>
-                                      <p:cBhvr>
-                                        <p:cTn id="14" dur="1" fill="hold">
-                                          <p:stCondLst>
-                                            <p:cond delay="0"/>
-                                          </p:stCondLst>
-                                        </p:cTn>
-                                        <p:tgtEl>
-                                          <p:spTgt spid="3">
-                                            <p:txEl>
-                                              <p:pRg st="3" end="3"/>
-                                            </p:txEl>
-                                          </p:spTgt>
-                                        </p:tgtEl>
-                                        <p:attrNameLst>
-                                          <p:attrName>style.visibility</p:attrName>
-                                        </p:attrNameLst>
-                                      </p:cBhvr>
-                                      <p:to>
-                                        <p:strVal val="visible"/>
-                                      </p:to>
-                                    </p:set>
-                                  </p:childTnLst>
-                                </p:cTn>
-                              </p:par>
-                            </p:childTnLst>
-                          </p:cTn>
-                        </p:par>
-                      </p:childTnLst>
-                    </p:cTn>
-                  </p:par>
-                  <p:par>
-                    <p:cTn id="15" fill="hold">
-                      <p:stCondLst>
-                        <p:cond delay="indefinite"/>
-                      </p:stCondLst>
-                      <p:childTnLst>
-                        <p:par>
-                          <p:cTn id="16" fill="hold">
-                            <p:stCondLst>
-                              <p:cond delay="0"/>
-                            </p:stCondLst>
-                            <p:childTnLst>
-                              <p:par>
-                                <p:cTn id="17" presetID="1" presetClass="entr" presetSubtype="0" fill="hold" nodeType="clickEffect">
-                                  <p:stCondLst>
-                                    <p:cond delay="0"/>
-                                  </p:stCondLst>
-                                  <p:childTnLst>
-                                    <p:set>
-                                      <p:cBhvr>
-                                        <p:cTn id="18" dur="1" fill="hold">
-                                          <p:stCondLst>
-                                            <p:cond delay="0"/>
-                                          </p:stCondLst>
-                                        </p:cTn>
-                                        <p:tgtEl>
-                                          <p:spTgt spid="3">
-                                            <p:txEl>
-                                              <p:pRg st="4" end="4"/>
-                                            </p:txEl>
-                                          </p:spTgt>
-                                        </p:tgtEl>
-                                        <p:attrNameLst>
-                                          <p:attrName>style.visibility</p:attrName>
-                                        </p:attrNameLst>
-                                      </p:cBhvr>
-                                      <p:to>
-                                        <p:strVal val="visible"/>
-                                      </p:to>
-                                    </p:set>
-                                  </p:childTnLst>
-                                </p:cTn>
-                              </p:par>
-                              <p:par>
-                                <p:cTn id="19" presetID="1" presetClass="entr" presetSubtype="0" fill="hold" nodeType="withEffect">
-                                  <p:stCondLst>
-                                    <p:cond delay="0"/>
-                                  </p:stCondLst>
-                                  <p:childTnLst>
-                                    <p:set>
-                                      <p:cBhvr>
-                                        <p:cTn id="20" dur="1" fill="hold">
-                                          <p:stCondLst>
-                                            <p:cond delay="0"/>
-                                          </p:stCondLst>
-                                        </p:cTn>
-                                        <p:tgtEl>
-                                          <p:spTgt spid="3">
-                                            <p:txEl>
-                                              <p:pRg st="5" end="5"/>
-                                            </p:txEl>
-                                          </p:spTgt>
-                                        </p:tgtEl>
-                                        <p:attrNameLst>
-                                          <p:attrName>style.visibility</p:attrName>
-                                        </p:attrNameLst>
-                                      </p:cBhvr>
-                                      <p:to>
-                                        <p:strVal val="visible"/>
-                                      </p:to>
-                                    </p:set>
-                                  </p:childTnLst>
-                                </p:cTn>
-                              </p:par>
-                            </p:childTnLst>
-                          </p:cTn>
-                        </p:par>
-                      </p:childTnLst>
-                    </p:cTn>
-                  </p:par>
-                  <p:par>
-                    <p:cTn id="21" fill="hold">
-                      <p:stCondLst>
-                        <p:cond delay="indefinite"/>
-                      </p:stCondLst>
-                      <p:childTnLst>
-                        <p:par>
-                          <p:cTn id="22" fill="hold">
-                            <p:stCondLst>
-                              <p:cond delay="0"/>
-                            </p:stCondLst>
-                            <p:childTnLst>
-                              <p:par>
-                                <p:cTn id="23" presetID="1" presetClass="entr" presetSubtype="0" fill="hold" nodeType="clickEffect">
-                                  <p:stCondLst>
-                                    <p:cond delay="0"/>
-                                  </p:stCondLst>
-                                  <p:childTnLst>
-                                    <p:set>
-                                      <p:cBhvr>
-                                        <p:cTn id="24" dur="1" fill="hold">
-                                          <p:stCondLst>
-                                            <p:cond delay="0"/>
-                                          </p:stCondLst>
-                                        </p:cTn>
-                                        <p:tgtEl>
-                                          <p:spTgt spid="3">
-                                            <p:txEl>
-                                              <p:pRg st="6" end="6"/>
-                                            </p:txEl>
-                                          </p:spTgt>
-                                        </p:tgtEl>
-                                        <p:attrNameLst>
-                                          <p:attrName>style.visibility</p:attrName>
-                                        </p:attrNameLst>
-                                      </p:cBhvr>
-                                      <p:to>
-                                        <p:strVal val="visible"/>
-                                      </p:to>
-                                    </p:set>
-                                  </p:childTnLst>
-                                </p:cTn>
-                              </p:par>
-                            </p:childTnLst>
-                          </p:cTn>
-                        </p:par>
-                      </p:childTnLst>
-                    </p:cTn>
-                  </p:par>
-                  <p:par>
-                    <p:cTn id="25" fill="hold">
-                      <p:stCondLst>
-                        <p:cond delay="indefinite"/>
-                      </p:stCondLst>
-                      <p:childTnLst>
-                        <p:par>
-                          <p:cTn id="26" fill="hold">
-                            <p:stCondLst>
-                              <p:cond delay="0"/>
-                            </p:stCondLst>
-                            <p:childTnLst>
-                              <p:par>
-                                <p:cTn id="27" presetID="1" presetClass="entr" presetSubtype="0" fill="hold" nodeType="clickEffect">
-                                  <p:stCondLst>
-                                    <p:cond delay="0"/>
-                                  </p:stCondLst>
-                                  <p:childTnLst>
-                                    <p:set>
-                                      <p:cBhvr>
-                                        <p:cTn id="28" dur="1" fill="hold">
-                                          <p:stCondLst>
-                                            <p:cond delay="0"/>
-                                          </p:stCondLst>
-                                        </p:cTn>
-                                        <p:tgtEl>
-                                          <p:spTgt spid="3">
-                                            <p:txEl>
-                                              <p:pRg st="7" end="7"/>
-                                            </p:txEl>
-                                          </p:spTgt>
-                                        </p:tgtEl>
-                                        <p:attrNameLst>
-                                          <p:attrName>style.visibility</p:attrName>
-                                        </p:attrNameLst>
-                                      </p:cBhvr>
-                                      <p:to>
-                                        <p:strVal val="visible"/>
-                                      </p:to>
-                                    </p:set>
-                                  </p:childTnLst>
-                                </p:cTn>
-                              </p:par>
-                            </p:childTnLst>
-                          </p:cTn>
-                        </p:par>
-                      </p:childTnLst>
-                    </p:cTn>
-                  </p:par>
-                  <p:par>
-                    <p:cTn id="29" fill="hold">
-                      <p:stCondLst>
-                        <p:cond delay="indefinite"/>
-                      </p:stCondLst>
-                      <p:childTnLst>
-                        <p:par>
-                          <p:cTn id="30" fill="hold">
-                            <p:stCondLst>
-                              <p:cond delay="0"/>
-                            </p:stCondLst>
-                            <p:childTnLst>
-                              <p:par>
-                                <p:cTn id="31" presetID="1" presetClass="entr" presetSubtype="0" fill="hold" nodeType="clickEffect">
-                                  <p:stCondLst>
-                                    <p:cond delay="0"/>
-                                  </p:stCondLst>
-                                  <p:childTnLst>
-                                    <p:set>
-                                      <p:cBhvr>
-                                        <p:cTn id="32" dur="1" fill="hold">
-                                          <p:stCondLst>
-                                            <p:cond delay="0"/>
-                                          </p:stCondLst>
-                                        </p:cTn>
-                                        <p:tgtEl>
-                                          <p:spTgt spid="3">
-                                            <p:txEl>
-                                              <p:pRg st="9" end="9"/>
-                                            </p:txEl>
-                                          </p:spTgt>
-                                        </p:tgtEl>
-                                        <p:attrNameLst>
-                                          <p:attrName>style.visibility</p:attrName>
-                                        </p:attrNameLst>
-                                      </p:cBhvr>
-                                      <p:to>
-                                        <p:strVal val="visible"/>
-                                      </p:to>
-                                    </p:set>
-                                  </p:childTnLst>
-                                </p:cTn>
-                              </p:par>
-                            </p:childTnLst>
-                          </p:cTn>
-                        </p:par>
-                      </p:childTnLst>
-                    </p:cTn>
-                  </p:par>
-                </p:childTnLst>
-              </p:cTn>
-              <p:prevCondLst>
-                <p:cond evt="onPrev" delay="0">
-                  <p:tgtEl>
-                    <p:sldTgt/>
-                  </p:tgtEl>
-                </p:cond>
-              </p:prevCondLst>
-              <p:nextCondLst>
-                <p:cond evt="onNext" delay="0">
-                  <p:tgtEl>
-                    <p:sldTgt/>
-                  </p:tgtEl>
-                </p:cond>
-              </p:nextCondLst>
-            </p:seq>
-          </p:childTnLst>
-        </p:cTn>
+        <p:cTn id="1" dur="indefinite" restart="never" nodeType="tmRoot"/>
       </p:par>
     </p:tnLst>
   </p:timing>
@@ -8310,6 +7472,210 @@
       </p:grpSpPr>
       <p:sp>
         <p:nvSpPr>
+          <p:cNvPr id="4" name="テキスト プレースホルダー 3"/>
+          <p:cNvSpPr>
+            <a:spLocks noGrp="1"/>
+          </p:cNvSpPr>
+          <p:nvPr>
+            <p:ph type="body"/>
+          </p:nvPr>
+        </p:nvSpPr>
+        <p:spPr/>
+        <p:txBody>
+          <a:bodyPr>
+            <a:normAutofit fontScale="92500" lnSpcReduction="10000"/>
+          </a:bodyPr>
+          <a:lstStyle/>
+          <a:p>
+            <a:r>
+              <a:rPr lang="ja-JP" altLang="en-US" dirty="0"/>
+              <a:t>代入</a:t>
+            </a:r>
+            <a:endParaRPr lang="en-US" altLang="ja-JP" dirty="0"/>
+          </a:p>
+          <a:p>
+            <a:pPr marL="0" indent="0">
+              <a:buNone/>
+            </a:pPr>
+            <a:r>
+              <a:rPr lang="ja-JP" altLang="en-US" dirty="0"/>
+              <a:t>　内包表記では“代入”が使えない</a:t>
+            </a:r>
+            <a:endParaRPr lang="en-US" altLang="ja-JP" dirty="0"/>
+          </a:p>
+          <a:p>
+            <a:pPr marL="0" indent="0">
+              <a:buNone/>
+            </a:pPr>
+            <a:r>
+              <a:rPr lang="ja-JP" altLang="en-US" dirty="0"/>
+              <a:t>　ただし、</a:t>
+            </a:r>
+            <a:r>
+              <a:rPr lang="en-US" altLang="ja-JP" dirty="0"/>
+              <a:t>list</a:t>
+            </a:r>
+            <a:r>
+              <a:rPr lang="ja-JP" altLang="en-US" dirty="0"/>
+              <a:t>の</a:t>
+            </a:r>
+            <a:r>
+              <a:rPr lang="en-US" altLang="ja-JP" dirty="0"/>
+              <a:t>append</a:t>
+            </a:r>
+            <a:r>
+              <a:rPr lang="ja-JP" altLang="en-US" dirty="0"/>
+              <a:t>や</a:t>
+            </a:r>
+            <a:r>
+              <a:rPr lang="en-US" altLang="ja-JP" dirty="0"/>
+              <a:t>extend</a:t>
+            </a:r>
+            <a:r>
+              <a:rPr lang="ja-JP" altLang="en-US" dirty="0" err="1"/>
+              <a:t>、</a:t>
+            </a:r>
+            <a:r>
+              <a:rPr lang="en-US" altLang="ja-JP" dirty="0" err="1"/>
+              <a:t>dict</a:t>
+            </a:r>
+            <a:r>
+              <a:rPr lang="ja-JP" altLang="en-US" dirty="0"/>
+              <a:t>の</a:t>
+            </a:r>
+            <a:r>
+              <a:rPr lang="en-US" altLang="ja-JP" dirty="0"/>
+              <a:t>update</a:t>
+            </a:r>
+            <a:r>
+              <a:rPr lang="ja-JP" altLang="en-US" dirty="0"/>
+              <a:t>は使える。</a:t>
+            </a:r>
+            <a:endParaRPr lang="en-US" altLang="ja-JP" dirty="0"/>
+          </a:p>
+          <a:p>
+            <a:pPr marL="0" indent="0">
+              <a:buNone/>
+            </a:pPr>
+            <a:endParaRPr lang="en-US" altLang="ja-JP" dirty="0"/>
+          </a:p>
+          <a:p>
+            <a:pPr marL="0" indent="0">
+              <a:buNone/>
+            </a:pPr>
+            <a:r>
+              <a:rPr lang="ja-JP" altLang="en-US" dirty="0"/>
+              <a:t>　次のようなコードを考える</a:t>
+            </a:r>
+            <a:endParaRPr lang="en-US" altLang="ja-JP" dirty="0"/>
+          </a:p>
+          <a:p>
+            <a:pPr marL="0" indent="0">
+              <a:buNone/>
+            </a:pPr>
+            <a:r>
+              <a:rPr lang="en-US" altLang="ja-JP" dirty="0"/>
+              <a:t>	[[</a:t>
+            </a:r>
+            <a:r>
+              <a:rPr lang="en-US" altLang="ja-JP" dirty="0" err="1"/>
+              <a:t>v.update</a:t>
+            </a:r>
+            <a:r>
+              <a:rPr lang="en-US" altLang="ja-JP" dirty="0"/>
+              <a:t>({j:1}), v][1] for v in [</a:t>
+            </a:r>
+            <a:r>
+              <a:rPr lang="en-US" altLang="ja-JP" dirty="0" err="1"/>
+              <a:t>dict</a:t>
+            </a:r>
+            <a:r>
+              <a:rPr lang="en-US" altLang="ja-JP" dirty="0"/>
+              <a:t>()] for j in ["a"]]</a:t>
+            </a:r>
+          </a:p>
+          <a:p>
+            <a:pPr marL="0" indent="0">
+              <a:buNone/>
+            </a:pPr>
+            <a:r>
+              <a:rPr lang="ja-JP" altLang="en-US" dirty="0"/>
+              <a:t>　この時のリストの中身は</a:t>
+            </a:r>
+            <a:r>
+              <a:rPr lang="en-US" altLang="ja-JP" dirty="0"/>
+              <a:t>{“a”:1}</a:t>
+            </a:r>
+            <a:r>
+              <a:rPr lang="ja-JP" altLang="en-US" dirty="0" err="1"/>
+              <a:t>、</a:t>
+            </a:r>
+            <a:r>
+              <a:rPr lang="ja-JP" altLang="en-US" dirty="0"/>
+              <a:t>つまり</a:t>
+            </a:r>
+            <a:r>
+              <a:rPr lang="en-US" altLang="ja-JP" dirty="0"/>
+              <a:t>a</a:t>
+            </a:r>
+            <a:r>
+              <a:rPr lang="ja-JP" altLang="en-US" dirty="0"/>
+              <a:t>と</a:t>
+            </a:r>
+            <a:r>
+              <a:rPr lang="en-US" altLang="ja-JP" dirty="0"/>
+              <a:t>1</a:t>
+            </a:r>
+            <a:r>
+              <a:rPr lang="ja-JP" altLang="en-US" dirty="0"/>
+              <a:t>が対応</a:t>
+            </a:r>
+            <a:endParaRPr lang="en-US" altLang="ja-JP" dirty="0"/>
+          </a:p>
+          <a:p>
+            <a:pPr marL="0" indent="0">
+              <a:buNone/>
+            </a:pPr>
+            <a:r>
+              <a:rPr lang="en-US" altLang="ja-JP" dirty="0"/>
+              <a:t>	</a:t>
+            </a:r>
+            <a:r>
+              <a:rPr lang="ja-JP" altLang="en-US" dirty="0"/>
+              <a:t>→変数の代わりにつかえる</a:t>
+            </a:r>
+            <a:endParaRPr lang="en-US" altLang="ja-JP" dirty="0"/>
+          </a:p>
+          <a:p>
+            <a:endParaRPr lang="en-US" altLang="ja-JP" dirty="0"/>
+          </a:p>
+          <a:p>
+            <a:pPr marL="0" indent="0">
+              <a:buNone/>
+            </a:pPr>
+            <a:r>
+              <a:rPr lang="ja-JP" altLang="en-US" dirty="0"/>
+              <a:t>　</a:t>
+            </a:r>
+            <a:r>
+              <a:rPr lang="en-US" altLang="ja-JP" dirty="0"/>
+              <a:t>update</a:t>
+            </a:r>
+            <a:r>
+              <a:rPr lang="ja-JP" altLang="en-US" dirty="0"/>
+              <a:t>は同じキーを更新するからより好都合</a:t>
+            </a:r>
+          </a:p>
+          <a:p>
+            <a:pPr marL="0" indent="0">
+              <a:buNone/>
+            </a:pPr>
+            <a:endParaRPr kumimoji="1" lang="ja-JP" altLang="en-US" dirty="0"/>
+          </a:p>
+        </p:txBody>
+      </p:sp>
+      <p:sp>
+        <p:nvSpPr>
           <p:cNvPr id="2" name="タイトル 1"/>
           <p:cNvSpPr>
             <a:spLocks noGrp="1"/>
@@ -8330,218 +7696,6 @@
             <a:r>
               <a:rPr lang="ja-JP" altLang="en-US" dirty="0"/>
               <a:t>芸の手法</a:t>
-            </a:r>
-            <a:endParaRPr kumimoji="1" lang="ja-JP" altLang="en-US" dirty="0"/>
-          </a:p>
-        </p:txBody>
-      </p:sp>
-      <p:sp>
-        <p:nvSpPr>
-          <p:cNvPr id="3" name="テキスト プレースホルダー 2"/>
-          <p:cNvSpPr>
-            <a:spLocks noGrp="1"/>
-          </p:cNvSpPr>
-          <p:nvPr>
-            <p:ph type="body"/>
-          </p:nvPr>
-        </p:nvSpPr>
-        <p:spPr>
-          <a:xfrm>
-            <a:off x="503640" y="1800000"/>
-            <a:ext cx="9070920" cy="5350308"/>
-          </a:xfrm>
-        </p:spPr>
-        <p:txBody>
-          <a:bodyPr>
-            <a:normAutofit/>
-          </a:bodyPr>
-          <a:lstStyle/>
-          <a:p>
-            <a:r>
-              <a:rPr lang="ja-JP" altLang="en-US" dirty="0" smtClean="0"/>
-              <a:t>代入</a:t>
-            </a:r>
-            <a:endParaRPr lang="en-US" altLang="ja-JP" dirty="0" smtClean="0"/>
-          </a:p>
-          <a:p>
-            <a:pPr marL="0" indent="0">
-              <a:buNone/>
-            </a:pPr>
-            <a:r>
-              <a:rPr lang="ja-JP" altLang="en-US" dirty="0" smtClean="0"/>
-              <a:t>　内包表記では“代入”が使えない</a:t>
-            </a:r>
-            <a:endParaRPr lang="en-US" altLang="ja-JP" dirty="0" smtClean="0"/>
-          </a:p>
-          <a:p>
-            <a:pPr marL="0" indent="0">
-              <a:buNone/>
-            </a:pPr>
-            <a:r>
-              <a:rPr lang="ja-JP" altLang="en-US" dirty="0" smtClean="0"/>
-              <a:t>　ただし、</a:t>
-            </a:r>
-            <a:r>
-              <a:rPr lang="en-US" altLang="ja-JP" dirty="0" smtClean="0"/>
-              <a:t>list</a:t>
-            </a:r>
-            <a:r>
-              <a:rPr lang="ja-JP" altLang="en-US" dirty="0" smtClean="0"/>
-              <a:t>の</a:t>
-            </a:r>
-            <a:r>
-              <a:rPr lang="en-US" altLang="ja-JP" dirty="0" smtClean="0"/>
-              <a:t>append</a:t>
-            </a:r>
-            <a:r>
-              <a:rPr lang="ja-JP" altLang="en-US" dirty="0" smtClean="0"/>
-              <a:t>や</a:t>
-            </a:r>
-            <a:r>
-              <a:rPr lang="en-US" altLang="ja-JP" dirty="0" smtClean="0"/>
-              <a:t>extend</a:t>
-            </a:r>
-            <a:r>
-              <a:rPr lang="ja-JP" altLang="en-US" dirty="0" err="1" smtClean="0"/>
-              <a:t>、</a:t>
-            </a:r>
-            <a:r>
-              <a:rPr lang="en-US" altLang="ja-JP" dirty="0" err="1" smtClean="0"/>
-              <a:t>dict</a:t>
-            </a:r>
-            <a:r>
-              <a:rPr lang="ja-JP" altLang="en-US" dirty="0" smtClean="0"/>
-              <a:t>の</a:t>
-            </a:r>
-            <a:r>
-              <a:rPr lang="en-US" altLang="ja-JP" dirty="0" smtClean="0"/>
-              <a:t>update</a:t>
-            </a:r>
-            <a:r>
-              <a:rPr lang="ja-JP" altLang="en-US" dirty="0" smtClean="0"/>
-              <a:t>は使える。</a:t>
-            </a:r>
-            <a:endParaRPr lang="en-US" altLang="ja-JP" dirty="0" smtClean="0"/>
-          </a:p>
-          <a:p>
-            <a:pPr marL="0" indent="0">
-              <a:buNone/>
-            </a:pPr>
-            <a:endParaRPr lang="en-US" altLang="ja-JP" dirty="0" smtClean="0"/>
-          </a:p>
-          <a:p>
-            <a:pPr marL="0" indent="0">
-              <a:buNone/>
-            </a:pPr>
-            <a:r>
-              <a:rPr lang="ja-JP" altLang="en-US" dirty="0" smtClean="0"/>
-              <a:t>　次のようなコードを考える</a:t>
-            </a:r>
-            <a:endParaRPr lang="en-US" altLang="ja-JP" dirty="0" smtClean="0"/>
-          </a:p>
-          <a:p>
-            <a:pPr marL="0" indent="0">
-              <a:buNone/>
-            </a:pPr>
-            <a:r>
-              <a:rPr lang="en-US" altLang="ja-JP" dirty="0"/>
-              <a:t>	</a:t>
-            </a:r>
-            <a:r>
-              <a:rPr lang="en-US" altLang="ja-JP" dirty="0" smtClean="0"/>
-              <a:t>[[</a:t>
-            </a:r>
-            <a:r>
-              <a:rPr lang="en-US" altLang="ja-JP" dirty="0" err="1" smtClean="0"/>
-              <a:t>v.update</a:t>
-            </a:r>
-            <a:r>
-              <a:rPr lang="en-US" altLang="ja-JP" dirty="0" smtClean="0"/>
-              <a:t>({j:1}), v][1] for v in [</a:t>
-            </a:r>
-            <a:r>
-              <a:rPr lang="en-US" altLang="ja-JP" dirty="0" err="1" smtClean="0"/>
-              <a:t>dict</a:t>
-            </a:r>
-            <a:r>
-              <a:rPr lang="en-US" altLang="ja-JP" dirty="0" smtClean="0"/>
-              <a:t>()] for j in ["a"]]</a:t>
-            </a:r>
-          </a:p>
-          <a:p>
-            <a:pPr marL="0" indent="0">
-              <a:buNone/>
-            </a:pPr>
-            <a:r>
-              <a:rPr lang="ja-JP" altLang="en-US" dirty="0" smtClean="0"/>
-              <a:t>　この時のリスト</a:t>
-            </a:r>
-            <a:r>
-              <a:rPr lang="ja-JP" altLang="en-US" dirty="0" smtClean="0"/>
-              <a:t>の中身は</a:t>
-            </a:r>
-            <a:r>
-              <a:rPr lang="en-US" altLang="ja-JP" dirty="0" smtClean="0"/>
-              <a:t>{“a”:1}</a:t>
-            </a:r>
-            <a:r>
-              <a:rPr lang="ja-JP" altLang="en-US" dirty="0" err="1" smtClean="0"/>
-              <a:t>、</a:t>
-            </a:r>
-            <a:r>
-              <a:rPr lang="ja-JP" altLang="en-US" dirty="0" smtClean="0"/>
-              <a:t>つまり</a:t>
-            </a:r>
-            <a:r>
-              <a:rPr lang="en-US" altLang="ja-JP" dirty="0" smtClean="0"/>
-              <a:t>a</a:t>
-            </a:r>
-            <a:r>
-              <a:rPr lang="ja-JP" altLang="en-US" dirty="0" smtClean="0"/>
-              <a:t>と</a:t>
-            </a:r>
-            <a:r>
-              <a:rPr lang="en-US" altLang="ja-JP" dirty="0" smtClean="0"/>
-              <a:t>1</a:t>
-            </a:r>
-            <a:r>
-              <a:rPr lang="ja-JP" altLang="en-US" dirty="0" smtClean="0"/>
-              <a:t>が対応</a:t>
-            </a:r>
-            <a:endParaRPr lang="en-US" altLang="ja-JP" dirty="0" smtClean="0"/>
-          </a:p>
-          <a:p>
-            <a:pPr marL="0" indent="0">
-              <a:buNone/>
-            </a:pPr>
-            <a:r>
-              <a:rPr lang="en-US" altLang="ja-JP" dirty="0"/>
-              <a:t>	</a:t>
-            </a:r>
-            <a:r>
-              <a:rPr lang="ja-JP" altLang="en-US" dirty="0" smtClean="0"/>
-              <a:t>→変数の代わりにつかえる</a:t>
-            </a:r>
-            <a:endParaRPr lang="en-US" altLang="ja-JP" dirty="0" smtClean="0"/>
-          </a:p>
-          <a:p>
-            <a:endParaRPr kumimoji="1" lang="en-US" altLang="ja-JP" dirty="0" smtClean="0"/>
-          </a:p>
-          <a:p>
-            <a:pPr marL="0" indent="0">
-              <a:buNone/>
-            </a:pPr>
-            <a:r>
-              <a:rPr lang="ja-JP" altLang="en-US" dirty="0"/>
-              <a:t>　</a:t>
-            </a:r>
-            <a:r>
-              <a:rPr lang="en-US" altLang="ja-JP" dirty="0" smtClean="0"/>
-              <a:t>update</a:t>
-            </a:r>
-            <a:r>
-              <a:rPr lang="ja-JP" altLang="en-US" dirty="0" smtClean="0"/>
-              <a:t>は同じキーを更新するからより好都合</a:t>
             </a:r>
             <a:endParaRPr kumimoji="1" lang="ja-JP" altLang="en-US" dirty="0"/>
           </a:p>
@@ -8560,422 +7714,7 @@
   <p:timing>
     <p:tnLst>
       <p:par>
-        <p:cTn id="1" dur="indefinite" restart="never" nodeType="tmRoot">
-          <p:childTnLst>
-            <p:seq concurrent="1" nextAc="seek">
-              <p:cTn id="2" dur="indefinite" nodeType="mainSeq">
-                <p:childTnLst>
-                  <p:par>
-                    <p:cTn id="3" fill="hold">
-                      <p:stCondLst>
-                        <p:cond delay="indefinite"/>
-                      </p:stCondLst>
-                      <p:childTnLst>
-                        <p:par>
-                          <p:cTn id="4" fill="hold">
-                            <p:stCondLst>
-                              <p:cond delay="0"/>
-                            </p:stCondLst>
-                            <p:childTnLst>
-                              <p:par>
-                                <p:cTn id="5" presetID="1" presetClass="entr" presetSubtype="0" fill="hold" nodeType="clickEffect">
-                                  <p:stCondLst>
-                                    <p:cond delay="0"/>
-                                  </p:stCondLst>
-                                  <p:childTnLst>
-                                    <p:set>
-                                      <p:cBhvr>
-                                        <p:cTn id="6" dur="1" fill="hold">
-                                          <p:stCondLst>
-                                            <p:cond delay="0"/>
-                                          </p:stCondLst>
-                                        </p:cTn>
-                                        <p:tgtEl>
-                                          <p:spTgt spid="3">
-                                            <p:txEl>
-                                              <p:pRg st="0" end="0"/>
-                                            </p:txEl>
-                                          </p:spTgt>
-                                        </p:tgtEl>
-                                        <p:attrNameLst>
-                                          <p:attrName>style.visibility</p:attrName>
-                                        </p:attrNameLst>
-                                      </p:cBhvr>
-                                      <p:to>
-                                        <p:strVal val="visible"/>
-                                      </p:to>
-                                    </p:set>
-                                  </p:childTnLst>
-                                </p:cTn>
-                              </p:par>
-                            </p:childTnLst>
-                          </p:cTn>
-                        </p:par>
-                      </p:childTnLst>
-                    </p:cTn>
-                  </p:par>
-                  <p:par>
-                    <p:cTn id="7" fill="hold">
-                      <p:stCondLst>
-                        <p:cond delay="indefinite"/>
-                      </p:stCondLst>
-                      <p:childTnLst>
-                        <p:par>
-                          <p:cTn id="8" fill="hold">
-                            <p:stCondLst>
-                              <p:cond delay="0"/>
-                            </p:stCondLst>
-                            <p:childTnLst>
-                              <p:par>
-                                <p:cTn id="9" presetID="1" presetClass="entr" presetSubtype="0" fill="hold" nodeType="clickEffect">
-                                  <p:stCondLst>
-                                    <p:cond delay="0"/>
-                                  </p:stCondLst>
-                                  <p:childTnLst>
-                                    <p:set>
-                                      <p:cBhvr>
-                                        <p:cTn id="10" dur="1" fill="hold">
-                                          <p:stCondLst>
-                                            <p:cond delay="0"/>
-                                          </p:stCondLst>
-                                        </p:cTn>
-                                        <p:tgtEl>
-                                          <p:spTgt spid="3">
-                                            <p:txEl>
-                                              <p:pRg st="1" end="1"/>
-                                            </p:txEl>
-                                          </p:spTgt>
-                                        </p:tgtEl>
-                                        <p:attrNameLst>
-                                          <p:attrName>style.visibility</p:attrName>
-                                        </p:attrNameLst>
-                                      </p:cBhvr>
-                                      <p:to>
-                                        <p:strVal val="visible"/>
-                                      </p:to>
-                                    </p:set>
-                                  </p:childTnLst>
-                                </p:cTn>
-                              </p:par>
-                            </p:childTnLst>
-                          </p:cTn>
-                        </p:par>
-                      </p:childTnLst>
-                    </p:cTn>
-                  </p:par>
-                  <p:par>
-                    <p:cTn id="11" fill="hold">
-                      <p:stCondLst>
-                        <p:cond delay="indefinite"/>
-                      </p:stCondLst>
-                      <p:childTnLst>
-                        <p:par>
-                          <p:cTn id="12" fill="hold">
-                            <p:stCondLst>
-                              <p:cond delay="0"/>
-                            </p:stCondLst>
-                            <p:childTnLst>
-                              <p:par>
-                                <p:cTn id="13" presetID="1" presetClass="entr" presetSubtype="0" fill="hold" nodeType="clickEffect">
-                                  <p:stCondLst>
-                                    <p:cond delay="0"/>
-                                  </p:stCondLst>
-                                  <p:childTnLst>
-                                    <p:set>
-                                      <p:cBhvr>
-                                        <p:cTn id="14" dur="1" fill="hold">
-                                          <p:stCondLst>
-                                            <p:cond delay="0"/>
-                                          </p:stCondLst>
-                                        </p:cTn>
-                                        <p:tgtEl>
-                                          <p:spTgt spid="3">
-                                            <p:txEl>
-                                              <p:pRg st="2" end="2"/>
-                                            </p:txEl>
-                                          </p:spTgt>
-                                        </p:tgtEl>
-                                        <p:attrNameLst>
-                                          <p:attrName>style.visibility</p:attrName>
-                                        </p:attrNameLst>
-                                      </p:cBhvr>
-                                      <p:to>
-                                        <p:strVal val="visible"/>
-                                      </p:to>
-                                    </p:set>
-                                  </p:childTnLst>
-                                </p:cTn>
-                              </p:par>
-                            </p:childTnLst>
-                          </p:cTn>
-                        </p:par>
-                      </p:childTnLst>
-                    </p:cTn>
-                  </p:par>
-                  <p:par>
-                    <p:cTn id="15" fill="hold">
-                      <p:stCondLst>
-                        <p:cond delay="indefinite"/>
-                      </p:stCondLst>
-                      <p:childTnLst>
-                        <p:par>
-                          <p:cTn id="16" fill="hold">
-                            <p:stCondLst>
-                              <p:cond delay="0"/>
-                            </p:stCondLst>
-                            <p:childTnLst>
-                              <p:par>
-                                <p:cTn id="17" presetID="1" presetClass="entr" presetSubtype="0" fill="hold" nodeType="clickEffect">
-                                  <p:stCondLst>
-                                    <p:cond delay="0"/>
-                                  </p:stCondLst>
-                                  <p:childTnLst>
-                                    <p:set>
-                                      <p:cBhvr>
-                                        <p:cTn id="18" dur="1" fill="hold">
-                                          <p:stCondLst>
-                                            <p:cond delay="0"/>
-                                          </p:stCondLst>
-                                        </p:cTn>
-                                        <p:tgtEl>
-                                          <p:spTgt spid="3">
-                                            <p:txEl>
-                                              <p:pRg st="4" end="4"/>
-                                            </p:txEl>
-                                          </p:spTgt>
-                                        </p:tgtEl>
-                                        <p:attrNameLst>
-                                          <p:attrName>style.visibility</p:attrName>
-                                        </p:attrNameLst>
-                                      </p:cBhvr>
-                                      <p:to>
-                                        <p:strVal val="visible"/>
-                                      </p:to>
-                                    </p:set>
-                                  </p:childTnLst>
-                                </p:cTn>
-                              </p:par>
-                            </p:childTnLst>
-                          </p:cTn>
-                        </p:par>
-                      </p:childTnLst>
-                    </p:cTn>
-                  </p:par>
-                  <p:par>
-                    <p:cTn id="19" fill="hold">
-                      <p:stCondLst>
-                        <p:cond delay="indefinite"/>
-                      </p:stCondLst>
-                      <p:childTnLst>
-                        <p:par>
-                          <p:cTn id="20" fill="hold">
-                            <p:stCondLst>
-                              <p:cond delay="0"/>
-                            </p:stCondLst>
-                            <p:childTnLst>
-                              <p:par>
-                                <p:cTn id="21" presetID="1" presetClass="entr" presetSubtype="0" fill="hold" nodeType="clickEffect">
-                                  <p:stCondLst>
-                                    <p:cond delay="0"/>
-                                  </p:stCondLst>
-                                  <p:childTnLst>
-                                    <p:set>
-                                      <p:cBhvr>
-                                        <p:cTn id="22" dur="1" fill="hold">
-                                          <p:stCondLst>
-                                            <p:cond delay="0"/>
-                                          </p:stCondLst>
-                                        </p:cTn>
-                                        <p:tgtEl>
-                                          <p:spTgt spid="3">
-                                            <p:txEl>
-                                              <p:pRg st="5" end="5"/>
-                                            </p:txEl>
-                                          </p:spTgt>
-                                        </p:tgtEl>
-                                        <p:attrNameLst>
-                                          <p:attrName>style.visibility</p:attrName>
-                                        </p:attrNameLst>
-                                      </p:cBhvr>
-                                      <p:to>
-                                        <p:strVal val="visible"/>
-                                      </p:to>
-                                    </p:set>
-                                  </p:childTnLst>
-                                </p:cTn>
-                              </p:par>
-                            </p:childTnLst>
-                          </p:cTn>
-                        </p:par>
-                      </p:childTnLst>
-                    </p:cTn>
-                  </p:par>
-                  <p:par>
-                    <p:cTn id="23" fill="hold">
-                      <p:stCondLst>
-                        <p:cond delay="indefinite"/>
-                      </p:stCondLst>
-                      <p:childTnLst>
-                        <p:par>
-                          <p:cTn id="24" fill="hold">
-                            <p:stCondLst>
-                              <p:cond delay="0"/>
-                            </p:stCondLst>
-                            <p:childTnLst>
-                              <p:par>
-                                <p:cTn id="25" presetID="1" presetClass="entr" presetSubtype="0" fill="hold" nodeType="clickEffect">
-                                  <p:stCondLst>
-                                    <p:cond delay="0"/>
-                                  </p:stCondLst>
-                                  <p:childTnLst>
-                                    <p:set>
-                                      <p:cBhvr>
-                                        <p:cTn id="26" dur="1" fill="hold">
-                                          <p:stCondLst>
-                                            <p:cond delay="0"/>
-                                          </p:stCondLst>
-                                        </p:cTn>
-                                        <p:tgtEl>
-                                          <p:spTgt spid="3">
-                                            <p:txEl>
-                                              <p:pRg st="6" end="6"/>
-                                            </p:txEl>
-                                          </p:spTgt>
-                                        </p:tgtEl>
-                                        <p:attrNameLst>
-                                          <p:attrName>style.visibility</p:attrName>
-                                        </p:attrNameLst>
-                                      </p:cBhvr>
-                                      <p:to>
-                                        <p:strVal val="visible"/>
-                                      </p:to>
-                                    </p:set>
-                                  </p:childTnLst>
-                                </p:cTn>
-                              </p:par>
-                            </p:childTnLst>
-                          </p:cTn>
-                        </p:par>
-                      </p:childTnLst>
-                    </p:cTn>
-                  </p:par>
-                  <p:par>
-                    <p:cTn id="27" fill="hold">
-                      <p:stCondLst>
-                        <p:cond delay="indefinite"/>
-                      </p:stCondLst>
-                      <p:childTnLst>
-                        <p:par>
-                          <p:cTn id="28" fill="hold">
-                            <p:stCondLst>
-                              <p:cond delay="0"/>
-                            </p:stCondLst>
-                            <p:childTnLst>
-                              <p:par>
-                                <p:cTn id="29" presetID="1" presetClass="entr" presetSubtype="0" fill="hold" nodeType="clickEffect">
-                                  <p:stCondLst>
-                                    <p:cond delay="0"/>
-                                  </p:stCondLst>
-                                  <p:childTnLst>
-                                    <p:set>
-                                      <p:cBhvr>
-                                        <p:cTn id="30" dur="1" fill="hold">
-                                          <p:stCondLst>
-                                            <p:cond delay="0"/>
-                                          </p:stCondLst>
-                                        </p:cTn>
-                                        <p:tgtEl>
-                                          <p:spTgt spid="3">
-                                            <p:txEl>
-                                              <p:pRg st="7" end="7"/>
-                                            </p:txEl>
-                                          </p:spTgt>
-                                        </p:tgtEl>
-                                        <p:attrNameLst>
-                                          <p:attrName>style.visibility</p:attrName>
-                                        </p:attrNameLst>
-                                      </p:cBhvr>
-                                      <p:to>
-                                        <p:strVal val="visible"/>
-                                      </p:to>
-                                    </p:set>
-                                  </p:childTnLst>
-                                </p:cTn>
-                              </p:par>
-                            </p:childTnLst>
-                          </p:cTn>
-                        </p:par>
-                      </p:childTnLst>
-                    </p:cTn>
-                  </p:par>
-                  <p:par>
-                    <p:cTn id="31" fill="hold">
-                      <p:stCondLst>
-                        <p:cond delay="indefinite"/>
-                      </p:stCondLst>
-                      <p:childTnLst>
-                        <p:par>
-                          <p:cTn id="32" fill="hold">
-                            <p:stCondLst>
-                              <p:cond delay="0"/>
-                            </p:stCondLst>
-                            <p:childTnLst>
-                              <p:par>
-                                <p:cTn id="33" presetID="1" presetClass="entr" presetSubtype="0" fill="hold" nodeType="clickEffect">
-                                  <p:stCondLst>
-                                    <p:cond delay="0"/>
-                                  </p:stCondLst>
-                                  <p:childTnLst>
-                                    <p:set>
-                                      <p:cBhvr>
-                                        <p:cTn id="34" dur="1" fill="hold">
-                                          <p:stCondLst>
-                                            <p:cond delay="0"/>
-                                          </p:stCondLst>
-                                        </p:cTn>
-                                        <p:tgtEl>
-                                          <p:spTgt spid="3">
-                                            <p:txEl>
-                                              <p:pRg st="9" end="9"/>
-                                            </p:txEl>
-                                          </p:spTgt>
-                                        </p:tgtEl>
-                                        <p:attrNameLst>
-                                          <p:attrName>style.visibility</p:attrName>
-                                        </p:attrNameLst>
-                                      </p:cBhvr>
-                                      <p:to>
-                                        <p:strVal val="visible"/>
-                                      </p:to>
-                                    </p:set>
-                                  </p:childTnLst>
-                                </p:cTn>
-                              </p:par>
-                            </p:childTnLst>
-                          </p:cTn>
-                        </p:par>
-                      </p:childTnLst>
-                    </p:cTn>
-                  </p:par>
-                </p:childTnLst>
-              </p:cTn>
-              <p:prevCondLst>
-                <p:cond evt="onPrev" delay="0">
-                  <p:tgtEl>
-                    <p:sldTgt/>
-                  </p:tgtEl>
-                </p:cond>
-              </p:prevCondLst>
-              <p:nextCondLst>
-                <p:cond evt="onNext" delay="0">
-                  <p:tgtEl>
-                    <p:sldTgt/>
-                  </p:tgtEl>
-                </p:cond>
-              </p:nextCondLst>
-            </p:seq>
-          </p:childTnLst>
-        </p:cTn>
+        <p:cTn id="1" dur="indefinite" restart="never" nodeType="tmRoot"/>
       </p:par>
     </p:tnLst>
   </p:timing>
@@ -9001,6 +7740,42 @@
       </p:grpSpPr>
       <p:sp>
         <p:nvSpPr>
+          <p:cNvPr id="6" name="テキスト プレースホルダー 5"/>
+          <p:cNvSpPr>
+            <a:spLocks noGrp="1"/>
+          </p:cNvSpPr>
+          <p:nvPr>
+            <p:ph type="body"/>
+          </p:nvPr>
+        </p:nvSpPr>
+        <p:spPr/>
+        <p:txBody>
+          <a:bodyPr/>
+          <a:lstStyle/>
+          <a:p>
+            <a:pPr marL="0" indent="0">
+              <a:buNone/>
+            </a:pPr>
+            <a:r>
+              <a:rPr lang="ja-JP" altLang="en-US" dirty="0"/>
+              <a:t>みんな大好き</a:t>
+            </a:r>
+            <a:r>
+              <a:rPr lang="en-US" altLang="ja-JP" dirty="0" err="1"/>
+              <a:t>fizzbuzz</a:t>
+            </a:r>
+            <a:endParaRPr lang="ja-JP" altLang="en-US" dirty="0"/>
+          </a:p>
+          <a:p>
+            <a:pPr marL="0" indent="0">
+              <a:buNone/>
+            </a:pPr>
+            <a:endParaRPr kumimoji="1" lang="ja-JP" altLang="en-US" dirty="0"/>
+          </a:p>
+        </p:txBody>
+      </p:sp>
+      <p:sp>
+        <p:nvSpPr>
           <p:cNvPr id="2" name="タイトル 1"/>
           <p:cNvSpPr>
             <a:spLocks noGrp="1"/>
@@ -9017,33 +7792,6 @@
             <a:r>
               <a:rPr kumimoji="1" lang="ja-JP" altLang="en-US" dirty="0" smtClean="0"/>
               <a:t>例２</a:t>
-            </a:r>
-            <a:endParaRPr kumimoji="1" lang="ja-JP" altLang="en-US" dirty="0"/>
-          </a:p>
-        </p:txBody>
-      </p:sp>
-      <p:sp>
-        <p:nvSpPr>
-          <p:cNvPr id="3" name="テキスト プレースホルダー 2"/>
-          <p:cNvSpPr>
-            <a:spLocks noGrp="1"/>
-          </p:cNvSpPr>
-          <p:nvPr>
-            <p:ph type="body"/>
-          </p:nvPr>
-        </p:nvSpPr>
-        <p:spPr/>
-        <p:txBody>
-          <a:bodyPr/>
-          <a:lstStyle/>
-          <a:p>
-            <a:r>
-              <a:rPr kumimoji="1" lang="ja-JP" altLang="en-US" dirty="0" smtClean="0"/>
-              <a:t>みんな大好き</a:t>
-            </a:r>
-            <a:r>
-              <a:rPr kumimoji="1" lang="en-US" altLang="ja-JP" dirty="0" err="1" smtClean="0"/>
-              <a:t>fizzbuzz</a:t>
             </a:r>
             <a:endParaRPr kumimoji="1" lang="ja-JP" altLang="en-US" dirty="0"/>
           </a:p>
@@ -9088,7 +7836,197 @@
       </p:grpSpPr>
       <p:sp>
         <p:nvSpPr>
-          <p:cNvPr id="2" name="タイトル 1"/>
+          <p:cNvPr id="5" name="テキスト プレースホルダー 4"/>
+          <p:cNvSpPr>
+            <a:spLocks noGrp="1"/>
+          </p:cNvSpPr>
+          <p:nvPr>
+            <p:ph type="body"/>
+          </p:nvPr>
+        </p:nvSpPr>
+        <p:spPr/>
+        <p:txBody>
+          <a:bodyPr>
+            <a:normAutofit fontScale="92500" lnSpcReduction="10000"/>
+          </a:bodyPr>
+          <a:lstStyle/>
+          <a:p>
+            <a:pPr marL="0" indent="0">
+              <a:buNone/>
+            </a:pPr>
+            <a:r>
+              <a:rPr lang="en-US" altLang="ja-JP" dirty="0" err="1"/>
+              <a:t>def</a:t>
+            </a:r>
+            <a:r>
+              <a:rPr lang="en-US" altLang="ja-JP" dirty="0"/>
+              <a:t> </a:t>
+            </a:r>
+            <a:r>
+              <a:rPr lang="en-US" altLang="ja-JP" dirty="0" err="1"/>
+              <a:t>fizzbuzz</a:t>
+            </a:r>
+            <a:r>
+              <a:rPr lang="en-US" altLang="ja-JP" dirty="0"/>
+              <a:t>(end):</a:t>
+            </a:r>
+          </a:p>
+          <a:p>
+            <a:pPr marL="0" indent="0">
+              <a:buNone/>
+            </a:pPr>
+            <a:r>
+              <a:rPr lang="en-US" altLang="ja-JP" dirty="0"/>
+              <a:t>	for </a:t>
+            </a:r>
+            <a:r>
+              <a:rPr lang="en-US" altLang="ja-JP" dirty="0" err="1"/>
+              <a:t>i</a:t>
+            </a:r>
+            <a:r>
+              <a:rPr lang="en-US" altLang="ja-JP" dirty="0"/>
+              <a:t> in range(1,end+1):</a:t>
+            </a:r>
+          </a:p>
+          <a:p>
+            <a:pPr marL="0" indent="0">
+              <a:buNone/>
+            </a:pPr>
+            <a:r>
+              <a:rPr lang="en-US" altLang="ja-JP" dirty="0"/>
+              <a:t>		if not </a:t>
+            </a:r>
+            <a:r>
+              <a:rPr lang="en-US" altLang="ja-JP" dirty="0" err="1"/>
+              <a:t>i</a:t>
+            </a:r>
+            <a:r>
+              <a:rPr lang="en-US" altLang="ja-JP" dirty="0"/>
+              <a:t> % 15:</a:t>
+            </a:r>
+          </a:p>
+          <a:p>
+            <a:pPr marL="0" indent="0">
+              <a:buNone/>
+            </a:pPr>
+            <a:r>
+              <a:rPr lang="en-US" altLang="ja-JP" dirty="0"/>
+              <a:t>			print(“</a:t>
+            </a:r>
+            <a:r>
+              <a:rPr lang="en-US" altLang="ja-JP" dirty="0" err="1"/>
+              <a:t>fizzbuzz</a:t>
+            </a:r>
+            <a:r>
+              <a:rPr lang="en-US" altLang="ja-JP" dirty="0"/>
+              <a:t>”)</a:t>
+            </a:r>
+          </a:p>
+          <a:p>
+            <a:pPr marL="0" indent="0">
+              <a:buNone/>
+            </a:pPr>
+            <a:r>
+              <a:rPr lang="en-US" altLang="ja-JP" dirty="0"/>
+              <a:t>		</a:t>
+            </a:r>
+            <a:r>
+              <a:rPr lang="en-US" altLang="ja-JP" dirty="0" err="1"/>
+              <a:t>elif</a:t>
+            </a:r>
+            <a:r>
+              <a:rPr lang="en-US" altLang="ja-JP" dirty="0"/>
+              <a:t> not </a:t>
+            </a:r>
+            <a:r>
+              <a:rPr lang="en-US" altLang="ja-JP" dirty="0" err="1"/>
+              <a:t>i</a:t>
+            </a:r>
+            <a:r>
+              <a:rPr lang="en-US" altLang="ja-JP" dirty="0"/>
+              <a:t> % 3:</a:t>
+            </a:r>
+          </a:p>
+          <a:p>
+            <a:pPr marL="0" indent="0">
+              <a:buNone/>
+            </a:pPr>
+            <a:r>
+              <a:rPr lang="en-US" altLang="ja-JP" dirty="0"/>
+              <a:t>			print(“fizz”)</a:t>
+            </a:r>
+          </a:p>
+          <a:p>
+            <a:pPr marL="0" indent="0">
+              <a:buNone/>
+            </a:pPr>
+            <a:r>
+              <a:rPr lang="en-US" altLang="ja-JP" dirty="0"/>
+              <a:t>		</a:t>
+            </a:r>
+            <a:r>
+              <a:rPr lang="en-US" altLang="ja-JP" dirty="0" err="1"/>
+              <a:t>elif</a:t>
+            </a:r>
+            <a:r>
+              <a:rPr lang="en-US" altLang="ja-JP" dirty="0"/>
+              <a:t> not </a:t>
+            </a:r>
+            <a:r>
+              <a:rPr lang="en-US" altLang="ja-JP" dirty="0" err="1"/>
+              <a:t>i</a:t>
+            </a:r>
+            <a:r>
+              <a:rPr lang="en-US" altLang="ja-JP" dirty="0"/>
+              <a:t> % 5:</a:t>
+            </a:r>
+          </a:p>
+          <a:p>
+            <a:pPr marL="0" indent="0">
+              <a:buNone/>
+            </a:pPr>
+            <a:r>
+              <a:rPr lang="en-US" altLang="ja-JP" dirty="0"/>
+              <a:t>			print(“buzz”)</a:t>
+            </a:r>
+          </a:p>
+          <a:p>
+            <a:pPr marL="0" indent="0">
+              <a:buNone/>
+            </a:pPr>
+            <a:r>
+              <a:rPr lang="en-US" altLang="ja-JP" dirty="0"/>
+              <a:t>		else:</a:t>
+            </a:r>
+          </a:p>
+          <a:p>
+            <a:pPr marL="0" indent="0">
+              <a:buNone/>
+            </a:pPr>
+            <a:r>
+              <a:rPr lang="en-US" altLang="ja-JP" dirty="0"/>
+              <a:t>			print(</a:t>
+            </a:r>
+            <a:r>
+              <a:rPr lang="en-US" altLang="ja-JP" dirty="0" err="1"/>
+              <a:t>i</a:t>
+            </a:r>
+            <a:r>
+              <a:rPr lang="en-US" altLang="ja-JP" dirty="0"/>
+              <a:t>)</a:t>
+            </a:r>
+          </a:p>
+          <a:p>
+            <a:pPr marL="0" indent="0">
+              <a:buNone/>
+            </a:pPr>
+            <a:endParaRPr kumimoji="1" lang="ja-JP" altLang="en-US" dirty="0"/>
+          </a:p>
+        </p:txBody>
+      </p:sp>
+      <p:sp>
+        <p:nvSpPr>
+          <p:cNvPr id="4" name="タイトル 3"/>
           <p:cNvSpPr>
             <a:spLocks noGrp="1"/>
           </p:cNvSpPr>
@@ -9102,225 +8040,6 @@
           <a:lstStyle/>
           <a:p>
             <a:endParaRPr kumimoji="1" lang="ja-JP" altLang="en-US"/>
-          </a:p>
-        </p:txBody>
-      </p:sp>
-      <p:sp>
-        <p:nvSpPr>
-          <p:cNvPr id="3" name="テキスト プレースホルダー 2"/>
-          <p:cNvSpPr>
-            <a:spLocks noGrp="1"/>
-          </p:cNvSpPr>
-          <p:nvPr>
-            <p:ph type="body"/>
-          </p:nvPr>
-        </p:nvSpPr>
-        <p:spPr>
-          <a:xfrm>
-            <a:off x="503640" y="1799999"/>
-            <a:ext cx="9070920" cy="5410269"/>
-          </a:xfrm>
-        </p:spPr>
-        <p:txBody>
-          <a:bodyPr>
-            <a:normAutofit/>
-          </a:bodyPr>
-          <a:lstStyle/>
-          <a:p>
-            <a:pPr marL="0" indent="0">
-              <a:buNone/>
-            </a:pPr>
-            <a:r>
-              <a:rPr lang="en-US" altLang="ja-JP" dirty="0" err="1" smtClean="0"/>
-              <a:t>def</a:t>
-            </a:r>
-            <a:r>
-              <a:rPr lang="en-US" altLang="ja-JP" dirty="0" smtClean="0"/>
-              <a:t> </a:t>
-            </a:r>
-            <a:r>
-              <a:rPr lang="en-US" altLang="ja-JP" dirty="0" err="1" smtClean="0"/>
-              <a:t>fizzbuzz</a:t>
-            </a:r>
-            <a:r>
-              <a:rPr lang="en-US" altLang="ja-JP" dirty="0" smtClean="0"/>
-              <a:t>(end):</a:t>
-            </a:r>
-          </a:p>
-          <a:p>
-            <a:pPr marL="0" indent="0">
-              <a:buNone/>
-            </a:pPr>
-            <a:r>
-              <a:rPr kumimoji="1" lang="en-US" altLang="ja-JP" dirty="0"/>
-              <a:t>	</a:t>
-            </a:r>
-            <a:r>
-              <a:rPr kumimoji="1" lang="en-US" altLang="ja-JP" dirty="0" smtClean="0"/>
-              <a:t>for </a:t>
-            </a:r>
-            <a:r>
-              <a:rPr kumimoji="1" lang="en-US" altLang="ja-JP" dirty="0" err="1" smtClean="0"/>
-              <a:t>i</a:t>
-            </a:r>
-            <a:r>
-              <a:rPr kumimoji="1" lang="en-US" altLang="ja-JP" dirty="0" smtClean="0"/>
-              <a:t> in range(1,end+1):</a:t>
-            </a:r>
-          </a:p>
-          <a:p>
-            <a:pPr marL="0" indent="0">
-              <a:buNone/>
-            </a:pPr>
-            <a:r>
-              <a:rPr lang="en-US" altLang="ja-JP" dirty="0" smtClean="0"/>
-              <a:t>		if not </a:t>
-            </a:r>
-            <a:r>
-              <a:rPr lang="en-US" altLang="ja-JP" dirty="0" err="1" smtClean="0"/>
-              <a:t>i</a:t>
-            </a:r>
-            <a:r>
-              <a:rPr lang="en-US" altLang="ja-JP" dirty="0" smtClean="0"/>
-              <a:t> % 15:</a:t>
-            </a:r>
-          </a:p>
-          <a:p>
-            <a:pPr marL="0" indent="0">
-              <a:buNone/>
-            </a:pPr>
-            <a:r>
-              <a:rPr kumimoji="1" lang="en-US" altLang="ja-JP" dirty="0" smtClean="0"/>
-              <a:t>			print(“</a:t>
-            </a:r>
-            <a:r>
-              <a:rPr kumimoji="1" lang="en-US" altLang="ja-JP" dirty="0" err="1" smtClean="0"/>
-              <a:t>fizzbuzz</a:t>
-            </a:r>
-            <a:r>
-              <a:rPr kumimoji="1" lang="en-US" altLang="ja-JP" dirty="0" smtClean="0"/>
-              <a:t>”)</a:t>
-            </a:r>
-          </a:p>
-          <a:p>
-            <a:pPr marL="0" indent="0">
-              <a:buNone/>
-            </a:pPr>
-            <a:r>
-              <a:rPr lang="en-US" altLang="ja-JP" dirty="0"/>
-              <a:t>	</a:t>
-            </a:r>
-            <a:r>
-              <a:rPr lang="en-US" altLang="ja-JP" dirty="0" smtClean="0"/>
-              <a:t>	</a:t>
-            </a:r>
-            <a:r>
-              <a:rPr lang="en-US" altLang="ja-JP" dirty="0" err="1" smtClean="0"/>
-              <a:t>elif</a:t>
-            </a:r>
-            <a:r>
-              <a:rPr lang="en-US" altLang="ja-JP" dirty="0" smtClean="0"/>
-              <a:t> not </a:t>
-            </a:r>
-            <a:r>
-              <a:rPr lang="en-US" altLang="ja-JP" dirty="0" err="1" smtClean="0"/>
-              <a:t>i</a:t>
-            </a:r>
-            <a:r>
-              <a:rPr lang="en-US" altLang="ja-JP" dirty="0" smtClean="0"/>
-              <a:t> % 3:</a:t>
-            </a:r>
-          </a:p>
-          <a:p>
-            <a:pPr marL="0" indent="0">
-              <a:buNone/>
-            </a:pPr>
-            <a:r>
-              <a:rPr kumimoji="1" lang="en-US" altLang="ja-JP" dirty="0"/>
-              <a:t>	</a:t>
-            </a:r>
-            <a:r>
-              <a:rPr kumimoji="1" lang="en-US" altLang="ja-JP" dirty="0" smtClean="0"/>
-              <a:t>		print(“fizz”)</a:t>
-            </a:r>
-          </a:p>
-          <a:p>
-            <a:pPr marL="0" indent="0">
-              <a:buNone/>
-            </a:pPr>
-            <a:r>
-              <a:rPr lang="en-US" altLang="ja-JP" dirty="0"/>
-              <a:t>	</a:t>
-            </a:r>
-            <a:r>
-              <a:rPr lang="en-US" altLang="ja-JP" dirty="0" smtClean="0"/>
-              <a:t>	</a:t>
-            </a:r>
-            <a:r>
-              <a:rPr lang="en-US" altLang="ja-JP" dirty="0" err="1" smtClean="0"/>
-              <a:t>elif</a:t>
-            </a:r>
-            <a:r>
-              <a:rPr lang="en-US" altLang="ja-JP" dirty="0" smtClean="0"/>
-              <a:t> not </a:t>
-            </a:r>
-            <a:r>
-              <a:rPr lang="en-US" altLang="ja-JP" dirty="0" err="1" smtClean="0"/>
-              <a:t>i</a:t>
-            </a:r>
-            <a:r>
-              <a:rPr lang="en-US" altLang="ja-JP" dirty="0" smtClean="0"/>
-              <a:t> % 5:</a:t>
-            </a:r>
-          </a:p>
-          <a:p>
-            <a:pPr marL="0" indent="0">
-              <a:buNone/>
-            </a:pPr>
-            <a:r>
-              <a:rPr kumimoji="1" lang="en-US" altLang="ja-JP" dirty="0"/>
-              <a:t>	</a:t>
-            </a:r>
-            <a:r>
-              <a:rPr kumimoji="1" lang="en-US" altLang="ja-JP" dirty="0" smtClean="0"/>
-              <a:t>		print(“buzz”)</a:t>
-            </a:r>
-            <a:endParaRPr lang="en-US" altLang="ja-JP" dirty="0" smtClean="0"/>
-          </a:p>
-          <a:p>
-            <a:pPr marL="0" indent="0">
-              <a:buNone/>
-            </a:pPr>
-            <a:r>
-              <a:rPr kumimoji="1" lang="en-US" altLang="ja-JP" dirty="0"/>
-              <a:t>	</a:t>
-            </a:r>
-            <a:r>
-              <a:rPr kumimoji="1" lang="en-US" altLang="ja-JP" dirty="0" smtClean="0"/>
-              <a:t>	else:</a:t>
-            </a:r>
-          </a:p>
-          <a:p>
-            <a:pPr marL="0" indent="0">
-              <a:buNone/>
-            </a:pPr>
-            <a:r>
-              <a:rPr lang="en-US" altLang="ja-JP" dirty="0"/>
-              <a:t>	</a:t>
-            </a:r>
-            <a:r>
-              <a:rPr lang="en-US" altLang="ja-JP" dirty="0" smtClean="0"/>
-              <a:t>		print(</a:t>
-            </a:r>
-            <a:r>
-              <a:rPr lang="en-US" altLang="ja-JP" dirty="0" err="1" smtClean="0"/>
-              <a:t>i</a:t>
-            </a:r>
-            <a:r>
-              <a:rPr lang="en-US" altLang="ja-JP" dirty="0" smtClean="0"/>
-              <a:t>)</a:t>
-            </a:r>
-            <a:endParaRPr kumimoji="1" lang="en-US" altLang="ja-JP" dirty="0" smtClean="0"/>
           </a:p>
         </p:txBody>
       </p:sp>
@@ -9363,7 +8082,87 @@
       </p:grpSpPr>
       <p:sp>
         <p:nvSpPr>
-          <p:cNvPr id="2" name="タイトル 1"/>
+          <p:cNvPr id="5" name="テキスト プレースホルダー 4"/>
+          <p:cNvSpPr>
+            <a:spLocks noGrp="1"/>
+          </p:cNvSpPr>
+          <p:nvPr>
+            <p:ph type="body"/>
+          </p:nvPr>
+        </p:nvSpPr>
+        <p:spPr/>
+        <p:txBody>
+          <a:bodyPr/>
+          <a:lstStyle/>
+          <a:p>
+            <a:pPr marL="0" indent="0">
+              <a:buNone/>
+            </a:pPr>
+            <a:r>
+              <a:rPr lang="en-US" altLang="ja-JP" dirty="0"/>
+              <a:t>[print("</a:t>
+            </a:r>
+            <a:r>
+              <a:rPr lang="en-US" altLang="ja-JP" dirty="0" err="1"/>
+              <a:t>fizzbuzz</a:t>
+            </a:r>
+            <a:r>
+              <a:rPr lang="en-US" altLang="ja-JP" dirty="0"/>
+              <a:t>") if not </a:t>
+            </a:r>
+            <a:r>
+              <a:rPr lang="en-US" altLang="ja-JP" dirty="0" err="1"/>
+              <a:t>i</a:t>
+            </a:r>
+            <a:r>
+              <a:rPr lang="en-US" altLang="ja-JP" dirty="0"/>
+              <a:t> % 15 else print("fizz") if not </a:t>
+            </a:r>
+            <a:r>
+              <a:rPr lang="en-US" altLang="ja-JP" dirty="0" err="1"/>
+              <a:t>i</a:t>
+            </a:r>
+            <a:r>
+              <a:rPr lang="en-US" altLang="ja-JP" dirty="0"/>
+              <a:t> % 3 else print("buzz") if not </a:t>
+            </a:r>
+            <a:r>
+              <a:rPr lang="en-US" altLang="ja-JP" dirty="0" err="1"/>
+              <a:t>i</a:t>
+            </a:r>
+            <a:r>
+              <a:rPr lang="en-US" altLang="ja-JP" dirty="0"/>
+              <a:t> % 5 else print(</a:t>
+            </a:r>
+            <a:r>
+              <a:rPr lang="en-US" altLang="ja-JP" dirty="0" err="1"/>
+              <a:t>i</a:t>
+            </a:r>
+            <a:r>
+              <a:rPr lang="en-US" altLang="ja-JP" dirty="0"/>
+              <a:t>) for </a:t>
+            </a:r>
+            <a:r>
+              <a:rPr lang="en-US" altLang="ja-JP" dirty="0" err="1"/>
+              <a:t>i</a:t>
+            </a:r>
+            <a:r>
+              <a:rPr lang="en-US" altLang="ja-JP" dirty="0"/>
+              <a:t> in range(1,end+1)]</a:t>
+            </a:r>
+            <a:endParaRPr lang="ja-JP" altLang="en-US" dirty="0"/>
+          </a:p>
+          <a:p>
+            <a:pPr marL="0" indent="0">
+              <a:buNone/>
+            </a:pPr>
+            <a:endParaRPr kumimoji="1" lang="ja-JP" altLang="en-US" dirty="0"/>
+          </a:p>
+        </p:txBody>
+      </p:sp>
+      <p:sp>
+        <p:nvSpPr>
+          <p:cNvPr id="4" name="タイトル 3"/>
           <p:cNvSpPr>
             <a:spLocks noGrp="1"/>
           </p:cNvSpPr>
@@ -9377,80 +8176,6 @@
           <a:lstStyle/>
           <a:p>
             <a:endParaRPr kumimoji="1" lang="ja-JP" altLang="en-US"/>
-          </a:p>
-        </p:txBody>
-      </p:sp>
-      <p:sp>
-        <p:nvSpPr>
-          <p:cNvPr id="3" name="テキスト プレースホルダー 2"/>
-          <p:cNvSpPr>
-            <a:spLocks noGrp="1"/>
-          </p:cNvSpPr>
-          <p:nvPr>
-            <p:ph type="body"/>
-          </p:nvPr>
-        </p:nvSpPr>
-        <p:spPr/>
-        <p:txBody>
-          <a:bodyPr/>
-          <a:lstStyle/>
-          <a:p>
-            <a:pPr marL="0" indent="0">
-              <a:buNone/>
-            </a:pPr>
-            <a:r>
-              <a:rPr lang="en-US" altLang="ja-JP" dirty="0"/>
-              <a:t>[print("</a:t>
-            </a:r>
-            <a:r>
-              <a:rPr lang="en-US" altLang="ja-JP" dirty="0" err="1"/>
-              <a:t>fizzbuzz</a:t>
-            </a:r>
-            <a:r>
-              <a:rPr lang="en-US" altLang="ja-JP" dirty="0"/>
-              <a:t>") if not </a:t>
-            </a:r>
-            <a:r>
-              <a:rPr lang="en-US" altLang="ja-JP" dirty="0" err="1"/>
-              <a:t>i</a:t>
-            </a:r>
-            <a:r>
-              <a:rPr lang="en-US" altLang="ja-JP" dirty="0"/>
-              <a:t> % 15 else print("fizz") if not </a:t>
-            </a:r>
-            <a:r>
-              <a:rPr lang="en-US" altLang="ja-JP" dirty="0" err="1"/>
-              <a:t>i</a:t>
-            </a:r>
-            <a:r>
-              <a:rPr lang="en-US" altLang="ja-JP" dirty="0"/>
-              <a:t> % 3 else print("buzz") if not </a:t>
-            </a:r>
-            <a:r>
-              <a:rPr lang="en-US" altLang="ja-JP" dirty="0" err="1"/>
-              <a:t>i</a:t>
-            </a:r>
-            <a:r>
-              <a:rPr lang="en-US" altLang="ja-JP" dirty="0"/>
-              <a:t> % 5 else print(</a:t>
-            </a:r>
-            <a:r>
-              <a:rPr lang="en-US" altLang="ja-JP" dirty="0" err="1"/>
-              <a:t>i</a:t>
-            </a:r>
-            <a:r>
-              <a:rPr lang="en-US" altLang="ja-JP" dirty="0"/>
-              <a:t>) for </a:t>
-            </a:r>
-            <a:r>
-              <a:rPr lang="en-US" altLang="ja-JP" dirty="0" err="1"/>
-              <a:t>i</a:t>
-            </a:r>
-            <a:r>
-              <a:rPr lang="en-US" altLang="ja-JP" dirty="0"/>
-              <a:t> in range(1,end+1)]</a:t>
-            </a:r>
-            <a:endParaRPr kumimoji="1" lang="ja-JP" altLang="en-US" dirty="0"/>
           </a:p>
         </p:txBody>
       </p:sp>
@@ -9493,7 +8218,167 @@
       </p:grpSpPr>
       <p:sp>
         <p:nvSpPr>
-          <p:cNvPr id="2" name="タイトル 1"/>
+          <p:cNvPr id="5" name="テキスト プレースホルダー 4"/>
+          <p:cNvSpPr>
+            <a:spLocks noGrp="1"/>
+          </p:cNvSpPr>
+          <p:nvPr>
+            <p:ph type="body"/>
+          </p:nvPr>
+        </p:nvSpPr>
+        <p:spPr/>
+        <p:txBody>
+          <a:bodyPr>
+            <a:normAutofit fontScale="92500" lnSpcReduction="10000"/>
+          </a:bodyPr>
+          <a:lstStyle/>
+          <a:p>
+            <a:pPr marL="0" indent="0">
+              <a:buNone/>
+            </a:pPr>
+            <a:r>
+              <a:rPr lang="en-US" altLang="ja-JP" dirty="0"/>
+              <a:t>[</a:t>
+            </a:r>
+          </a:p>
+          <a:p>
+            <a:pPr marL="0" indent="0">
+              <a:buNone/>
+            </a:pPr>
+            <a:r>
+              <a:rPr lang="en-US" altLang="ja-JP" dirty="0"/>
+              <a:t>	print("</a:t>
+            </a:r>
+            <a:r>
+              <a:rPr lang="en-US" altLang="ja-JP" dirty="0" err="1"/>
+              <a:t>fizzbuzz</a:t>
+            </a:r>
+            <a:r>
+              <a:rPr lang="en-US" altLang="ja-JP" dirty="0"/>
+              <a:t>") if not </a:t>
+            </a:r>
+            <a:r>
+              <a:rPr lang="en-US" altLang="ja-JP" dirty="0" err="1"/>
+              <a:t>i</a:t>
+            </a:r>
+            <a:r>
+              <a:rPr lang="en-US" altLang="ja-JP" dirty="0"/>
+              <a:t> % 15 </a:t>
+            </a:r>
+          </a:p>
+          <a:p>
+            <a:pPr marL="0" indent="0">
+              <a:buNone/>
+            </a:pPr>
+            <a:r>
+              <a:rPr lang="en-US" altLang="ja-JP" dirty="0"/>
+              <a:t>	else </a:t>
+            </a:r>
+          </a:p>
+          <a:p>
+            <a:pPr marL="0" indent="0">
+              <a:buNone/>
+            </a:pPr>
+            <a:r>
+              <a:rPr lang="en-US" altLang="ja-JP" dirty="0"/>
+              <a:t>		print("fizz") if not </a:t>
+            </a:r>
+            <a:r>
+              <a:rPr lang="en-US" altLang="ja-JP" dirty="0" err="1"/>
+              <a:t>i</a:t>
+            </a:r>
+            <a:r>
+              <a:rPr lang="en-US" altLang="ja-JP" dirty="0"/>
+              <a:t> % 3 </a:t>
+            </a:r>
+          </a:p>
+          <a:p>
+            <a:pPr marL="0" indent="0">
+              <a:buNone/>
+            </a:pPr>
+            <a:r>
+              <a:rPr lang="en-US" altLang="ja-JP" dirty="0"/>
+              <a:t>	else </a:t>
+            </a:r>
+          </a:p>
+          <a:p>
+            <a:pPr marL="0" indent="0">
+              <a:buNone/>
+            </a:pPr>
+            <a:r>
+              <a:rPr lang="en-US" altLang="ja-JP" dirty="0"/>
+              <a:t>		print("buzz") if not </a:t>
+            </a:r>
+            <a:r>
+              <a:rPr lang="en-US" altLang="ja-JP" dirty="0" err="1"/>
+              <a:t>i</a:t>
+            </a:r>
+            <a:r>
+              <a:rPr lang="en-US" altLang="ja-JP" dirty="0"/>
+              <a:t> % 5 </a:t>
+            </a:r>
+          </a:p>
+          <a:p>
+            <a:pPr marL="0" indent="0">
+              <a:buNone/>
+            </a:pPr>
+            <a:r>
+              <a:rPr lang="en-US" altLang="ja-JP" dirty="0"/>
+              <a:t>	else </a:t>
+            </a:r>
+          </a:p>
+          <a:p>
+            <a:pPr marL="0" indent="0">
+              <a:buNone/>
+            </a:pPr>
+            <a:r>
+              <a:rPr lang="en-US" altLang="ja-JP" dirty="0"/>
+              <a:t>		print(</a:t>
+            </a:r>
+            <a:r>
+              <a:rPr lang="en-US" altLang="ja-JP" dirty="0" err="1"/>
+              <a:t>i</a:t>
+            </a:r>
+            <a:r>
+              <a:rPr lang="en-US" altLang="ja-JP" dirty="0"/>
+              <a:t>) </a:t>
+            </a:r>
+          </a:p>
+          <a:p>
+            <a:pPr marL="0" indent="0">
+              <a:buNone/>
+            </a:pPr>
+            <a:r>
+              <a:rPr lang="en-US" altLang="ja-JP" dirty="0"/>
+              <a:t>	for </a:t>
+            </a:r>
+            <a:r>
+              <a:rPr lang="en-US" altLang="ja-JP" dirty="0" err="1"/>
+              <a:t>i</a:t>
+            </a:r>
+            <a:r>
+              <a:rPr lang="en-US" altLang="ja-JP" dirty="0"/>
+              <a:t> in range(1,end+1)</a:t>
+            </a:r>
+          </a:p>
+          <a:p>
+            <a:pPr marL="0" indent="0">
+              <a:buNone/>
+            </a:pPr>
+            <a:r>
+              <a:rPr lang="en-US" altLang="ja-JP" dirty="0"/>
+              <a:t>]</a:t>
+            </a:r>
+            <a:endParaRPr lang="ja-JP" altLang="en-US" dirty="0"/>
+          </a:p>
+          <a:p>
+            <a:endParaRPr kumimoji="1" lang="ja-JP" altLang="en-US" dirty="0"/>
+          </a:p>
+        </p:txBody>
+      </p:sp>
+      <p:sp>
+        <p:nvSpPr>
+          <p:cNvPr id="4" name="タイトル 3"/>
           <p:cNvSpPr>
             <a:spLocks noGrp="1"/>
           </p:cNvSpPr>
@@ -9507,228 +8392,6 @@
           <a:lstStyle/>
           <a:p>
             <a:endParaRPr kumimoji="1" lang="ja-JP" altLang="en-US"/>
-          </a:p>
-        </p:txBody>
-      </p:sp>
-      <p:sp>
-        <p:nvSpPr>
-          <p:cNvPr id="3" name="テキスト プレースホルダー 2"/>
-          <p:cNvSpPr>
-            <a:spLocks noGrp="1"/>
-          </p:cNvSpPr>
-          <p:nvPr>
-            <p:ph type="body"/>
-          </p:nvPr>
-        </p:nvSpPr>
-        <p:spPr>
-          <a:xfrm>
-            <a:off x="503640" y="1799999"/>
-            <a:ext cx="9070920" cy="5275357"/>
-          </a:xfrm>
-        </p:spPr>
-        <p:txBody>
-          <a:bodyPr>
-            <a:normAutofit/>
-          </a:bodyPr>
-          <a:lstStyle/>
-          <a:p>
-            <a:pPr marL="0" indent="0">
-              <a:buNone/>
-            </a:pPr>
-            <a:r>
-              <a:rPr lang="en-US" altLang="ja-JP" dirty="0" smtClean="0"/>
-              <a:t>[</a:t>
-            </a:r>
-          </a:p>
-          <a:p>
-            <a:pPr marL="0" indent="0">
-              <a:buNone/>
-            </a:pPr>
-            <a:r>
-              <a:rPr lang="en-US" altLang="ja-JP" dirty="0"/>
-              <a:t>	</a:t>
-            </a:r>
-            <a:r>
-              <a:rPr lang="en-US" altLang="ja-JP" dirty="0" smtClean="0"/>
-              <a:t>print</a:t>
-            </a:r>
-            <a:r>
-              <a:rPr lang="en-US" altLang="ja-JP" dirty="0"/>
-              <a:t>("</a:t>
-            </a:r>
-            <a:r>
-              <a:rPr lang="en-US" altLang="ja-JP" dirty="0" err="1"/>
-              <a:t>fizzbuzz</a:t>
-            </a:r>
-            <a:r>
-              <a:rPr lang="en-US" altLang="ja-JP" dirty="0"/>
-              <a:t>") </a:t>
-            </a:r>
-            <a:r>
-              <a:rPr lang="en-US" altLang="ja-JP" dirty="0" smtClean="0"/>
-              <a:t>if </a:t>
-            </a:r>
-            <a:r>
-              <a:rPr lang="en-US" altLang="ja-JP" dirty="0"/>
-              <a:t>not </a:t>
-            </a:r>
-            <a:r>
-              <a:rPr lang="en-US" altLang="ja-JP" dirty="0" err="1"/>
-              <a:t>i</a:t>
-            </a:r>
-            <a:r>
-              <a:rPr lang="en-US" altLang="ja-JP" dirty="0"/>
-              <a:t> % 15 </a:t>
-            </a:r>
-            <a:endParaRPr lang="en-US" altLang="ja-JP" dirty="0" smtClean="0"/>
-          </a:p>
-          <a:p>
-            <a:pPr marL="0" indent="0">
-              <a:buNone/>
-            </a:pPr>
-            <a:r>
-              <a:rPr lang="en-US" altLang="ja-JP" dirty="0"/>
-              <a:t>	</a:t>
-            </a:r>
-            <a:r>
-              <a:rPr lang="en-US" altLang="ja-JP" dirty="0" smtClean="0"/>
-              <a:t>else </a:t>
-            </a:r>
-          </a:p>
-          <a:p>
-            <a:pPr marL="0" indent="0">
-              <a:buNone/>
-            </a:pPr>
-            <a:r>
-              <a:rPr lang="en-US" altLang="ja-JP" dirty="0"/>
-              <a:t>	</a:t>
-            </a:r>
-            <a:r>
-              <a:rPr lang="en-US" altLang="ja-JP" dirty="0" smtClean="0"/>
-              <a:t>	print</a:t>
-            </a:r>
-            <a:r>
-              <a:rPr lang="en-US" altLang="ja-JP" dirty="0"/>
-              <a:t>("fizz") if not </a:t>
-            </a:r>
-            <a:r>
-              <a:rPr lang="en-US" altLang="ja-JP" dirty="0" err="1"/>
-              <a:t>i</a:t>
-            </a:r>
-            <a:r>
-              <a:rPr lang="en-US" altLang="ja-JP" dirty="0"/>
-              <a:t> % 3 </a:t>
-            </a:r>
-            <a:endParaRPr lang="en-US" altLang="ja-JP" dirty="0" smtClean="0"/>
-          </a:p>
-          <a:p>
-            <a:pPr marL="0" indent="0">
-              <a:buNone/>
-            </a:pPr>
-            <a:r>
-              <a:rPr lang="en-US" altLang="ja-JP" dirty="0"/>
-              <a:t>	</a:t>
-            </a:r>
-            <a:r>
-              <a:rPr lang="en-US" altLang="ja-JP" dirty="0" smtClean="0"/>
-              <a:t>else </a:t>
-            </a:r>
-          </a:p>
-          <a:p>
-            <a:pPr marL="0" indent="0">
-              <a:buNone/>
-            </a:pPr>
-            <a:r>
-              <a:rPr lang="en-US" altLang="ja-JP" dirty="0"/>
-              <a:t>	</a:t>
-            </a:r>
-            <a:r>
-              <a:rPr lang="en-US" altLang="ja-JP" dirty="0" smtClean="0"/>
-              <a:t>	print</a:t>
-            </a:r>
-            <a:r>
-              <a:rPr lang="en-US" altLang="ja-JP" dirty="0"/>
-              <a:t>("buzz") if not </a:t>
-            </a:r>
-            <a:r>
-              <a:rPr lang="en-US" altLang="ja-JP" dirty="0" err="1"/>
-              <a:t>i</a:t>
-            </a:r>
-            <a:r>
-              <a:rPr lang="en-US" altLang="ja-JP" dirty="0"/>
-              <a:t> % 5 </a:t>
-            </a:r>
-            <a:endParaRPr lang="en-US" altLang="ja-JP" dirty="0" smtClean="0"/>
-          </a:p>
-          <a:p>
-            <a:pPr marL="0" indent="0">
-              <a:buNone/>
-            </a:pPr>
-            <a:r>
-              <a:rPr lang="en-US" altLang="ja-JP" dirty="0"/>
-              <a:t>	</a:t>
-            </a:r>
-            <a:r>
-              <a:rPr lang="en-US" altLang="ja-JP" dirty="0" smtClean="0"/>
-              <a:t>else </a:t>
-            </a:r>
-          </a:p>
-          <a:p>
-            <a:pPr marL="0" indent="0">
-              <a:buNone/>
-            </a:pPr>
-            <a:r>
-              <a:rPr lang="en-US" altLang="ja-JP" dirty="0"/>
-              <a:t>	</a:t>
-            </a:r>
-            <a:r>
-              <a:rPr lang="en-US" altLang="ja-JP" dirty="0" smtClean="0"/>
-              <a:t>	print(</a:t>
-            </a:r>
-            <a:r>
-              <a:rPr lang="en-US" altLang="ja-JP" dirty="0" err="1" smtClean="0"/>
-              <a:t>i</a:t>
-            </a:r>
-            <a:r>
-              <a:rPr lang="en-US" altLang="ja-JP" dirty="0"/>
-              <a:t>) </a:t>
-            </a:r>
-            <a:endParaRPr lang="en-US" altLang="ja-JP" dirty="0" smtClean="0"/>
-          </a:p>
-          <a:p>
-            <a:pPr marL="0" indent="0">
-              <a:buNone/>
-            </a:pPr>
-            <a:r>
-              <a:rPr lang="en-US" altLang="ja-JP" dirty="0"/>
-              <a:t>	</a:t>
-            </a:r>
-            <a:r>
-              <a:rPr lang="en-US" altLang="ja-JP" dirty="0" smtClean="0"/>
-              <a:t>for </a:t>
-            </a:r>
-            <a:r>
-              <a:rPr lang="en-US" altLang="ja-JP" dirty="0" err="1"/>
-              <a:t>i</a:t>
-            </a:r>
-            <a:r>
-              <a:rPr lang="en-US" altLang="ja-JP" dirty="0"/>
-              <a:t> in range(1,end+1</a:t>
-            </a:r>
-            <a:r>
-              <a:rPr lang="en-US" altLang="ja-JP" dirty="0" smtClean="0"/>
-              <a:t>)</a:t>
-            </a:r>
-          </a:p>
-          <a:p>
-            <a:pPr marL="0" indent="0">
-              <a:buNone/>
-            </a:pPr>
-            <a:r>
-              <a:rPr lang="en-US" altLang="ja-JP" dirty="0" smtClean="0"/>
-              <a:t>]</a:t>
-            </a:r>
-            <a:endParaRPr kumimoji="1" lang="ja-JP" altLang="en-US" dirty="0"/>
           </a:p>
         </p:txBody>
       </p:sp>
@@ -9745,358 +8408,7 @@
   <p:timing>
     <p:tnLst>
       <p:par>
-        <p:cTn id="1" dur="indefinite" restart="never" nodeType="tmRoot">
-          <p:childTnLst>
-            <p:seq concurrent="1" nextAc="seek">
-              <p:cTn id="2" dur="indefinite" nodeType="mainSeq">
-                <p:childTnLst>
-                  <p:par>
-                    <p:cTn id="3" fill="hold">
-                      <p:stCondLst>
-                        <p:cond delay="indefinite"/>
-                      </p:stCondLst>
-                      <p:childTnLst>
-                        <p:par>
-                          <p:cTn id="4" fill="hold">
-                            <p:stCondLst>
-                              <p:cond delay="0"/>
-                            </p:stCondLst>
-                            <p:childTnLst>
-                              <p:par>
-                                <p:cTn id="5" presetID="1" presetClass="entr" presetSubtype="0" fill="hold" nodeType="clickEffect">
-                                  <p:stCondLst>
-                                    <p:cond delay="0"/>
-                                  </p:stCondLst>
-                                  <p:childTnLst>
-                                    <p:set>
-                                      <p:cBhvr>
-                                        <p:cTn id="6" dur="1" fill="hold">
-                                          <p:stCondLst>
-                                            <p:cond delay="0"/>
-                                          </p:stCondLst>
-                                        </p:cTn>
-                                        <p:tgtEl>
-                                          <p:spTgt spid="3">
-                                            <p:txEl>
-                                              <p:pRg st="0" end="0"/>
-                                            </p:txEl>
-                                          </p:spTgt>
-                                        </p:tgtEl>
-                                        <p:attrNameLst>
-                                          <p:attrName>style.visibility</p:attrName>
-                                        </p:attrNameLst>
-                                      </p:cBhvr>
-                                      <p:to>
-                                        <p:strVal val="visible"/>
-                                      </p:to>
-                                    </p:set>
-                                  </p:childTnLst>
-                                </p:cTn>
-                              </p:par>
-                              <p:par>
-                                <p:cTn id="7" presetID="1" presetClass="entr" presetSubtype="0" fill="hold" nodeType="withEffect">
-                                  <p:stCondLst>
-                                    <p:cond delay="0"/>
-                                  </p:stCondLst>
-                                  <p:childTnLst>
-                                    <p:set>
-                                      <p:cBhvr>
-                                        <p:cTn id="8" dur="1" fill="hold">
-                                          <p:stCondLst>
-                                            <p:cond delay="0"/>
-                                          </p:stCondLst>
-                                        </p:cTn>
-                                        <p:tgtEl>
-                                          <p:spTgt spid="3">
-                                            <p:txEl>
-                                              <p:pRg st="1" end="1"/>
-                                            </p:txEl>
-                                          </p:spTgt>
-                                        </p:tgtEl>
-                                        <p:attrNameLst>
-                                          <p:attrName>style.visibility</p:attrName>
-                                        </p:attrNameLst>
-                                      </p:cBhvr>
-                                      <p:to>
-                                        <p:strVal val="visible"/>
-                                      </p:to>
-                                    </p:set>
-                                  </p:childTnLst>
-                                </p:cTn>
-                              </p:par>
-                              <p:par>
-                                <p:cTn id="9" presetID="1" presetClass="entr" presetSubtype="0" fill="hold" nodeType="withEffect">
-                                  <p:stCondLst>
-                                    <p:cond delay="0"/>
-                                  </p:stCondLst>
-                                  <p:childTnLst>
-                                    <p:set>
-                                      <p:cBhvr>
-                                        <p:cTn id="10" dur="1" fill="hold">
-                                          <p:stCondLst>
-                                            <p:cond delay="0"/>
-                                          </p:stCondLst>
-                                        </p:cTn>
-                                        <p:tgtEl>
-                                          <p:spTgt spid="3">
-                                            <p:txEl>
-                                              <p:pRg st="2" end="2"/>
-                                            </p:txEl>
-                                          </p:spTgt>
-                                        </p:tgtEl>
-                                        <p:attrNameLst>
-                                          <p:attrName>style.visibility</p:attrName>
-                                        </p:attrNameLst>
-                                      </p:cBhvr>
-                                      <p:to>
-                                        <p:strVal val="visible"/>
-                                      </p:to>
-                                    </p:set>
-                                  </p:childTnLst>
-                                </p:cTn>
-                              </p:par>
-                              <p:par>
-                                <p:cTn id="11" presetID="1" presetClass="entr" presetSubtype="0" fill="hold" nodeType="withEffect">
-                                  <p:stCondLst>
-                                    <p:cond delay="0"/>
-                                  </p:stCondLst>
-                                  <p:childTnLst>
-                                    <p:set>
-                                      <p:cBhvr>
-                                        <p:cTn id="12" dur="1" fill="hold">
-                                          <p:stCondLst>
-                                            <p:cond delay="0"/>
-                                          </p:stCondLst>
-                                        </p:cTn>
-                                        <p:tgtEl>
-                                          <p:spTgt spid="3">
-                                            <p:txEl>
-                                              <p:pRg st="3" end="3"/>
-                                            </p:txEl>
-                                          </p:spTgt>
-                                        </p:tgtEl>
-                                        <p:attrNameLst>
-                                          <p:attrName>style.visibility</p:attrName>
-                                        </p:attrNameLst>
-                                      </p:cBhvr>
-                                      <p:to>
-                                        <p:strVal val="visible"/>
-                                      </p:to>
-                                    </p:set>
-                                  </p:childTnLst>
-                                </p:cTn>
-                              </p:par>
-                              <p:par>
-                                <p:cTn id="13" presetID="1" presetClass="entr" presetSubtype="0" fill="hold" nodeType="withEffect">
-                                  <p:stCondLst>
-                                    <p:cond delay="0"/>
-                                  </p:stCondLst>
-                                  <p:childTnLst>
-                                    <p:set>
-                                      <p:cBhvr>
-                                        <p:cTn id="14" dur="1" fill="hold">
-                                          <p:stCondLst>
-                                            <p:cond delay="0"/>
-                                          </p:stCondLst>
-                                        </p:cTn>
-                                        <p:tgtEl>
-                                          <p:spTgt spid="3">
-                                            <p:txEl>
-                                              <p:pRg st="4" end="4"/>
-                                            </p:txEl>
-                                          </p:spTgt>
-                                        </p:tgtEl>
-                                        <p:attrNameLst>
-                                          <p:attrName>style.visibility</p:attrName>
-                                        </p:attrNameLst>
-                                      </p:cBhvr>
-                                      <p:to>
-                                        <p:strVal val="visible"/>
-                                      </p:to>
-                                    </p:set>
-                                  </p:childTnLst>
-                                </p:cTn>
-                              </p:par>
-                              <p:par>
-                                <p:cTn id="15" presetID="1" presetClass="entr" presetSubtype="0" fill="hold" nodeType="withEffect">
-                                  <p:stCondLst>
-                                    <p:cond delay="0"/>
-                                  </p:stCondLst>
-                                  <p:childTnLst>
-                                    <p:set>
-                                      <p:cBhvr>
-                                        <p:cTn id="16" dur="1" fill="hold">
-                                          <p:stCondLst>
-                                            <p:cond delay="0"/>
-                                          </p:stCondLst>
-                                        </p:cTn>
-                                        <p:tgtEl>
-                                          <p:spTgt spid="3">
-                                            <p:txEl>
-                                              <p:pRg st="5" end="5"/>
-                                            </p:txEl>
-                                          </p:spTgt>
-                                        </p:tgtEl>
-                                        <p:attrNameLst>
-                                          <p:attrName>style.visibility</p:attrName>
-                                        </p:attrNameLst>
-                                      </p:cBhvr>
-                                      <p:to>
-                                        <p:strVal val="visible"/>
-                                      </p:to>
-                                    </p:set>
-                                  </p:childTnLst>
-                                </p:cTn>
-                              </p:par>
-                              <p:par>
-                                <p:cTn id="17" presetID="1" presetClass="entr" presetSubtype="0" fill="hold" nodeType="withEffect">
-                                  <p:stCondLst>
-                                    <p:cond delay="0"/>
-                                  </p:stCondLst>
-                                  <p:childTnLst>
-                                    <p:set>
-                                      <p:cBhvr>
-                                        <p:cTn id="18" dur="1" fill="hold">
-                                          <p:stCondLst>
-                                            <p:cond delay="0"/>
-                                          </p:stCondLst>
-                                        </p:cTn>
-                                        <p:tgtEl>
-                                          <p:spTgt spid="3">
-                                            <p:txEl>
-                                              <p:pRg st="6" end="6"/>
-                                            </p:txEl>
-                                          </p:spTgt>
-                                        </p:tgtEl>
-                                        <p:attrNameLst>
-                                          <p:attrName>style.visibility</p:attrName>
-                                        </p:attrNameLst>
-                                      </p:cBhvr>
-                                      <p:to>
-                                        <p:strVal val="visible"/>
-                                      </p:to>
-                                    </p:set>
-                                  </p:childTnLst>
-                                </p:cTn>
-                              </p:par>
-                              <p:par>
-                                <p:cTn id="19" presetID="1" presetClass="entr" presetSubtype="0" fill="hold" nodeType="withEffect">
-                                  <p:stCondLst>
-                                    <p:cond delay="0"/>
-                                  </p:stCondLst>
-                                  <p:childTnLst>
-                                    <p:set>
-                                      <p:cBhvr>
-                                        <p:cTn id="20" dur="1" fill="hold">
-                                          <p:stCondLst>
-                                            <p:cond delay="0"/>
-                                          </p:stCondLst>
-                                        </p:cTn>
-                                        <p:tgtEl>
-                                          <p:spTgt spid="3">
-                                            <p:txEl>
-                                              <p:pRg st="7" end="7"/>
-                                            </p:txEl>
-                                          </p:spTgt>
-                                        </p:tgtEl>
-                                        <p:attrNameLst>
-                                          <p:attrName>style.visibility</p:attrName>
-                                        </p:attrNameLst>
-                                      </p:cBhvr>
-                                      <p:to>
-                                        <p:strVal val="visible"/>
-                                      </p:to>
-                                    </p:set>
-                                  </p:childTnLst>
-                                </p:cTn>
-                              </p:par>
-                              <p:par>
-                                <p:cTn id="21" presetID="1" presetClass="entr" presetSubtype="0" fill="hold" nodeType="withEffect">
-                                  <p:stCondLst>
-                                    <p:cond delay="0"/>
-                                  </p:stCondLst>
-                                  <p:childTnLst>
-                                    <p:set>
-                                      <p:cBhvr>
-                                        <p:cTn id="22" dur="1" fill="hold">
-                                          <p:stCondLst>
-                                            <p:cond delay="0"/>
-                                          </p:stCondLst>
-                                        </p:cTn>
-                                        <p:tgtEl>
-                                          <p:spTgt spid="3">
-                                            <p:txEl>
-                                              <p:pRg st="8" end="8"/>
-                                            </p:txEl>
-                                          </p:spTgt>
-                                        </p:tgtEl>
-                                        <p:attrNameLst>
-                                          <p:attrName>style.visibility</p:attrName>
-                                        </p:attrNameLst>
-                                      </p:cBhvr>
-                                      <p:to>
-                                        <p:strVal val="visible"/>
-                                      </p:to>
-                                    </p:set>
-                                  </p:childTnLst>
-                                </p:cTn>
-                              </p:par>
-                              <p:par>
-                                <p:cTn id="23" presetID="1" presetClass="entr" presetSubtype="0" fill="hold" nodeType="withEffect">
-                                  <p:stCondLst>
-                                    <p:cond delay="0"/>
-                                  </p:stCondLst>
-                                  <p:childTnLst>
-                                    <p:set>
-                                      <p:cBhvr>
-                                        <p:cTn id="24" dur="1" fill="hold">
-                                          <p:stCondLst>
-                                            <p:cond delay="0"/>
-                                          </p:stCondLst>
-                                        </p:cTn>
-                                        <p:tgtEl>
-                                          <p:spTgt spid="3">
-                                            <p:txEl>
-                                              <p:pRg st="9" end="9"/>
-                                            </p:txEl>
-                                          </p:spTgt>
-                                        </p:tgtEl>
-                                        <p:attrNameLst>
-                                          <p:attrName>style.visibility</p:attrName>
-                                        </p:attrNameLst>
-                                      </p:cBhvr>
-                                      <p:to>
-                                        <p:strVal val="visible"/>
-                                      </p:to>
-                                    </p:set>
-                                  </p:childTnLst>
-                                </p:cTn>
-                              </p:par>
-                            </p:childTnLst>
-                          </p:cTn>
-                        </p:par>
-                      </p:childTnLst>
-                    </p:cTn>
-                  </p:par>
-                </p:childTnLst>
-              </p:cTn>
-              <p:prevCondLst>
-                <p:cond evt="onPrev" delay="0">
-                  <p:tgtEl>
-                    <p:sldTgt/>
-                  </p:tgtEl>
-                </p:cond>
-              </p:prevCondLst>
-              <p:nextCondLst>
-                <p:cond evt="onNext" delay="0">
-                  <p:tgtEl>
-                    <p:sldTgt/>
-                  </p:tgtEl>
-                </p:cond>
-              </p:nextCondLst>
-            </p:seq>
-          </p:childTnLst>
-        </p:cTn>
+        <p:cTn id="1" dur="indefinite" restart="never" nodeType="tmRoot"/>
       </p:par>
     </p:tnLst>
   </p:timing>
@@ -11198,6 +9510,17 @@
               </a:rPr>
               <a:t>m = </a:t>
             </a:r>
+            <a:endParaRPr lang="de-DE" sz="2600" b="0" strike="noStrike" spc="-1" dirty="0" smtClean="0">
+              <a:solidFill>
+                <a:srgbClr val="000000"/>
+              </a:solidFill>
+              <a:uFill>
+                <a:solidFill>
+                  <a:srgbClr val="FFFFFF"/>
+                </a:solidFill>
+              </a:uFill>
+              <a:latin typeface="Arial"/>
+            </a:endParaRPr>
           </a:p>
           <a:p>
             <a:pPr marL="108000">
@@ -11210,7 +9533,7 @@
               <a:buSzPct val="45000"/>
             </a:pPr>
             <a:r>
-              <a:rPr lang="de-DE" sz="2600" b="0" strike="noStrike" spc="-1" dirty="0">
+              <a:rPr lang="de-DE" sz="2600" b="0" strike="noStrike" spc="-1" dirty="0" smtClean="0">
                 <a:solidFill>
                   <a:srgbClr val="000000"/>
                 </a:solidFill>
@@ -11223,6 +9546,17 @@
               </a:rPr>
               <a:t>[</a:t>
             </a:r>
+            <a:endParaRPr lang="de-DE" sz="2600" b="0" strike="noStrike" spc="-1" dirty="0">
+              <a:solidFill>
+                <a:srgbClr val="000000"/>
+              </a:solidFill>
+              <a:uFill>
+                <a:solidFill>
+                  <a:srgbClr val="FFFFFF"/>
+                </a:solidFill>
+              </a:uFill>
+              <a:latin typeface="Arial"/>
+            </a:endParaRPr>
           </a:p>
           <a:p>
             <a:pPr marL="540000" lvl="1">
@@ -11707,39 +10041,26 @@
                                   </p:childTnLst>
                                 </p:cTn>
                               </p:par>
+                            </p:childTnLst>
+                          </p:cTn>
+                        </p:par>
+                      </p:childTnLst>
+                    </p:cTn>
+                  </p:par>
+                  <p:par>
+                    <p:cTn id="7" fill="hold">
+                      <p:stCondLst>
+                        <p:cond delay="indefinite"/>
+                      </p:stCondLst>
+                      <p:childTnLst>
+                        <p:par>
+                          <p:cTn id="8" fill="hold">
+                            <p:stCondLst>
+                              <p:cond delay="0"/>
+                            </p:stCondLst>
+                            <p:childTnLst>
                               <p:par>
-                                <p:cTn id="7" presetID="1" presetClass="entr" presetSubtype="0" fill="hold" nodeType="withEffect">
-                                  <p:stCondLst>
-                                    <p:cond delay="0"/>
-                                  </p:stCondLst>
-                                  <p:childTnLst>
-                                    <p:set>
-                                      <p:cBhvr>
-                                        <p:cTn id="8" dur="1" fill="hold">
-                                          <p:stCondLst>
-                                            <p:cond delay="0"/>
-                                          </p:stCondLst>
-                                        </p:cTn>
-                                        <p:tgtEl>
-                                          <p:spTgt spid="111">
-                                            <p:txEl>
-                                              <p:pRg st="1" end="1"/>
-                                            </p:txEl>
-                                          </p:spTgt>
-                                        </p:tgtEl>
-                                        <p:attrNameLst>
-                                          <p:attrName>style.visibility</p:attrName>
-                                        </p:attrNameLst>
-                                      </p:cBhvr>
-                                      <p:to>
-                                        <p:strVal val="visible"/>
-                                      </p:to>
-                                    </p:set>
-                                  </p:childTnLst>
-                                </p:cTn>
-                              </p:par>
-                              <p:par>
-                                <p:cTn id="9" presetID="1" presetClass="entr" presetSubtype="0" fill="hold" nodeType="withEffect">
+                                <p:cTn id="9" presetID="1" presetClass="entr" presetSubtype="0" fill="hold" nodeType="clickEffect">
                                   <p:stCondLst>
                                     <p:cond delay="0"/>
                                   </p:stCondLst>
@@ -11754,7 +10075,7 @@
                                         <p:tgtEl>
                                           <p:spTgt spid="111">
                                             <p:txEl>
-                                              <p:pRg st="2" end="2"/>
+                                              <p:pRg st="1" end="1"/>
                                             </p:txEl>
                                           </p:spTgt>
                                         </p:tgtEl>
@@ -11785,7 +10106,7 @@
                                         <p:tgtEl>
                                           <p:spTgt spid="111">
                                             <p:txEl>
-                                              <p:pRg st="3" end="3"/>
+                                              <p:pRg st="2" end="2"/>
                                             </p:txEl>
                                           </p:spTgt>
                                         </p:tgtEl>
@@ -11816,7 +10137,7 @@
                                         <p:tgtEl>
                                           <p:spTgt spid="111">
                                             <p:txEl>
-                                              <p:pRg st="4" end="4"/>
+                                              <p:pRg st="3" end="3"/>
                                             </p:txEl>
                                           </p:spTgt>
                                         </p:tgtEl>
@@ -11847,7 +10168,7 @@
                                         <p:tgtEl>
                                           <p:spTgt spid="111">
                                             <p:txEl>
-                                              <p:pRg st="5" end="5"/>
+                                              <p:pRg st="4" end="4"/>
                                             </p:txEl>
                                           </p:spTgt>
                                         </p:tgtEl>
@@ -11878,7 +10199,7 @@
                                         <p:tgtEl>
                                           <p:spTgt spid="111">
                                             <p:txEl>
-                                              <p:pRg st="6" end="6"/>
+                                              <p:pRg st="5" end="5"/>
                                             </p:txEl>
                                           </p:spTgt>
                                         </p:tgtEl>
@@ -11909,7 +10230,7 @@
                                         <p:tgtEl>
                                           <p:spTgt spid="111">
                                             <p:txEl>
-                                              <p:pRg st="7" end="7"/>
+                                              <p:pRg st="6" end="6"/>
                                             </p:txEl>
                                           </p:spTgt>
                                         </p:tgtEl>
@@ -11940,7 +10261,7 @@
                                         <p:tgtEl>
                                           <p:spTgt spid="111">
                                             <p:txEl>
-                                              <p:pRg st="8" end="8"/>
+                                              <p:pRg st="7" end="7"/>
                                             </p:txEl>
                                           </p:spTgt>
                                         </p:tgtEl>
@@ -11971,7 +10292,7 @@
                                         <p:tgtEl>
                                           <p:spTgt spid="111">
                                             <p:txEl>
-                                              <p:pRg st="9" end="9"/>
+                                              <p:pRg st="8" end="8"/>
                                             </p:txEl>
                                           </p:spTgt>
                                         </p:tgtEl>
@@ -12002,7 +10323,7 @@
                                         <p:tgtEl>
                                           <p:spTgt spid="111">
                                             <p:txEl>
-                                              <p:pRg st="10" end="10"/>
+                                              <p:pRg st="9" end="9"/>
                                             </p:txEl>
                                           </p:spTgt>
                                         </p:tgtEl>
@@ -12033,7 +10354,7 @@
                                         <p:tgtEl>
                                           <p:spTgt spid="111">
                                             <p:txEl>
-                                              <p:pRg st="11" end="11"/>
+                                              <p:pRg st="10" end="10"/>
                                             </p:txEl>
                                           </p:spTgt>
                                         </p:tgtEl>
@@ -12064,7 +10385,7 @@
                                         <p:tgtEl>
                                           <p:spTgt spid="111">
                                             <p:txEl>
-                                              <p:pRg st="12" end="12"/>
+                                              <p:pRg st="11" end="11"/>
                                             </p:txEl>
                                           </p:spTgt>
                                         </p:tgtEl>
@@ -12095,7 +10416,7 @@
                                         <p:tgtEl>
                                           <p:spTgt spid="111">
                                             <p:txEl>
-                                              <p:pRg st="13" end="13"/>
+                                              <p:pRg st="12" end="12"/>
                                             </p:txEl>
                                           </p:spTgt>
                                         </p:tgtEl>
@@ -12126,7 +10447,7 @@
                                         <p:tgtEl>
                                           <p:spTgt spid="111">
                                             <p:txEl>
-                                              <p:pRg st="14" end="14"/>
+                                              <p:pRg st="13" end="13"/>
                                             </p:txEl>
                                           </p:spTgt>
                                         </p:tgtEl>
@@ -12157,7 +10478,7 @@
                                         <p:tgtEl>
                                           <p:spTgt spid="111">
                                             <p:txEl>
-                                              <p:pRg st="15" end="15"/>
+                                              <p:pRg st="14" end="14"/>
                                             </p:txEl>
                                           </p:spTgt>
                                         </p:tgtEl>
@@ -12188,7 +10509,7 @@
                                         <p:tgtEl>
                                           <p:spTgt spid="111">
                                             <p:txEl>
-                                              <p:pRg st="16" end="16"/>
+                                              <p:pRg st="15" end="15"/>
                                             </p:txEl>
                                           </p:spTgt>
                                         </p:tgtEl>
@@ -12219,7 +10540,7 @@
                                         <p:tgtEl>
                                           <p:spTgt spid="111">
                                             <p:txEl>
-                                              <p:pRg st="17" end="17"/>
+                                              <p:pRg st="16" end="16"/>
                                             </p:txEl>
                                           </p:spTgt>
                                         </p:tgtEl>
@@ -12243,6 +10564,37 @@
                                     <p:set>
                                       <p:cBhvr>
                                         <p:cTn id="42" dur="1" fill="hold">
+                                          <p:stCondLst>
+                                            <p:cond delay="0"/>
+                                          </p:stCondLst>
+                                        </p:cTn>
+                                        <p:tgtEl>
+                                          <p:spTgt spid="111">
+                                            <p:txEl>
+                                              <p:pRg st="17" end="17"/>
+                                            </p:txEl>
+                                          </p:spTgt>
+                                        </p:tgtEl>
+                                        <p:attrNameLst>
+                                          <p:attrName>style.visibility</p:attrName>
+                                        </p:attrNameLst>
+                                      </p:cBhvr>
+                                      <p:to>
+                                        <p:strVal val="visible"/>
+                                      </p:to>
+                                    </p:set>
+                                  </p:childTnLst>
+                                </p:cTn>
+                              </p:par>
+                              <p:par>
+                                <p:cTn id="43" presetID="1" presetClass="entr" presetSubtype="0" fill="hold" nodeType="withEffect">
+                                  <p:stCondLst>
+                                    <p:cond delay="0"/>
+                                  </p:stCondLst>
+                                  <p:childTnLst>
+                                    <p:set>
+                                      <p:cBhvr>
+                                        <p:cTn id="44" dur="1" fill="hold">
                                           <p:stCondLst>
                                             <p:cond delay="0"/>
                                           </p:stCondLst>
@@ -12315,6 +10667,111 @@
       </p:grpSpPr>
       <p:sp>
         <p:nvSpPr>
+          <p:cNvPr id="4" name="テキスト プレースホルダー 3"/>
+          <p:cNvSpPr>
+            <a:spLocks noGrp="1"/>
+          </p:cNvSpPr>
+          <p:nvPr>
+            <p:ph type="body"/>
+          </p:nvPr>
+        </p:nvSpPr>
+        <p:spPr/>
+        <p:txBody>
+          <a:bodyPr/>
+          <a:lstStyle/>
+          <a:p>
+            <a:r>
+              <a:rPr lang="ja-JP" altLang="en-US" dirty="0"/>
+              <a:t>辞書型の変数</a:t>
+            </a:r>
+            <a:r>
+              <a:rPr lang="en-US" altLang="ja-JP" dirty="0"/>
+              <a:t>d</a:t>
+            </a:r>
+            <a:r>
+              <a:rPr lang="ja-JP" altLang="en-US" dirty="0"/>
+              <a:t>が与えられ、その中身は</a:t>
+            </a:r>
+            <a:r>
+              <a:rPr lang="en-US" altLang="ja-JP" dirty="0"/>
+              <a:t>list</a:t>
+            </a:r>
+            <a:r>
+              <a:rPr lang="ja-JP" altLang="en-US" dirty="0"/>
+              <a:t>もしくは</a:t>
+            </a:r>
+            <a:r>
+              <a:rPr lang="en-US" altLang="ja-JP" dirty="0" err="1"/>
+              <a:t>int</a:t>
+            </a:r>
+            <a:r>
+              <a:rPr lang="ja-JP" altLang="en-US" dirty="0" err="1"/>
+              <a:t>、</a:t>
+            </a:r>
+            <a:r>
+              <a:rPr lang="en-US" altLang="ja-JP" dirty="0"/>
+              <a:t>float</a:t>
+            </a:r>
+            <a:r>
+              <a:rPr lang="ja-JP" altLang="en-US" dirty="0" err="1"/>
+              <a:t>、</a:t>
+            </a:r>
+            <a:r>
+              <a:rPr lang="en-US" altLang="ja-JP" dirty="0" err="1"/>
+              <a:t>str</a:t>
+            </a:r>
+            <a:r>
+              <a:rPr lang="ja-JP" altLang="en-US" dirty="0"/>
+              <a:t>型になっている。</a:t>
+            </a:r>
+            <a:endParaRPr lang="en-US" altLang="ja-JP" dirty="0"/>
+          </a:p>
+          <a:p>
+            <a:endParaRPr lang="en-US" altLang="ja-JP" dirty="0"/>
+          </a:p>
+          <a:p>
+            <a:r>
+              <a:rPr lang="ja-JP" altLang="en-US" dirty="0"/>
+              <a:t>この時、各要素をキーに持ち、各要素に対応するキーを要素に持つコードをかけ</a:t>
+            </a:r>
+            <a:endParaRPr lang="en-US" altLang="ja-JP" dirty="0"/>
+          </a:p>
+          <a:p>
+            <a:endParaRPr lang="en-US" altLang="ja-JP" dirty="0"/>
+          </a:p>
+          <a:p>
+            <a:r>
+              <a:rPr lang="ja-JP" altLang="en-US" dirty="0"/>
+              <a:t>ただし、要素が</a:t>
+            </a:r>
+            <a:r>
+              <a:rPr lang="en-US" altLang="ja-JP" dirty="0"/>
+              <a:t>list</a:t>
+            </a:r>
+            <a:r>
+              <a:rPr lang="ja-JP" altLang="en-US" dirty="0"/>
+              <a:t>型の場合、その</a:t>
+            </a:r>
+            <a:r>
+              <a:rPr lang="en-US" altLang="ja-JP" dirty="0"/>
+              <a:t>list</a:t>
+            </a:r>
+            <a:r>
+              <a:rPr lang="ja-JP" altLang="en-US" dirty="0"/>
+              <a:t>の各要素にキーが対応していると考える。</a:t>
+            </a:r>
+            <a:endParaRPr lang="en-US" altLang="ja-JP" dirty="0"/>
+          </a:p>
+          <a:p>
+            <a:pPr marL="0" indent="0">
+              <a:buNone/>
+            </a:pPr>
+            <a:endParaRPr kumimoji="1" lang="ja-JP" altLang="en-US" dirty="0"/>
+          </a:p>
+        </p:txBody>
+      </p:sp>
+      <p:sp>
+        <p:nvSpPr>
           <p:cNvPr id="2" name="タイトル 1"/>
           <p:cNvSpPr>
             <a:spLocks noGrp="1"/>
@@ -12333,105 +10790,6 @@
               <a:t>例４</a:t>
             </a:r>
             <a:endParaRPr kumimoji="1" lang="ja-JP" altLang="en-US" dirty="0"/>
-          </a:p>
-        </p:txBody>
-      </p:sp>
-      <p:sp>
-        <p:nvSpPr>
-          <p:cNvPr id="3" name="テキスト プレースホルダー 2"/>
-          <p:cNvSpPr>
-            <a:spLocks noGrp="1"/>
-          </p:cNvSpPr>
-          <p:nvPr>
-            <p:ph type="body"/>
-          </p:nvPr>
-        </p:nvSpPr>
-        <p:spPr/>
-        <p:txBody>
-          <a:bodyPr/>
-          <a:lstStyle/>
-          <a:p>
-            <a:r>
-              <a:rPr kumimoji="1" lang="ja-JP" altLang="en-US" dirty="0" smtClean="0"/>
-              <a:t>辞書型の変数</a:t>
-            </a:r>
-            <a:r>
-              <a:rPr kumimoji="1" lang="en-US" altLang="ja-JP" dirty="0" smtClean="0"/>
-              <a:t>d</a:t>
-            </a:r>
-            <a:r>
-              <a:rPr kumimoji="1" lang="ja-JP" altLang="en-US" dirty="0" smtClean="0"/>
-              <a:t>が与えられ、その中身は</a:t>
-            </a:r>
-            <a:r>
-              <a:rPr kumimoji="1" lang="en-US" altLang="ja-JP" dirty="0" smtClean="0"/>
-              <a:t>list</a:t>
-            </a:r>
-            <a:r>
-              <a:rPr kumimoji="1" lang="ja-JP" altLang="en-US" dirty="0" smtClean="0"/>
-              <a:t>もしくは</a:t>
-            </a:r>
-            <a:r>
-              <a:rPr lang="en-US" altLang="ja-JP" dirty="0" err="1" smtClean="0"/>
-              <a:t>int</a:t>
-            </a:r>
-            <a:r>
-              <a:rPr lang="ja-JP" altLang="en-US" dirty="0" err="1" smtClean="0"/>
-              <a:t>、</a:t>
-            </a:r>
-            <a:r>
-              <a:rPr lang="en-US" altLang="ja-JP" dirty="0" smtClean="0"/>
-              <a:t>float</a:t>
-            </a:r>
-            <a:r>
-              <a:rPr lang="ja-JP" altLang="en-US" dirty="0" err="1" smtClean="0"/>
-              <a:t>、</a:t>
-            </a:r>
-            <a:r>
-              <a:rPr lang="en-US" altLang="ja-JP" dirty="0" err="1" smtClean="0"/>
-              <a:t>str</a:t>
-            </a:r>
-            <a:r>
-              <a:rPr lang="ja-JP" altLang="en-US" dirty="0" smtClean="0"/>
-              <a:t>型になっている。</a:t>
-            </a:r>
-            <a:endParaRPr lang="en-US" altLang="ja-JP" dirty="0" smtClean="0"/>
-          </a:p>
-          <a:p>
-            <a:endParaRPr lang="en-US" altLang="ja-JP" dirty="0" smtClean="0"/>
-          </a:p>
-          <a:p>
-            <a:r>
-              <a:rPr lang="ja-JP" altLang="en-US" dirty="0" smtClean="0"/>
-              <a:t>この時、各要素をキーに持ち、各要素に対応するキーを要素に持つコードをかけ</a:t>
-            </a:r>
-            <a:endParaRPr lang="en-US" altLang="ja-JP" dirty="0" smtClean="0"/>
-          </a:p>
-          <a:p>
-            <a:endParaRPr lang="en-US" altLang="ja-JP" dirty="0"/>
-          </a:p>
-          <a:p>
-            <a:r>
-              <a:rPr lang="ja-JP" altLang="en-US" dirty="0" smtClean="0"/>
-              <a:t>ただし、要素が</a:t>
-            </a:r>
-            <a:r>
-              <a:rPr lang="en-US" altLang="ja-JP" dirty="0" smtClean="0"/>
-              <a:t>list</a:t>
-            </a:r>
-            <a:r>
-              <a:rPr lang="ja-JP" altLang="en-US" dirty="0" smtClean="0"/>
-              <a:t>型の場合、その</a:t>
-            </a:r>
-            <a:r>
-              <a:rPr lang="en-US" altLang="ja-JP" dirty="0" smtClean="0"/>
-              <a:t>list</a:t>
-            </a:r>
-            <a:r>
-              <a:rPr lang="ja-JP" altLang="en-US" dirty="0" smtClean="0"/>
-              <a:t>の各要素にキーが対応していると考える。</a:t>
-            </a:r>
-            <a:endParaRPr lang="en-US" altLang="ja-JP" dirty="0" smtClean="0"/>
           </a:p>
         </p:txBody>
       </p:sp>
@@ -12474,7 +10832,213 @@
       </p:grpSpPr>
       <p:sp>
         <p:nvSpPr>
-          <p:cNvPr id="2" name="タイトル 1"/>
+          <p:cNvPr id="5" name="テキスト プレースホルダー 4"/>
+          <p:cNvSpPr>
+            <a:spLocks noGrp="1"/>
+          </p:cNvSpPr>
+          <p:nvPr>
+            <p:ph type="body"/>
+          </p:nvPr>
+        </p:nvSpPr>
+        <p:spPr>
+          <a:xfrm>
+            <a:off x="503640" y="1799999"/>
+            <a:ext cx="9070920" cy="5455240"/>
+          </a:xfrm>
+        </p:spPr>
+        <p:txBody>
+          <a:bodyPr>
+            <a:normAutofit fontScale="77500" lnSpcReduction="20000"/>
+          </a:bodyPr>
+          <a:lstStyle/>
+          <a:p>
+            <a:pPr marL="0" indent="0">
+              <a:buNone/>
+            </a:pPr>
+            <a:r>
+              <a:rPr lang="en-US" altLang="ja-JP" dirty="0" err="1"/>
+              <a:t>def</a:t>
+            </a:r>
+            <a:r>
+              <a:rPr lang="en-US" altLang="ja-JP" dirty="0"/>
+              <a:t> rev(data):</a:t>
+            </a:r>
+          </a:p>
+          <a:p>
+            <a:pPr marL="0" indent="0">
+              <a:buNone/>
+            </a:pPr>
+            <a:r>
+              <a:rPr lang="en-US" altLang="ja-JP" dirty="0"/>
+              <a:t>	out = </a:t>
+            </a:r>
+            <a:r>
+              <a:rPr lang="en-US" altLang="ja-JP" dirty="0" err="1"/>
+              <a:t>dict</a:t>
+            </a:r>
+            <a:r>
+              <a:rPr lang="en-US" altLang="ja-JP" dirty="0"/>
+              <a:t>()</a:t>
+            </a:r>
+          </a:p>
+          <a:p>
+            <a:pPr marL="0" indent="0">
+              <a:buNone/>
+            </a:pPr>
+            <a:r>
+              <a:rPr lang="en-US" altLang="ja-JP" dirty="0"/>
+              <a:t>	for key in data:</a:t>
+            </a:r>
+          </a:p>
+          <a:p>
+            <a:pPr marL="0" indent="0">
+              <a:buNone/>
+            </a:pPr>
+            <a:r>
+              <a:rPr lang="en-US" altLang="ja-JP" dirty="0"/>
+              <a:t>		if type(data[key]) == list:</a:t>
+            </a:r>
+          </a:p>
+          <a:p>
+            <a:pPr marL="0" indent="0">
+              <a:buNone/>
+            </a:pPr>
+            <a:r>
+              <a:rPr lang="en-US" altLang="ja-JP" dirty="0"/>
+              <a:t>			for </a:t>
+            </a:r>
+            <a:r>
+              <a:rPr lang="en-US" altLang="ja-JP" dirty="0" err="1"/>
+              <a:t>key_data</a:t>
+            </a:r>
+            <a:r>
+              <a:rPr lang="en-US" altLang="ja-JP" dirty="0"/>
+              <a:t> in data[key]:</a:t>
+            </a:r>
+          </a:p>
+          <a:p>
+            <a:pPr marL="0" indent="0">
+              <a:buNone/>
+            </a:pPr>
+            <a:r>
+              <a:rPr lang="en-US" altLang="ja-JP" dirty="0"/>
+              <a:t>				if </a:t>
+            </a:r>
+            <a:r>
+              <a:rPr lang="en-US" altLang="ja-JP" dirty="0" err="1"/>
+              <a:t>key_data</a:t>
+            </a:r>
+            <a:r>
+              <a:rPr lang="en-US" altLang="ja-JP" dirty="0"/>
+              <a:t> in out:</a:t>
+            </a:r>
+          </a:p>
+          <a:p>
+            <a:pPr marL="0" indent="0">
+              <a:buNone/>
+            </a:pPr>
+            <a:r>
+              <a:rPr lang="en-US" altLang="ja-JP" dirty="0"/>
+              <a:t>					out[</a:t>
+            </a:r>
+            <a:r>
+              <a:rPr lang="en-US" altLang="ja-JP" dirty="0" err="1"/>
+              <a:t>key_data</a:t>
+            </a:r>
+            <a:r>
+              <a:rPr lang="en-US" altLang="ja-JP" dirty="0"/>
+              <a:t>].append(key)</a:t>
+            </a:r>
+          </a:p>
+          <a:p>
+            <a:pPr marL="0" indent="0">
+              <a:buNone/>
+            </a:pPr>
+            <a:r>
+              <a:rPr lang="en-US" altLang="ja-JP" dirty="0"/>
+              <a:t>				else:</a:t>
+            </a:r>
+          </a:p>
+          <a:p>
+            <a:pPr marL="0" indent="0">
+              <a:buNone/>
+            </a:pPr>
+            <a:r>
+              <a:rPr lang="en-US" altLang="ja-JP" dirty="0"/>
+              <a:t>					out[</a:t>
+            </a:r>
+            <a:r>
+              <a:rPr lang="en-US" altLang="ja-JP" dirty="0" err="1"/>
+              <a:t>key_data</a:t>
+            </a:r>
+            <a:r>
+              <a:rPr lang="en-US" altLang="ja-JP" dirty="0"/>
+              <a:t>] = [key]</a:t>
+            </a:r>
+          </a:p>
+          <a:p>
+            <a:pPr marL="0" indent="0">
+              <a:buNone/>
+            </a:pPr>
+            <a:r>
+              <a:rPr lang="en-US" altLang="ja-JP" dirty="0"/>
+              <a:t>		else:</a:t>
+            </a:r>
+          </a:p>
+          <a:p>
+            <a:pPr marL="0" indent="0">
+              <a:buNone/>
+            </a:pPr>
+            <a:r>
+              <a:rPr lang="en-US" altLang="ja-JP" dirty="0"/>
+              <a:t>			 if data[key] in out:</a:t>
+            </a:r>
+          </a:p>
+          <a:p>
+            <a:pPr marL="0" indent="0">
+              <a:buNone/>
+            </a:pPr>
+            <a:r>
+              <a:rPr lang="en-US" altLang="ja-JP" dirty="0"/>
+              <a:t>				data[key]].append(key)</a:t>
+            </a:r>
+          </a:p>
+          <a:p>
+            <a:pPr marL="0" indent="0">
+              <a:buNone/>
+            </a:pPr>
+            <a:r>
+              <a:rPr lang="en-US" altLang="ja-JP" dirty="0"/>
+              <a:t>			else:</a:t>
+            </a:r>
+          </a:p>
+          <a:p>
+            <a:pPr marL="0" indent="0">
+              <a:buNone/>
+            </a:pPr>
+            <a:r>
+              <a:rPr lang="en-US" altLang="ja-JP" dirty="0"/>
+              <a:t>				data[key]] = [key]</a:t>
+            </a:r>
+          </a:p>
+          <a:p>
+            <a:pPr marL="0" indent="0">
+              <a:buNone/>
+            </a:pPr>
+            <a:r>
+              <a:rPr lang="en-US" altLang="ja-JP" dirty="0"/>
+              <a:t>	return out</a:t>
+            </a:r>
+            <a:endParaRPr lang="ja-JP" altLang="en-US" dirty="0"/>
+          </a:p>
+          <a:p>
+            <a:endParaRPr kumimoji="1" lang="ja-JP" altLang="en-US" dirty="0"/>
+          </a:p>
+        </p:txBody>
+      </p:sp>
+      <p:sp>
+        <p:nvSpPr>
+          <p:cNvPr id="4" name="タイトル 3"/>
           <p:cNvSpPr>
             <a:spLocks noGrp="1"/>
           </p:cNvSpPr>
@@ -12488,273 +11052,6 @@
           <a:lstStyle/>
           <a:p>
             <a:endParaRPr kumimoji="1" lang="ja-JP" altLang="en-US"/>
-          </a:p>
-        </p:txBody>
-      </p:sp>
-      <p:sp>
-        <p:nvSpPr>
-          <p:cNvPr id="3" name="テキスト プレースホルダー 2"/>
-          <p:cNvSpPr>
-            <a:spLocks noGrp="1"/>
-          </p:cNvSpPr>
-          <p:nvPr>
-            <p:ph type="body"/>
-          </p:nvPr>
-        </p:nvSpPr>
-        <p:spPr>
-          <a:xfrm>
-            <a:off x="503640" y="1618938"/>
-            <a:ext cx="9070920" cy="5741232"/>
-          </a:xfrm>
-        </p:spPr>
-        <p:txBody>
-          <a:bodyPr>
-            <a:noAutofit/>
-          </a:bodyPr>
-          <a:lstStyle/>
-          <a:p>
-            <a:pPr marL="0" indent="0">
-              <a:buNone/>
-            </a:pPr>
-            <a:r>
-              <a:rPr lang="en-US" altLang="ja-JP" sz="1800" dirty="0" err="1" smtClean="0"/>
-              <a:t>def</a:t>
-            </a:r>
-            <a:r>
-              <a:rPr lang="en-US" altLang="ja-JP" sz="1800" dirty="0" smtClean="0"/>
-              <a:t> rev(data):</a:t>
-            </a:r>
-          </a:p>
-          <a:p>
-            <a:pPr marL="0" indent="0">
-              <a:buNone/>
-            </a:pPr>
-            <a:r>
-              <a:rPr lang="en-US" altLang="ja-JP" sz="1800" dirty="0"/>
-              <a:t>	</a:t>
-            </a:r>
-            <a:r>
-              <a:rPr lang="en-US" altLang="ja-JP" sz="1800" dirty="0" smtClean="0"/>
-              <a:t>out = </a:t>
-            </a:r>
-            <a:r>
-              <a:rPr lang="en-US" altLang="ja-JP" sz="1800" dirty="0" err="1" smtClean="0"/>
-              <a:t>dict</a:t>
-            </a:r>
-            <a:r>
-              <a:rPr lang="en-US" altLang="ja-JP" sz="1800" dirty="0" smtClean="0"/>
-              <a:t>()</a:t>
-            </a:r>
-          </a:p>
-          <a:p>
-            <a:pPr marL="0" indent="0">
-              <a:buNone/>
-            </a:pPr>
-            <a:r>
-              <a:rPr kumimoji="1" lang="en-US" altLang="ja-JP" sz="1800" dirty="0"/>
-              <a:t>	</a:t>
-            </a:r>
-            <a:r>
-              <a:rPr lang="en-US" altLang="ja-JP" sz="1800" dirty="0" smtClean="0"/>
-              <a:t>for key in data:</a:t>
-            </a:r>
-          </a:p>
-          <a:p>
-            <a:pPr marL="0" indent="0">
-              <a:buNone/>
-            </a:pPr>
-            <a:r>
-              <a:rPr lang="en-US" altLang="ja-JP" sz="1800" dirty="0"/>
-              <a:t>	</a:t>
-            </a:r>
-            <a:r>
-              <a:rPr lang="en-US" altLang="ja-JP" sz="1800" dirty="0" smtClean="0"/>
-              <a:t>	if type(data[key]) == list:</a:t>
-            </a:r>
-          </a:p>
-          <a:p>
-            <a:pPr marL="0" indent="0">
-              <a:buNone/>
-            </a:pPr>
-            <a:r>
-              <a:rPr lang="en-US" altLang="ja-JP" sz="1800" dirty="0" smtClean="0"/>
-              <a:t>	</a:t>
-            </a:r>
-            <a:r>
-              <a:rPr lang="en-US" altLang="ja-JP" sz="1800" dirty="0"/>
-              <a:t>	</a:t>
-            </a:r>
-            <a:r>
-              <a:rPr lang="en-US" altLang="ja-JP" sz="1800" dirty="0" smtClean="0"/>
-              <a:t>	for </a:t>
-            </a:r>
-            <a:r>
-              <a:rPr lang="en-US" altLang="ja-JP" sz="1800" dirty="0" err="1" smtClean="0"/>
-              <a:t>key_data</a:t>
-            </a:r>
-            <a:r>
-              <a:rPr lang="en-US" altLang="ja-JP" sz="1800" dirty="0" smtClean="0"/>
-              <a:t> in data[key]:</a:t>
-            </a:r>
-          </a:p>
-          <a:p>
-            <a:pPr marL="0" indent="0">
-              <a:buNone/>
-            </a:pPr>
-            <a:r>
-              <a:rPr kumimoji="1" lang="en-US" altLang="ja-JP" sz="1800" dirty="0" smtClean="0"/>
-              <a:t>		</a:t>
-            </a:r>
-            <a:r>
-              <a:rPr kumimoji="1" lang="en-US" altLang="ja-JP" sz="1800" dirty="0"/>
-              <a:t>	</a:t>
-            </a:r>
-            <a:r>
-              <a:rPr kumimoji="1" lang="en-US" altLang="ja-JP" sz="1800" dirty="0" smtClean="0"/>
-              <a:t>	if </a:t>
-            </a:r>
-            <a:r>
-              <a:rPr kumimoji="1" lang="en-US" altLang="ja-JP" sz="1800" dirty="0" err="1" smtClean="0"/>
-              <a:t>key_data</a:t>
-            </a:r>
-            <a:r>
-              <a:rPr kumimoji="1" lang="en-US" altLang="ja-JP" sz="1800" dirty="0" smtClean="0"/>
-              <a:t> in out:</a:t>
-            </a:r>
-          </a:p>
-          <a:p>
-            <a:pPr marL="0" indent="0">
-              <a:buNone/>
-            </a:pPr>
-            <a:r>
-              <a:rPr lang="en-US" altLang="ja-JP" sz="1800" dirty="0"/>
-              <a:t>	</a:t>
-            </a:r>
-            <a:r>
-              <a:rPr lang="en-US" altLang="ja-JP" sz="1800" dirty="0" smtClean="0"/>
-              <a:t>				out[</a:t>
-            </a:r>
-            <a:r>
-              <a:rPr lang="en-US" altLang="ja-JP" sz="1800" dirty="0" err="1" smtClean="0"/>
-              <a:t>key_data</a:t>
-            </a:r>
-            <a:r>
-              <a:rPr lang="en-US" altLang="ja-JP" sz="1800" dirty="0" smtClean="0"/>
-              <a:t>].append(key)</a:t>
-            </a:r>
-          </a:p>
-          <a:p>
-            <a:pPr marL="0" indent="0">
-              <a:buNone/>
-            </a:pPr>
-            <a:r>
-              <a:rPr kumimoji="1" lang="en-US" altLang="ja-JP" sz="1800" dirty="0"/>
-              <a:t>	</a:t>
-            </a:r>
-            <a:r>
-              <a:rPr kumimoji="1" lang="en-US" altLang="ja-JP" sz="1800" dirty="0" smtClean="0"/>
-              <a:t>			else:</a:t>
-            </a:r>
-          </a:p>
-          <a:p>
-            <a:pPr marL="0" indent="0">
-              <a:buNone/>
-            </a:pPr>
-            <a:r>
-              <a:rPr lang="en-US" altLang="ja-JP" sz="1800" dirty="0"/>
-              <a:t>	</a:t>
-            </a:r>
-            <a:r>
-              <a:rPr lang="en-US" altLang="ja-JP" sz="1800" dirty="0" smtClean="0"/>
-              <a:t>				out[</a:t>
-            </a:r>
-            <a:r>
-              <a:rPr lang="en-US" altLang="ja-JP" sz="1800" dirty="0" err="1" smtClean="0"/>
-              <a:t>key_data</a:t>
-            </a:r>
-            <a:r>
-              <a:rPr lang="en-US" altLang="ja-JP" sz="1800" dirty="0" smtClean="0"/>
-              <a:t>] = [key]</a:t>
-            </a:r>
-          </a:p>
-          <a:p>
-            <a:pPr marL="0" indent="0">
-              <a:buNone/>
-            </a:pPr>
-            <a:r>
-              <a:rPr kumimoji="1" lang="en-US" altLang="ja-JP" sz="1800" dirty="0"/>
-              <a:t>	</a:t>
-            </a:r>
-            <a:r>
-              <a:rPr kumimoji="1" lang="en-US" altLang="ja-JP" sz="1800" dirty="0" smtClean="0"/>
-              <a:t>	else:</a:t>
-            </a:r>
-          </a:p>
-          <a:p>
-            <a:pPr marL="0" indent="0">
-              <a:buNone/>
-            </a:pPr>
-            <a:r>
-              <a:rPr lang="en-US" altLang="ja-JP" sz="1800" dirty="0" smtClean="0"/>
-              <a:t>			 if </a:t>
-            </a:r>
-            <a:r>
-              <a:rPr lang="en-US" altLang="ja-JP" sz="1800" dirty="0" smtClean="0"/>
-              <a:t>data[key] </a:t>
-            </a:r>
-            <a:r>
-              <a:rPr lang="en-US" altLang="ja-JP" sz="1800" dirty="0" smtClean="0"/>
-              <a:t>in out:</a:t>
-            </a:r>
-          </a:p>
-          <a:p>
-            <a:pPr marL="0" indent="0">
-              <a:buNone/>
-            </a:pPr>
-            <a:r>
-              <a:rPr lang="en-US" altLang="ja-JP" sz="1800" dirty="0" smtClean="0"/>
-              <a:t>				data[key]].append(key)</a:t>
-            </a:r>
-          </a:p>
-          <a:p>
-            <a:pPr marL="0" indent="0">
-              <a:buNone/>
-            </a:pPr>
-            <a:r>
-              <a:rPr lang="en-US" altLang="ja-JP" sz="1800" dirty="0" smtClean="0"/>
-              <a:t>	</a:t>
-            </a:r>
-            <a:r>
-              <a:rPr lang="en-US" altLang="ja-JP" sz="1800" dirty="0"/>
-              <a:t>		else:</a:t>
-            </a:r>
-          </a:p>
-          <a:p>
-            <a:pPr marL="0" indent="0">
-              <a:buNone/>
-            </a:pPr>
-            <a:r>
-              <a:rPr lang="en-US" altLang="ja-JP" sz="1800" dirty="0" smtClean="0"/>
-              <a:t>				data[key]] = [key]</a:t>
-            </a:r>
-          </a:p>
-          <a:p>
-            <a:pPr marL="0" indent="0">
-              <a:buNone/>
-            </a:pPr>
-            <a:r>
-              <a:rPr lang="en-US" altLang="ja-JP" sz="1800" dirty="0"/>
-              <a:t>	</a:t>
-            </a:r>
-            <a:r>
-              <a:rPr lang="en-US" altLang="ja-JP" sz="1800" dirty="0" smtClean="0"/>
-              <a:t>r</a:t>
-            </a:r>
-            <a:r>
-              <a:rPr kumimoji="1" lang="en-US" altLang="ja-JP" sz="1800" dirty="0" smtClean="0"/>
-              <a:t>eturn out</a:t>
-            </a:r>
-            <a:endParaRPr kumimoji="1" lang="ja-JP" altLang="en-US" sz="1800" dirty="0"/>
           </a:p>
         </p:txBody>
       </p:sp>
@@ -12797,7 +11094,103 @@
       </p:grpSpPr>
       <p:sp>
         <p:nvSpPr>
-          <p:cNvPr id="2" name="タイトル 1"/>
+          <p:cNvPr id="5" name="テキスト プレースホルダー 4"/>
+          <p:cNvSpPr>
+            <a:spLocks noGrp="1"/>
+          </p:cNvSpPr>
+          <p:nvPr>
+            <p:ph type="body"/>
+          </p:nvPr>
+        </p:nvSpPr>
+        <p:spPr/>
+        <p:txBody>
+          <a:bodyPr/>
+          <a:lstStyle/>
+          <a:p>
+            <a:pPr marL="0" indent="0">
+              <a:buNone/>
+            </a:pPr>
+            <a:r>
+              <a:rPr lang="en-US" altLang="ja-JP" dirty="0"/>
+              <a:t>od = {j:(a[j].append(</a:t>
+            </a:r>
+            <a:r>
+              <a:rPr lang="en-US" altLang="ja-JP" dirty="0" err="1"/>
+              <a:t>i</a:t>
+            </a:r>
+            <a:r>
+              <a:rPr lang="en-US" altLang="ja-JP" dirty="0"/>
+              <a:t>), a[j])[1] if j in a else (</a:t>
+            </a:r>
+            <a:r>
+              <a:rPr lang="en-US" altLang="ja-JP" dirty="0" err="1"/>
+              <a:t>a.update</a:t>
+            </a:r>
+            <a:r>
+              <a:rPr lang="en-US" altLang="ja-JP" dirty="0"/>
+              <a:t>({j:[</a:t>
+            </a:r>
+            <a:r>
+              <a:rPr lang="en-US" altLang="ja-JP" dirty="0" err="1"/>
+              <a:t>i</a:t>
+            </a:r>
+            <a:r>
+              <a:rPr lang="en-US" altLang="ja-JP" dirty="0"/>
+              <a:t>]}), a[j])[1] for a in [</a:t>
+            </a:r>
+            <a:r>
+              <a:rPr lang="en-US" altLang="ja-JP" dirty="0" err="1"/>
+              <a:t>dict</a:t>
+            </a:r>
+            <a:r>
+              <a:rPr lang="en-US" altLang="ja-JP" dirty="0"/>
+              <a:t>()] for </a:t>
+            </a:r>
+            <a:r>
+              <a:rPr lang="en-US" altLang="ja-JP" dirty="0" err="1"/>
+              <a:t>i</a:t>
+            </a:r>
+            <a:r>
+              <a:rPr lang="en-US" altLang="ja-JP" dirty="0"/>
+              <a:t> in d for j in (d[</a:t>
+            </a:r>
+            <a:r>
+              <a:rPr lang="en-US" altLang="ja-JP" dirty="0" err="1"/>
+              <a:t>i</a:t>
+            </a:r>
+            <a:r>
+              <a:rPr lang="en-US" altLang="ja-JP" dirty="0"/>
+              <a:t>] if type(d[</a:t>
+            </a:r>
+            <a:r>
+              <a:rPr lang="en-US" altLang="ja-JP" dirty="0" err="1"/>
+              <a:t>i</a:t>
+            </a:r>
+            <a:r>
+              <a:rPr lang="en-US" altLang="ja-JP" dirty="0"/>
+              <a:t>]) == list else [d[</a:t>
+            </a:r>
+            <a:r>
+              <a:rPr lang="en-US" altLang="ja-JP" dirty="0" err="1"/>
+              <a:t>i</a:t>
+            </a:r>
+            <a:r>
+              <a:rPr lang="en-US" altLang="ja-JP" dirty="0"/>
+              <a:t>]])}</a:t>
+            </a:r>
+            <a:endParaRPr lang="ja-JP" altLang="en-US" dirty="0"/>
+          </a:p>
+          <a:p>
+            <a:pPr marL="0" indent="0">
+              <a:buNone/>
+            </a:pPr>
+            <a:endParaRPr kumimoji="1" lang="ja-JP" altLang="en-US" dirty="0"/>
+          </a:p>
+        </p:txBody>
+      </p:sp>
+      <p:sp>
+        <p:nvSpPr>
+          <p:cNvPr id="4" name="タイトル 3"/>
           <p:cNvSpPr>
             <a:spLocks noGrp="1"/>
           </p:cNvSpPr>
@@ -12811,96 +11204,6 @@
           <a:lstStyle/>
           <a:p>
             <a:endParaRPr kumimoji="1" lang="ja-JP" altLang="en-US"/>
-          </a:p>
-        </p:txBody>
-      </p:sp>
-      <p:sp>
-        <p:nvSpPr>
-          <p:cNvPr id="3" name="テキスト プレースホルダー 2"/>
-          <p:cNvSpPr>
-            <a:spLocks noGrp="1"/>
-          </p:cNvSpPr>
-          <p:nvPr>
-            <p:ph type="body"/>
-          </p:nvPr>
-        </p:nvSpPr>
-        <p:spPr/>
-        <p:txBody>
-          <a:bodyPr/>
-          <a:lstStyle/>
-          <a:p>
-            <a:pPr marL="0" indent="0">
-              <a:buNone/>
-            </a:pPr>
-            <a:r>
-              <a:rPr lang="en-US" altLang="ja-JP" dirty="0"/>
-              <a:t>od = {j:(a[j].append(</a:t>
-            </a:r>
-            <a:r>
-              <a:rPr lang="en-US" altLang="ja-JP" dirty="0" err="1"/>
-              <a:t>i</a:t>
-            </a:r>
-            <a:r>
-              <a:rPr lang="en-US" altLang="ja-JP" dirty="0"/>
-              <a:t>), a[j])[1] if j in a else (</a:t>
-            </a:r>
-            <a:r>
-              <a:rPr lang="en-US" altLang="ja-JP" dirty="0" err="1"/>
-              <a:t>a.update</a:t>
-            </a:r>
-            <a:r>
-              <a:rPr lang="en-US" altLang="ja-JP" dirty="0"/>
-              <a:t>({j:[</a:t>
-            </a:r>
-            <a:r>
-              <a:rPr lang="en-US" altLang="ja-JP" dirty="0" err="1"/>
-              <a:t>i</a:t>
-            </a:r>
-            <a:r>
-              <a:rPr lang="en-US" altLang="ja-JP" dirty="0"/>
-              <a:t>]}), a[j])[1] for a in [</a:t>
-            </a:r>
-            <a:r>
-              <a:rPr lang="en-US" altLang="ja-JP" dirty="0" err="1"/>
-              <a:t>dict</a:t>
-            </a:r>
-            <a:r>
-              <a:rPr lang="en-US" altLang="ja-JP" dirty="0"/>
-              <a:t>()] for </a:t>
-            </a:r>
-            <a:r>
-              <a:rPr lang="en-US" altLang="ja-JP" dirty="0" err="1"/>
-              <a:t>i</a:t>
-            </a:r>
-            <a:r>
-              <a:rPr lang="en-US" altLang="ja-JP" dirty="0"/>
-              <a:t> in d for j in (d[</a:t>
-            </a:r>
-            <a:r>
-              <a:rPr lang="en-US" altLang="ja-JP" dirty="0" err="1"/>
-              <a:t>i</a:t>
-            </a:r>
-            <a:r>
-              <a:rPr lang="en-US" altLang="ja-JP" dirty="0"/>
-              <a:t>] if type(d[</a:t>
-            </a:r>
-            <a:r>
-              <a:rPr lang="en-US" altLang="ja-JP" dirty="0" err="1"/>
-              <a:t>i</a:t>
-            </a:r>
-            <a:r>
-              <a:rPr lang="en-US" altLang="ja-JP" dirty="0"/>
-              <a:t>]) == list else [d[</a:t>
-            </a:r>
-            <a:r>
-              <a:rPr lang="en-US" altLang="ja-JP" dirty="0" err="1"/>
-              <a:t>i</a:t>
-            </a:r>
-            <a:r>
-              <a:rPr lang="en-US" altLang="ja-JP" dirty="0"/>
-              <a:t>]])}</a:t>
-            </a:r>
-            <a:endParaRPr kumimoji="1" lang="ja-JP" altLang="en-US" dirty="0"/>
           </a:p>
         </p:txBody>
       </p:sp>
@@ -12943,7 +11246,140 @@
       </p:grpSpPr>
       <p:sp>
         <p:nvSpPr>
-          <p:cNvPr id="2" name="タイトル 1"/>
+          <p:cNvPr id="5" name="テキスト プレースホルダー 4"/>
+          <p:cNvSpPr>
+            <a:spLocks noGrp="1"/>
+          </p:cNvSpPr>
+          <p:nvPr>
+            <p:ph type="body"/>
+          </p:nvPr>
+        </p:nvSpPr>
+        <p:spPr/>
+        <p:txBody>
+          <a:bodyPr/>
+          <a:lstStyle/>
+          <a:p>
+            <a:pPr marL="0" indent="0">
+              <a:buNone/>
+            </a:pPr>
+            <a:r>
+              <a:rPr lang="en-US" altLang="ja-JP" dirty="0"/>
+              <a:t>od = {</a:t>
+            </a:r>
+          </a:p>
+          <a:p>
+            <a:pPr marL="0" indent="0">
+              <a:buNone/>
+            </a:pPr>
+            <a:r>
+              <a:rPr lang="en-US" altLang="ja-JP" dirty="0"/>
+              <a:t>	j:(a[j].append(i), a[j])[1] if j in a else (</a:t>
+            </a:r>
+            <a:r>
+              <a:rPr lang="en-US" altLang="ja-JP" dirty="0" err="1"/>
+              <a:t>a.update</a:t>
+            </a:r>
+            <a:r>
+              <a:rPr lang="en-US" altLang="ja-JP" dirty="0"/>
+              <a:t>({j:[</a:t>
+            </a:r>
+            <a:r>
+              <a:rPr lang="en-US" altLang="ja-JP" dirty="0" err="1"/>
+              <a:t>i</a:t>
+            </a:r>
+            <a:r>
+              <a:rPr lang="en-US" altLang="ja-JP" dirty="0"/>
+              <a:t>]}), a[j])[1] </a:t>
+            </a:r>
+          </a:p>
+          <a:p>
+            <a:pPr marL="0" indent="0">
+              <a:buNone/>
+            </a:pPr>
+            <a:r>
+              <a:rPr lang="en-US" altLang="ja-JP" dirty="0"/>
+              <a:t>	for a in [</a:t>
+            </a:r>
+            <a:r>
+              <a:rPr lang="en-US" altLang="ja-JP" dirty="0" err="1"/>
+              <a:t>dict</a:t>
+            </a:r>
+            <a:r>
+              <a:rPr lang="en-US" altLang="ja-JP" dirty="0"/>
+              <a:t>()] </a:t>
+            </a:r>
+          </a:p>
+          <a:p>
+            <a:pPr marL="0" indent="0">
+              <a:buNone/>
+            </a:pPr>
+            <a:r>
+              <a:rPr lang="en-US" altLang="ja-JP" dirty="0"/>
+              <a:t>	for </a:t>
+            </a:r>
+            <a:r>
+              <a:rPr lang="en-US" altLang="ja-JP" dirty="0" err="1"/>
+              <a:t>i</a:t>
+            </a:r>
+            <a:r>
+              <a:rPr lang="en-US" altLang="ja-JP" dirty="0"/>
+              <a:t> in d </a:t>
+            </a:r>
+          </a:p>
+          <a:p>
+            <a:pPr marL="0" indent="0">
+              <a:buNone/>
+            </a:pPr>
+            <a:r>
+              <a:rPr lang="en-US" altLang="ja-JP" dirty="0"/>
+              <a:t>	for j in (d[</a:t>
+            </a:r>
+            <a:r>
+              <a:rPr lang="en-US" altLang="ja-JP" dirty="0" err="1"/>
+              <a:t>i</a:t>
+            </a:r>
+            <a:r>
+              <a:rPr lang="en-US" altLang="ja-JP" dirty="0"/>
+              <a:t>] if type(d[</a:t>
+            </a:r>
+            <a:r>
+              <a:rPr lang="en-US" altLang="ja-JP" dirty="0" err="1"/>
+              <a:t>i</a:t>
+            </a:r>
+            <a:r>
+              <a:rPr lang="en-US" altLang="ja-JP" dirty="0"/>
+              <a:t>]) == list else [d[</a:t>
+            </a:r>
+            <a:r>
+              <a:rPr lang="en-US" altLang="ja-JP" dirty="0" err="1"/>
+              <a:t>i</a:t>
+            </a:r>
+            <a:r>
+              <a:rPr lang="en-US" altLang="ja-JP" dirty="0"/>
+              <a:t>]])</a:t>
+            </a:r>
+          </a:p>
+          <a:p>
+            <a:pPr marL="0" indent="0">
+              <a:buNone/>
+            </a:pPr>
+            <a:r>
+              <a:rPr lang="en-US" altLang="ja-JP" dirty="0"/>
+              <a:t>}</a:t>
+            </a:r>
+            <a:endParaRPr lang="ja-JP" altLang="en-US" dirty="0"/>
+          </a:p>
+          <a:p>
+            <a:pPr marL="0" indent="0">
+              <a:buNone/>
+            </a:pPr>
+            <a:endParaRPr kumimoji="1" lang="ja-JP" altLang="en-US" dirty="0"/>
+          </a:p>
+        </p:txBody>
+      </p:sp>
+      <p:sp>
+        <p:nvSpPr>
+          <p:cNvPr id="4" name="タイトル 3"/>
           <p:cNvSpPr>
             <a:spLocks noGrp="1"/>
           </p:cNvSpPr>
@@ -12957,188 +11393,6 @@
           <a:lstStyle/>
           <a:p>
             <a:endParaRPr kumimoji="1" lang="ja-JP" altLang="en-US"/>
-          </a:p>
-        </p:txBody>
-      </p:sp>
-      <p:sp>
-        <p:nvSpPr>
-          <p:cNvPr id="3" name="テキスト プレースホルダー 2"/>
-          <p:cNvSpPr>
-            <a:spLocks noGrp="1"/>
-          </p:cNvSpPr>
-          <p:nvPr>
-            <p:ph type="body"/>
-          </p:nvPr>
-        </p:nvSpPr>
-        <p:spPr/>
-        <p:txBody>
-          <a:bodyPr/>
-          <a:lstStyle/>
-          <a:p>
-            <a:pPr marL="0" indent="0">
-              <a:buNone/>
-            </a:pPr>
-            <a:r>
-              <a:rPr lang="en-US" altLang="ja-JP" dirty="0"/>
-              <a:t>od = </a:t>
-            </a:r>
-            <a:r>
-              <a:rPr lang="en-US" altLang="ja-JP" dirty="0" smtClean="0"/>
-              <a:t>{</a:t>
-            </a:r>
-          </a:p>
-          <a:p>
-            <a:pPr marL="0" indent="0">
-              <a:buNone/>
-            </a:pPr>
-            <a:r>
-              <a:rPr lang="en-US" altLang="ja-JP" dirty="0"/>
-              <a:t>	</a:t>
-            </a:r>
-            <a:r>
-              <a:rPr lang="en-US" altLang="ja-JP" dirty="0" smtClean="0"/>
-              <a:t>j:(a[j</a:t>
-            </a:r>
-            <a:r>
-              <a:rPr lang="en-US" altLang="ja-JP" dirty="0"/>
-              <a:t>].append(i), a[j</a:t>
-            </a:r>
-            <a:r>
-              <a:rPr lang="en-US" altLang="ja-JP" dirty="0" smtClean="0"/>
-              <a:t>])[</a:t>
-            </a:r>
-            <a:r>
-              <a:rPr lang="en-US" altLang="ja-JP" dirty="0"/>
-              <a:t>1] if j in a else </a:t>
-            </a:r>
-            <a:r>
-              <a:rPr lang="en-US" altLang="ja-JP" dirty="0" smtClean="0"/>
-              <a:t>(</a:t>
-            </a:r>
-            <a:r>
-              <a:rPr lang="en-US" altLang="ja-JP" dirty="0" err="1" smtClean="0"/>
-              <a:t>a.update</a:t>
-            </a:r>
-            <a:r>
-              <a:rPr lang="en-US" altLang="ja-JP" dirty="0"/>
-              <a:t>({j:[</a:t>
-            </a:r>
-            <a:r>
-              <a:rPr lang="en-US" altLang="ja-JP" dirty="0" err="1"/>
-              <a:t>i</a:t>
-            </a:r>
-            <a:r>
-              <a:rPr lang="en-US" altLang="ja-JP" dirty="0"/>
-              <a:t>]}), a[j</a:t>
-            </a:r>
-            <a:r>
-              <a:rPr lang="en-US" altLang="ja-JP" dirty="0" smtClean="0"/>
-              <a:t>])[</a:t>
-            </a:r>
-            <a:r>
-              <a:rPr lang="en-US" altLang="ja-JP" dirty="0"/>
-              <a:t>1] </a:t>
-            </a:r>
-            <a:endParaRPr lang="en-US" altLang="ja-JP" dirty="0" smtClean="0"/>
-          </a:p>
-          <a:p>
-            <a:pPr marL="0" indent="0">
-              <a:buNone/>
-            </a:pPr>
-            <a:r>
-              <a:rPr lang="en-US" altLang="ja-JP" dirty="0"/>
-              <a:t>	</a:t>
-            </a:r>
-            <a:r>
-              <a:rPr lang="en-US" altLang="ja-JP" dirty="0" smtClean="0"/>
-              <a:t>for </a:t>
-            </a:r>
-            <a:r>
-              <a:rPr lang="en-US" altLang="ja-JP" dirty="0"/>
-              <a:t>a in [</a:t>
-            </a:r>
-            <a:r>
-              <a:rPr lang="en-US" altLang="ja-JP" dirty="0" err="1"/>
-              <a:t>dict</a:t>
-            </a:r>
-            <a:r>
-              <a:rPr lang="en-US" altLang="ja-JP" dirty="0"/>
-              <a:t>()] </a:t>
-            </a:r>
-            <a:endParaRPr lang="en-US" altLang="ja-JP" dirty="0" smtClean="0"/>
-          </a:p>
-          <a:p>
-            <a:pPr marL="0" indent="0">
-              <a:buNone/>
-            </a:pPr>
-            <a:r>
-              <a:rPr lang="en-US" altLang="ja-JP" dirty="0"/>
-              <a:t>	</a:t>
-            </a:r>
-            <a:r>
-              <a:rPr lang="en-US" altLang="ja-JP" dirty="0" smtClean="0"/>
-              <a:t>for </a:t>
-            </a:r>
-            <a:r>
-              <a:rPr lang="en-US" altLang="ja-JP" dirty="0" err="1"/>
-              <a:t>i</a:t>
-            </a:r>
-            <a:r>
-              <a:rPr lang="en-US" altLang="ja-JP" dirty="0"/>
-              <a:t> in d </a:t>
-            </a:r>
-            <a:endParaRPr lang="en-US" altLang="ja-JP" dirty="0" smtClean="0"/>
-          </a:p>
-          <a:p>
-            <a:pPr marL="0" indent="0">
-              <a:buNone/>
-            </a:pPr>
-            <a:r>
-              <a:rPr lang="en-US" altLang="ja-JP" dirty="0"/>
-              <a:t>	</a:t>
-            </a:r>
-            <a:r>
-              <a:rPr lang="en-US" altLang="ja-JP" dirty="0" smtClean="0"/>
-              <a:t>for </a:t>
-            </a:r>
-            <a:r>
-              <a:rPr lang="en-US" altLang="ja-JP" dirty="0"/>
-              <a:t>j in (d[</a:t>
-            </a:r>
-            <a:r>
-              <a:rPr lang="en-US" altLang="ja-JP" dirty="0" err="1"/>
-              <a:t>i</a:t>
-            </a:r>
-            <a:r>
-              <a:rPr lang="en-US" altLang="ja-JP" dirty="0"/>
-              <a:t>] if type(d[</a:t>
-            </a:r>
-            <a:r>
-              <a:rPr lang="en-US" altLang="ja-JP" dirty="0" err="1"/>
-              <a:t>i</a:t>
-            </a:r>
-            <a:r>
-              <a:rPr lang="en-US" altLang="ja-JP" dirty="0"/>
-              <a:t>]) == list else [d[</a:t>
-            </a:r>
-            <a:r>
-              <a:rPr lang="en-US" altLang="ja-JP" dirty="0" err="1"/>
-              <a:t>i</a:t>
-            </a:r>
-            <a:r>
-              <a:rPr lang="en-US" altLang="ja-JP" dirty="0" smtClean="0"/>
-              <a:t>]])</a:t>
-            </a:r>
-          </a:p>
-          <a:p>
-            <a:pPr marL="0" indent="0">
-              <a:buNone/>
-            </a:pPr>
-            <a:r>
-              <a:rPr lang="en-US" altLang="ja-JP" dirty="0" smtClean="0"/>
-              <a:t>}</a:t>
-            </a:r>
-            <a:endParaRPr kumimoji="1" lang="ja-JP" altLang="en-US" dirty="0"/>
           </a:p>
         </p:txBody>
       </p:sp>
@@ -13155,234 +11409,7 @@
   <p:timing>
     <p:tnLst>
       <p:par>
-        <p:cTn id="1" dur="indefinite" restart="never" nodeType="tmRoot">
-          <p:childTnLst>
-            <p:seq concurrent="1" nextAc="seek">
-              <p:cTn id="2" dur="indefinite" nodeType="mainSeq">
-                <p:childTnLst>
-                  <p:par>
-                    <p:cTn id="3" fill="hold">
-                      <p:stCondLst>
-                        <p:cond delay="indefinite"/>
-                      </p:stCondLst>
-                      <p:childTnLst>
-                        <p:par>
-                          <p:cTn id="4" fill="hold">
-                            <p:stCondLst>
-                              <p:cond delay="0"/>
-                            </p:stCondLst>
-                            <p:childTnLst>
-                              <p:par>
-                                <p:cTn id="5" presetID="1" presetClass="entr" presetSubtype="0" fill="hold" nodeType="clickEffect">
-                                  <p:stCondLst>
-                                    <p:cond delay="0"/>
-                                  </p:stCondLst>
-                                  <p:childTnLst>
-                                    <p:set>
-                                      <p:cBhvr>
-                                        <p:cTn id="6" dur="1" fill="hold">
-                                          <p:stCondLst>
-                                            <p:cond delay="0"/>
-                                          </p:stCondLst>
-                                        </p:cTn>
-                                        <p:tgtEl>
-                                          <p:spTgt spid="3">
-                                            <p:txEl>
-                                              <p:pRg st="0" end="0"/>
-                                            </p:txEl>
-                                          </p:spTgt>
-                                        </p:tgtEl>
-                                        <p:attrNameLst>
-                                          <p:attrName>style.visibility</p:attrName>
-                                        </p:attrNameLst>
-                                      </p:cBhvr>
-                                      <p:to>
-                                        <p:strVal val="visible"/>
-                                      </p:to>
-                                    </p:set>
-                                  </p:childTnLst>
-                                </p:cTn>
-                              </p:par>
-                              <p:par>
-                                <p:cTn id="7" presetID="1" presetClass="entr" presetSubtype="0" fill="hold" nodeType="withEffect">
-                                  <p:stCondLst>
-                                    <p:cond delay="0"/>
-                                  </p:stCondLst>
-                                  <p:childTnLst>
-                                    <p:set>
-                                      <p:cBhvr>
-                                        <p:cTn id="8" dur="1" fill="hold">
-                                          <p:stCondLst>
-                                            <p:cond delay="0"/>
-                                          </p:stCondLst>
-                                        </p:cTn>
-                                        <p:tgtEl>
-                                          <p:spTgt spid="3">
-                                            <p:txEl>
-                                              <p:pRg st="1" end="1"/>
-                                            </p:txEl>
-                                          </p:spTgt>
-                                        </p:tgtEl>
-                                        <p:attrNameLst>
-                                          <p:attrName>style.visibility</p:attrName>
-                                        </p:attrNameLst>
-                                      </p:cBhvr>
-                                      <p:to>
-                                        <p:strVal val="visible"/>
-                                      </p:to>
-                                    </p:set>
-                                  </p:childTnLst>
-                                </p:cTn>
-                              </p:par>
-                              <p:par>
-                                <p:cTn id="9" presetID="1" presetClass="entr" presetSubtype="0" fill="hold" nodeType="withEffect">
-                                  <p:stCondLst>
-                                    <p:cond delay="0"/>
-                                  </p:stCondLst>
-                                  <p:childTnLst>
-                                    <p:set>
-                                      <p:cBhvr>
-                                        <p:cTn id="10" dur="1" fill="hold">
-                                          <p:stCondLst>
-                                            <p:cond delay="0"/>
-                                          </p:stCondLst>
-                                        </p:cTn>
-                                        <p:tgtEl>
-                                          <p:spTgt spid="3">
-                                            <p:txEl>
-                                              <p:pRg st="2" end="2"/>
-                                            </p:txEl>
-                                          </p:spTgt>
-                                        </p:tgtEl>
-                                        <p:attrNameLst>
-                                          <p:attrName>style.visibility</p:attrName>
-                                        </p:attrNameLst>
-                                      </p:cBhvr>
-                                      <p:to>
-                                        <p:strVal val="visible"/>
-                                      </p:to>
-                                    </p:set>
-                                  </p:childTnLst>
-                                </p:cTn>
-                              </p:par>
-                              <p:par>
-                                <p:cTn id="11" presetID="1" presetClass="entr" presetSubtype="0" fill="hold" nodeType="withEffect">
-                                  <p:stCondLst>
-                                    <p:cond delay="0"/>
-                                  </p:stCondLst>
-                                  <p:childTnLst>
-                                    <p:set>
-                                      <p:cBhvr>
-                                        <p:cTn id="12" dur="1" fill="hold">
-                                          <p:stCondLst>
-                                            <p:cond delay="0"/>
-                                          </p:stCondLst>
-                                        </p:cTn>
-                                        <p:tgtEl>
-                                          <p:spTgt spid="3">
-                                            <p:txEl>
-                                              <p:pRg st="3" end="3"/>
-                                            </p:txEl>
-                                          </p:spTgt>
-                                        </p:tgtEl>
-                                        <p:attrNameLst>
-                                          <p:attrName>style.visibility</p:attrName>
-                                        </p:attrNameLst>
-                                      </p:cBhvr>
-                                      <p:to>
-                                        <p:strVal val="visible"/>
-                                      </p:to>
-                                    </p:set>
-                                  </p:childTnLst>
-                                </p:cTn>
-                              </p:par>
-                              <p:par>
-                                <p:cTn id="13" presetID="1" presetClass="entr" presetSubtype="0" fill="hold" nodeType="withEffect">
-                                  <p:stCondLst>
-                                    <p:cond delay="0"/>
-                                  </p:stCondLst>
-                                  <p:childTnLst>
-                                    <p:set>
-                                      <p:cBhvr>
-                                        <p:cTn id="14" dur="1" fill="hold">
-                                          <p:stCondLst>
-                                            <p:cond delay="0"/>
-                                          </p:stCondLst>
-                                        </p:cTn>
-                                        <p:tgtEl>
-                                          <p:spTgt spid="3">
-                                            <p:txEl>
-                                              <p:pRg st="4" end="4"/>
-                                            </p:txEl>
-                                          </p:spTgt>
-                                        </p:tgtEl>
-                                        <p:attrNameLst>
-                                          <p:attrName>style.visibility</p:attrName>
-                                        </p:attrNameLst>
-                                      </p:cBhvr>
-                                      <p:to>
-                                        <p:strVal val="visible"/>
-                                      </p:to>
-                                    </p:set>
-                                  </p:childTnLst>
-                                </p:cTn>
-                              </p:par>
-                              <p:par>
-                                <p:cTn id="15" presetID="1" presetClass="entr" presetSubtype="0" fill="hold" nodeType="withEffect">
-                                  <p:stCondLst>
-                                    <p:cond delay="0"/>
-                                  </p:stCondLst>
-                                  <p:childTnLst>
-                                    <p:set>
-                                      <p:cBhvr>
-                                        <p:cTn id="16" dur="1" fill="hold">
-                                          <p:stCondLst>
-                                            <p:cond delay="0"/>
-                                          </p:stCondLst>
-                                        </p:cTn>
-                                        <p:tgtEl>
-                                          <p:spTgt spid="3">
-                                            <p:txEl>
-                                              <p:pRg st="5" end="5"/>
-                                            </p:txEl>
-                                          </p:spTgt>
-                                        </p:tgtEl>
-                                        <p:attrNameLst>
-                                          <p:attrName>style.visibility</p:attrName>
-                                        </p:attrNameLst>
-                                      </p:cBhvr>
-                                      <p:to>
-                                        <p:strVal val="visible"/>
-                                      </p:to>
-                                    </p:set>
-                                  </p:childTnLst>
-                                </p:cTn>
-                              </p:par>
-                            </p:childTnLst>
-                          </p:cTn>
-                        </p:par>
-                      </p:childTnLst>
-                    </p:cTn>
-                  </p:par>
-                </p:childTnLst>
-              </p:cTn>
-              <p:prevCondLst>
-                <p:cond evt="onPrev" delay="0">
-                  <p:tgtEl>
-                    <p:sldTgt/>
-                  </p:tgtEl>
-                </p:cond>
-              </p:prevCondLst>
-              <p:nextCondLst>
-                <p:cond evt="onNext" delay="0">
-                  <p:tgtEl>
-                    <p:sldTgt/>
-                  </p:tgtEl>
-                </p:cond>
-              </p:nextCondLst>
-            </p:seq>
-          </p:childTnLst>
-        </p:cTn>
+        <p:cTn id="1" dur="indefinite" restart="never" nodeType="tmRoot"/>
       </p:par>
     </p:tnLst>
   </p:timing>

--- a/内包表記.pptx
+++ b/内包表記.pptx
@@ -6958,223 +6958,6 @@
       </p:grpSpPr>
       <p:sp>
         <p:nvSpPr>
-          <p:cNvPr id="5" name="テキスト プレースホルダー 4"/>
-          <p:cNvSpPr>
-            <a:spLocks noGrp="1"/>
-          </p:cNvSpPr>
-          <p:nvPr>
-            <p:ph type="body"/>
-          </p:nvPr>
-        </p:nvSpPr>
-        <p:spPr/>
-        <p:txBody>
-          <a:bodyPr>
-            <a:normAutofit fontScale="92500" lnSpcReduction="10000"/>
-          </a:bodyPr>
-          <a:lstStyle/>
-          <a:p>
-            <a:r>
-              <a:rPr lang="ja-JP" altLang="en-US" dirty="0" smtClean="0"/>
-              <a:t>変数</a:t>
-            </a:r>
-            <a:r>
-              <a:rPr lang="ja-JP" altLang="en-US" dirty="0"/>
-              <a:t>定義</a:t>
-            </a:r>
-            <a:endParaRPr lang="en-US" altLang="ja-JP" dirty="0"/>
-          </a:p>
-          <a:p>
-            <a:pPr marL="0" indent="0">
-              <a:buNone/>
-            </a:pPr>
-            <a:r>
-              <a:rPr lang="ja-JP" altLang="en-US" dirty="0"/>
-              <a:t>　内包表記内では変数の宣言ができない</a:t>
-            </a:r>
-            <a:endParaRPr lang="en-US" altLang="ja-JP" dirty="0"/>
-          </a:p>
-          <a:p>
-            <a:pPr marL="0" indent="0">
-              <a:buNone/>
-            </a:pPr>
-            <a:r>
-              <a:rPr lang="en-US" altLang="ja-JP" dirty="0"/>
-              <a:t>	</a:t>
-            </a:r>
-            <a:r>
-              <a:rPr lang="ja-JP" altLang="en-US" dirty="0"/>
-              <a:t>→本当に？</a:t>
-            </a:r>
-            <a:endParaRPr lang="en-US" altLang="ja-JP" dirty="0"/>
-          </a:p>
-          <a:p>
-            <a:pPr marL="0" indent="0">
-              <a:buNone/>
-            </a:pPr>
-            <a:endParaRPr lang="en-US" altLang="ja-JP" dirty="0"/>
-          </a:p>
-          <a:p>
-            <a:pPr marL="0" indent="0">
-              <a:buNone/>
-            </a:pPr>
-            <a:r>
-              <a:rPr lang="ja-JP" altLang="en-US" dirty="0"/>
-              <a:t>　次のようなコードを考える</a:t>
-            </a:r>
-            <a:endParaRPr lang="en-US" altLang="ja-JP" dirty="0"/>
-          </a:p>
-          <a:p>
-            <a:pPr marL="0" indent="0">
-              <a:buNone/>
-            </a:pPr>
-            <a:r>
-              <a:rPr lang="en-US" altLang="ja-JP" dirty="0"/>
-              <a:t>	[</a:t>
-            </a:r>
-            <a:r>
-              <a:rPr lang="en-US" altLang="ja-JP" dirty="0" err="1"/>
-              <a:t>i</a:t>
-            </a:r>
-            <a:r>
-              <a:rPr lang="en-US" altLang="ja-JP" dirty="0"/>
-              <a:t> for </a:t>
-            </a:r>
-            <a:r>
-              <a:rPr lang="en-US" altLang="ja-JP" dirty="0" err="1"/>
-              <a:t>i</a:t>
-            </a:r>
-            <a:r>
-              <a:rPr lang="en-US" altLang="ja-JP" dirty="0"/>
-              <a:t> in [</a:t>
-            </a:r>
-            <a:r>
-              <a:rPr lang="en-US" altLang="ja-JP" dirty="0" err="1"/>
-              <a:t>int</a:t>
-            </a:r>
-            <a:r>
-              <a:rPr lang="en-US" altLang="ja-JP" dirty="0"/>
-              <a:t>(1)]]</a:t>
-            </a:r>
-          </a:p>
-          <a:p>
-            <a:pPr marL="0" indent="0">
-              <a:buNone/>
-            </a:pPr>
-            <a:r>
-              <a:rPr lang="ja-JP" altLang="en-US" dirty="0"/>
-              <a:t>　ここで</a:t>
-            </a:r>
-            <a:r>
-              <a:rPr lang="en-US" altLang="ja-JP" dirty="0" err="1"/>
-              <a:t>i</a:t>
-            </a:r>
-            <a:r>
-              <a:rPr lang="ja-JP" altLang="en-US" dirty="0"/>
-              <a:t>の中身は、解説の２より</a:t>
-            </a:r>
-            <a:r>
-              <a:rPr lang="en-US" altLang="ja-JP" dirty="0"/>
-              <a:t>[]</a:t>
-            </a:r>
-            <a:r>
-              <a:rPr lang="ja-JP" altLang="en-US" dirty="0"/>
-              <a:t>の中身の</a:t>
-            </a:r>
-            <a:r>
-              <a:rPr lang="en-US" altLang="ja-JP" dirty="0" err="1"/>
-              <a:t>int</a:t>
-            </a:r>
-            <a:r>
-              <a:rPr lang="en-US" altLang="ja-JP" dirty="0"/>
-              <a:t>(1),</a:t>
-            </a:r>
-            <a:r>
-              <a:rPr lang="ja-JP" altLang="en-US" dirty="0"/>
-              <a:t>つまり </a:t>
-            </a:r>
-            <a:endParaRPr lang="en-US" altLang="ja-JP" dirty="0"/>
-          </a:p>
-          <a:p>
-            <a:pPr marL="0" indent="0">
-              <a:buNone/>
-            </a:pPr>
-            <a:r>
-              <a:rPr lang="en-US" altLang="ja-JP" dirty="0"/>
-              <a:t>	</a:t>
-            </a:r>
-            <a:r>
-              <a:rPr lang="en-US" altLang="ja-JP" dirty="0" err="1"/>
-              <a:t>i</a:t>
-            </a:r>
-            <a:r>
-              <a:rPr lang="en-US" altLang="ja-JP" dirty="0"/>
-              <a:t> = </a:t>
-            </a:r>
-            <a:r>
-              <a:rPr lang="en-US" altLang="ja-JP" dirty="0" err="1"/>
-              <a:t>int</a:t>
-            </a:r>
-            <a:r>
-              <a:rPr lang="en-US" altLang="ja-JP" dirty="0"/>
-              <a:t>(1)</a:t>
-            </a:r>
-          </a:p>
-          <a:p>
-            <a:pPr marL="0" indent="0">
-              <a:buNone/>
-            </a:pPr>
-            <a:endParaRPr lang="en-US" altLang="ja-JP" dirty="0"/>
-          </a:p>
-          <a:p>
-            <a:pPr marL="0" indent="0">
-              <a:buNone/>
-            </a:pPr>
-            <a:r>
-              <a:rPr lang="ja-JP" altLang="en-US" dirty="0"/>
-              <a:t>　以上より </a:t>
-            </a:r>
-            <a:r>
-              <a:rPr lang="en-US" altLang="ja-JP" dirty="0"/>
-              <a:t>for </a:t>
-            </a:r>
-            <a:r>
-              <a:rPr lang="en-US" altLang="ja-JP" dirty="0" err="1"/>
-              <a:t>var</a:t>
-            </a:r>
-            <a:r>
-              <a:rPr lang="en-US" altLang="ja-JP" dirty="0"/>
-              <a:t> in [type]</a:t>
-            </a:r>
-            <a:r>
-              <a:rPr lang="ja-JP" altLang="en-US" dirty="0"/>
-              <a:t>で</a:t>
-            </a:r>
-            <a:r>
-              <a:rPr lang="en-US" altLang="ja-JP" dirty="0"/>
-              <a:t>type</a:t>
-            </a:r>
-            <a:r>
-              <a:rPr lang="ja-JP" altLang="en-US" dirty="0"/>
-              <a:t>型の変数</a:t>
-            </a:r>
-            <a:r>
-              <a:rPr lang="en-US" altLang="ja-JP" dirty="0" err="1"/>
-              <a:t>var</a:t>
-            </a:r>
-            <a:r>
-              <a:rPr lang="ja-JP" altLang="en-US" dirty="0"/>
-              <a:t>が作れる</a:t>
-            </a:r>
-            <a:r>
-              <a:rPr lang="ja-JP" altLang="en-US" dirty="0" smtClean="0"/>
-              <a:t>。　</a:t>
-            </a:r>
-            <a:endParaRPr lang="ja-JP" altLang="en-US" dirty="0"/>
-          </a:p>
-        </p:txBody>
-      </p:sp>
-      <p:sp>
-        <p:nvSpPr>
           <p:cNvPr id="2" name="タイトル 1"/>
           <p:cNvSpPr>
             <a:spLocks noGrp="1"/>
@@ -7189,14 +6972,235 @@
           <a:lstStyle/>
           <a:p>
             <a:r>
-              <a:rPr lang="en-US" altLang="ja-JP" smtClean="0"/>
+              <a:rPr kumimoji="1" lang="en-US" altLang="ja-JP" dirty="0" smtClean="0"/>
               <a:t>Python</a:t>
             </a:r>
             <a:r>
-              <a:rPr lang="ja-JP" altLang="en-US" smtClean="0"/>
+              <a:rPr kumimoji="1" lang="ja-JP" altLang="en-US" dirty="0" smtClean="0"/>
               <a:t>芸の手法</a:t>
             </a:r>
-            <a:endParaRPr lang="ja-JP" altLang="en-US" dirty="0"/>
+            <a:endParaRPr kumimoji="1" lang="ja-JP" altLang="en-US" dirty="0"/>
+          </a:p>
+        </p:txBody>
+      </p:sp>
+      <p:sp>
+        <p:nvSpPr>
+          <p:cNvPr id="3" name="テキスト プレースホルダー 2"/>
+          <p:cNvSpPr>
+            <a:spLocks noGrp="1"/>
+          </p:cNvSpPr>
+          <p:nvPr>
+            <p:ph type="body"/>
+          </p:nvPr>
+        </p:nvSpPr>
+        <p:spPr>
+          <a:xfrm>
+            <a:off x="503640" y="1800000"/>
+            <a:ext cx="9070920" cy="5335318"/>
+          </a:xfrm>
+        </p:spPr>
+        <p:txBody>
+          <a:bodyPr>
+            <a:normAutofit fontScale="85000" lnSpcReduction="20000"/>
+          </a:bodyPr>
+          <a:lstStyle/>
+          <a:p>
+            <a:pPr marL="0" indent="0">
+              <a:buNone/>
+            </a:pPr>
+            <a:r>
+              <a:rPr kumimoji="1" lang="en-US" altLang="ja-JP" dirty="0" smtClean="0"/>
+              <a:t>1.</a:t>
+            </a:r>
+            <a:r>
+              <a:rPr kumimoji="1" lang="ja-JP" altLang="en-US" dirty="0" smtClean="0"/>
+              <a:t>変数定義</a:t>
+            </a:r>
+            <a:endParaRPr kumimoji="1" lang="en-US" altLang="ja-JP" dirty="0" smtClean="0"/>
+          </a:p>
+          <a:p>
+            <a:pPr marL="0" indent="0">
+              <a:buNone/>
+            </a:pPr>
+            <a:r>
+              <a:rPr lang="ja-JP" altLang="en-US" dirty="0" smtClean="0"/>
+              <a:t>　内包表記内では変数の宣言ができない</a:t>
+            </a:r>
+            <a:endParaRPr lang="en-US" altLang="ja-JP" dirty="0" smtClean="0"/>
+          </a:p>
+          <a:p>
+            <a:pPr marL="0" indent="0">
+              <a:buNone/>
+            </a:pPr>
+            <a:r>
+              <a:rPr kumimoji="1" lang="en-US" altLang="ja-JP" dirty="0" smtClean="0"/>
+              <a:t>	</a:t>
+            </a:r>
+            <a:r>
+              <a:rPr kumimoji="1" lang="ja-JP" altLang="en-US" dirty="0" smtClean="0"/>
+              <a:t>→本当に？</a:t>
+            </a:r>
+            <a:endParaRPr kumimoji="1" lang="en-US" altLang="ja-JP" dirty="0" smtClean="0"/>
+          </a:p>
+          <a:p>
+            <a:pPr marL="0" indent="0">
+              <a:buNone/>
+            </a:pPr>
+            <a:endParaRPr lang="en-US" altLang="ja-JP" dirty="0" smtClean="0"/>
+          </a:p>
+          <a:p>
+            <a:pPr marL="0" indent="0">
+              <a:buNone/>
+            </a:pPr>
+            <a:r>
+              <a:rPr kumimoji="1" lang="ja-JP" altLang="en-US" dirty="0" smtClean="0"/>
+              <a:t>　次のようなコードを考える</a:t>
+            </a:r>
+            <a:endParaRPr kumimoji="1" lang="en-US" altLang="ja-JP" dirty="0" smtClean="0"/>
+          </a:p>
+          <a:p>
+            <a:pPr marL="0" indent="0">
+              <a:buNone/>
+            </a:pPr>
+            <a:r>
+              <a:rPr lang="en-US" altLang="ja-JP" dirty="0" smtClean="0"/>
+              <a:t>	[</a:t>
+            </a:r>
+            <a:r>
+              <a:rPr lang="en-US" altLang="ja-JP" dirty="0" err="1" smtClean="0"/>
+              <a:t>i</a:t>
+            </a:r>
+            <a:r>
+              <a:rPr lang="en-US" altLang="ja-JP" dirty="0" smtClean="0"/>
+              <a:t> for </a:t>
+            </a:r>
+            <a:r>
+              <a:rPr lang="en-US" altLang="ja-JP" dirty="0" err="1" smtClean="0"/>
+              <a:t>i</a:t>
+            </a:r>
+            <a:r>
+              <a:rPr lang="en-US" altLang="ja-JP" dirty="0" smtClean="0"/>
+              <a:t> in [</a:t>
+            </a:r>
+            <a:r>
+              <a:rPr lang="en-US" altLang="ja-JP" dirty="0" err="1" smtClean="0"/>
+              <a:t>int</a:t>
+            </a:r>
+            <a:r>
+              <a:rPr lang="en-US" altLang="ja-JP" dirty="0" smtClean="0"/>
+              <a:t>(1)]]</a:t>
+            </a:r>
+          </a:p>
+          <a:p>
+            <a:pPr marL="0" indent="0">
+              <a:buNone/>
+            </a:pPr>
+            <a:r>
+              <a:rPr lang="ja-JP" altLang="en-US" dirty="0" smtClean="0"/>
+              <a:t>　ここで</a:t>
+            </a:r>
+            <a:r>
+              <a:rPr lang="en-US" altLang="ja-JP" dirty="0" err="1" smtClean="0"/>
+              <a:t>i</a:t>
+            </a:r>
+            <a:r>
+              <a:rPr lang="ja-JP" altLang="en-US" dirty="0" smtClean="0"/>
+              <a:t>の中身は、解説の２より</a:t>
+            </a:r>
+            <a:r>
+              <a:rPr lang="en-US" altLang="ja-JP" dirty="0" smtClean="0"/>
+              <a:t>[]</a:t>
+            </a:r>
+            <a:r>
+              <a:rPr lang="ja-JP" altLang="en-US" dirty="0" smtClean="0"/>
+              <a:t>の中身の</a:t>
+            </a:r>
+            <a:r>
+              <a:rPr lang="en-US" altLang="ja-JP" dirty="0" err="1" smtClean="0"/>
+              <a:t>int</a:t>
+            </a:r>
+            <a:r>
+              <a:rPr lang="en-US" altLang="ja-JP" dirty="0" smtClean="0"/>
+              <a:t>(1),</a:t>
+            </a:r>
+            <a:r>
+              <a:rPr lang="ja-JP" altLang="en-US" dirty="0" smtClean="0"/>
+              <a:t>つまり </a:t>
+            </a:r>
+            <a:endParaRPr lang="en-US" altLang="ja-JP" dirty="0" smtClean="0"/>
+          </a:p>
+          <a:p>
+            <a:pPr marL="0" indent="0">
+              <a:buNone/>
+            </a:pPr>
+            <a:r>
+              <a:rPr lang="en-US" altLang="ja-JP" dirty="0" smtClean="0"/>
+              <a:t>	</a:t>
+            </a:r>
+            <a:r>
+              <a:rPr lang="en-US" altLang="ja-JP" dirty="0" err="1" smtClean="0"/>
+              <a:t>i</a:t>
+            </a:r>
+            <a:r>
+              <a:rPr lang="en-US" altLang="ja-JP" dirty="0" smtClean="0"/>
+              <a:t> = </a:t>
+            </a:r>
+            <a:r>
+              <a:rPr lang="en-US" altLang="ja-JP" dirty="0" err="1" smtClean="0"/>
+              <a:t>int</a:t>
+            </a:r>
+            <a:r>
+              <a:rPr lang="en-US" altLang="ja-JP" dirty="0" smtClean="0"/>
+              <a:t>(1)</a:t>
+            </a:r>
+          </a:p>
+          <a:p>
+            <a:pPr marL="0" indent="0">
+              <a:buNone/>
+            </a:pPr>
+            <a:endParaRPr lang="en-US" altLang="ja-JP" dirty="0" smtClean="0"/>
+          </a:p>
+          <a:p>
+            <a:pPr marL="0" indent="0">
+              <a:buNone/>
+            </a:pPr>
+            <a:r>
+              <a:rPr lang="ja-JP" altLang="en-US" dirty="0" smtClean="0"/>
+              <a:t>　以上より </a:t>
+            </a:r>
+            <a:r>
+              <a:rPr lang="en-US" altLang="ja-JP" dirty="0" smtClean="0"/>
+              <a:t>for </a:t>
+            </a:r>
+            <a:r>
+              <a:rPr lang="en-US" altLang="ja-JP" dirty="0" err="1" smtClean="0"/>
+              <a:t>var</a:t>
+            </a:r>
+            <a:r>
+              <a:rPr lang="en-US" altLang="ja-JP" dirty="0" smtClean="0"/>
+              <a:t> in [type]</a:t>
+            </a:r>
+            <a:r>
+              <a:rPr lang="ja-JP" altLang="en-US" dirty="0" smtClean="0"/>
+              <a:t>で</a:t>
+            </a:r>
+            <a:r>
+              <a:rPr lang="en-US" altLang="ja-JP" dirty="0" smtClean="0"/>
+              <a:t>type</a:t>
+            </a:r>
+            <a:r>
+              <a:rPr lang="ja-JP" altLang="en-US" dirty="0" smtClean="0"/>
+              <a:t>型の変数</a:t>
+            </a:r>
+            <a:r>
+              <a:rPr lang="en-US" altLang="ja-JP" dirty="0" err="1" smtClean="0"/>
+              <a:t>var</a:t>
+            </a:r>
+            <a:r>
+              <a:rPr lang="ja-JP" altLang="en-US" dirty="0" smtClean="0"/>
+              <a:t>が作れる。</a:t>
+            </a:r>
+            <a:endParaRPr lang="en-US" altLang="ja-JP" dirty="0" smtClean="0"/>
           </a:p>
         </p:txBody>
       </p:sp>
@@ -7213,7 +7217,422 @@
   <p:timing>
     <p:tnLst>
       <p:par>
-        <p:cTn id="1" dur="indefinite" restart="never" nodeType="tmRoot"/>
+        <p:cTn id="1" dur="indefinite" restart="never" nodeType="tmRoot">
+          <p:childTnLst>
+            <p:seq concurrent="1" nextAc="seek">
+              <p:cTn id="2" dur="indefinite" nodeType="mainSeq">
+                <p:childTnLst>
+                  <p:par>
+                    <p:cTn id="3" fill="hold">
+                      <p:stCondLst>
+                        <p:cond delay="indefinite"/>
+                      </p:stCondLst>
+                      <p:childTnLst>
+                        <p:par>
+                          <p:cTn id="4" fill="hold">
+                            <p:stCondLst>
+                              <p:cond delay="0"/>
+                            </p:stCondLst>
+                            <p:childTnLst>
+                              <p:par>
+                                <p:cTn id="5" presetID="1" presetClass="entr" presetSubtype="0" fill="hold" nodeType="clickEffect">
+                                  <p:stCondLst>
+                                    <p:cond delay="0"/>
+                                  </p:stCondLst>
+                                  <p:childTnLst>
+                                    <p:set>
+                                      <p:cBhvr>
+                                        <p:cTn id="6" dur="1" fill="hold">
+                                          <p:stCondLst>
+                                            <p:cond delay="0"/>
+                                          </p:stCondLst>
+                                        </p:cTn>
+                                        <p:tgtEl>
+                                          <p:spTgt spid="3">
+                                            <p:txEl>
+                                              <p:pRg st="0" end="0"/>
+                                            </p:txEl>
+                                          </p:spTgt>
+                                        </p:tgtEl>
+                                        <p:attrNameLst>
+                                          <p:attrName>style.visibility</p:attrName>
+                                        </p:attrNameLst>
+                                      </p:cBhvr>
+                                      <p:to>
+                                        <p:strVal val="visible"/>
+                                      </p:to>
+                                    </p:set>
+                                  </p:childTnLst>
+                                </p:cTn>
+                              </p:par>
+                            </p:childTnLst>
+                          </p:cTn>
+                        </p:par>
+                      </p:childTnLst>
+                    </p:cTn>
+                  </p:par>
+                  <p:par>
+                    <p:cTn id="7" fill="hold">
+                      <p:stCondLst>
+                        <p:cond delay="indefinite"/>
+                      </p:stCondLst>
+                      <p:childTnLst>
+                        <p:par>
+                          <p:cTn id="8" fill="hold">
+                            <p:stCondLst>
+                              <p:cond delay="0"/>
+                            </p:stCondLst>
+                            <p:childTnLst>
+                              <p:par>
+                                <p:cTn id="9" presetID="1" presetClass="entr" presetSubtype="0" fill="hold" nodeType="clickEffect">
+                                  <p:stCondLst>
+                                    <p:cond delay="0"/>
+                                  </p:stCondLst>
+                                  <p:childTnLst>
+                                    <p:set>
+                                      <p:cBhvr>
+                                        <p:cTn id="10" dur="1" fill="hold">
+                                          <p:stCondLst>
+                                            <p:cond delay="0"/>
+                                          </p:stCondLst>
+                                        </p:cTn>
+                                        <p:tgtEl>
+                                          <p:spTgt spid="3">
+                                            <p:txEl>
+                                              <p:pRg st="1" end="1"/>
+                                            </p:txEl>
+                                          </p:spTgt>
+                                        </p:tgtEl>
+                                        <p:attrNameLst>
+                                          <p:attrName>style.visibility</p:attrName>
+                                        </p:attrNameLst>
+                                      </p:cBhvr>
+                                      <p:to>
+                                        <p:strVal val="visible"/>
+                                      </p:to>
+                                    </p:set>
+                                  </p:childTnLst>
+                                </p:cTn>
+                              </p:par>
+                            </p:childTnLst>
+                          </p:cTn>
+                        </p:par>
+                      </p:childTnLst>
+                    </p:cTn>
+                  </p:par>
+                  <p:par>
+                    <p:cTn id="11" fill="hold">
+                      <p:stCondLst>
+                        <p:cond delay="indefinite"/>
+                      </p:stCondLst>
+                      <p:childTnLst>
+                        <p:par>
+                          <p:cTn id="12" fill="hold">
+                            <p:stCondLst>
+                              <p:cond delay="0"/>
+                            </p:stCondLst>
+                            <p:childTnLst>
+                              <p:par>
+                                <p:cTn id="13" presetID="1" presetClass="entr" presetSubtype="0" fill="hold" nodeType="clickEffect">
+                                  <p:stCondLst>
+                                    <p:cond delay="0"/>
+                                  </p:stCondLst>
+                                  <p:childTnLst>
+                                    <p:set>
+                                      <p:cBhvr>
+                                        <p:cTn id="14" dur="1" fill="hold">
+                                          <p:stCondLst>
+                                            <p:cond delay="0"/>
+                                          </p:stCondLst>
+                                        </p:cTn>
+                                        <p:tgtEl>
+                                          <p:spTgt spid="3">
+                                            <p:txEl>
+                                              <p:pRg st="2" end="2"/>
+                                            </p:txEl>
+                                          </p:spTgt>
+                                        </p:tgtEl>
+                                        <p:attrNameLst>
+                                          <p:attrName>style.visibility</p:attrName>
+                                        </p:attrNameLst>
+                                      </p:cBhvr>
+                                      <p:to>
+                                        <p:strVal val="visible"/>
+                                      </p:to>
+                                    </p:set>
+                                  </p:childTnLst>
+                                </p:cTn>
+                              </p:par>
+                            </p:childTnLst>
+                          </p:cTn>
+                        </p:par>
+                      </p:childTnLst>
+                    </p:cTn>
+                  </p:par>
+                  <p:par>
+                    <p:cTn id="15" fill="hold">
+                      <p:stCondLst>
+                        <p:cond delay="indefinite"/>
+                      </p:stCondLst>
+                      <p:childTnLst>
+                        <p:par>
+                          <p:cTn id="16" fill="hold">
+                            <p:stCondLst>
+                              <p:cond delay="0"/>
+                            </p:stCondLst>
+                            <p:childTnLst>
+                              <p:par>
+                                <p:cTn id="17" presetID="1" presetClass="entr" presetSubtype="0" fill="hold" nodeType="clickEffect">
+                                  <p:stCondLst>
+                                    <p:cond delay="0"/>
+                                  </p:stCondLst>
+                                  <p:childTnLst>
+                                    <p:set>
+                                      <p:cBhvr>
+                                        <p:cTn id="18" dur="1" fill="hold">
+                                          <p:stCondLst>
+                                            <p:cond delay="0"/>
+                                          </p:stCondLst>
+                                        </p:cTn>
+                                        <p:tgtEl>
+                                          <p:spTgt spid="3">
+                                            <p:txEl>
+                                              <p:pRg st="4" end="4"/>
+                                            </p:txEl>
+                                          </p:spTgt>
+                                        </p:tgtEl>
+                                        <p:attrNameLst>
+                                          <p:attrName>style.visibility</p:attrName>
+                                        </p:attrNameLst>
+                                      </p:cBhvr>
+                                      <p:to>
+                                        <p:strVal val="visible"/>
+                                      </p:to>
+                                    </p:set>
+                                  </p:childTnLst>
+                                </p:cTn>
+                              </p:par>
+                            </p:childTnLst>
+                          </p:cTn>
+                        </p:par>
+                      </p:childTnLst>
+                    </p:cTn>
+                  </p:par>
+                  <p:par>
+                    <p:cTn id="19" fill="hold">
+                      <p:stCondLst>
+                        <p:cond delay="indefinite"/>
+                      </p:stCondLst>
+                      <p:childTnLst>
+                        <p:par>
+                          <p:cTn id="20" fill="hold">
+                            <p:stCondLst>
+                              <p:cond delay="0"/>
+                            </p:stCondLst>
+                            <p:childTnLst>
+                              <p:par>
+                                <p:cTn id="21" presetID="1" presetClass="entr" presetSubtype="0" fill="hold" nodeType="clickEffect">
+                                  <p:stCondLst>
+                                    <p:cond delay="0"/>
+                                  </p:stCondLst>
+                                  <p:childTnLst>
+                                    <p:set>
+                                      <p:cBhvr>
+                                        <p:cTn id="22" dur="1" fill="hold">
+                                          <p:stCondLst>
+                                            <p:cond delay="0"/>
+                                          </p:stCondLst>
+                                        </p:cTn>
+                                        <p:tgtEl>
+                                          <p:spTgt spid="3">
+                                            <p:txEl>
+                                              <p:pRg st="5" end="5"/>
+                                            </p:txEl>
+                                          </p:spTgt>
+                                        </p:tgtEl>
+                                        <p:attrNameLst>
+                                          <p:attrName>style.visibility</p:attrName>
+                                        </p:attrNameLst>
+                                      </p:cBhvr>
+                                      <p:to>
+                                        <p:strVal val="visible"/>
+                                      </p:to>
+                                    </p:set>
+                                  </p:childTnLst>
+                                </p:cTn>
+                              </p:par>
+                            </p:childTnLst>
+                          </p:cTn>
+                        </p:par>
+                      </p:childTnLst>
+                    </p:cTn>
+                  </p:par>
+                  <p:par>
+                    <p:cTn id="23" fill="hold">
+                      <p:stCondLst>
+                        <p:cond delay="indefinite"/>
+                      </p:stCondLst>
+                      <p:childTnLst>
+                        <p:par>
+                          <p:cTn id="24" fill="hold">
+                            <p:stCondLst>
+                              <p:cond delay="0"/>
+                            </p:stCondLst>
+                            <p:childTnLst>
+                              <p:par>
+                                <p:cTn id="25" presetID="1" presetClass="entr" presetSubtype="0" fill="hold" nodeType="clickEffect">
+                                  <p:stCondLst>
+                                    <p:cond delay="0"/>
+                                  </p:stCondLst>
+                                  <p:childTnLst>
+                                    <p:set>
+                                      <p:cBhvr>
+                                        <p:cTn id="26" dur="1" fill="hold">
+                                          <p:stCondLst>
+                                            <p:cond delay="0"/>
+                                          </p:stCondLst>
+                                        </p:cTn>
+                                        <p:tgtEl>
+                                          <p:spTgt spid="3">
+                                            <p:txEl>
+                                              <p:pRg st="6" end="6"/>
+                                            </p:txEl>
+                                          </p:spTgt>
+                                        </p:tgtEl>
+                                        <p:attrNameLst>
+                                          <p:attrName>style.visibility</p:attrName>
+                                        </p:attrNameLst>
+                                      </p:cBhvr>
+                                      <p:to>
+                                        <p:strVal val="visible"/>
+                                      </p:to>
+                                    </p:set>
+                                  </p:childTnLst>
+                                </p:cTn>
+                              </p:par>
+                            </p:childTnLst>
+                          </p:cTn>
+                        </p:par>
+                      </p:childTnLst>
+                    </p:cTn>
+                  </p:par>
+                  <p:par>
+                    <p:cTn id="27" fill="hold">
+                      <p:stCondLst>
+                        <p:cond delay="indefinite"/>
+                      </p:stCondLst>
+                      <p:childTnLst>
+                        <p:par>
+                          <p:cTn id="28" fill="hold">
+                            <p:stCondLst>
+                              <p:cond delay="0"/>
+                            </p:stCondLst>
+                            <p:childTnLst>
+                              <p:par>
+                                <p:cTn id="29" presetID="1" presetClass="entr" presetSubtype="0" fill="hold" nodeType="clickEffect">
+                                  <p:stCondLst>
+                                    <p:cond delay="0"/>
+                                  </p:stCondLst>
+                                  <p:childTnLst>
+                                    <p:set>
+                                      <p:cBhvr>
+                                        <p:cTn id="30" dur="1" fill="hold">
+                                          <p:stCondLst>
+                                            <p:cond delay="0"/>
+                                          </p:stCondLst>
+                                        </p:cTn>
+                                        <p:tgtEl>
+                                          <p:spTgt spid="3">
+                                            <p:txEl>
+                                              <p:pRg st="7" end="7"/>
+                                            </p:txEl>
+                                          </p:spTgt>
+                                        </p:tgtEl>
+                                        <p:attrNameLst>
+                                          <p:attrName>style.visibility</p:attrName>
+                                        </p:attrNameLst>
+                                      </p:cBhvr>
+                                      <p:to>
+                                        <p:strVal val="visible"/>
+                                      </p:to>
+                                    </p:set>
+                                  </p:childTnLst>
+                                </p:cTn>
+                              </p:par>
+                            </p:childTnLst>
+                          </p:cTn>
+                        </p:par>
+                      </p:childTnLst>
+                    </p:cTn>
+                  </p:par>
+                  <p:par>
+                    <p:cTn id="31" fill="hold">
+                      <p:stCondLst>
+                        <p:cond delay="indefinite"/>
+                      </p:stCondLst>
+                      <p:childTnLst>
+                        <p:par>
+                          <p:cTn id="32" fill="hold">
+                            <p:stCondLst>
+                              <p:cond delay="0"/>
+                            </p:stCondLst>
+                            <p:childTnLst>
+                              <p:par>
+                                <p:cTn id="33" presetID="1" presetClass="entr" presetSubtype="0" fill="hold" nodeType="clickEffect">
+                                  <p:stCondLst>
+                                    <p:cond delay="0"/>
+                                  </p:stCondLst>
+                                  <p:childTnLst>
+                                    <p:set>
+                                      <p:cBhvr>
+                                        <p:cTn id="34" dur="1" fill="hold">
+                                          <p:stCondLst>
+                                            <p:cond delay="0"/>
+                                          </p:stCondLst>
+                                        </p:cTn>
+                                        <p:tgtEl>
+                                          <p:spTgt spid="3">
+                                            <p:txEl>
+                                              <p:pRg st="9" end="9"/>
+                                            </p:txEl>
+                                          </p:spTgt>
+                                        </p:tgtEl>
+                                        <p:attrNameLst>
+                                          <p:attrName>style.visibility</p:attrName>
+                                        </p:attrNameLst>
+                                      </p:cBhvr>
+                                      <p:to>
+                                        <p:strVal val="visible"/>
+                                      </p:to>
+                                    </p:set>
+                                  </p:childTnLst>
+                                </p:cTn>
+                              </p:par>
+                            </p:childTnLst>
+                          </p:cTn>
+                        </p:par>
+                      </p:childTnLst>
+                    </p:cTn>
+                  </p:par>
+                </p:childTnLst>
+              </p:cTn>
+              <p:prevCondLst>
+                <p:cond evt="onPrev" delay="0">
+                  <p:tgtEl>
+                    <p:sldTgt/>
+                  </p:tgtEl>
+                </p:cond>
+              </p:prevCondLst>
+              <p:nextCondLst>
+                <p:cond evt="onNext" delay="0">
+                  <p:tgtEl>
+                    <p:sldTgt/>
+                  </p:tgtEl>
+                </p:cond>
+              </p:nextCondLst>
+            </p:seq>
+          </p:childTnLst>
+        </p:cTn>
       </p:par>
     </p:tnLst>
   </p:timing>
@@ -7239,175 +7658,6 @@
       </p:grpSpPr>
       <p:sp>
         <p:nvSpPr>
-          <p:cNvPr id="4" name="テキスト プレースホルダー 3"/>
-          <p:cNvSpPr>
-            <a:spLocks noGrp="1"/>
-          </p:cNvSpPr>
-          <p:nvPr>
-            <p:ph type="body"/>
-          </p:nvPr>
-        </p:nvSpPr>
-        <p:spPr>
-          <a:xfrm>
-            <a:off x="503640" y="1799999"/>
-            <a:ext cx="9070920" cy="5260367"/>
-          </a:xfrm>
-        </p:spPr>
-        <p:txBody>
-          <a:bodyPr>
-            <a:normAutofit/>
-          </a:bodyPr>
-          <a:lstStyle/>
-          <a:p>
-            <a:r>
-              <a:rPr lang="ja-JP" altLang="en-US" dirty="0"/>
-              <a:t>複数命令</a:t>
-            </a:r>
-            <a:endParaRPr lang="en-US" altLang="ja-JP" dirty="0"/>
-          </a:p>
-          <a:p>
-            <a:pPr marL="0" indent="0">
-              <a:buNone/>
-            </a:pPr>
-            <a:r>
-              <a:rPr lang="ja-JP" altLang="en-US" dirty="0"/>
-              <a:t>　内包表記では基本的に１つの命令しか実行できない。</a:t>
-            </a:r>
-            <a:endParaRPr lang="en-US" altLang="ja-JP" dirty="0"/>
-          </a:p>
-          <a:p>
-            <a:pPr marL="0" indent="0">
-              <a:buNone/>
-            </a:pPr>
-            <a:endParaRPr lang="en-US" altLang="ja-JP" dirty="0"/>
-          </a:p>
-          <a:p>
-            <a:pPr marL="0" indent="0">
-              <a:buNone/>
-            </a:pPr>
-            <a:r>
-              <a:rPr lang="ja-JP" altLang="en-US" dirty="0"/>
-              <a:t>　次のコードを考える</a:t>
-            </a:r>
-            <a:endParaRPr lang="en-US" altLang="ja-JP" dirty="0"/>
-          </a:p>
-          <a:p>
-            <a:pPr marL="0" indent="0" algn="ctr">
-              <a:buNone/>
-            </a:pPr>
-            <a:r>
-              <a:rPr lang="en-US" altLang="ja-JP" sz="2400" dirty="0" smtClean="0"/>
-              <a:t>[[</a:t>
-            </a:r>
-            <a:r>
-              <a:rPr lang="en-US" altLang="ja-JP" sz="2400" dirty="0" err="1"/>
-              <a:t>a.extend</a:t>
-            </a:r>
-            <a:r>
-              <a:rPr lang="en-US" altLang="ja-JP" sz="2400" dirty="0"/>
-              <a:t>([a[0]-2]), </a:t>
-            </a:r>
-            <a:r>
-              <a:rPr lang="en-US" altLang="ja-JP" sz="2400" dirty="0" err="1"/>
-              <a:t>a.extend</a:t>
-            </a:r>
-            <a:r>
-              <a:rPr lang="en-US" altLang="ja-JP" sz="2400" dirty="0"/>
-              <a:t>([a[1]+1]), a[2]][2] for a in [[1</a:t>
-            </a:r>
-            <a:r>
-              <a:rPr lang="en-US" altLang="ja-JP" sz="2400" dirty="0" smtClean="0"/>
-              <a:t>]]]</a:t>
-            </a:r>
-            <a:endParaRPr lang="en-US" altLang="ja-JP" sz="4000" dirty="0"/>
-          </a:p>
-          <a:p>
-            <a:pPr marL="0" indent="0">
-              <a:buNone/>
-            </a:pPr>
-            <a:r>
-              <a:rPr lang="ja-JP" altLang="en-US" dirty="0"/>
-              <a:t>最初の</a:t>
-            </a:r>
-            <a:r>
-              <a:rPr lang="en-US" altLang="ja-JP" dirty="0"/>
-              <a:t>[]</a:t>
-            </a:r>
-            <a:r>
-              <a:rPr lang="ja-JP" altLang="en-US" dirty="0"/>
-              <a:t>は先に</a:t>
-            </a:r>
-            <a:r>
-              <a:rPr lang="en-US" altLang="ja-JP" dirty="0"/>
-              <a:t>a[0].append(a[0]-2)</a:t>
-            </a:r>
-            <a:r>
-              <a:rPr lang="ja-JP" altLang="en-US" dirty="0" err="1"/>
-              <a:t>が評</a:t>
-            </a:r>
-            <a:r>
-              <a:rPr lang="ja-JP" altLang="en-US" dirty="0"/>
-              <a:t>価された後に、</a:t>
-            </a:r>
-            <a:r>
-              <a:rPr lang="en-US" altLang="ja-JP" dirty="0"/>
-              <a:t>a[0].append(a[0]+1)</a:t>
-            </a:r>
-            <a:r>
-              <a:rPr lang="ja-JP" altLang="en-US" dirty="0"/>
-              <a:t> 、最後に</a:t>
-            </a:r>
-            <a:r>
-              <a:rPr lang="en-US" altLang="ja-JP" dirty="0"/>
-              <a:t>a[2]</a:t>
-            </a:r>
-            <a:r>
-              <a:rPr lang="ja-JP" altLang="en-US" dirty="0" err="1"/>
-              <a:t>が評</a:t>
-            </a:r>
-            <a:r>
-              <a:rPr lang="ja-JP" altLang="en-US" dirty="0"/>
-              <a:t>価されそれぞれの結果を要素に持つリストが生成される。</a:t>
-            </a:r>
-            <a:endParaRPr lang="en-US" altLang="ja-JP" dirty="0"/>
-          </a:p>
-          <a:p>
-            <a:pPr marL="0" indent="0">
-              <a:buNone/>
-            </a:pPr>
-            <a:r>
-              <a:rPr lang="ja-JP" altLang="en-US" dirty="0"/>
-              <a:t>　この場合の結果は</a:t>
-            </a:r>
-            <a:r>
-              <a:rPr lang="en-US" altLang="ja-JP" dirty="0"/>
-              <a:t>[0]</a:t>
-            </a:r>
-          </a:p>
-          <a:p>
-            <a:pPr marL="0" indent="0">
-              <a:buNone/>
-            </a:pPr>
-            <a:endParaRPr lang="en-US" altLang="ja-JP" dirty="0"/>
-          </a:p>
-          <a:p>
-            <a:pPr marL="0" indent="0">
-              <a:buNone/>
-            </a:pPr>
-            <a:r>
-              <a:rPr lang="ja-JP" altLang="en-US" dirty="0"/>
-              <a:t>　内包表記内で複数の命令を行うことができた</a:t>
-            </a:r>
-            <a:r>
-              <a:rPr lang="ja-JP" altLang="en-US" dirty="0" smtClean="0"/>
-              <a:t>。</a:t>
-            </a:r>
-            <a:endParaRPr lang="en-US" altLang="ja-JP" dirty="0"/>
-          </a:p>
-        </p:txBody>
-      </p:sp>
-      <p:sp>
-        <p:nvSpPr>
           <p:cNvPr id="2" name="タイトル 1"/>
           <p:cNvSpPr>
             <a:spLocks noGrp="1"/>
@@ -7422,14 +7672,188 @@
           <a:lstStyle/>
           <a:p>
             <a:r>
-              <a:rPr lang="en-US" altLang="ja-JP" dirty="0"/>
+              <a:rPr lang="en-US" altLang="ja-JP" dirty="0" smtClean="0"/>
               <a:t>Python</a:t>
             </a:r>
             <a:r>
-              <a:rPr lang="ja-JP" altLang="en-US" dirty="0"/>
+              <a:rPr lang="ja-JP" altLang="en-US" dirty="0" smtClean="0"/>
               <a:t>芸の手法</a:t>
             </a:r>
             <a:endParaRPr kumimoji="1" lang="ja-JP" altLang="en-US" dirty="0"/>
+          </a:p>
+        </p:txBody>
+      </p:sp>
+      <p:sp>
+        <p:nvSpPr>
+          <p:cNvPr id="3" name="テキスト プレースホルダー 2"/>
+          <p:cNvSpPr>
+            <a:spLocks noGrp="1"/>
+          </p:cNvSpPr>
+          <p:nvPr>
+            <p:ph type="body"/>
+          </p:nvPr>
+        </p:nvSpPr>
+        <p:spPr>
+          <a:xfrm>
+            <a:off x="503640" y="1799999"/>
+            <a:ext cx="9070920" cy="5380289"/>
+          </a:xfrm>
+        </p:spPr>
+        <p:txBody>
+          <a:bodyPr>
+            <a:normAutofit fontScale="77500" lnSpcReduction="20000"/>
+          </a:bodyPr>
+          <a:lstStyle/>
+          <a:p>
+            <a:r>
+              <a:rPr kumimoji="1" lang="ja-JP" altLang="en-US" dirty="0" smtClean="0"/>
+              <a:t>複数命令</a:t>
+            </a:r>
+            <a:endParaRPr lang="en-US" altLang="ja-JP" dirty="0" smtClean="0"/>
+          </a:p>
+          <a:p>
+            <a:pPr marL="0" indent="0">
+              <a:buNone/>
+            </a:pPr>
+            <a:r>
+              <a:rPr kumimoji="1" lang="ja-JP" altLang="en-US" dirty="0" smtClean="0"/>
+              <a:t>　内包表記では基本的に１つの命令しか実行できない。</a:t>
+            </a:r>
+            <a:endParaRPr lang="en-US" altLang="ja-JP" dirty="0" smtClean="0"/>
+          </a:p>
+          <a:p>
+            <a:pPr marL="0" indent="0">
+              <a:buNone/>
+            </a:pPr>
+            <a:endParaRPr kumimoji="1" lang="en-US" altLang="ja-JP" dirty="0" smtClean="0"/>
+          </a:p>
+          <a:p>
+            <a:pPr marL="0" indent="0">
+              <a:buNone/>
+            </a:pPr>
+            <a:r>
+              <a:rPr lang="ja-JP" altLang="en-US" dirty="0" smtClean="0"/>
+              <a:t>　次のコードを考える</a:t>
+            </a:r>
+            <a:endParaRPr lang="en-US" altLang="ja-JP" dirty="0" smtClean="0"/>
+          </a:p>
+          <a:p>
+            <a:pPr marL="0" indent="0">
+              <a:buNone/>
+            </a:pPr>
+            <a:r>
+              <a:rPr kumimoji="1" lang="en-US" altLang="ja-JP" sz="2400" dirty="0" smtClean="0"/>
+              <a:t>	</a:t>
+            </a:r>
+            <a:r>
+              <a:rPr lang="en-US" altLang="ja-JP" sz="2400" dirty="0" smtClean="0"/>
+              <a:t>[[</a:t>
+            </a:r>
+            <a:r>
+              <a:rPr lang="en-US" altLang="ja-JP" sz="2400" dirty="0" err="1" smtClean="0"/>
+              <a:t>a.extend</a:t>
+            </a:r>
+            <a:r>
+              <a:rPr lang="en-US" altLang="ja-JP" sz="2400" dirty="0" smtClean="0"/>
+              <a:t>([a[0]-2]), </a:t>
+            </a:r>
+            <a:r>
+              <a:rPr lang="en-US" altLang="ja-JP" sz="2400" dirty="0" err="1" smtClean="0"/>
+              <a:t>a.extend</a:t>
+            </a:r>
+            <a:r>
+              <a:rPr lang="en-US" altLang="ja-JP" sz="2400" dirty="0" smtClean="0"/>
+              <a:t>([a[1]+1]), a[2]][2] for a in [[1]]]</a:t>
+            </a:r>
+          </a:p>
+          <a:p>
+            <a:pPr marL="0" indent="0">
+              <a:buNone/>
+            </a:pPr>
+            <a:r>
+              <a:rPr kumimoji="1" lang="ja-JP" altLang="en-US" dirty="0" smtClean="0"/>
+              <a:t>　</a:t>
+            </a:r>
+            <a:endParaRPr kumimoji="1" lang="en-US" altLang="ja-JP" dirty="0" smtClean="0"/>
+          </a:p>
+          <a:p>
+            <a:pPr marL="0" indent="0">
+              <a:buNone/>
+            </a:pPr>
+            <a:r>
+              <a:rPr lang="ja-JP" altLang="en-US" dirty="0" smtClean="0"/>
+              <a:t>最初の</a:t>
+            </a:r>
+            <a:r>
+              <a:rPr lang="en-US" altLang="ja-JP" dirty="0" smtClean="0"/>
+              <a:t>[]</a:t>
+            </a:r>
+            <a:r>
+              <a:rPr lang="ja-JP" altLang="en-US" dirty="0" smtClean="0"/>
+              <a:t>は先に</a:t>
+            </a:r>
+            <a:r>
+              <a:rPr lang="en-US" altLang="ja-JP" dirty="0" smtClean="0"/>
+              <a:t>a[0].append(a[0]-2)</a:t>
+            </a:r>
+            <a:r>
+              <a:rPr lang="ja-JP" altLang="en-US" dirty="0" err="1" smtClean="0"/>
+              <a:t>が評</a:t>
+            </a:r>
+            <a:r>
+              <a:rPr lang="ja-JP" altLang="en-US" dirty="0" smtClean="0"/>
+              <a:t>価された後に、</a:t>
+            </a:r>
+            <a:r>
+              <a:rPr lang="en-US" altLang="ja-JP" dirty="0" smtClean="0"/>
+              <a:t>a[0].append(a[0]+1)</a:t>
+            </a:r>
+            <a:r>
+              <a:rPr lang="ja-JP" altLang="en-US" dirty="0" smtClean="0"/>
+              <a:t> 、最後に</a:t>
+            </a:r>
+            <a:r>
+              <a:rPr lang="en-US" altLang="ja-JP" dirty="0" smtClean="0"/>
+              <a:t>a[2]</a:t>
+            </a:r>
+            <a:r>
+              <a:rPr lang="ja-JP" altLang="en-US" dirty="0" err="1" smtClean="0"/>
+              <a:t>が評</a:t>
+            </a:r>
+            <a:r>
+              <a:rPr lang="ja-JP" altLang="en-US" dirty="0" smtClean="0"/>
+              <a:t>価されそれぞれの結果を要素に持つリストが生成される。</a:t>
+            </a:r>
+            <a:endParaRPr lang="en-US" altLang="ja-JP" dirty="0" smtClean="0"/>
+          </a:p>
+          <a:p>
+            <a:pPr marL="0" indent="0">
+              <a:buNone/>
+            </a:pPr>
+            <a:r>
+              <a:rPr lang="ja-JP" altLang="en-US" dirty="0" smtClean="0"/>
+              <a:t>　この場合の結果は</a:t>
+            </a:r>
+            <a:r>
+              <a:rPr lang="en-US" altLang="ja-JP" dirty="0" smtClean="0"/>
+              <a:t>[0]</a:t>
+            </a:r>
+          </a:p>
+          <a:p>
+            <a:pPr marL="0" indent="0">
+              <a:buNone/>
+            </a:pPr>
+            <a:endParaRPr lang="en-US" altLang="ja-JP" dirty="0" smtClean="0"/>
+          </a:p>
+          <a:p>
+            <a:pPr marL="0" indent="0">
+              <a:buNone/>
+            </a:pPr>
+            <a:r>
+              <a:rPr lang="ja-JP" altLang="en-US" dirty="0" smtClean="0"/>
+              <a:t>　内包表記内で複数の命令を行うことができた。</a:t>
+            </a:r>
+            <a:endParaRPr lang="en-US" altLang="ja-JP" dirty="0" smtClean="0"/>
           </a:p>
         </p:txBody>
       </p:sp>
@@ -7446,7 +7870,404 @@
   <p:timing>
     <p:tnLst>
       <p:par>
-        <p:cTn id="1" dur="indefinite" restart="never" nodeType="tmRoot"/>
+        <p:cTn id="1" dur="indefinite" restart="never" nodeType="tmRoot">
+          <p:childTnLst>
+            <p:seq concurrent="1" nextAc="seek">
+              <p:cTn id="2" dur="indefinite" nodeType="mainSeq">
+                <p:childTnLst>
+                  <p:par>
+                    <p:cTn id="3" fill="hold">
+                      <p:stCondLst>
+                        <p:cond delay="indefinite"/>
+                      </p:stCondLst>
+                      <p:childTnLst>
+                        <p:par>
+                          <p:cTn id="4" fill="hold">
+                            <p:stCondLst>
+                              <p:cond delay="0"/>
+                            </p:stCondLst>
+                            <p:childTnLst>
+                              <p:par>
+                                <p:cTn id="5" presetID="1" presetClass="entr" presetSubtype="0" fill="hold" nodeType="clickEffect">
+                                  <p:stCondLst>
+                                    <p:cond delay="0"/>
+                                  </p:stCondLst>
+                                  <p:childTnLst>
+                                    <p:set>
+                                      <p:cBhvr>
+                                        <p:cTn id="6" dur="1" fill="hold">
+                                          <p:stCondLst>
+                                            <p:cond delay="0"/>
+                                          </p:stCondLst>
+                                        </p:cTn>
+                                        <p:tgtEl>
+                                          <p:spTgt spid="3">
+                                            <p:txEl>
+                                              <p:pRg st="0" end="0"/>
+                                            </p:txEl>
+                                          </p:spTgt>
+                                        </p:tgtEl>
+                                        <p:attrNameLst>
+                                          <p:attrName>style.visibility</p:attrName>
+                                        </p:attrNameLst>
+                                      </p:cBhvr>
+                                      <p:to>
+                                        <p:strVal val="visible"/>
+                                      </p:to>
+                                    </p:set>
+                                  </p:childTnLst>
+                                </p:cTn>
+                              </p:par>
+                            </p:childTnLst>
+                          </p:cTn>
+                        </p:par>
+                      </p:childTnLst>
+                    </p:cTn>
+                  </p:par>
+                  <p:par>
+                    <p:cTn id="7" fill="hold">
+                      <p:stCondLst>
+                        <p:cond delay="indefinite"/>
+                      </p:stCondLst>
+                      <p:childTnLst>
+                        <p:par>
+                          <p:cTn id="8" fill="hold">
+                            <p:stCondLst>
+                              <p:cond delay="0"/>
+                            </p:stCondLst>
+                            <p:childTnLst>
+                              <p:par>
+                                <p:cTn id="9" presetID="1" presetClass="entr" presetSubtype="0" fill="hold" nodeType="clickEffect">
+                                  <p:stCondLst>
+                                    <p:cond delay="0"/>
+                                  </p:stCondLst>
+                                  <p:childTnLst>
+                                    <p:set>
+                                      <p:cBhvr>
+                                        <p:cTn id="10" dur="1" fill="hold">
+                                          <p:stCondLst>
+                                            <p:cond delay="0"/>
+                                          </p:stCondLst>
+                                        </p:cTn>
+                                        <p:tgtEl>
+                                          <p:spTgt spid="3">
+                                            <p:txEl>
+                                              <p:pRg st="1" end="1"/>
+                                            </p:txEl>
+                                          </p:spTgt>
+                                        </p:tgtEl>
+                                        <p:attrNameLst>
+                                          <p:attrName>style.visibility</p:attrName>
+                                        </p:attrNameLst>
+                                      </p:cBhvr>
+                                      <p:to>
+                                        <p:strVal val="visible"/>
+                                      </p:to>
+                                    </p:set>
+                                  </p:childTnLst>
+                                </p:cTn>
+                              </p:par>
+                            </p:childTnLst>
+                          </p:cTn>
+                        </p:par>
+                      </p:childTnLst>
+                    </p:cTn>
+                  </p:par>
+                  <p:par>
+                    <p:cTn id="11" fill="hold">
+                      <p:stCondLst>
+                        <p:cond delay="indefinite"/>
+                      </p:stCondLst>
+                      <p:childTnLst>
+                        <p:par>
+                          <p:cTn id="12" fill="hold">
+                            <p:stCondLst>
+                              <p:cond delay="0"/>
+                            </p:stCondLst>
+                            <p:childTnLst>
+                              <p:par>
+                                <p:cTn id="13" presetID="1" presetClass="entr" presetSubtype="0" fill="hold" nodeType="clickEffect">
+                                  <p:stCondLst>
+                                    <p:cond delay="0"/>
+                                  </p:stCondLst>
+                                  <p:childTnLst>
+                                    <p:set>
+                                      <p:cBhvr>
+                                        <p:cTn id="14" dur="1" fill="hold">
+                                          <p:stCondLst>
+                                            <p:cond delay="0"/>
+                                          </p:stCondLst>
+                                        </p:cTn>
+                                        <p:tgtEl>
+                                          <p:spTgt spid="3">
+                                            <p:txEl>
+                                              <p:pRg st="3" end="3"/>
+                                            </p:txEl>
+                                          </p:spTgt>
+                                        </p:tgtEl>
+                                        <p:attrNameLst>
+                                          <p:attrName>style.visibility</p:attrName>
+                                        </p:attrNameLst>
+                                      </p:cBhvr>
+                                      <p:to>
+                                        <p:strVal val="visible"/>
+                                      </p:to>
+                                    </p:set>
+                                  </p:childTnLst>
+                                </p:cTn>
+                              </p:par>
+                            </p:childTnLst>
+                          </p:cTn>
+                        </p:par>
+                      </p:childTnLst>
+                    </p:cTn>
+                  </p:par>
+                  <p:par>
+                    <p:cTn id="15" fill="hold">
+                      <p:stCondLst>
+                        <p:cond delay="indefinite"/>
+                      </p:stCondLst>
+                      <p:childTnLst>
+                        <p:par>
+                          <p:cTn id="16" fill="hold">
+                            <p:stCondLst>
+                              <p:cond delay="0"/>
+                            </p:stCondLst>
+                            <p:childTnLst>
+                              <p:par>
+                                <p:cTn id="17" presetID="1" presetClass="entr" presetSubtype="0" fill="hold" nodeType="clickEffect">
+                                  <p:stCondLst>
+                                    <p:cond delay="0"/>
+                                  </p:stCondLst>
+                                  <p:childTnLst>
+                                    <p:set>
+                                      <p:cBhvr>
+                                        <p:cTn id="18" dur="1" fill="hold">
+                                          <p:stCondLst>
+                                            <p:cond delay="0"/>
+                                          </p:stCondLst>
+                                        </p:cTn>
+                                        <p:tgtEl>
+                                          <p:spTgt spid="3">
+                                            <p:txEl>
+                                              <p:pRg st="4" end="4"/>
+                                            </p:txEl>
+                                          </p:spTgt>
+                                        </p:tgtEl>
+                                        <p:attrNameLst>
+                                          <p:attrName>style.visibility</p:attrName>
+                                        </p:attrNameLst>
+                                      </p:cBhvr>
+                                      <p:to>
+                                        <p:strVal val="visible"/>
+                                      </p:to>
+                                    </p:set>
+                                  </p:childTnLst>
+                                </p:cTn>
+                              </p:par>
+                              <p:par>
+                                <p:cTn id="19" presetID="1" presetClass="entr" presetSubtype="0" fill="hold" nodeType="withEffect">
+                                  <p:stCondLst>
+                                    <p:cond delay="0"/>
+                                  </p:stCondLst>
+                                  <p:childTnLst>
+                                    <p:set>
+                                      <p:cBhvr>
+                                        <p:cTn id="20" dur="1" fill="hold">
+                                          <p:stCondLst>
+                                            <p:cond delay="0"/>
+                                          </p:stCondLst>
+                                        </p:cTn>
+                                        <p:tgtEl>
+                                          <p:spTgt spid="3">
+                                            <p:txEl>
+                                              <p:pRg st="5" end="5"/>
+                                            </p:txEl>
+                                          </p:spTgt>
+                                        </p:tgtEl>
+                                        <p:attrNameLst>
+                                          <p:attrName>style.visibility</p:attrName>
+                                        </p:attrNameLst>
+                                      </p:cBhvr>
+                                      <p:to>
+                                        <p:strVal val="visible"/>
+                                      </p:to>
+                                    </p:set>
+                                  </p:childTnLst>
+                                </p:cTn>
+                              </p:par>
+                            </p:childTnLst>
+                          </p:cTn>
+                        </p:par>
+                      </p:childTnLst>
+                    </p:cTn>
+                  </p:par>
+                  <p:par>
+                    <p:cTn id="21" fill="hold">
+                      <p:stCondLst>
+                        <p:cond delay="indefinite"/>
+                      </p:stCondLst>
+                      <p:childTnLst>
+                        <p:par>
+                          <p:cTn id="22" fill="hold">
+                            <p:stCondLst>
+                              <p:cond delay="0"/>
+                            </p:stCondLst>
+                            <p:childTnLst>
+                              <p:par>
+                                <p:cTn id="23" presetID="1" presetClass="entr" presetSubtype="0" fill="hold" nodeType="clickEffect">
+                                  <p:stCondLst>
+                                    <p:cond delay="0"/>
+                                  </p:stCondLst>
+                                  <p:childTnLst>
+                                    <p:set>
+                                      <p:cBhvr>
+                                        <p:cTn id="24" dur="1" fill="hold">
+                                          <p:stCondLst>
+                                            <p:cond delay="0"/>
+                                          </p:stCondLst>
+                                        </p:cTn>
+                                        <p:tgtEl>
+                                          <p:spTgt spid="3">
+                                            <p:txEl>
+                                              <p:pRg st="6" end="6"/>
+                                            </p:txEl>
+                                          </p:spTgt>
+                                        </p:tgtEl>
+                                        <p:attrNameLst>
+                                          <p:attrName>style.visibility</p:attrName>
+                                        </p:attrNameLst>
+                                      </p:cBhvr>
+                                      <p:to>
+                                        <p:strVal val="visible"/>
+                                      </p:to>
+                                    </p:set>
+                                  </p:childTnLst>
+                                </p:cTn>
+                              </p:par>
+                            </p:childTnLst>
+                          </p:cTn>
+                        </p:par>
+                      </p:childTnLst>
+                    </p:cTn>
+                  </p:par>
+                  <p:par>
+                    <p:cTn id="25" fill="hold">
+                      <p:stCondLst>
+                        <p:cond delay="indefinite"/>
+                      </p:stCondLst>
+                      <p:childTnLst>
+                        <p:par>
+                          <p:cTn id="26" fill="hold">
+                            <p:stCondLst>
+                              <p:cond delay="0"/>
+                            </p:stCondLst>
+                            <p:childTnLst>
+                              <p:par>
+                                <p:cTn id="27" presetID="1" presetClass="entr" presetSubtype="0" fill="hold" nodeType="clickEffect">
+                                  <p:stCondLst>
+                                    <p:cond delay="0"/>
+                                  </p:stCondLst>
+                                  <p:childTnLst>
+                                    <p:set>
+                                      <p:cBhvr>
+                                        <p:cTn id="28" dur="1" fill="hold">
+                                          <p:stCondLst>
+                                            <p:cond delay="0"/>
+                                          </p:stCondLst>
+                                        </p:cTn>
+                                        <p:tgtEl>
+                                          <p:spTgt spid="3">
+                                            <p:txEl>
+                                              <p:pRg st="7" end="7"/>
+                                            </p:txEl>
+                                          </p:spTgt>
+                                        </p:tgtEl>
+                                        <p:attrNameLst>
+                                          <p:attrName>style.visibility</p:attrName>
+                                        </p:attrNameLst>
+                                      </p:cBhvr>
+                                      <p:to>
+                                        <p:strVal val="visible"/>
+                                      </p:to>
+                                    </p:set>
+                                  </p:childTnLst>
+                                </p:cTn>
+                              </p:par>
+                            </p:childTnLst>
+                          </p:cTn>
+                        </p:par>
+                      </p:childTnLst>
+                    </p:cTn>
+                  </p:par>
+                  <p:par>
+                    <p:cTn id="29" fill="hold">
+                      <p:stCondLst>
+                        <p:cond delay="indefinite"/>
+                      </p:stCondLst>
+                      <p:childTnLst>
+                        <p:par>
+                          <p:cTn id="30" fill="hold">
+                            <p:stCondLst>
+                              <p:cond delay="0"/>
+                            </p:stCondLst>
+                            <p:childTnLst>
+                              <p:par>
+                                <p:cTn id="31" presetID="1" presetClass="entr" presetSubtype="0" fill="hold" nodeType="clickEffect">
+                                  <p:stCondLst>
+                                    <p:cond delay="0"/>
+                                  </p:stCondLst>
+                                  <p:childTnLst>
+                                    <p:set>
+                                      <p:cBhvr>
+                                        <p:cTn id="32" dur="1" fill="hold">
+                                          <p:stCondLst>
+                                            <p:cond delay="0"/>
+                                          </p:stCondLst>
+                                        </p:cTn>
+                                        <p:tgtEl>
+                                          <p:spTgt spid="3">
+                                            <p:txEl>
+                                              <p:pRg st="9" end="9"/>
+                                            </p:txEl>
+                                          </p:spTgt>
+                                        </p:tgtEl>
+                                        <p:attrNameLst>
+                                          <p:attrName>style.visibility</p:attrName>
+                                        </p:attrNameLst>
+                                      </p:cBhvr>
+                                      <p:to>
+                                        <p:strVal val="visible"/>
+                                      </p:to>
+                                    </p:set>
+                                  </p:childTnLst>
+                                </p:cTn>
+                              </p:par>
+                            </p:childTnLst>
+                          </p:cTn>
+                        </p:par>
+                      </p:childTnLst>
+                    </p:cTn>
+                  </p:par>
+                </p:childTnLst>
+              </p:cTn>
+              <p:prevCondLst>
+                <p:cond evt="onPrev" delay="0">
+                  <p:tgtEl>
+                    <p:sldTgt/>
+                  </p:tgtEl>
+                </p:cond>
+              </p:prevCondLst>
+              <p:nextCondLst>
+                <p:cond evt="onNext" delay="0">
+                  <p:tgtEl>
+                    <p:sldTgt/>
+                  </p:tgtEl>
+                </p:cond>
+              </p:nextCondLst>
+            </p:seq>
+          </p:childTnLst>
+        </p:cTn>
       </p:par>
     </p:tnLst>
   </p:timing>
@@ -7472,210 +8293,6 @@
       </p:grpSpPr>
       <p:sp>
         <p:nvSpPr>
-          <p:cNvPr id="4" name="テキスト プレースホルダー 3"/>
-          <p:cNvSpPr>
-            <a:spLocks noGrp="1"/>
-          </p:cNvSpPr>
-          <p:nvPr>
-            <p:ph type="body"/>
-          </p:nvPr>
-        </p:nvSpPr>
-        <p:spPr/>
-        <p:txBody>
-          <a:bodyPr>
-            <a:normAutofit fontScale="92500" lnSpcReduction="10000"/>
-          </a:bodyPr>
-          <a:lstStyle/>
-          <a:p>
-            <a:r>
-              <a:rPr lang="ja-JP" altLang="en-US" dirty="0"/>
-              <a:t>代入</a:t>
-            </a:r>
-            <a:endParaRPr lang="en-US" altLang="ja-JP" dirty="0"/>
-          </a:p>
-          <a:p>
-            <a:pPr marL="0" indent="0">
-              <a:buNone/>
-            </a:pPr>
-            <a:r>
-              <a:rPr lang="ja-JP" altLang="en-US" dirty="0"/>
-              <a:t>　内包表記では“代入”が使えない</a:t>
-            </a:r>
-            <a:endParaRPr lang="en-US" altLang="ja-JP" dirty="0"/>
-          </a:p>
-          <a:p>
-            <a:pPr marL="0" indent="0">
-              <a:buNone/>
-            </a:pPr>
-            <a:r>
-              <a:rPr lang="ja-JP" altLang="en-US" dirty="0"/>
-              <a:t>　ただし、</a:t>
-            </a:r>
-            <a:r>
-              <a:rPr lang="en-US" altLang="ja-JP" dirty="0"/>
-              <a:t>list</a:t>
-            </a:r>
-            <a:r>
-              <a:rPr lang="ja-JP" altLang="en-US" dirty="0"/>
-              <a:t>の</a:t>
-            </a:r>
-            <a:r>
-              <a:rPr lang="en-US" altLang="ja-JP" dirty="0"/>
-              <a:t>append</a:t>
-            </a:r>
-            <a:r>
-              <a:rPr lang="ja-JP" altLang="en-US" dirty="0"/>
-              <a:t>や</a:t>
-            </a:r>
-            <a:r>
-              <a:rPr lang="en-US" altLang="ja-JP" dirty="0"/>
-              <a:t>extend</a:t>
-            </a:r>
-            <a:r>
-              <a:rPr lang="ja-JP" altLang="en-US" dirty="0" err="1"/>
-              <a:t>、</a:t>
-            </a:r>
-            <a:r>
-              <a:rPr lang="en-US" altLang="ja-JP" dirty="0" err="1"/>
-              <a:t>dict</a:t>
-            </a:r>
-            <a:r>
-              <a:rPr lang="ja-JP" altLang="en-US" dirty="0"/>
-              <a:t>の</a:t>
-            </a:r>
-            <a:r>
-              <a:rPr lang="en-US" altLang="ja-JP" dirty="0"/>
-              <a:t>update</a:t>
-            </a:r>
-            <a:r>
-              <a:rPr lang="ja-JP" altLang="en-US" dirty="0"/>
-              <a:t>は使える。</a:t>
-            </a:r>
-            <a:endParaRPr lang="en-US" altLang="ja-JP" dirty="0"/>
-          </a:p>
-          <a:p>
-            <a:pPr marL="0" indent="0">
-              <a:buNone/>
-            </a:pPr>
-            <a:endParaRPr lang="en-US" altLang="ja-JP" dirty="0"/>
-          </a:p>
-          <a:p>
-            <a:pPr marL="0" indent="0">
-              <a:buNone/>
-            </a:pPr>
-            <a:r>
-              <a:rPr lang="ja-JP" altLang="en-US" dirty="0"/>
-              <a:t>　次のようなコードを考える</a:t>
-            </a:r>
-            <a:endParaRPr lang="en-US" altLang="ja-JP" dirty="0"/>
-          </a:p>
-          <a:p>
-            <a:pPr marL="0" indent="0">
-              <a:buNone/>
-            </a:pPr>
-            <a:r>
-              <a:rPr lang="en-US" altLang="ja-JP" dirty="0"/>
-              <a:t>	[[</a:t>
-            </a:r>
-            <a:r>
-              <a:rPr lang="en-US" altLang="ja-JP" dirty="0" err="1"/>
-              <a:t>v.update</a:t>
-            </a:r>
-            <a:r>
-              <a:rPr lang="en-US" altLang="ja-JP" dirty="0"/>
-              <a:t>({j:1}), v][1] for v in [</a:t>
-            </a:r>
-            <a:r>
-              <a:rPr lang="en-US" altLang="ja-JP" dirty="0" err="1"/>
-              <a:t>dict</a:t>
-            </a:r>
-            <a:r>
-              <a:rPr lang="en-US" altLang="ja-JP" dirty="0"/>
-              <a:t>()] for j in ["a"]]</a:t>
-            </a:r>
-          </a:p>
-          <a:p>
-            <a:pPr marL="0" indent="0">
-              <a:buNone/>
-            </a:pPr>
-            <a:r>
-              <a:rPr lang="ja-JP" altLang="en-US" dirty="0"/>
-              <a:t>　この時のリストの中身は</a:t>
-            </a:r>
-            <a:r>
-              <a:rPr lang="en-US" altLang="ja-JP" dirty="0"/>
-              <a:t>{“a”:1}</a:t>
-            </a:r>
-            <a:r>
-              <a:rPr lang="ja-JP" altLang="en-US" dirty="0" err="1"/>
-              <a:t>、</a:t>
-            </a:r>
-            <a:r>
-              <a:rPr lang="ja-JP" altLang="en-US" dirty="0"/>
-              <a:t>つまり</a:t>
-            </a:r>
-            <a:r>
-              <a:rPr lang="en-US" altLang="ja-JP" dirty="0"/>
-              <a:t>a</a:t>
-            </a:r>
-            <a:r>
-              <a:rPr lang="ja-JP" altLang="en-US" dirty="0"/>
-              <a:t>と</a:t>
-            </a:r>
-            <a:r>
-              <a:rPr lang="en-US" altLang="ja-JP" dirty="0"/>
-              <a:t>1</a:t>
-            </a:r>
-            <a:r>
-              <a:rPr lang="ja-JP" altLang="en-US" dirty="0"/>
-              <a:t>が対応</a:t>
-            </a:r>
-            <a:endParaRPr lang="en-US" altLang="ja-JP" dirty="0"/>
-          </a:p>
-          <a:p>
-            <a:pPr marL="0" indent="0">
-              <a:buNone/>
-            </a:pPr>
-            <a:r>
-              <a:rPr lang="en-US" altLang="ja-JP" dirty="0"/>
-              <a:t>	</a:t>
-            </a:r>
-            <a:r>
-              <a:rPr lang="ja-JP" altLang="en-US" dirty="0"/>
-              <a:t>→変数の代わりにつかえる</a:t>
-            </a:r>
-            <a:endParaRPr lang="en-US" altLang="ja-JP" dirty="0"/>
-          </a:p>
-          <a:p>
-            <a:endParaRPr lang="en-US" altLang="ja-JP" dirty="0"/>
-          </a:p>
-          <a:p>
-            <a:pPr marL="0" indent="0">
-              <a:buNone/>
-            </a:pPr>
-            <a:r>
-              <a:rPr lang="ja-JP" altLang="en-US" dirty="0"/>
-              <a:t>　</a:t>
-            </a:r>
-            <a:r>
-              <a:rPr lang="en-US" altLang="ja-JP" dirty="0"/>
-              <a:t>update</a:t>
-            </a:r>
-            <a:r>
-              <a:rPr lang="ja-JP" altLang="en-US" dirty="0"/>
-              <a:t>は同じキーを更新するからより好都合</a:t>
-            </a:r>
-          </a:p>
-          <a:p>
-            <a:pPr marL="0" indent="0">
-              <a:buNone/>
-            </a:pPr>
-            <a:endParaRPr kumimoji="1" lang="ja-JP" altLang="en-US" dirty="0"/>
-          </a:p>
-        </p:txBody>
-      </p:sp>
-      <p:sp>
-        <p:nvSpPr>
           <p:cNvPr id="2" name="タイトル 1"/>
           <p:cNvSpPr>
             <a:spLocks noGrp="1"/>
@@ -7696,6 +8313,214 @@
             <a:r>
               <a:rPr lang="ja-JP" altLang="en-US" dirty="0"/>
               <a:t>芸の手法</a:t>
+            </a:r>
+            <a:endParaRPr kumimoji="1" lang="ja-JP" altLang="en-US" dirty="0"/>
+          </a:p>
+        </p:txBody>
+      </p:sp>
+      <p:sp>
+        <p:nvSpPr>
+          <p:cNvPr id="3" name="テキスト プレースホルダー 2"/>
+          <p:cNvSpPr>
+            <a:spLocks noGrp="1"/>
+          </p:cNvSpPr>
+          <p:nvPr>
+            <p:ph type="body"/>
+          </p:nvPr>
+        </p:nvSpPr>
+        <p:spPr>
+          <a:xfrm>
+            <a:off x="503640" y="1800000"/>
+            <a:ext cx="9070920" cy="5350308"/>
+          </a:xfrm>
+        </p:spPr>
+        <p:txBody>
+          <a:bodyPr>
+            <a:normAutofit fontScale="77500" lnSpcReduction="20000"/>
+          </a:bodyPr>
+          <a:lstStyle/>
+          <a:p>
+            <a:r>
+              <a:rPr lang="ja-JP" altLang="en-US" dirty="0" smtClean="0"/>
+              <a:t>代入</a:t>
+            </a:r>
+            <a:endParaRPr lang="en-US" altLang="ja-JP" dirty="0" smtClean="0"/>
+          </a:p>
+          <a:p>
+            <a:pPr marL="0" indent="0">
+              <a:buNone/>
+            </a:pPr>
+            <a:r>
+              <a:rPr lang="ja-JP" altLang="en-US" dirty="0" smtClean="0"/>
+              <a:t>　内包表記では“代入”が使えない</a:t>
+            </a:r>
+            <a:endParaRPr lang="en-US" altLang="ja-JP" dirty="0" smtClean="0"/>
+          </a:p>
+          <a:p>
+            <a:pPr marL="0" indent="0">
+              <a:buNone/>
+            </a:pPr>
+            <a:r>
+              <a:rPr lang="ja-JP" altLang="en-US" dirty="0" smtClean="0"/>
+              <a:t>　ただし、</a:t>
+            </a:r>
+            <a:r>
+              <a:rPr lang="en-US" altLang="ja-JP" dirty="0" smtClean="0"/>
+              <a:t>list</a:t>
+            </a:r>
+            <a:r>
+              <a:rPr lang="ja-JP" altLang="en-US" dirty="0" smtClean="0"/>
+              <a:t>の</a:t>
+            </a:r>
+            <a:r>
+              <a:rPr lang="en-US" altLang="ja-JP" dirty="0" smtClean="0"/>
+              <a:t>append</a:t>
+            </a:r>
+            <a:r>
+              <a:rPr lang="ja-JP" altLang="en-US" dirty="0" smtClean="0"/>
+              <a:t>や</a:t>
+            </a:r>
+            <a:r>
+              <a:rPr lang="en-US" altLang="ja-JP" dirty="0" smtClean="0"/>
+              <a:t>extend</a:t>
+            </a:r>
+            <a:r>
+              <a:rPr lang="ja-JP" altLang="en-US" dirty="0" err="1" smtClean="0"/>
+              <a:t>、</a:t>
+            </a:r>
+            <a:r>
+              <a:rPr lang="en-US" altLang="ja-JP" dirty="0" err="1" smtClean="0"/>
+              <a:t>dict</a:t>
+            </a:r>
+            <a:r>
+              <a:rPr lang="ja-JP" altLang="en-US" dirty="0" smtClean="0"/>
+              <a:t>の</a:t>
+            </a:r>
+            <a:r>
+              <a:rPr lang="en-US" altLang="ja-JP" dirty="0" smtClean="0"/>
+              <a:t>update</a:t>
+            </a:r>
+            <a:r>
+              <a:rPr lang="ja-JP" altLang="en-US" dirty="0" smtClean="0"/>
+              <a:t>は使える。</a:t>
+            </a:r>
+            <a:endParaRPr lang="en-US" altLang="ja-JP" dirty="0" smtClean="0"/>
+          </a:p>
+          <a:p>
+            <a:pPr marL="0" indent="0">
+              <a:buNone/>
+            </a:pPr>
+            <a:endParaRPr lang="en-US" altLang="ja-JP" dirty="0" smtClean="0"/>
+          </a:p>
+          <a:p>
+            <a:pPr marL="0" indent="0">
+              <a:buNone/>
+            </a:pPr>
+            <a:r>
+              <a:rPr lang="ja-JP" altLang="en-US" dirty="0" smtClean="0"/>
+              <a:t>　次のようなコードを考える</a:t>
+            </a:r>
+            <a:endParaRPr lang="en-US" altLang="ja-JP" dirty="0" smtClean="0"/>
+          </a:p>
+          <a:p>
+            <a:pPr marL="0" indent="0">
+              <a:buNone/>
+            </a:pPr>
+            <a:r>
+              <a:rPr lang="en-US" altLang="ja-JP" dirty="0"/>
+              <a:t>	</a:t>
+            </a:r>
+            <a:r>
+              <a:rPr lang="en-US" altLang="ja-JP" dirty="0" smtClean="0"/>
+              <a:t>[[</a:t>
+            </a:r>
+            <a:r>
+              <a:rPr lang="en-US" altLang="ja-JP" dirty="0" err="1" smtClean="0"/>
+              <a:t>v.update</a:t>
+            </a:r>
+            <a:r>
+              <a:rPr lang="en-US" altLang="ja-JP" dirty="0" smtClean="0"/>
+              <a:t>({j:1}), v][1] for v in [</a:t>
+            </a:r>
+            <a:r>
+              <a:rPr lang="en-US" altLang="ja-JP" dirty="0" err="1" smtClean="0"/>
+              <a:t>dict</a:t>
+            </a:r>
+            <a:r>
+              <a:rPr lang="en-US" altLang="ja-JP" dirty="0" smtClean="0"/>
+              <a:t>()] for j in ["a"]]</a:t>
+            </a:r>
+          </a:p>
+          <a:p>
+            <a:pPr marL="0" indent="0">
+              <a:buNone/>
+            </a:pPr>
+            <a:r>
+              <a:rPr lang="ja-JP" altLang="en-US" dirty="0" smtClean="0"/>
+              <a:t>　この時のリストの中身は</a:t>
+            </a:r>
+            <a:r>
+              <a:rPr lang="en-US" altLang="ja-JP" dirty="0" smtClean="0"/>
+              <a:t>{“a”:1}</a:t>
+            </a:r>
+            <a:r>
+              <a:rPr lang="ja-JP" altLang="en-US" dirty="0" err="1" smtClean="0"/>
+              <a:t>、</a:t>
+            </a:r>
+            <a:r>
+              <a:rPr lang="ja-JP" altLang="en-US" dirty="0" smtClean="0"/>
+              <a:t>つまり</a:t>
+            </a:r>
+            <a:r>
+              <a:rPr lang="en-US" altLang="ja-JP" dirty="0" smtClean="0"/>
+              <a:t>a</a:t>
+            </a:r>
+            <a:r>
+              <a:rPr lang="ja-JP" altLang="en-US" dirty="0" smtClean="0"/>
+              <a:t>と</a:t>
+            </a:r>
+            <a:r>
+              <a:rPr lang="en-US" altLang="ja-JP" dirty="0" smtClean="0"/>
+              <a:t>1</a:t>
+            </a:r>
+            <a:r>
+              <a:rPr lang="ja-JP" altLang="en-US" dirty="0" smtClean="0"/>
+              <a:t>が対応</a:t>
+            </a:r>
+            <a:endParaRPr lang="en-US" altLang="ja-JP" dirty="0" smtClean="0"/>
+          </a:p>
+          <a:p>
+            <a:pPr marL="0" indent="0">
+              <a:buNone/>
+            </a:pPr>
+            <a:r>
+              <a:rPr lang="en-US" altLang="ja-JP" dirty="0"/>
+              <a:t>	</a:t>
+            </a:r>
+            <a:r>
+              <a:rPr lang="ja-JP" altLang="en-US" dirty="0" smtClean="0"/>
+              <a:t>→変数の代わりにつかえる</a:t>
+            </a:r>
+            <a:endParaRPr lang="en-US" altLang="ja-JP" dirty="0" smtClean="0"/>
+          </a:p>
+          <a:p>
+            <a:endParaRPr kumimoji="1" lang="en-US" altLang="ja-JP" dirty="0" smtClean="0"/>
+          </a:p>
+          <a:p>
+            <a:pPr marL="0" indent="0">
+              <a:buNone/>
+            </a:pPr>
+            <a:r>
+              <a:rPr lang="ja-JP" altLang="en-US" dirty="0"/>
+              <a:t>　</a:t>
+            </a:r>
+            <a:r>
+              <a:rPr lang="en-US" altLang="ja-JP" dirty="0" smtClean="0"/>
+              <a:t>update</a:t>
+            </a:r>
+            <a:r>
+              <a:rPr lang="ja-JP" altLang="en-US" dirty="0" smtClean="0"/>
+              <a:t>は同じキーを更新するからより好都合</a:t>
             </a:r>
             <a:endParaRPr kumimoji="1" lang="ja-JP" altLang="en-US" dirty="0"/>
           </a:p>
@@ -7714,7 +8539,422 @@
   <p:timing>
     <p:tnLst>
       <p:par>
-        <p:cTn id="1" dur="indefinite" restart="never" nodeType="tmRoot"/>
+        <p:cTn id="1" dur="indefinite" restart="never" nodeType="tmRoot">
+          <p:childTnLst>
+            <p:seq concurrent="1" nextAc="seek">
+              <p:cTn id="2" dur="indefinite" nodeType="mainSeq">
+                <p:childTnLst>
+                  <p:par>
+                    <p:cTn id="3" fill="hold">
+                      <p:stCondLst>
+                        <p:cond delay="indefinite"/>
+                      </p:stCondLst>
+                      <p:childTnLst>
+                        <p:par>
+                          <p:cTn id="4" fill="hold">
+                            <p:stCondLst>
+                              <p:cond delay="0"/>
+                            </p:stCondLst>
+                            <p:childTnLst>
+                              <p:par>
+                                <p:cTn id="5" presetID="1" presetClass="entr" presetSubtype="0" fill="hold" nodeType="clickEffect">
+                                  <p:stCondLst>
+                                    <p:cond delay="0"/>
+                                  </p:stCondLst>
+                                  <p:childTnLst>
+                                    <p:set>
+                                      <p:cBhvr>
+                                        <p:cTn id="6" dur="1" fill="hold">
+                                          <p:stCondLst>
+                                            <p:cond delay="0"/>
+                                          </p:stCondLst>
+                                        </p:cTn>
+                                        <p:tgtEl>
+                                          <p:spTgt spid="3">
+                                            <p:txEl>
+                                              <p:pRg st="0" end="0"/>
+                                            </p:txEl>
+                                          </p:spTgt>
+                                        </p:tgtEl>
+                                        <p:attrNameLst>
+                                          <p:attrName>style.visibility</p:attrName>
+                                        </p:attrNameLst>
+                                      </p:cBhvr>
+                                      <p:to>
+                                        <p:strVal val="visible"/>
+                                      </p:to>
+                                    </p:set>
+                                  </p:childTnLst>
+                                </p:cTn>
+                              </p:par>
+                            </p:childTnLst>
+                          </p:cTn>
+                        </p:par>
+                      </p:childTnLst>
+                    </p:cTn>
+                  </p:par>
+                  <p:par>
+                    <p:cTn id="7" fill="hold">
+                      <p:stCondLst>
+                        <p:cond delay="indefinite"/>
+                      </p:stCondLst>
+                      <p:childTnLst>
+                        <p:par>
+                          <p:cTn id="8" fill="hold">
+                            <p:stCondLst>
+                              <p:cond delay="0"/>
+                            </p:stCondLst>
+                            <p:childTnLst>
+                              <p:par>
+                                <p:cTn id="9" presetID="1" presetClass="entr" presetSubtype="0" fill="hold" nodeType="clickEffect">
+                                  <p:stCondLst>
+                                    <p:cond delay="0"/>
+                                  </p:stCondLst>
+                                  <p:childTnLst>
+                                    <p:set>
+                                      <p:cBhvr>
+                                        <p:cTn id="10" dur="1" fill="hold">
+                                          <p:stCondLst>
+                                            <p:cond delay="0"/>
+                                          </p:stCondLst>
+                                        </p:cTn>
+                                        <p:tgtEl>
+                                          <p:spTgt spid="3">
+                                            <p:txEl>
+                                              <p:pRg st="1" end="1"/>
+                                            </p:txEl>
+                                          </p:spTgt>
+                                        </p:tgtEl>
+                                        <p:attrNameLst>
+                                          <p:attrName>style.visibility</p:attrName>
+                                        </p:attrNameLst>
+                                      </p:cBhvr>
+                                      <p:to>
+                                        <p:strVal val="visible"/>
+                                      </p:to>
+                                    </p:set>
+                                  </p:childTnLst>
+                                </p:cTn>
+                              </p:par>
+                            </p:childTnLst>
+                          </p:cTn>
+                        </p:par>
+                      </p:childTnLst>
+                    </p:cTn>
+                  </p:par>
+                  <p:par>
+                    <p:cTn id="11" fill="hold">
+                      <p:stCondLst>
+                        <p:cond delay="indefinite"/>
+                      </p:stCondLst>
+                      <p:childTnLst>
+                        <p:par>
+                          <p:cTn id="12" fill="hold">
+                            <p:stCondLst>
+                              <p:cond delay="0"/>
+                            </p:stCondLst>
+                            <p:childTnLst>
+                              <p:par>
+                                <p:cTn id="13" presetID="1" presetClass="entr" presetSubtype="0" fill="hold" nodeType="clickEffect">
+                                  <p:stCondLst>
+                                    <p:cond delay="0"/>
+                                  </p:stCondLst>
+                                  <p:childTnLst>
+                                    <p:set>
+                                      <p:cBhvr>
+                                        <p:cTn id="14" dur="1" fill="hold">
+                                          <p:stCondLst>
+                                            <p:cond delay="0"/>
+                                          </p:stCondLst>
+                                        </p:cTn>
+                                        <p:tgtEl>
+                                          <p:spTgt spid="3">
+                                            <p:txEl>
+                                              <p:pRg st="2" end="2"/>
+                                            </p:txEl>
+                                          </p:spTgt>
+                                        </p:tgtEl>
+                                        <p:attrNameLst>
+                                          <p:attrName>style.visibility</p:attrName>
+                                        </p:attrNameLst>
+                                      </p:cBhvr>
+                                      <p:to>
+                                        <p:strVal val="visible"/>
+                                      </p:to>
+                                    </p:set>
+                                  </p:childTnLst>
+                                </p:cTn>
+                              </p:par>
+                            </p:childTnLst>
+                          </p:cTn>
+                        </p:par>
+                      </p:childTnLst>
+                    </p:cTn>
+                  </p:par>
+                  <p:par>
+                    <p:cTn id="15" fill="hold">
+                      <p:stCondLst>
+                        <p:cond delay="indefinite"/>
+                      </p:stCondLst>
+                      <p:childTnLst>
+                        <p:par>
+                          <p:cTn id="16" fill="hold">
+                            <p:stCondLst>
+                              <p:cond delay="0"/>
+                            </p:stCondLst>
+                            <p:childTnLst>
+                              <p:par>
+                                <p:cTn id="17" presetID="1" presetClass="entr" presetSubtype="0" fill="hold" nodeType="clickEffect">
+                                  <p:stCondLst>
+                                    <p:cond delay="0"/>
+                                  </p:stCondLst>
+                                  <p:childTnLst>
+                                    <p:set>
+                                      <p:cBhvr>
+                                        <p:cTn id="18" dur="1" fill="hold">
+                                          <p:stCondLst>
+                                            <p:cond delay="0"/>
+                                          </p:stCondLst>
+                                        </p:cTn>
+                                        <p:tgtEl>
+                                          <p:spTgt spid="3">
+                                            <p:txEl>
+                                              <p:pRg st="4" end="4"/>
+                                            </p:txEl>
+                                          </p:spTgt>
+                                        </p:tgtEl>
+                                        <p:attrNameLst>
+                                          <p:attrName>style.visibility</p:attrName>
+                                        </p:attrNameLst>
+                                      </p:cBhvr>
+                                      <p:to>
+                                        <p:strVal val="visible"/>
+                                      </p:to>
+                                    </p:set>
+                                  </p:childTnLst>
+                                </p:cTn>
+                              </p:par>
+                            </p:childTnLst>
+                          </p:cTn>
+                        </p:par>
+                      </p:childTnLst>
+                    </p:cTn>
+                  </p:par>
+                  <p:par>
+                    <p:cTn id="19" fill="hold">
+                      <p:stCondLst>
+                        <p:cond delay="indefinite"/>
+                      </p:stCondLst>
+                      <p:childTnLst>
+                        <p:par>
+                          <p:cTn id="20" fill="hold">
+                            <p:stCondLst>
+                              <p:cond delay="0"/>
+                            </p:stCondLst>
+                            <p:childTnLst>
+                              <p:par>
+                                <p:cTn id="21" presetID="1" presetClass="entr" presetSubtype="0" fill="hold" nodeType="clickEffect">
+                                  <p:stCondLst>
+                                    <p:cond delay="0"/>
+                                  </p:stCondLst>
+                                  <p:childTnLst>
+                                    <p:set>
+                                      <p:cBhvr>
+                                        <p:cTn id="22" dur="1" fill="hold">
+                                          <p:stCondLst>
+                                            <p:cond delay="0"/>
+                                          </p:stCondLst>
+                                        </p:cTn>
+                                        <p:tgtEl>
+                                          <p:spTgt spid="3">
+                                            <p:txEl>
+                                              <p:pRg st="5" end="5"/>
+                                            </p:txEl>
+                                          </p:spTgt>
+                                        </p:tgtEl>
+                                        <p:attrNameLst>
+                                          <p:attrName>style.visibility</p:attrName>
+                                        </p:attrNameLst>
+                                      </p:cBhvr>
+                                      <p:to>
+                                        <p:strVal val="visible"/>
+                                      </p:to>
+                                    </p:set>
+                                  </p:childTnLst>
+                                </p:cTn>
+                              </p:par>
+                            </p:childTnLst>
+                          </p:cTn>
+                        </p:par>
+                      </p:childTnLst>
+                    </p:cTn>
+                  </p:par>
+                  <p:par>
+                    <p:cTn id="23" fill="hold">
+                      <p:stCondLst>
+                        <p:cond delay="indefinite"/>
+                      </p:stCondLst>
+                      <p:childTnLst>
+                        <p:par>
+                          <p:cTn id="24" fill="hold">
+                            <p:stCondLst>
+                              <p:cond delay="0"/>
+                            </p:stCondLst>
+                            <p:childTnLst>
+                              <p:par>
+                                <p:cTn id="25" presetID="1" presetClass="entr" presetSubtype="0" fill="hold" nodeType="clickEffect">
+                                  <p:stCondLst>
+                                    <p:cond delay="0"/>
+                                  </p:stCondLst>
+                                  <p:childTnLst>
+                                    <p:set>
+                                      <p:cBhvr>
+                                        <p:cTn id="26" dur="1" fill="hold">
+                                          <p:stCondLst>
+                                            <p:cond delay="0"/>
+                                          </p:stCondLst>
+                                        </p:cTn>
+                                        <p:tgtEl>
+                                          <p:spTgt spid="3">
+                                            <p:txEl>
+                                              <p:pRg st="6" end="6"/>
+                                            </p:txEl>
+                                          </p:spTgt>
+                                        </p:tgtEl>
+                                        <p:attrNameLst>
+                                          <p:attrName>style.visibility</p:attrName>
+                                        </p:attrNameLst>
+                                      </p:cBhvr>
+                                      <p:to>
+                                        <p:strVal val="visible"/>
+                                      </p:to>
+                                    </p:set>
+                                  </p:childTnLst>
+                                </p:cTn>
+                              </p:par>
+                            </p:childTnLst>
+                          </p:cTn>
+                        </p:par>
+                      </p:childTnLst>
+                    </p:cTn>
+                  </p:par>
+                  <p:par>
+                    <p:cTn id="27" fill="hold">
+                      <p:stCondLst>
+                        <p:cond delay="indefinite"/>
+                      </p:stCondLst>
+                      <p:childTnLst>
+                        <p:par>
+                          <p:cTn id="28" fill="hold">
+                            <p:stCondLst>
+                              <p:cond delay="0"/>
+                            </p:stCondLst>
+                            <p:childTnLst>
+                              <p:par>
+                                <p:cTn id="29" presetID="1" presetClass="entr" presetSubtype="0" fill="hold" nodeType="clickEffect">
+                                  <p:stCondLst>
+                                    <p:cond delay="0"/>
+                                  </p:stCondLst>
+                                  <p:childTnLst>
+                                    <p:set>
+                                      <p:cBhvr>
+                                        <p:cTn id="30" dur="1" fill="hold">
+                                          <p:stCondLst>
+                                            <p:cond delay="0"/>
+                                          </p:stCondLst>
+                                        </p:cTn>
+                                        <p:tgtEl>
+                                          <p:spTgt spid="3">
+                                            <p:txEl>
+                                              <p:pRg st="7" end="7"/>
+                                            </p:txEl>
+                                          </p:spTgt>
+                                        </p:tgtEl>
+                                        <p:attrNameLst>
+                                          <p:attrName>style.visibility</p:attrName>
+                                        </p:attrNameLst>
+                                      </p:cBhvr>
+                                      <p:to>
+                                        <p:strVal val="visible"/>
+                                      </p:to>
+                                    </p:set>
+                                  </p:childTnLst>
+                                </p:cTn>
+                              </p:par>
+                            </p:childTnLst>
+                          </p:cTn>
+                        </p:par>
+                      </p:childTnLst>
+                    </p:cTn>
+                  </p:par>
+                  <p:par>
+                    <p:cTn id="31" fill="hold">
+                      <p:stCondLst>
+                        <p:cond delay="indefinite"/>
+                      </p:stCondLst>
+                      <p:childTnLst>
+                        <p:par>
+                          <p:cTn id="32" fill="hold">
+                            <p:stCondLst>
+                              <p:cond delay="0"/>
+                            </p:stCondLst>
+                            <p:childTnLst>
+                              <p:par>
+                                <p:cTn id="33" presetID="1" presetClass="entr" presetSubtype="0" fill="hold" nodeType="clickEffect">
+                                  <p:stCondLst>
+                                    <p:cond delay="0"/>
+                                  </p:stCondLst>
+                                  <p:childTnLst>
+                                    <p:set>
+                                      <p:cBhvr>
+                                        <p:cTn id="34" dur="1" fill="hold">
+                                          <p:stCondLst>
+                                            <p:cond delay="0"/>
+                                          </p:stCondLst>
+                                        </p:cTn>
+                                        <p:tgtEl>
+                                          <p:spTgt spid="3">
+                                            <p:txEl>
+                                              <p:pRg st="9" end="9"/>
+                                            </p:txEl>
+                                          </p:spTgt>
+                                        </p:tgtEl>
+                                        <p:attrNameLst>
+                                          <p:attrName>style.visibility</p:attrName>
+                                        </p:attrNameLst>
+                                      </p:cBhvr>
+                                      <p:to>
+                                        <p:strVal val="visible"/>
+                                      </p:to>
+                                    </p:set>
+                                  </p:childTnLst>
+                                </p:cTn>
+                              </p:par>
+                            </p:childTnLst>
+                          </p:cTn>
+                        </p:par>
+                      </p:childTnLst>
+                    </p:cTn>
+                  </p:par>
+                </p:childTnLst>
+              </p:cTn>
+              <p:prevCondLst>
+                <p:cond evt="onPrev" delay="0">
+                  <p:tgtEl>
+                    <p:sldTgt/>
+                  </p:tgtEl>
+                </p:cond>
+              </p:prevCondLst>
+              <p:nextCondLst>
+                <p:cond evt="onNext" delay="0">
+                  <p:tgtEl>
+                    <p:sldTgt/>
+                  </p:tgtEl>
+                </p:cond>
+              </p:nextCondLst>
+            </p:seq>
+          </p:childTnLst>
+        </p:cTn>
       </p:par>
     </p:tnLst>
   </p:timing>
@@ -7740,42 +8980,6 @@
       </p:grpSpPr>
       <p:sp>
         <p:nvSpPr>
-          <p:cNvPr id="6" name="テキスト プレースホルダー 5"/>
-          <p:cNvSpPr>
-            <a:spLocks noGrp="1"/>
-          </p:cNvSpPr>
-          <p:nvPr>
-            <p:ph type="body"/>
-          </p:nvPr>
-        </p:nvSpPr>
-        <p:spPr/>
-        <p:txBody>
-          <a:bodyPr/>
-          <a:lstStyle/>
-          <a:p>
-            <a:pPr marL="0" indent="0">
-              <a:buNone/>
-            </a:pPr>
-            <a:r>
-              <a:rPr lang="ja-JP" altLang="en-US" dirty="0"/>
-              <a:t>みんな大好き</a:t>
-            </a:r>
-            <a:r>
-              <a:rPr lang="en-US" altLang="ja-JP" dirty="0" err="1"/>
-              <a:t>fizzbuzz</a:t>
-            </a:r>
-            <a:endParaRPr lang="ja-JP" altLang="en-US" dirty="0"/>
-          </a:p>
-          <a:p>
-            <a:pPr marL="0" indent="0">
-              <a:buNone/>
-            </a:pPr>
-            <a:endParaRPr kumimoji="1" lang="ja-JP" altLang="en-US" dirty="0"/>
-          </a:p>
-        </p:txBody>
-      </p:sp>
-      <p:sp>
-        <p:nvSpPr>
           <p:cNvPr id="2" name="タイトル 1"/>
           <p:cNvSpPr>
             <a:spLocks noGrp="1"/>
@@ -7792,6 +8996,33 @@
             <a:r>
               <a:rPr kumimoji="1" lang="ja-JP" altLang="en-US" dirty="0" smtClean="0"/>
               <a:t>例２</a:t>
+            </a:r>
+            <a:endParaRPr kumimoji="1" lang="ja-JP" altLang="en-US" dirty="0"/>
+          </a:p>
+        </p:txBody>
+      </p:sp>
+      <p:sp>
+        <p:nvSpPr>
+          <p:cNvPr id="3" name="テキスト プレースホルダー 2"/>
+          <p:cNvSpPr>
+            <a:spLocks noGrp="1"/>
+          </p:cNvSpPr>
+          <p:nvPr>
+            <p:ph type="body"/>
+          </p:nvPr>
+        </p:nvSpPr>
+        <p:spPr/>
+        <p:txBody>
+          <a:bodyPr/>
+          <a:lstStyle/>
+          <a:p>
+            <a:r>
+              <a:rPr kumimoji="1" lang="ja-JP" altLang="en-US" dirty="0" smtClean="0"/>
+              <a:t>みんな大好き</a:t>
+            </a:r>
+            <a:r>
+              <a:rPr kumimoji="1" lang="en-US" altLang="ja-JP" dirty="0" err="1" smtClean="0"/>
+              <a:t>fizzbuzz</a:t>
             </a:r>
             <a:endParaRPr kumimoji="1" lang="ja-JP" altLang="en-US" dirty="0"/>
           </a:p>
@@ -7836,197 +9067,7 @@
       </p:grpSpPr>
       <p:sp>
         <p:nvSpPr>
-          <p:cNvPr id="5" name="テキスト プレースホルダー 4"/>
-          <p:cNvSpPr>
-            <a:spLocks noGrp="1"/>
-          </p:cNvSpPr>
-          <p:nvPr>
-            <p:ph type="body"/>
-          </p:nvPr>
-        </p:nvSpPr>
-        <p:spPr/>
-        <p:txBody>
-          <a:bodyPr>
-            <a:normAutofit fontScale="92500" lnSpcReduction="10000"/>
-          </a:bodyPr>
-          <a:lstStyle/>
-          <a:p>
-            <a:pPr marL="0" indent="0">
-              <a:buNone/>
-            </a:pPr>
-            <a:r>
-              <a:rPr lang="en-US" altLang="ja-JP" dirty="0" err="1"/>
-              <a:t>def</a:t>
-            </a:r>
-            <a:r>
-              <a:rPr lang="en-US" altLang="ja-JP" dirty="0"/>
-              <a:t> </a:t>
-            </a:r>
-            <a:r>
-              <a:rPr lang="en-US" altLang="ja-JP" dirty="0" err="1"/>
-              <a:t>fizzbuzz</a:t>
-            </a:r>
-            <a:r>
-              <a:rPr lang="en-US" altLang="ja-JP" dirty="0"/>
-              <a:t>(end):</a:t>
-            </a:r>
-          </a:p>
-          <a:p>
-            <a:pPr marL="0" indent="0">
-              <a:buNone/>
-            </a:pPr>
-            <a:r>
-              <a:rPr lang="en-US" altLang="ja-JP" dirty="0"/>
-              <a:t>	for </a:t>
-            </a:r>
-            <a:r>
-              <a:rPr lang="en-US" altLang="ja-JP" dirty="0" err="1"/>
-              <a:t>i</a:t>
-            </a:r>
-            <a:r>
-              <a:rPr lang="en-US" altLang="ja-JP" dirty="0"/>
-              <a:t> in range(1,end+1):</a:t>
-            </a:r>
-          </a:p>
-          <a:p>
-            <a:pPr marL="0" indent="0">
-              <a:buNone/>
-            </a:pPr>
-            <a:r>
-              <a:rPr lang="en-US" altLang="ja-JP" dirty="0"/>
-              <a:t>		if not </a:t>
-            </a:r>
-            <a:r>
-              <a:rPr lang="en-US" altLang="ja-JP" dirty="0" err="1"/>
-              <a:t>i</a:t>
-            </a:r>
-            <a:r>
-              <a:rPr lang="en-US" altLang="ja-JP" dirty="0"/>
-              <a:t> % 15:</a:t>
-            </a:r>
-          </a:p>
-          <a:p>
-            <a:pPr marL="0" indent="0">
-              <a:buNone/>
-            </a:pPr>
-            <a:r>
-              <a:rPr lang="en-US" altLang="ja-JP" dirty="0"/>
-              <a:t>			print(“</a:t>
-            </a:r>
-            <a:r>
-              <a:rPr lang="en-US" altLang="ja-JP" dirty="0" err="1"/>
-              <a:t>fizzbuzz</a:t>
-            </a:r>
-            <a:r>
-              <a:rPr lang="en-US" altLang="ja-JP" dirty="0"/>
-              <a:t>”)</a:t>
-            </a:r>
-          </a:p>
-          <a:p>
-            <a:pPr marL="0" indent="0">
-              <a:buNone/>
-            </a:pPr>
-            <a:r>
-              <a:rPr lang="en-US" altLang="ja-JP" dirty="0"/>
-              <a:t>		</a:t>
-            </a:r>
-            <a:r>
-              <a:rPr lang="en-US" altLang="ja-JP" dirty="0" err="1"/>
-              <a:t>elif</a:t>
-            </a:r>
-            <a:r>
-              <a:rPr lang="en-US" altLang="ja-JP" dirty="0"/>
-              <a:t> not </a:t>
-            </a:r>
-            <a:r>
-              <a:rPr lang="en-US" altLang="ja-JP" dirty="0" err="1"/>
-              <a:t>i</a:t>
-            </a:r>
-            <a:r>
-              <a:rPr lang="en-US" altLang="ja-JP" dirty="0"/>
-              <a:t> % 3:</a:t>
-            </a:r>
-          </a:p>
-          <a:p>
-            <a:pPr marL="0" indent="0">
-              <a:buNone/>
-            </a:pPr>
-            <a:r>
-              <a:rPr lang="en-US" altLang="ja-JP" dirty="0"/>
-              <a:t>			print(“fizz”)</a:t>
-            </a:r>
-          </a:p>
-          <a:p>
-            <a:pPr marL="0" indent="0">
-              <a:buNone/>
-            </a:pPr>
-            <a:r>
-              <a:rPr lang="en-US" altLang="ja-JP" dirty="0"/>
-              <a:t>		</a:t>
-            </a:r>
-            <a:r>
-              <a:rPr lang="en-US" altLang="ja-JP" dirty="0" err="1"/>
-              <a:t>elif</a:t>
-            </a:r>
-            <a:r>
-              <a:rPr lang="en-US" altLang="ja-JP" dirty="0"/>
-              <a:t> not </a:t>
-            </a:r>
-            <a:r>
-              <a:rPr lang="en-US" altLang="ja-JP" dirty="0" err="1"/>
-              <a:t>i</a:t>
-            </a:r>
-            <a:r>
-              <a:rPr lang="en-US" altLang="ja-JP" dirty="0"/>
-              <a:t> % 5:</a:t>
-            </a:r>
-          </a:p>
-          <a:p>
-            <a:pPr marL="0" indent="0">
-              <a:buNone/>
-            </a:pPr>
-            <a:r>
-              <a:rPr lang="en-US" altLang="ja-JP" dirty="0"/>
-              <a:t>			print(“buzz”)</a:t>
-            </a:r>
-          </a:p>
-          <a:p>
-            <a:pPr marL="0" indent="0">
-              <a:buNone/>
-            </a:pPr>
-            <a:r>
-              <a:rPr lang="en-US" altLang="ja-JP" dirty="0"/>
-              <a:t>		else:</a:t>
-            </a:r>
-          </a:p>
-          <a:p>
-            <a:pPr marL="0" indent="0">
-              <a:buNone/>
-            </a:pPr>
-            <a:r>
-              <a:rPr lang="en-US" altLang="ja-JP" dirty="0"/>
-              <a:t>			print(</a:t>
-            </a:r>
-            <a:r>
-              <a:rPr lang="en-US" altLang="ja-JP" dirty="0" err="1"/>
-              <a:t>i</a:t>
-            </a:r>
-            <a:r>
-              <a:rPr lang="en-US" altLang="ja-JP" dirty="0"/>
-              <a:t>)</a:t>
-            </a:r>
-          </a:p>
-          <a:p>
-            <a:pPr marL="0" indent="0">
-              <a:buNone/>
-            </a:pPr>
-            <a:endParaRPr kumimoji="1" lang="ja-JP" altLang="en-US" dirty="0"/>
-          </a:p>
-        </p:txBody>
-      </p:sp>
-      <p:sp>
-        <p:nvSpPr>
-          <p:cNvPr id="4" name="タイトル 3"/>
+          <p:cNvPr id="2" name="タイトル 1"/>
           <p:cNvSpPr>
             <a:spLocks noGrp="1"/>
           </p:cNvSpPr>
@@ -8040,6 +9081,225 @@
           <a:lstStyle/>
           <a:p>
             <a:endParaRPr kumimoji="1" lang="ja-JP" altLang="en-US"/>
+          </a:p>
+        </p:txBody>
+      </p:sp>
+      <p:sp>
+        <p:nvSpPr>
+          <p:cNvPr id="3" name="テキスト プレースホルダー 2"/>
+          <p:cNvSpPr>
+            <a:spLocks noGrp="1"/>
+          </p:cNvSpPr>
+          <p:nvPr>
+            <p:ph type="body"/>
+          </p:nvPr>
+        </p:nvSpPr>
+        <p:spPr>
+          <a:xfrm>
+            <a:off x="503640" y="1799999"/>
+            <a:ext cx="9070920" cy="5410269"/>
+          </a:xfrm>
+        </p:spPr>
+        <p:txBody>
+          <a:bodyPr>
+            <a:normAutofit lnSpcReduction="10000"/>
+          </a:bodyPr>
+          <a:lstStyle/>
+          <a:p>
+            <a:pPr marL="0" indent="0">
+              <a:buNone/>
+            </a:pPr>
+            <a:r>
+              <a:rPr lang="en-US" altLang="ja-JP" dirty="0" err="1" smtClean="0"/>
+              <a:t>def</a:t>
+            </a:r>
+            <a:r>
+              <a:rPr lang="en-US" altLang="ja-JP" dirty="0" smtClean="0"/>
+              <a:t> </a:t>
+            </a:r>
+            <a:r>
+              <a:rPr lang="en-US" altLang="ja-JP" dirty="0" err="1" smtClean="0"/>
+              <a:t>fizzbuzz</a:t>
+            </a:r>
+            <a:r>
+              <a:rPr lang="en-US" altLang="ja-JP" dirty="0" smtClean="0"/>
+              <a:t>(end):</a:t>
+            </a:r>
+          </a:p>
+          <a:p>
+            <a:pPr marL="0" indent="0">
+              <a:buNone/>
+            </a:pPr>
+            <a:r>
+              <a:rPr kumimoji="1" lang="en-US" altLang="ja-JP" dirty="0"/>
+              <a:t>	</a:t>
+            </a:r>
+            <a:r>
+              <a:rPr kumimoji="1" lang="en-US" altLang="ja-JP" dirty="0" smtClean="0"/>
+              <a:t>for </a:t>
+            </a:r>
+            <a:r>
+              <a:rPr kumimoji="1" lang="en-US" altLang="ja-JP" dirty="0" err="1" smtClean="0"/>
+              <a:t>i</a:t>
+            </a:r>
+            <a:r>
+              <a:rPr kumimoji="1" lang="en-US" altLang="ja-JP" dirty="0" smtClean="0"/>
+              <a:t> in range(1,end+1):</a:t>
+            </a:r>
+          </a:p>
+          <a:p>
+            <a:pPr marL="0" indent="0">
+              <a:buNone/>
+            </a:pPr>
+            <a:r>
+              <a:rPr lang="en-US" altLang="ja-JP" dirty="0" smtClean="0"/>
+              <a:t>		if not </a:t>
+            </a:r>
+            <a:r>
+              <a:rPr lang="en-US" altLang="ja-JP" dirty="0" err="1" smtClean="0"/>
+              <a:t>i</a:t>
+            </a:r>
+            <a:r>
+              <a:rPr lang="en-US" altLang="ja-JP" dirty="0" smtClean="0"/>
+              <a:t> % 15:</a:t>
+            </a:r>
+          </a:p>
+          <a:p>
+            <a:pPr marL="0" indent="0">
+              <a:buNone/>
+            </a:pPr>
+            <a:r>
+              <a:rPr kumimoji="1" lang="en-US" altLang="ja-JP" dirty="0" smtClean="0"/>
+              <a:t>			print(“</a:t>
+            </a:r>
+            <a:r>
+              <a:rPr kumimoji="1" lang="en-US" altLang="ja-JP" dirty="0" err="1" smtClean="0"/>
+              <a:t>fizzbuzz</a:t>
+            </a:r>
+            <a:r>
+              <a:rPr kumimoji="1" lang="en-US" altLang="ja-JP" dirty="0" smtClean="0"/>
+              <a:t>”)</a:t>
+            </a:r>
+          </a:p>
+          <a:p>
+            <a:pPr marL="0" indent="0">
+              <a:buNone/>
+            </a:pPr>
+            <a:r>
+              <a:rPr lang="en-US" altLang="ja-JP" dirty="0"/>
+              <a:t>	</a:t>
+            </a:r>
+            <a:r>
+              <a:rPr lang="en-US" altLang="ja-JP" dirty="0" smtClean="0"/>
+              <a:t>	</a:t>
+            </a:r>
+            <a:r>
+              <a:rPr lang="en-US" altLang="ja-JP" dirty="0" err="1" smtClean="0"/>
+              <a:t>elif</a:t>
+            </a:r>
+            <a:r>
+              <a:rPr lang="en-US" altLang="ja-JP" dirty="0" smtClean="0"/>
+              <a:t> not </a:t>
+            </a:r>
+            <a:r>
+              <a:rPr lang="en-US" altLang="ja-JP" dirty="0" err="1" smtClean="0"/>
+              <a:t>i</a:t>
+            </a:r>
+            <a:r>
+              <a:rPr lang="en-US" altLang="ja-JP" dirty="0" smtClean="0"/>
+              <a:t> % 3:</a:t>
+            </a:r>
+          </a:p>
+          <a:p>
+            <a:pPr marL="0" indent="0">
+              <a:buNone/>
+            </a:pPr>
+            <a:r>
+              <a:rPr kumimoji="1" lang="en-US" altLang="ja-JP" dirty="0"/>
+              <a:t>	</a:t>
+            </a:r>
+            <a:r>
+              <a:rPr kumimoji="1" lang="en-US" altLang="ja-JP" dirty="0" smtClean="0"/>
+              <a:t>		print(“fizz”)</a:t>
+            </a:r>
+          </a:p>
+          <a:p>
+            <a:pPr marL="0" indent="0">
+              <a:buNone/>
+            </a:pPr>
+            <a:r>
+              <a:rPr lang="en-US" altLang="ja-JP" dirty="0"/>
+              <a:t>	</a:t>
+            </a:r>
+            <a:r>
+              <a:rPr lang="en-US" altLang="ja-JP" dirty="0" smtClean="0"/>
+              <a:t>	</a:t>
+            </a:r>
+            <a:r>
+              <a:rPr lang="en-US" altLang="ja-JP" dirty="0" err="1" smtClean="0"/>
+              <a:t>elif</a:t>
+            </a:r>
+            <a:r>
+              <a:rPr lang="en-US" altLang="ja-JP" dirty="0" smtClean="0"/>
+              <a:t> not </a:t>
+            </a:r>
+            <a:r>
+              <a:rPr lang="en-US" altLang="ja-JP" dirty="0" err="1" smtClean="0"/>
+              <a:t>i</a:t>
+            </a:r>
+            <a:r>
+              <a:rPr lang="en-US" altLang="ja-JP" dirty="0" smtClean="0"/>
+              <a:t> % 5:</a:t>
+            </a:r>
+          </a:p>
+          <a:p>
+            <a:pPr marL="0" indent="0">
+              <a:buNone/>
+            </a:pPr>
+            <a:r>
+              <a:rPr kumimoji="1" lang="en-US" altLang="ja-JP" dirty="0"/>
+              <a:t>	</a:t>
+            </a:r>
+            <a:r>
+              <a:rPr kumimoji="1" lang="en-US" altLang="ja-JP" dirty="0" smtClean="0"/>
+              <a:t>		print(“buzz”)</a:t>
+            </a:r>
+            <a:endParaRPr lang="en-US" altLang="ja-JP" dirty="0" smtClean="0"/>
+          </a:p>
+          <a:p>
+            <a:pPr marL="0" indent="0">
+              <a:buNone/>
+            </a:pPr>
+            <a:r>
+              <a:rPr kumimoji="1" lang="en-US" altLang="ja-JP" dirty="0"/>
+              <a:t>	</a:t>
+            </a:r>
+            <a:r>
+              <a:rPr kumimoji="1" lang="en-US" altLang="ja-JP" dirty="0" smtClean="0"/>
+              <a:t>	else:</a:t>
+            </a:r>
+          </a:p>
+          <a:p>
+            <a:pPr marL="0" indent="0">
+              <a:buNone/>
+            </a:pPr>
+            <a:r>
+              <a:rPr lang="en-US" altLang="ja-JP" dirty="0"/>
+              <a:t>	</a:t>
+            </a:r>
+            <a:r>
+              <a:rPr lang="en-US" altLang="ja-JP" dirty="0" smtClean="0"/>
+              <a:t>		print(</a:t>
+            </a:r>
+            <a:r>
+              <a:rPr lang="en-US" altLang="ja-JP" dirty="0" err="1" smtClean="0"/>
+              <a:t>i</a:t>
+            </a:r>
+            <a:r>
+              <a:rPr lang="en-US" altLang="ja-JP" dirty="0" smtClean="0"/>
+              <a:t>)</a:t>
+            </a:r>
+            <a:endParaRPr kumimoji="1" lang="en-US" altLang="ja-JP" dirty="0" smtClean="0"/>
           </a:p>
         </p:txBody>
       </p:sp>
@@ -8082,7 +9342,26 @@
       </p:grpSpPr>
       <p:sp>
         <p:nvSpPr>
-          <p:cNvPr id="5" name="テキスト プレースホルダー 4"/>
+          <p:cNvPr id="2" name="タイトル 1"/>
+          <p:cNvSpPr>
+            <a:spLocks noGrp="1"/>
+          </p:cNvSpPr>
+          <p:nvPr>
+            <p:ph type="title"/>
+          </p:nvPr>
+        </p:nvSpPr>
+        <p:spPr/>
+        <p:txBody>
+          <a:bodyPr/>
+          <a:lstStyle/>
+          <a:p>
+            <a:endParaRPr kumimoji="1" lang="ja-JP" altLang="en-US"/>
+          </a:p>
+        </p:txBody>
+      </p:sp>
+      <p:sp>
+        <p:nvSpPr>
+          <p:cNvPr id="3" name="テキスト プレースホルダー 2"/>
           <p:cNvSpPr>
             <a:spLocks noGrp="1"/>
           </p:cNvSpPr>
@@ -8150,32 +9429,7 @@
               <a:rPr lang="en-US" altLang="ja-JP" dirty="0"/>
               <a:t> in range(1,end+1)]</a:t>
             </a:r>
-            <a:endParaRPr lang="ja-JP" altLang="en-US" dirty="0"/>
-          </a:p>
-          <a:p>
-            <a:pPr marL="0" indent="0">
-              <a:buNone/>
-            </a:pPr>
             <a:endParaRPr kumimoji="1" lang="ja-JP" altLang="en-US" dirty="0"/>
-          </a:p>
-        </p:txBody>
-      </p:sp>
-      <p:sp>
-        <p:nvSpPr>
-          <p:cNvPr id="4" name="タイトル 3"/>
-          <p:cNvSpPr>
-            <a:spLocks noGrp="1"/>
-          </p:cNvSpPr>
-          <p:nvPr>
-            <p:ph type="title"/>
-          </p:nvPr>
-        </p:nvSpPr>
-        <p:spPr/>
-        <p:txBody>
-          <a:bodyPr/>
-          <a:lstStyle/>
-          <a:p>
-            <a:endParaRPr kumimoji="1" lang="ja-JP" altLang="en-US"/>
           </a:p>
         </p:txBody>
       </p:sp>
@@ -8218,167 +9472,7 @@
       </p:grpSpPr>
       <p:sp>
         <p:nvSpPr>
-          <p:cNvPr id="5" name="テキスト プレースホルダー 4"/>
-          <p:cNvSpPr>
-            <a:spLocks noGrp="1"/>
-          </p:cNvSpPr>
-          <p:nvPr>
-            <p:ph type="body"/>
-          </p:nvPr>
-        </p:nvSpPr>
-        <p:spPr/>
-        <p:txBody>
-          <a:bodyPr>
-            <a:normAutofit fontScale="92500" lnSpcReduction="10000"/>
-          </a:bodyPr>
-          <a:lstStyle/>
-          <a:p>
-            <a:pPr marL="0" indent="0">
-              <a:buNone/>
-            </a:pPr>
-            <a:r>
-              <a:rPr lang="en-US" altLang="ja-JP" dirty="0"/>
-              <a:t>[</a:t>
-            </a:r>
-          </a:p>
-          <a:p>
-            <a:pPr marL="0" indent="0">
-              <a:buNone/>
-            </a:pPr>
-            <a:r>
-              <a:rPr lang="en-US" altLang="ja-JP" dirty="0"/>
-              <a:t>	print("</a:t>
-            </a:r>
-            <a:r>
-              <a:rPr lang="en-US" altLang="ja-JP" dirty="0" err="1"/>
-              <a:t>fizzbuzz</a:t>
-            </a:r>
-            <a:r>
-              <a:rPr lang="en-US" altLang="ja-JP" dirty="0"/>
-              <a:t>") if not </a:t>
-            </a:r>
-            <a:r>
-              <a:rPr lang="en-US" altLang="ja-JP" dirty="0" err="1"/>
-              <a:t>i</a:t>
-            </a:r>
-            <a:r>
-              <a:rPr lang="en-US" altLang="ja-JP" dirty="0"/>
-              <a:t> % 15 </a:t>
-            </a:r>
-          </a:p>
-          <a:p>
-            <a:pPr marL="0" indent="0">
-              <a:buNone/>
-            </a:pPr>
-            <a:r>
-              <a:rPr lang="en-US" altLang="ja-JP" dirty="0"/>
-              <a:t>	else </a:t>
-            </a:r>
-          </a:p>
-          <a:p>
-            <a:pPr marL="0" indent="0">
-              <a:buNone/>
-            </a:pPr>
-            <a:r>
-              <a:rPr lang="en-US" altLang="ja-JP" dirty="0"/>
-              <a:t>		print("fizz") if not </a:t>
-            </a:r>
-            <a:r>
-              <a:rPr lang="en-US" altLang="ja-JP" dirty="0" err="1"/>
-              <a:t>i</a:t>
-            </a:r>
-            <a:r>
-              <a:rPr lang="en-US" altLang="ja-JP" dirty="0"/>
-              <a:t> % 3 </a:t>
-            </a:r>
-          </a:p>
-          <a:p>
-            <a:pPr marL="0" indent="0">
-              <a:buNone/>
-            </a:pPr>
-            <a:r>
-              <a:rPr lang="en-US" altLang="ja-JP" dirty="0"/>
-              <a:t>	else </a:t>
-            </a:r>
-          </a:p>
-          <a:p>
-            <a:pPr marL="0" indent="0">
-              <a:buNone/>
-            </a:pPr>
-            <a:r>
-              <a:rPr lang="en-US" altLang="ja-JP" dirty="0"/>
-              <a:t>		print("buzz") if not </a:t>
-            </a:r>
-            <a:r>
-              <a:rPr lang="en-US" altLang="ja-JP" dirty="0" err="1"/>
-              <a:t>i</a:t>
-            </a:r>
-            <a:r>
-              <a:rPr lang="en-US" altLang="ja-JP" dirty="0"/>
-              <a:t> % 5 </a:t>
-            </a:r>
-          </a:p>
-          <a:p>
-            <a:pPr marL="0" indent="0">
-              <a:buNone/>
-            </a:pPr>
-            <a:r>
-              <a:rPr lang="en-US" altLang="ja-JP" dirty="0"/>
-              <a:t>	else </a:t>
-            </a:r>
-          </a:p>
-          <a:p>
-            <a:pPr marL="0" indent="0">
-              <a:buNone/>
-            </a:pPr>
-            <a:r>
-              <a:rPr lang="en-US" altLang="ja-JP" dirty="0"/>
-              <a:t>		print(</a:t>
-            </a:r>
-            <a:r>
-              <a:rPr lang="en-US" altLang="ja-JP" dirty="0" err="1"/>
-              <a:t>i</a:t>
-            </a:r>
-            <a:r>
-              <a:rPr lang="en-US" altLang="ja-JP" dirty="0"/>
-              <a:t>) </a:t>
-            </a:r>
-          </a:p>
-          <a:p>
-            <a:pPr marL="0" indent="0">
-              <a:buNone/>
-            </a:pPr>
-            <a:r>
-              <a:rPr lang="en-US" altLang="ja-JP" dirty="0"/>
-              <a:t>	for </a:t>
-            </a:r>
-            <a:r>
-              <a:rPr lang="en-US" altLang="ja-JP" dirty="0" err="1"/>
-              <a:t>i</a:t>
-            </a:r>
-            <a:r>
-              <a:rPr lang="en-US" altLang="ja-JP" dirty="0"/>
-              <a:t> in range(1,end+1)</a:t>
-            </a:r>
-          </a:p>
-          <a:p>
-            <a:pPr marL="0" indent="0">
-              <a:buNone/>
-            </a:pPr>
-            <a:r>
-              <a:rPr lang="en-US" altLang="ja-JP" dirty="0"/>
-              <a:t>]</a:t>
-            </a:r>
-            <a:endParaRPr lang="ja-JP" altLang="en-US" dirty="0"/>
-          </a:p>
-          <a:p>
-            <a:endParaRPr kumimoji="1" lang="ja-JP" altLang="en-US" dirty="0"/>
-          </a:p>
-        </p:txBody>
-      </p:sp>
-      <p:sp>
-        <p:nvSpPr>
-          <p:cNvPr id="4" name="タイトル 3"/>
+          <p:cNvPr id="2" name="タイトル 1"/>
           <p:cNvSpPr>
             <a:spLocks noGrp="1"/>
           </p:cNvSpPr>
@@ -8392,6 +9486,228 @@
           <a:lstStyle/>
           <a:p>
             <a:endParaRPr kumimoji="1" lang="ja-JP" altLang="en-US"/>
+          </a:p>
+        </p:txBody>
+      </p:sp>
+      <p:sp>
+        <p:nvSpPr>
+          <p:cNvPr id="3" name="テキスト プレースホルダー 2"/>
+          <p:cNvSpPr>
+            <a:spLocks noGrp="1"/>
+          </p:cNvSpPr>
+          <p:nvPr>
+            <p:ph type="body"/>
+          </p:nvPr>
+        </p:nvSpPr>
+        <p:spPr>
+          <a:xfrm>
+            <a:off x="503640" y="1799999"/>
+            <a:ext cx="9070920" cy="5275357"/>
+          </a:xfrm>
+        </p:spPr>
+        <p:txBody>
+          <a:bodyPr>
+            <a:normAutofit fontScale="92500" lnSpcReduction="10000"/>
+          </a:bodyPr>
+          <a:lstStyle/>
+          <a:p>
+            <a:pPr marL="0" indent="0">
+              <a:buNone/>
+            </a:pPr>
+            <a:r>
+              <a:rPr lang="en-US" altLang="ja-JP" dirty="0" smtClean="0"/>
+              <a:t>[</a:t>
+            </a:r>
+          </a:p>
+          <a:p>
+            <a:pPr marL="0" indent="0">
+              <a:buNone/>
+            </a:pPr>
+            <a:r>
+              <a:rPr lang="en-US" altLang="ja-JP" dirty="0"/>
+              <a:t>	</a:t>
+            </a:r>
+            <a:r>
+              <a:rPr lang="en-US" altLang="ja-JP" dirty="0" smtClean="0"/>
+              <a:t>print</a:t>
+            </a:r>
+            <a:r>
+              <a:rPr lang="en-US" altLang="ja-JP" dirty="0"/>
+              <a:t>("</a:t>
+            </a:r>
+            <a:r>
+              <a:rPr lang="en-US" altLang="ja-JP" dirty="0" err="1"/>
+              <a:t>fizzbuzz</a:t>
+            </a:r>
+            <a:r>
+              <a:rPr lang="en-US" altLang="ja-JP" dirty="0"/>
+              <a:t>") </a:t>
+            </a:r>
+            <a:r>
+              <a:rPr lang="en-US" altLang="ja-JP" dirty="0" smtClean="0"/>
+              <a:t>if </a:t>
+            </a:r>
+            <a:r>
+              <a:rPr lang="en-US" altLang="ja-JP" dirty="0"/>
+              <a:t>not </a:t>
+            </a:r>
+            <a:r>
+              <a:rPr lang="en-US" altLang="ja-JP" dirty="0" err="1"/>
+              <a:t>i</a:t>
+            </a:r>
+            <a:r>
+              <a:rPr lang="en-US" altLang="ja-JP" dirty="0"/>
+              <a:t> % 15 </a:t>
+            </a:r>
+            <a:endParaRPr lang="en-US" altLang="ja-JP" dirty="0" smtClean="0"/>
+          </a:p>
+          <a:p>
+            <a:pPr marL="0" indent="0">
+              <a:buNone/>
+            </a:pPr>
+            <a:r>
+              <a:rPr lang="en-US" altLang="ja-JP" dirty="0"/>
+              <a:t>	</a:t>
+            </a:r>
+            <a:r>
+              <a:rPr lang="en-US" altLang="ja-JP" dirty="0" smtClean="0"/>
+              <a:t>else </a:t>
+            </a:r>
+          </a:p>
+          <a:p>
+            <a:pPr marL="0" indent="0">
+              <a:buNone/>
+            </a:pPr>
+            <a:r>
+              <a:rPr lang="en-US" altLang="ja-JP" dirty="0"/>
+              <a:t>	</a:t>
+            </a:r>
+            <a:r>
+              <a:rPr lang="en-US" altLang="ja-JP" dirty="0" smtClean="0"/>
+              <a:t>	print</a:t>
+            </a:r>
+            <a:r>
+              <a:rPr lang="en-US" altLang="ja-JP" dirty="0"/>
+              <a:t>("fizz") if not </a:t>
+            </a:r>
+            <a:r>
+              <a:rPr lang="en-US" altLang="ja-JP" dirty="0" err="1"/>
+              <a:t>i</a:t>
+            </a:r>
+            <a:r>
+              <a:rPr lang="en-US" altLang="ja-JP" dirty="0"/>
+              <a:t> % 3 </a:t>
+            </a:r>
+            <a:endParaRPr lang="en-US" altLang="ja-JP" dirty="0" smtClean="0"/>
+          </a:p>
+          <a:p>
+            <a:pPr marL="0" indent="0">
+              <a:buNone/>
+            </a:pPr>
+            <a:r>
+              <a:rPr lang="en-US" altLang="ja-JP" dirty="0"/>
+              <a:t>	</a:t>
+            </a:r>
+            <a:r>
+              <a:rPr lang="en-US" altLang="ja-JP" dirty="0" smtClean="0"/>
+              <a:t>else </a:t>
+            </a:r>
+          </a:p>
+          <a:p>
+            <a:pPr marL="0" indent="0">
+              <a:buNone/>
+            </a:pPr>
+            <a:r>
+              <a:rPr lang="en-US" altLang="ja-JP" dirty="0"/>
+              <a:t>	</a:t>
+            </a:r>
+            <a:r>
+              <a:rPr lang="en-US" altLang="ja-JP" dirty="0" smtClean="0"/>
+              <a:t>	print</a:t>
+            </a:r>
+            <a:r>
+              <a:rPr lang="en-US" altLang="ja-JP" dirty="0"/>
+              <a:t>("buzz") if not </a:t>
+            </a:r>
+            <a:r>
+              <a:rPr lang="en-US" altLang="ja-JP" dirty="0" err="1"/>
+              <a:t>i</a:t>
+            </a:r>
+            <a:r>
+              <a:rPr lang="en-US" altLang="ja-JP" dirty="0"/>
+              <a:t> % 5 </a:t>
+            </a:r>
+            <a:endParaRPr lang="en-US" altLang="ja-JP" dirty="0" smtClean="0"/>
+          </a:p>
+          <a:p>
+            <a:pPr marL="0" indent="0">
+              <a:buNone/>
+            </a:pPr>
+            <a:r>
+              <a:rPr lang="en-US" altLang="ja-JP" dirty="0"/>
+              <a:t>	</a:t>
+            </a:r>
+            <a:r>
+              <a:rPr lang="en-US" altLang="ja-JP" dirty="0" smtClean="0"/>
+              <a:t>else </a:t>
+            </a:r>
+          </a:p>
+          <a:p>
+            <a:pPr marL="0" indent="0">
+              <a:buNone/>
+            </a:pPr>
+            <a:r>
+              <a:rPr lang="en-US" altLang="ja-JP" dirty="0"/>
+              <a:t>	</a:t>
+            </a:r>
+            <a:r>
+              <a:rPr lang="en-US" altLang="ja-JP" dirty="0" smtClean="0"/>
+              <a:t>	print(</a:t>
+            </a:r>
+            <a:r>
+              <a:rPr lang="en-US" altLang="ja-JP" dirty="0" err="1" smtClean="0"/>
+              <a:t>i</a:t>
+            </a:r>
+            <a:r>
+              <a:rPr lang="en-US" altLang="ja-JP" dirty="0"/>
+              <a:t>) </a:t>
+            </a:r>
+            <a:endParaRPr lang="en-US" altLang="ja-JP" dirty="0" smtClean="0"/>
+          </a:p>
+          <a:p>
+            <a:pPr marL="0" indent="0">
+              <a:buNone/>
+            </a:pPr>
+            <a:r>
+              <a:rPr lang="en-US" altLang="ja-JP" dirty="0"/>
+              <a:t>	</a:t>
+            </a:r>
+            <a:r>
+              <a:rPr lang="en-US" altLang="ja-JP" dirty="0" smtClean="0"/>
+              <a:t>for </a:t>
+            </a:r>
+            <a:r>
+              <a:rPr lang="en-US" altLang="ja-JP" dirty="0" err="1"/>
+              <a:t>i</a:t>
+            </a:r>
+            <a:r>
+              <a:rPr lang="en-US" altLang="ja-JP" dirty="0"/>
+              <a:t> in range(1,end+1</a:t>
+            </a:r>
+            <a:r>
+              <a:rPr lang="en-US" altLang="ja-JP" dirty="0" smtClean="0"/>
+              <a:t>)</a:t>
+            </a:r>
+          </a:p>
+          <a:p>
+            <a:pPr marL="0" indent="0">
+              <a:buNone/>
+            </a:pPr>
+            <a:r>
+              <a:rPr lang="en-US" altLang="ja-JP" dirty="0" smtClean="0"/>
+              <a:t>]</a:t>
+            </a:r>
+            <a:endParaRPr kumimoji="1" lang="ja-JP" altLang="en-US" dirty="0"/>
           </a:p>
         </p:txBody>
       </p:sp>
@@ -8408,7 +9724,358 @@
   <p:timing>
     <p:tnLst>
       <p:par>
-        <p:cTn id="1" dur="indefinite" restart="never" nodeType="tmRoot"/>
+        <p:cTn id="1" dur="indefinite" restart="never" nodeType="tmRoot">
+          <p:childTnLst>
+            <p:seq concurrent="1" nextAc="seek">
+              <p:cTn id="2" dur="indefinite" nodeType="mainSeq">
+                <p:childTnLst>
+                  <p:par>
+                    <p:cTn id="3" fill="hold">
+                      <p:stCondLst>
+                        <p:cond delay="indefinite"/>
+                      </p:stCondLst>
+                      <p:childTnLst>
+                        <p:par>
+                          <p:cTn id="4" fill="hold">
+                            <p:stCondLst>
+                              <p:cond delay="0"/>
+                            </p:stCondLst>
+                            <p:childTnLst>
+                              <p:par>
+                                <p:cTn id="5" presetID="1" presetClass="entr" presetSubtype="0" fill="hold" nodeType="clickEffect">
+                                  <p:stCondLst>
+                                    <p:cond delay="0"/>
+                                  </p:stCondLst>
+                                  <p:childTnLst>
+                                    <p:set>
+                                      <p:cBhvr>
+                                        <p:cTn id="6" dur="1" fill="hold">
+                                          <p:stCondLst>
+                                            <p:cond delay="0"/>
+                                          </p:stCondLst>
+                                        </p:cTn>
+                                        <p:tgtEl>
+                                          <p:spTgt spid="3">
+                                            <p:txEl>
+                                              <p:pRg st="0" end="0"/>
+                                            </p:txEl>
+                                          </p:spTgt>
+                                        </p:tgtEl>
+                                        <p:attrNameLst>
+                                          <p:attrName>style.visibility</p:attrName>
+                                        </p:attrNameLst>
+                                      </p:cBhvr>
+                                      <p:to>
+                                        <p:strVal val="visible"/>
+                                      </p:to>
+                                    </p:set>
+                                  </p:childTnLst>
+                                </p:cTn>
+                              </p:par>
+                              <p:par>
+                                <p:cTn id="7" presetID="1" presetClass="entr" presetSubtype="0" fill="hold" nodeType="withEffect">
+                                  <p:stCondLst>
+                                    <p:cond delay="0"/>
+                                  </p:stCondLst>
+                                  <p:childTnLst>
+                                    <p:set>
+                                      <p:cBhvr>
+                                        <p:cTn id="8" dur="1" fill="hold">
+                                          <p:stCondLst>
+                                            <p:cond delay="0"/>
+                                          </p:stCondLst>
+                                        </p:cTn>
+                                        <p:tgtEl>
+                                          <p:spTgt spid="3">
+                                            <p:txEl>
+                                              <p:pRg st="1" end="1"/>
+                                            </p:txEl>
+                                          </p:spTgt>
+                                        </p:tgtEl>
+                                        <p:attrNameLst>
+                                          <p:attrName>style.visibility</p:attrName>
+                                        </p:attrNameLst>
+                                      </p:cBhvr>
+                                      <p:to>
+                                        <p:strVal val="visible"/>
+                                      </p:to>
+                                    </p:set>
+                                  </p:childTnLst>
+                                </p:cTn>
+                              </p:par>
+                              <p:par>
+                                <p:cTn id="9" presetID="1" presetClass="entr" presetSubtype="0" fill="hold" nodeType="withEffect">
+                                  <p:stCondLst>
+                                    <p:cond delay="0"/>
+                                  </p:stCondLst>
+                                  <p:childTnLst>
+                                    <p:set>
+                                      <p:cBhvr>
+                                        <p:cTn id="10" dur="1" fill="hold">
+                                          <p:stCondLst>
+                                            <p:cond delay="0"/>
+                                          </p:stCondLst>
+                                        </p:cTn>
+                                        <p:tgtEl>
+                                          <p:spTgt spid="3">
+                                            <p:txEl>
+                                              <p:pRg st="2" end="2"/>
+                                            </p:txEl>
+                                          </p:spTgt>
+                                        </p:tgtEl>
+                                        <p:attrNameLst>
+                                          <p:attrName>style.visibility</p:attrName>
+                                        </p:attrNameLst>
+                                      </p:cBhvr>
+                                      <p:to>
+                                        <p:strVal val="visible"/>
+                                      </p:to>
+                                    </p:set>
+                                  </p:childTnLst>
+                                </p:cTn>
+                              </p:par>
+                              <p:par>
+                                <p:cTn id="11" presetID="1" presetClass="entr" presetSubtype="0" fill="hold" nodeType="withEffect">
+                                  <p:stCondLst>
+                                    <p:cond delay="0"/>
+                                  </p:stCondLst>
+                                  <p:childTnLst>
+                                    <p:set>
+                                      <p:cBhvr>
+                                        <p:cTn id="12" dur="1" fill="hold">
+                                          <p:stCondLst>
+                                            <p:cond delay="0"/>
+                                          </p:stCondLst>
+                                        </p:cTn>
+                                        <p:tgtEl>
+                                          <p:spTgt spid="3">
+                                            <p:txEl>
+                                              <p:pRg st="3" end="3"/>
+                                            </p:txEl>
+                                          </p:spTgt>
+                                        </p:tgtEl>
+                                        <p:attrNameLst>
+                                          <p:attrName>style.visibility</p:attrName>
+                                        </p:attrNameLst>
+                                      </p:cBhvr>
+                                      <p:to>
+                                        <p:strVal val="visible"/>
+                                      </p:to>
+                                    </p:set>
+                                  </p:childTnLst>
+                                </p:cTn>
+                              </p:par>
+                              <p:par>
+                                <p:cTn id="13" presetID="1" presetClass="entr" presetSubtype="0" fill="hold" nodeType="withEffect">
+                                  <p:stCondLst>
+                                    <p:cond delay="0"/>
+                                  </p:stCondLst>
+                                  <p:childTnLst>
+                                    <p:set>
+                                      <p:cBhvr>
+                                        <p:cTn id="14" dur="1" fill="hold">
+                                          <p:stCondLst>
+                                            <p:cond delay="0"/>
+                                          </p:stCondLst>
+                                        </p:cTn>
+                                        <p:tgtEl>
+                                          <p:spTgt spid="3">
+                                            <p:txEl>
+                                              <p:pRg st="4" end="4"/>
+                                            </p:txEl>
+                                          </p:spTgt>
+                                        </p:tgtEl>
+                                        <p:attrNameLst>
+                                          <p:attrName>style.visibility</p:attrName>
+                                        </p:attrNameLst>
+                                      </p:cBhvr>
+                                      <p:to>
+                                        <p:strVal val="visible"/>
+                                      </p:to>
+                                    </p:set>
+                                  </p:childTnLst>
+                                </p:cTn>
+                              </p:par>
+                              <p:par>
+                                <p:cTn id="15" presetID="1" presetClass="entr" presetSubtype="0" fill="hold" nodeType="withEffect">
+                                  <p:stCondLst>
+                                    <p:cond delay="0"/>
+                                  </p:stCondLst>
+                                  <p:childTnLst>
+                                    <p:set>
+                                      <p:cBhvr>
+                                        <p:cTn id="16" dur="1" fill="hold">
+                                          <p:stCondLst>
+                                            <p:cond delay="0"/>
+                                          </p:stCondLst>
+                                        </p:cTn>
+                                        <p:tgtEl>
+                                          <p:spTgt spid="3">
+                                            <p:txEl>
+                                              <p:pRg st="5" end="5"/>
+                                            </p:txEl>
+                                          </p:spTgt>
+                                        </p:tgtEl>
+                                        <p:attrNameLst>
+                                          <p:attrName>style.visibility</p:attrName>
+                                        </p:attrNameLst>
+                                      </p:cBhvr>
+                                      <p:to>
+                                        <p:strVal val="visible"/>
+                                      </p:to>
+                                    </p:set>
+                                  </p:childTnLst>
+                                </p:cTn>
+                              </p:par>
+                              <p:par>
+                                <p:cTn id="17" presetID="1" presetClass="entr" presetSubtype="0" fill="hold" nodeType="withEffect">
+                                  <p:stCondLst>
+                                    <p:cond delay="0"/>
+                                  </p:stCondLst>
+                                  <p:childTnLst>
+                                    <p:set>
+                                      <p:cBhvr>
+                                        <p:cTn id="18" dur="1" fill="hold">
+                                          <p:stCondLst>
+                                            <p:cond delay="0"/>
+                                          </p:stCondLst>
+                                        </p:cTn>
+                                        <p:tgtEl>
+                                          <p:spTgt spid="3">
+                                            <p:txEl>
+                                              <p:pRg st="6" end="6"/>
+                                            </p:txEl>
+                                          </p:spTgt>
+                                        </p:tgtEl>
+                                        <p:attrNameLst>
+                                          <p:attrName>style.visibility</p:attrName>
+                                        </p:attrNameLst>
+                                      </p:cBhvr>
+                                      <p:to>
+                                        <p:strVal val="visible"/>
+                                      </p:to>
+                                    </p:set>
+                                  </p:childTnLst>
+                                </p:cTn>
+                              </p:par>
+                              <p:par>
+                                <p:cTn id="19" presetID="1" presetClass="entr" presetSubtype="0" fill="hold" nodeType="withEffect">
+                                  <p:stCondLst>
+                                    <p:cond delay="0"/>
+                                  </p:stCondLst>
+                                  <p:childTnLst>
+                                    <p:set>
+                                      <p:cBhvr>
+                                        <p:cTn id="20" dur="1" fill="hold">
+                                          <p:stCondLst>
+                                            <p:cond delay="0"/>
+                                          </p:stCondLst>
+                                        </p:cTn>
+                                        <p:tgtEl>
+                                          <p:spTgt spid="3">
+                                            <p:txEl>
+                                              <p:pRg st="7" end="7"/>
+                                            </p:txEl>
+                                          </p:spTgt>
+                                        </p:tgtEl>
+                                        <p:attrNameLst>
+                                          <p:attrName>style.visibility</p:attrName>
+                                        </p:attrNameLst>
+                                      </p:cBhvr>
+                                      <p:to>
+                                        <p:strVal val="visible"/>
+                                      </p:to>
+                                    </p:set>
+                                  </p:childTnLst>
+                                </p:cTn>
+                              </p:par>
+                              <p:par>
+                                <p:cTn id="21" presetID="1" presetClass="entr" presetSubtype="0" fill="hold" nodeType="withEffect">
+                                  <p:stCondLst>
+                                    <p:cond delay="0"/>
+                                  </p:stCondLst>
+                                  <p:childTnLst>
+                                    <p:set>
+                                      <p:cBhvr>
+                                        <p:cTn id="22" dur="1" fill="hold">
+                                          <p:stCondLst>
+                                            <p:cond delay="0"/>
+                                          </p:stCondLst>
+                                        </p:cTn>
+                                        <p:tgtEl>
+                                          <p:spTgt spid="3">
+                                            <p:txEl>
+                                              <p:pRg st="8" end="8"/>
+                                            </p:txEl>
+                                          </p:spTgt>
+                                        </p:tgtEl>
+                                        <p:attrNameLst>
+                                          <p:attrName>style.visibility</p:attrName>
+                                        </p:attrNameLst>
+                                      </p:cBhvr>
+                                      <p:to>
+                                        <p:strVal val="visible"/>
+                                      </p:to>
+                                    </p:set>
+                                  </p:childTnLst>
+                                </p:cTn>
+                              </p:par>
+                              <p:par>
+                                <p:cTn id="23" presetID="1" presetClass="entr" presetSubtype="0" fill="hold" nodeType="withEffect">
+                                  <p:stCondLst>
+                                    <p:cond delay="0"/>
+                                  </p:stCondLst>
+                                  <p:childTnLst>
+                                    <p:set>
+                                      <p:cBhvr>
+                                        <p:cTn id="24" dur="1" fill="hold">
+                                          <p:stCondLst>
+                                            <p:cond delay="0"/>
+                                          </p:stCondLst>
+                                        </p:cTn>
+                                        <p:tgtEl>
+                                          <p:spTgt spid="3">
+                                            <p:txEl>
+                                              <p:pRg st="9" end="9"/>
+                                            </p:txEl>
+                                          </p:spTgt>
+                                        </p:tgtEl>
+                                        <p:attrNameLst>
+                                          <p:attrName>style.visibility</p:attrName>
+                                        </p:attrNameLst>
+                                      </p:cBhvr>
+                                      <p:to>
+                                        <p:strVal val="visible"/>
+                                      </p:to>
+                                    </p:set>
+                                  </p:childTnLst>
+                                </p:cTn>
+                              </p:par>
+                            </p:childTnLst>
+                          </p:cTn>
+                        </p:par>
+                      </p:childTnLst>
+                    </p:cTn>
+                  </p:par>
+                </p:childTnLst>
+              </p:cTn>
+              <p:prevCondLst>
+                <p:cond evt="onPrev" delay="0">
+                  <p:tgtEl>
+                    <p:sldTgt/>
+                  </p:tgtEl>
+                </p:cond>
+              </p:prevCondLst>
+              <p:nextCondLst>
+                <p:cond evt="onNext" delay="0">
+                  <p:tgtEl>
+                    <p:sldTgt/>
+                  </p:tgtEl>
+                </p:cond>
+              </p:nextCondLst>
+            </p:seq>
+          </p:childTnLst>
+        </p:cTn>
       </p:par>
     </p:tnLst>
   </p:timing>
@@ -9510,17 +11177,6 @@
               </a:rPr>
               <a:t>m = </a:t>
             </a:r>
-            <a:endParaRPr lang="de-DE" sz="2600" b="0" strike="noStrike" spc="-1" dirty="0" smtClean="0">
-              <a:solidFill>
-                <a:srgbClr val="000000"/>
-              </a:solidFill>
-              <a:uFill>
-                <a:solidFill>
-                  <a:srgbClr val="FFFFFF"/>
-                </a:solidFill>
-              </a:uFill>
-              <a:latin typeface="Arial"/>
-            </a:endParaRPr>
           </a:p>
           <a:p>
             <a:pPr marL="108000">
@@ -9533,7 +11189,7 @@
               <a:buSzPct val="45000"/>
             </a:pPr>
             <a:r>
-              <a:rPr lang="de-DE" sz="2600" b="0" strike="noStrike" spc="-1" dirty="0" smtClean="0">
+              <a:rPr lang="de-DE" sz="2600" b="0" strike="noStrike" spc="-1" dirty="0">
                 <a:solidFill>
                   <a:srgbClr val="000000"/>
                 </a:solidFill>
@@ -9546,17 +11202,6 @@
               </a:rPr>
               <a:t>[</a:t>
             </a:r>
-            <a:endParaRPr lang="de-DE" sz="2600" b="0" strike="noStrike" spc="-1" dirty="0">
-              <a:solidFill>
-                <a:srgbClr val="000000"/>
-              </a:solidFill>
-              <a:uFill>
-                <a:solidFill>
-                  <a:srgbClr val="FFFFFF"/>
-                </a:solidFill>
-              </a:uFill>
-              <a:latin typeface="Arial"/>
-            </a:endParaRPr>
           </a:p>
           <a:p>
             <a:pPr marL="540000" lvl="1">
@@ -10041,26 +11686,39 @@
                                   </p:childTnLst>
                                 </p:cTn>
                               </p:par>
-                            </p:childTnLst>
-                          </p:cTn>
-                        </p:par>
-                      </p:childTnLst>
-                    </p:cTn>
-                  </p:par>
-                  <p:par>
-                    <p:cTn id="7" fill="hold">
-                      <p:stCondLst>
-                        <p:cond delay="indefinite"/>
-                      </p:stCondLst>
-                      <p:childTnLst>
-                        <p:par>
-                          <p:cTn id="8" fill="hold">
-                            <p:stCondLst>
-                              <p:cond delay="0"/>
-                            </p:stCondLst>
-                            <p:childTnLst>
                               <p:par>
-                                <p:cTn id="9" presetID="1" presetClass="entr" presetSubtype="0" fill="hold" nodeType="clickEffect">
+                                <p:cTn id="7" presetID="1" presetClass="entr" presetSubtype="0" fill="hold" nodeType="withEffect">
+                                  <p:stCondLst>
+                                    <p:cond delay="0"/>
+                                  </p:stCondLst>
+                                  <p:childTnLst>
+                                    <p:set>
+                                      <p:cBhvr>
+                                        <p:cTn id="8" dur="1" fill="hold">
+                                          <p:stCondLst>
+                                            <p:cond delay="0"/>
+                                          </p:stCondLst>
+                                        </p:cTn>
+                                        <p:tgtEl>
+                                          <p:spTgt spid="111">
+                                            <p:txEl>
+                                              <p:pRg st="1" end="1"/>
+                                            </p:txEl>
+                                          </p:spTgt>
+                                        </p:tgtEl>
+                                        <p:attrNameLst>
+                                          <p:attrName>style.visibility</p:attrName>
+                                        </p:attrNameLst>
+                                      </p:cBhvr>
+                                      <p:to>
+                                        <p:strVal val="visible"/>
+                                      </p:to>
+                                    </p:set>
+                                  </p:childTnLst>
+                                </p:cTn>
+                              </p:par>
+                              <p:par>
+                                <p:cTn id="9" presetID="1" presetClass="entr" presetSubtype="0" fill="hold" nodeType="withEffect">
                                   <p:stCondLst>
                                     <p:cond delay="0"/>
                                   </p:stCondLst>
@@ -10075,7 +11733,7 @@
                                         <p:tgtEl>
                                           <p:spTgt spid="111">
                                             <p:txEl>
-                                              <p:pRg st="1" end="1"/>
+                                              <p:pRg st="2" end="2"/>
                                             </p:txEl>
                                           </p:spTgt>
                                         </p:tgtEl>
@@ -10106,7 +11764,7 @@
                                         <p:tgtEl>
                                           <p:spTgt spid="111">
                                             <p:txEl>
-                                              <p:pRg st="2" end="2"/>
+                                              <p:pRg st="3" end="3"/>
                                             </p:txEl>
                                           </p:spTgt>
                                         </p:tgtEl>
@@ -10137,7 +11795,7 @@
                                         <p:tgtEl>
                                           <p:spTgt spid="111">
                                             <p:txEl>
-                                              <p:pRg st="3" end="3"/>
+                                              <p:pRg st="4" end="4"/>
                                             </p:txEl>
                                           </p:spTgt>
                                         </p:tgtEl>
@@ -10168,7 +11826,7 @@
                                         <p:tgtEl>
                                           <p:spTgt spid="111">
                                             <p:txEl>
-                                              <p:pRg st="4" end="4"/>
+                                              <p:pRg st="5" end="5"/>
                                             </p:txEl>
                                           </p:spTgt>
                                         </p:tgtEl>
@@ -10199,7 +11857,7 @@
                                         <p:tgtEl>
                                           <p:spTgt spid="111">
                                             <p:txEl>
-                                              <p:pRg st="5" end="5"/>
+                                              <p:pRg st="6" end="6"/>
                                             </p:txEl>
                                           </p:spTgt>
                                         </p:tgtEl>
@@ -10230,7 +11888,7 @@
                                         <p:tgtEl>
                                           <p:spTgt spid="111">
                                             <p:txEl>
-                                              <p:pRg st="6" end="6"/>
+                                              <p:pRg st="7" end="7"/>
                                             </p:txEl>
                                           </p:spTgt>
                                         </p:tgtEl>
@@ -10261,7 +11919,7 @@
                                         <p:tgtEl>
                                           <p:spTgt spid="111">
                                             <p:txEl>
-                                              <p:pRg st="7" end="7"/>
+                                              <p:pRg st="8" end="8"/>
                                             </p:txEl>
                                           </p:spTgt>
                                         </p:tgtEl>
@@ -10292,7 +11950,7 @@
                                         <p:tgtEl>
                                           <p:spTgt spid="111">
                                             <p:txEl>
-                                              <p:pRg st="8" end="8"/>
+                                              <p:pRg st="9" end="9"/>
                                             </p:txEl>
                                           </p:spTgt>
                                         </p:tgtEl>
@@ -10323,7 +11981,7 @@
                                         <p:tgtEl>
                                           <p:spTgt spid="111">
                                             <p:txEl>
-                                              <p:pRg st="9" end="9"/>
+                                              <p:pRg st="10" end="10"/>
                                             </p:txEl>
                                           </p:spTgt>
                                         </p:tgtEl>
@@ -10354,7 +12012,7 @@
                                         <p:tgtEl>
                                           <p:spTgt spid="111">
                                             <p:txEl>
-                                              <p:pRg st="10" end="10"/>
+                                              <p:pRg st="11" end="11"/>
                                             </p:txEl>
                                           </p:spTgt>
                                         </p:tgtEl>
@@ -10385,7 +12043,7 @@
                                         <p:tgtEl>
                                           <p:spTgt spid="111">
                                             <p:txEl>
-                                              <p:pRg st="11" end="11"/>
+                                              <p:pRg st="12" end="12"/>
                                             </p:txEl>
                                           </p:spTgt>
                                         </p:tgtEl>
@@ -10416,7 +12074,7 @@
                                         <p:tgtEl>
                                           <p:spTgt spid="111">
                                             <p:txEl>
-                                              <p:pRg st="12" end="12"/>
+                                              <p:pRg st="13" end="13"/>
                                             </p:txEl>
                                           </p:spTgt>
                                         </p:tgtEl>
@@ -10447,7 +12105,7 @@
                                         <p:tgtEl>
                                           <p:spTgt spid="111">
                                             <p:txEl>
-                                              <p:pRg st="13" end="13"/>
+                                              <p:pRg st="14" end="14"/>
                                             </p:txEl>
                                           </p:spTgt>
                                         </p:tgtEl>
@@ -10478,7 +12136,7 @@
                                         <p:tgtEl>
                                           <p:spTgt spid="111">
                                             <p:txEl>
-                                              <p:pRg st="14" end="14"/>
+                                              <p:pRg st="15" end="15"/>
                                             </p:txEl>
                                           </p:spTgt>
                                         </p:tgtEl>
@@ -10509,7 +12167,7 @@
                                         <p:tgtEl>
                                           <p:spTgt spid="111">
                                             <p:txEl>
-                                              <p:pRg st="15" end="15"/>
+                                              <p:pRg st="16" end="16"/>
                                             </p:txEl>
                                           </p:spTgt>
                                         </p:tgtEl>
@@ -10540,7 +12198,7 @@
                                         <p:tgtEl>
                                           <p:spTgt spid="111">
                                             <p:txEl>
-                                              <p:pRg st="16" end="16"/>
+                                              <p:pRg st="17" end="17"/>
                                             </p:txEl>
                                           </p:spTgt>
                                         </p:tgtEl>
@@ -10564,37 +12222,6 @@
                                     <p:set>
                                       <p:cBhvr>
                                         <p:cTn id="42" dur="1" fill="hold">
-                                          <p:stCondLst>
-                                            <p:cond delay="0"/>
-                                          </p:stCondLst>
-                                        </p:cTn>
-                                        <p:tgtEl>
-                                          <p:spTgt spid="111">
-                                            <p:txEl>
-                                              <p:pRg st="17" end="17"/>
-                                            </p:txEl>
-                                          </p:spTgt>
-                                        </p:tgtEl>
-                                        <p:attrNameLst>
-                                          <p:attrName>style.visibility</p:attrName>
-                                        </p:attrNameLst>
-                                      </p:cBhvr>
-                                      <p:to>
-                                        <p:strVal val="visible"/>
-                                      </p:to>
-                                    </p:set>
-                                  </p:childTnLst>
-                                </p:cTn>
-                              </p:par>
-                              <p:par>
-                                <p:cTn id="43" presetID="1" presetClass="entr" presetSubtype="0" fill="hold" nodeType="withEffect">
-                                  <p:stCondLst>
-                                    <p:cond delay="0"/>
-                                  </p:stCondLst>
-                                  <p:childTnLst>
-                                    <p:set>
-                                      <p:cBhvr>
-                                        <p:cTn id="44" dur="1" fill="hold">
                                           <p:stCondLst>
                                             <p:cond delay="0"/>
                                           </p:stCondLst>
@@ -10667,111 +12294,6 @@
       </p:grpSpPr>
       <p:sp>
         <p:nvSpPr>
-          <p:cNvPr id="4" name="テキスト プレースホルダー 3"/>
-          <p:cNvSpPr>
-            <a:spLocks noGrp="1"/>
-          </p:cNvSpPr>
-          <p:nvPr>
-            <p:ph type="body"/>
-          </p:nvPr>
-        </p:nvSpPr>
-        <p:spPr/>
-        <p:txBody>
-          <a:bodyPr/>
-          <a:lstStyle/>
-          <a:p>
-            <a:r>
-              <a:rPr lang="ja-JP" altLang="en-US" dirty="0"/>
-              <a:t>辞書型の変数</a:t>
-            </a:r>
-            <a:r>
-              <a:rPr lang="en-US" altLang="ja-JP" dirty="0"/>
-              <a:t>d</a:t>
-            </a:r>
-            <a:r>
-              <a:rPr lang="ja-JP" altLang="en-US" dirty="0"/>
-              <a:t>が与えられ、その中身は</a:t>
-            </a:r>
-            <a:r>
-              <a:rPr lang="en-US" altLang="ja-JP" dirty="0"/>
-              <a:t>list</a:t>
-            </a:r>
-            <a:r>
-              <a:rPr lang="ja-JP" altLang="en-US" dirty="0"/>
-              <a:t>もしくは</a:t>
-            </a:r>
-            <a:r>
-              <a:rPr lang="en-US" altLang="ja-JP" dirty="0" err="1"/>
-              <a:t>int</a:t>
-            </a:r>
-            <a:r>
-              <a:rPr lang="ja-JP" altLang="en-US" dirty="0" err="1"/>
-              <a:t>、</a:t>
-            </a:r>
-            <a:r>
-              <a:rPr lang="en-US" altLang="ja-JP" dirty="0"/>
-              <a:t>float</a:t>
-            </a:r>
-            <a:r>
-              <a:rPr lang="ja-JP" altLang="en-US" dirty="0" err="1"/>
-              <a:t>、</a:t>
-            </a:r>
-            <a:r>
-              <a:rPr lang="en-US" altLang="ja-JP" dirty="0" err="1"/>
-              <a:t>str</a:t>
-            </a:r>
-            <a:r>
-              <a:rPr lang="ja-JP" altLang="en-US" dirty="0"/>
-              <a:t>型になっている。</a:t>
-            </a:r>
-            <a:endParaRPr lang="en-US" altLang="ja-JP" dirty="0"/>
-          </a:p>
-          <a:p>
-            <a:endParaRPr lang="en-US" altLang="ja-JP" dirty="0"/>
-          </a:p>
-          <a:p>
-            <a:r>
-              <a:rPr lang="ja-JP" altLang="en-US" dirty="0"/>
-              <a:t>この時、各要素をキーに持ち、各要素に対応するキーを要素に持つコードをかけ</a:t>
-            </a:r>
-            <a:endParaRPr lang="en-US" altLang="ja-JP" dirty="0"/>
-          </a:p>
-          <a:p>
-            <a:endParaRPr lang="en-US" altLang="ja-JP" dirty="0"/>
-          </a:p>
-          <a:p>
-            <a:r>
-              <a:rPr lang="ja-JP" altLang="en-US" dirty="0"/>
-              <a:t>ただし、要素が</a:t>
-            </a:r>
-            <a:r>
-              <a:rPr lang="en-US" altLang="ja-JP" dirty="0"/>
-              <a:t>list</a:t>
-            </a:r>
-            <a:r>
-              <a:rPr lang="ja-JP" altLang="en-US" dirty="0"/>
-              <a:t>型の場合、その</a:t>
-            </a:r>
-            <a:r>
-              <a:rPr lang="en-US" altLang="ja-JP" dirty="0"/>
-              <a:t>list</a:t>
-            </a:r>
-            <a:r>
-              <a:rPr lang="ja-JP" altLang="en-US" dirty="0"/>
-              <a:t>の各要素にキーが対応していると考える。</a:t>
-            </a:r>
-            <a:endParaRPr lang="en-US" altLang="ja-JP" dirty="0"/>
-          </a:p>
-          <a:p>
-            <a:pPr marL="0" indent="0">
-              <a:buNone/>
-            </a:pPr>
-            <a:endParaRPr kumimoji="1" lang="ja-JP" altLang="en-US" dirty="0"/>
-          </a:p>
-        </p:txBody>
-      </p:sp>
-      <p:sp>
-        <p:nvSpPr>
           <p:cNvPr id="2" name="タイトル 1"/>
           <p:cNvSpPr>
             <a:spLocks noGrp="1"/>
@@ -10790,6 +12312,105 @@
               <a:t>例４</a:t>
             </a:r>
             <a:endParaRPr kumimoji="1" lang="ja-JP" altLang="en-US" dirty="0"/>
+          </a:p>
+        </p:txBody>
+      </p:sp>
+      <p:sp>
+        <p:nvSpPr>
+          <p:cNvPr id="3" name="テキスト プレースホルダー 2"/>
+          <p:cNvSpPr>
+            <a:spLocks noGrp="1"/>
+          </p:cNvSpPr>
+          <p:nvPr>
+            <p:ph type="body"/>
+          </p:nvPr>
+        </p:nvSpPr>
+        <p:spPr/>
+        <p:txBody>
+          <a:bodyPr/>
+          <a:lstStyle/>
+          <a:p>
+            <a:r>
+              <a:rPr kumimoji="1" lang="ja-JP" altLang="en-US" dirty="0" smtClean="0"/>
+              <a:t>辞書型の変数</a:t>
+            </a:r>
+            <a:r>
+              <a:rPr kumimoji="1" lang="en-US" altLang="ja-JP" dirty="0" smtClean="0"/>
+              <a:t>d</a:t>
+            </a:r>
+            <a:r>
+              <a:rPr kumimoji="1" lang="ja-JP" altLang="en-US" dirty="0" smtClean="0"/>
+              <a:t>が与えられ、その中身は</a:t>
+            </a:r>
+            <a:r>
+              <a:rPr kumimoji="1" lang="en-US" altLang="ja-JP" dirty="0" smtClean="0"/>
+              <a:t>list</a:t>
+            </a:r>
+            <a:r>
+              <a:rPr kumimoji="1" lang="ja-JP" altLang="en-US" dirty="0" smtClean="0"/>
+              <a:t>もしくは</a:t>
+            </a:r>
+            <a:r>
+              <a:rPr lang="en-US" altLang="ja-JP" dirty="0" err="1" smtClean="0"/>
+              <a:t>int</a:t>
+            </a:r>
+            <a:r>
+              <a:rPr lang="ja-JP" altLang="en-US" dirty="0" err="1" smtClean="0"/>
+              <a:t>、</a:t>
+            </a:r>
+            <a:r>
+              <a:rPr lang="en-US" altLang="ja-JP" dirty="0" smtClean="0"/>
+              <a:t>float</a:t>
+            </a:r>
+            <a:r>
+              <a:rPr lang="ja-JP" altLang="en-US" dirty="0" err="1" smtClean="0"/>
+              <a:t>、</a:t>
+            </a:r>
+            <a:r>
+              <a:rPr lang="en-US" altLang="ja-JP" dirty="0" err="1" smtClean="0"/>
+              <a:t>str</a:t>
+            </a:r>
+            <a:r>
+              <a:rPr lang="ja-JP" altLang="en-US" dirty="0" smtClean="0"/>
+              <a:t>型になっている。</a:t>
+            </a:r>
+            <a:endParaRPr lang="en-US" altLang="ja-JP" dirty="0" smtClean="0"/>
+          </a:p>
+          <a:p>
+            <a:endParaRPr lang="en-US" altLang="ja-JP" dirty="0" smtClean="0"/>
+          </a:p>
+          <a:p>
+            <a:r>
+              <a:rPr lang="ja-JP" altLang="en-US" dirty="0" smtClean="0"/>
+              <a:t>この時、各要素をキーに持ち、各要素に対応するキーを要素に持つコードをかけ</a:t>
+            </a:r>
+            <a:endParaRPr lang="en-US" altLang="ja-JP" dirty="0" smtClean="0"/>
+          </a:p>
+          <a:p>
+            <a:endParaRPr lang="en-US" altLang="ja-JP" dirty="0"/>
+          </a:p>
+          <a:p>
+            <a:r>
+              <a:rPr lang="ja-JP" altLang="en-US" dirty="0" smtClean="0"/>
+              <a:t>ただし、要素が</a:t>
+            </a:r>
+            <a:r>
+              <a:rPr lang="en-US" altLang="ja-JP" dirty="0" smtClean="0"/>
+              <a:t>list</a:t>
+            </a:r>
+            <a:r>
+              <a:rPr lang="ja-JP" altLang="en-US" dirty="0" smtClean="0"/>
+              <a:t>型の場合、その</a:t>
+            </a:r>
+            <a:r>
+              <a:rPr lang="en-US" altLang="ja-JP" dirty="0" smtClean="0"/>
+              <a:t>list</a:t>
+            </a:r>
+            <a:r>
+              <a:rPr lang="ja-JP" altLang="en-US" dirty="0" smtClean="0"/>
+              <a:t>の各要素にキーが対応していると考える。</a:t>
+            </a:r>
+            <a:endParaRPr lang="en-US" altLang="ja-JP" dirty="0" smtClean="0"/>
           </a:p>
         </p:txBody>
       </p:sp>
@@ -10832,213 +12453,7 @@
       </p:grpSpPr>
       <p:sp>
         <p:nvSpPr>
-          <p:cNvPr id="5" name="テキスト プレースホルダー 4"/>
-          <p:cNvSpPr>
-            <a:spLocks noGrp="1"/>
-          </p:cNvSpPr>
-          <p:nvPr>
-            <p:ph type="body"/>
-          </p:nvPr>
-        </p:nvSpPr>
-        <p:spPr>
-          <a:xfrm>
-            <a:off x="503640" y="1799999"/>
-            <a:ext cx="9070920" cy="5455240"/>
-          </a:xfrm>
-        </p:spPr>
-        <p:txBody>
-          <a:bodyPr>
-            <a:normAutofit fontScale="77500" lnSpcReduction="20000"/>
-          </a:bodyPr>
-          <a:lstStyle/>
-          <a:p>
-            <a:pPr marL="0" indent="0">
-              <a:buNone/>
-            </a:pPr>
-            <a:r>
-              <a:rPr lang="en-US" altLang="ja-JP" dirty="0" err="1"/>
-              <a:t>def</a:t>
-            </a:r>
-            <a:r>
-              <a:rPr lang="en-US" altLang="ja-JP" dirty="0"/>
-              <a:t> rev(data):</a:t>
-            </a:r>
-          </a:p>
-          <a:p>
-            <a:pPr marL="0" indent="0">
-              <a:buNone/>
-            </a:pPr>
-            <a:r>
-              <a:rPr lang="en-US" altLang="ja-JP" dirty="0"/>
-              <a:t>	out = </a:t>
-            </a:r>
-            <a:r>
-              <a:rPr lang="en-US" altLang="ja-JP" dirty="0" err="1"/>
-              <a:t>dict</a:t>
-            </a:r>
-            <a:r>
-              <a:rPr lang="en-US" altLang="ja-JP" dirty="0"/>
-              <a:t>()</a:t>
-            </a:r>
-          </a:p>
-          <a:p>
-            <a:pPr marL="0" indent="0">
-              <a:buNone/>
-            </a:pPr>
-            <a:r>
-              <a:rPr lang="en-US" altLang="ja-JP" dirty="0"/>
-              <a:t>	for key in data:</a:t>
-            </a:r>
-          </a:p>
-          <a:p>
-            <a:pPr marL="0" indent="0">
-              <a:buNone/>
-            </a:pPr>
-            <a:r>
-              <a:rPr lang="en-US" altLang="ja-JP" dirty="0"/>
-              <a:t>		if type(data[key]) == list:</a:t>
-            </a:r>
-          </a:p>
-          <a:p>
-            <a:pPr marL="0" indent="0">
-              <a:buNone/>
-            </a:pPr>
-            <a:r>
-              <a:rPr lang="en-US" altLang="ja-JP" dirty="0"/>
-              <a:t>			for </a:t>
-            </a:r>
-            <a:r>
-              <a:rPr lang="en-US" altLang="ja-JP" dirty="0" err="1"/>
-              <a:t>key_data</a:t>
-            </a:r>
-            <a:r>
-              <a:rPr lang="en-US" altLang="ja-JP" dirty="0"/>
-              <a:t> in data[key]:</a:t>
-            </a:r>
-          </a:p>
-          <a:p>
-            <a:pPr marL="0" indent="0">
-              <a:buNone/>
-            </a:pPr>
-            <a:r>
-              <a:rPr lang="en-US" altLang="ja-JP" dirty="0"/>
-              <a:t>				if </a:t>
-            </a:r>
-            <a:r>
-              <a:rPr lang="en-US" altLang="ja-JP" dirty="0" err="1"/>
-              <a:t>key_data</a:t>
-            </a:r>
-            <a:r>
-              <a:rPr lang="en-US" altLang="ja-JP" dirty="0"/>
-              <a:t> in out:</a:t>
-            </a:r>
-          </a:p>
-          <a:p>
-            <a:pPr marL="0" indent="0">
-              <a:buNone/>
-            </a:pPr>
-            <a:r>
-              <a:rPr lang="en-US" altLang="ja-JP" dirty="0"/>
-              <a:t>					out[</a:t>
-            </a:r>
-            <a:r>
-              <a:rPr lang="en-US" altLang="ja-JP" dirty="0" err="1"/>
-              <a:t>key_data</a:t>
-            </a:r>
-            <a:r>
-              <a:rPr lang="en-US" altLang="ja-JP" dirty="0"/>
-              <a:t>].append(key)</a:t>
-            </a:r>
-          </a:p>
-          <a:p>
-            <a:pPr marL="0" indent="0">
-              <a:buNone/>
-            </a:pPr>
-            <a:r>
-              <a:rPr lang="en-US" altLang="ja-JP" dirty="0"/>
-              <a:t>				else:</a:t>
-            </a:r>
-          </a:p>
-          <a:p>
-            <a:pPr marL="0" indent="0">
-              <a:buNone/>
-            </a:pPr>
-            <a:r>
-              <a:rPr lang="en-US" altLang="ja-JP" dirty="0"/>
-              <a:t>					out[</a:t>
-            </a:r>
-            <a:r>
-              <a:rPr lang="en-US" altLang="ja-JP" dirty="0" err="1"/>
-              <a:t>key_data</a:t>
-            </a:r>
-            <a:r>
-              <a:rPr lang="en-US" altLang="ja-JP" dirty="0"/>
-              <a:t>] = [key]</a:t>
-            </a:r>
-          </a:p>
-          <a:p>
-            <a:pPr marL="0" indent="0">
-              <a:buNone/>
-            </a:pPr>
-            <a:r>
-              <a:rPr lang="en-US" altLang="ja-JP" dirty="0"/>
-              <a:t>		else:</a:t>
-            </a:r>
-          </a:p>
-          <a:p>
-            <a:pPr marL="0" indent="0">
-              <a:buNone/>
-            </a:pPr>
-            <a:r>
-              <a:rPr lang="en-US" altLang="ja-JP" dirty="0"/>
-              <a:t>			 if data[key] in out:</a:t>
-            </a:r>
-          </a:p>
-          <a:p>
-            <a:pPr marL="0" indent="0">
-              <a:buNone/>
-            </a:pPr>
-            <a:r>
-              <a:rPr lang="en-US" altLang="ja-JP" dirty="0"/>
-              <a:t>				data[key]].append(key)</a:t>
-            </a:r>
-          </a:p>
-          <a:p>
-            <a:pPr marL="0" indent="0">
-              <a:buNone/>
-            </a:pPr>
-            <a:r>
-              <a:rPr lang="en-US" altLang="ja-JP" dirty="0"/>
-              <a:t>			else:</a:t>
-            </a:r>
-          </a:p>
-          <a:p>
-            <a:pPr marL="0" indent="0">
-              <a:buNone/>
-            </a:pPr>
-            <a:r>
-              <a:rPr lang="en-US" altLang="ja-JP" dirty="0"/>
-              <a:t>				data[key]] = [key]</a:t>
-            </a:r>
-          </a:p>
-          <a:p>
-            <a:pPr marL="0" indent="0">
-              <a:buNone/>
-            </a:pPr>
-            <a:r>
-              <a:rPr lang="en-US" altLang="ja-JP" dirty="0"/>
-              <a:t>	return out</a:t>
-            </a:r>
-            <a:endParaRPr lang="ja-JP" altLang="en-US" dirty="0"/>
-          </a:p>
-          <a:p>
-            <a:endParaRPr kumimoji="1" lang="ja-JP" altLang="en-US" dirty="0"/>
-          </a:p>
-        </p:txBody>
-      </p:sp>
-      <p:sp>
-        <p:nvSpPr>
-          <p:cNvPr id="4" name="タイトル 3"/>
+          <p:cNvPr id="2" name="タイトル 1"/>
           <p:cNvSpPr>
             <a:spLocks noGrp="1"/>
           </p:cNvSpPr>
@@ -11052,6 +12467,265 @@
           <a:lstStyle/>
           <a:p>
             <a:endParaRPr kumimoji="1" lang="ja-JP" altLang="en-US"/>
+          </a:p>
+        </p:txBody>
+      </p:sp>
+      <p:sp>
+        <p:nvSpPr>
+          <p:cNvPr id="3" name="テキスト プレースホルダー 2"/>
+          <p:cNvSpPr>
+            <a:spLocks noGrp="1"/>
+          </p:cNvSpPr>
+          <p:nvPr>
+            <p:ph type="body"/>
+          </p:nvPr>
+        </p:nvSpPr>
+        <p:spPr>
+          <a:xfrm>
+            <a:off x="503640" y="1618938"/>
+            <a:ext cx="9070920" cy="5741232"/>
+          </a:xfrm>
+        </p:spPr>
+        <p:txBody>
+          <a:bodyPr>
+            <a:noAutofit/>
+          </a:bodyPr>
+          <a:lstStyle/>
+          <a:p>
+            <a:pPr marL="0" indent="0">
+              <a:buNone/>
+            </a:pPr>
+            <a:r>
+              <a:rPr lang="en-US" altLang="ja-JP" sz="1800" dirty="0" err="1" smtClean="0"/>
+              <a:t>def</a:t>
+            </a:r>
+            <a:r>
+              <a:rPr lang="en-US" altLang="ja-JP" sz="1800" dirty="0" smtClean="0"/>
+              <a:t> rev(data):</a:t>
+            </a:r>
+          </a:p>
+          <a:p>
+            <a:pPr marL="0" indent="0">
+              <a:buNone/>
+            </a:pPr>
+            <a:r>
+              <a:rPr lang="en-US" altLang="ja-JP" sz="1800" dirty="0"/>
+              <a:t>	</a:t>
+            </a:r>
+            <a:r>
+              <a:rPr lang="en-US" altLang="ja-JP" sz="1800" dirty="0" smtClean="0"/>
+              <a:t>out = </a:t>
+            </a:r>
+            <a:r>
+              <a:rPr lang="en-US" altLang="ja-JP" sz="1800" dirty="0" err="1" smtClean="0"/>
+              <a:t>dict</a:t>
+            </a:r>
+            <a:r>
+              <a:rPr lang="en-US" altLang="ja-JP" sz="1800" dirty="0" smtClean="0"/>
+              <a:t>()</a:t>
+            </a:r>
+          </a:p>
+          <a:p>
+            <a:pPr marL="0" indent="0">
+              <a:buNone/>
+            </a:pPr>
+            <a:r>
+              <a:rPr kumimoji="1" lang="en-US" altLang="ja-JP" sz="1800" dirty="0"/>
+              <a:t>	</a:t>
+            </a:r>
+            <a:r>
+              <a:rPr lang="en-US" altLang="ja-JP" sz="1800" dirty="0" smtClean="0"/>
+              <a:t>for key in data:</a:t>
+            </a:r>
+          </a:p>
+          <a:p>
+            <a:pPr marL="0" indent="0">
+              <a:buNone/>
+            </a:pPr>
+            <a:r>
+              <a:rPr lang="en-US" altLang="ja-JP" sz="1800" dirty="0"/>
+              <a:t>	</a:t>
+            </a:r>
+            <a:r>
+              <a:rPr lang="en-US" altLang="ja-JP" sz="1800" dirty="0" smtClean="0"/>
+              <a:t>	if type(data[key]) == list:</a:t>
+            </a:r>
+          </a:p>
+          <a:p>
+            <a:pPr marL="0" indent="0">
+              <a:buNone/>
+            </a:pPr>
+            <a:r>
+              <a:rPr lang="en-US" altLang="ja-JP" sz="1800" dirty="0" smtClean="0"/>
+              <a:t>	</a:t>
+            </a:r>
+            <a:r>
+              <a:rPr lang="en-US" altLang="ja-JP" sz="1800" dirty="0"/>
+              <a:t>	</a:t>
+            </a:r>
+            <a:r>
+              <a:rPr lang="en-US" altLang="ja-JP" sz="1800" dirty="0" smtClean="0"/>
+              <a:t>	for </a:t>
+            </a:r>
+            <a:r>
+              <a:rPr lang="en-US" altLang="ja-JP" sz="1800" dirty="0" err="1" smtClean="0"/>
+              <a:t>key_data</a:t>
+            </a:r>
+            <a:r>
+              <a:rPr lang="en-US" altLang="ja-JP" sz="1800" dirty="0" smtClean="0"/>
+              <a:t> in data[key]:</a:t>
+            </a:r>
+          </a:p>
+          <a:p>
+            <a:pPr marL="0" indent="0">
+              <a:buNone/>
+            </a:pPr>
+            <a:r>
+              <a:rPr kumimoji="1" lang="en-US" altLang="ja-JP" sz="1800" dirty="0" smtClean="0"/>
+              <a:t>		</a:t>
+            </a:r>
+            <a:r>
+              <a:rPr kumimoji="1" lang="en-US" altLang="ja-JP" sz="1800" dirty="0"/>
+              <a:t>	</a:t>
+            </a:r>
+            <a:r>
+              <a:rPr kumimoji="1" lang="en-US" altLang="ja-JP" sz="1800" dirty="0" smtClean="0"/>
+              <a:t>	if </a:t>
+            </a:r>
+            <a:r>
+              <a:rPr kumimoji="1" lang="en-US" altLang="ja-JP" sz="1800" dirty="0" err="1" smtClean="0"/>
+              <a:t>key_data</a:t>
+            </a:r>
+            <a:r>
+              <a:rPr kumimoji="1" lang="en-US" altLang="ja-JP" sz="1800" dirty="0" smtClean="0"/>
+              <a:t> in out:</a:t>
+            </a:r>
+          </a:p>
+          <a:p>
+            <a:pPr marL="0" indent="0">
+              <a:buNone/>
+            </a:pPr>
+            <a:r>
+              <a:rPr lang="en-US" altLang="ja-JP" sz="1800" dirty="0"/>
+              <a:t>	</a:t>
+            </a:r>
+            <a:r>
+              <a:rPr lang="en-US" altLang="ja-JP" sz="1800" dirty="0" smtClean="0"/>
+              <a:t>				out[</a:t>
+            </a:r>
+            <a:r>
+              <a:rPr lang="en-US" altLang="ja-JP" sz="1800" dirty="0" err="1" smtClean="0"/>
+              <a:t>key_data</a:t>
+            </a:r>
+            <a:r>
+              <a:rPr lang="en-US" altLang="ja-JP" sz="1800" dirty="0" smtClean="0"/>
+              <a:t>].append(key)</a:t>
+            </a:r>
+          </a:p>
+          <a:p>
+            <a:pPr marL="0" indent="0">
+              <a:buNone/>
+            </a:pPr>
+            <a:r>
+              <a:rPr kumimoji="1" lang="en-US" altLang="ja-JP" sz="1800" dirty="0"/>
+              <a:t>	</a:t>
+            </a:r>
+            <a:r>
+              <a:rPr kumimoji="1" lang="en-US" altLang="ja-JP" sz="1800" dirty="0" smtClean="0"/>
+              <a:t>			else:</a:t>
+            </a:r>
+          </a:p>
+          <a:p>
+            <a:pPr marL="0" indent="0">
+              <a:buNone/>
+            </a:pPr>
+            <a:r>
+              <a:rPr lang="en-US" altLang="ja-JP" sz="1800" dirty="0"/>
+              <a:t>	</a:t>
+            </a:r>
+            <a:r>
+              <a:rPr lang="en-US" altLang="ja-JP" sz="1800" dirty="0" smtClean="0"/>
+              <a:t>				out[</a:t>
+            </a:r>
+            <a:r>
+              <a:rPr lang="en-US" altLang="ja-JP" sz="1800" dirty="0" err="1" smtClean="0"/>
+              <a:t>key_data</a:t>
+            </a:r>
+            <a:r>
+              <a:rPr lang="en-US" altLang="ja-JP" sz="1800" dirty="0" smtClean="0"/>
+              <a:t>] = [key]</a:t>
+            </a:r>
+          </a:p>
+          <a:p>
+            <a:pPr marL="0" indent="0">
+              <a:buNone/>
+            </a:pPr>
+            <a:r>
+              <a:rPr kumimoji="1" lang="en-US" altLang="ja-JP" sz="1800" dirty="0"/>
+              <a:t>	</a:t>
+            </a:r>
+            <a:r>
+              <a:rPr kumimoji="1" lang="en-US" altLang="ja-JP" sz="1800" dirty="0" smtClean="0"/>
+              <a:t>	else:</a:t>
+            </a:r>
+          </a:p>
+          <a:p>
+            <a:pPr marL="0" indent="0">
+              <a:buNone/>
+            </a:pPr>
+            <a:r>
+              <a:rPr lang="en-US" altLang="ja-JP" sz="1800" dirty="0" smtClean="0"/>
+              <a:t>			 if data[key] in out:</a:t>
+            </a:r>
+          </a:p>
+          <a:p>
+            <a:pPr marL="0" indent="0">
+              <a:buNone/>
+            </a:pPr>
+            <a:r>
+              <a:rPr lang="en-US" altLang="ja-JP" sz="1800" dirty="0" smtClean="0"/>
+              <a:t>				data[key]].append(key)</a:t>
+            </a:r>
+          </a:p>
+          <a:p>
+            <a:pPr marL="0" indent="0">
+              <a:buNone/>
+            </a:pPr>
+            <a:r>
+              <a:rPr lang="en-US" altLang="ja-JP" sz="1800" dirty="0" smtClean="0"/>
+              <a:t>	</a:t>
+            </a:r>
+            <a:r>
+              <a:rPr lang="en-US" altLang="ja-JP" sz="1800" dirty="0"/>
+              <a:t>		else:</a:t>
+            </a:r>
+          </a:p>
+          <a:p>
+            <a:pPr marL="0" indent="0">
+              <a:buNone/>
+            </a:pPr>
+            <a:r>
+              <a:rPr lang="en-US" altLang="ja-JP" sz="1800" dirty="0" smtClean="0"/>
+              <a:t>				data[key]] = [key]</a:t>
+            </a:r>
+          </a:p>
+          <a:p>
+            <a:pPr marL="0" indent="0">
+              <a:buNone/>
+            </a:pPr>
+            <a:r>
+              <a:rPr lang="en-US" altLang="ja-JP" sz="1800" dirty="0"/>
+              <a:t>	</a:t>
+            </a:r>
+            <a:r>
+              <a:rPr lang="en-US" altLang="ja-JP" sz="1800" dirty="0" smtClean="0"/>
+              <a:t>r</a:t>
+            </a:r>
+            <a:r>
+              <a:rPr kumimoji="1" lang="en-US" altLang="ja-JP" sz="1800" dirty="0" smtClean="0"/>
+              <a:t>eturn out</a:t>
+            </a:r>
+            <a:endParaRPr kumimoji="1" lang="ja-JP" altLang="en-US" sz="1800" dirty="0"/>
           </a:p>
         </p:txBody>
       </p:sp>
@@ -11094,7 +12768,26 @@
       </p:grpSpPr>
       <p:sp>
         <p:nvSpPr>
-          <p:cNvPr id="5" name="テキスト プレースホルダー 4"/>
+          <p:cNvPr id="2" name="タイトル 1"/>
+          <p:cNvSpPr>
+            <a:spLocks noGrp="1"/>
+          </p:cNvSpPr>
+          <p:nvPr>
+            <p:ph type="title"/>
+          </p:nvPr>
+        </p:nvSpPr>
+        <p:spPr/>
+        <p:txBody>
+          <a:bodyPr/>
+          <a:lstStyle/>
+          <a:p>
+            <a:endParaRPr kumimoji="1" lang="ja-JP" altLang="en-US"/>
+          </a:p>
+        </p:txBody>
+      </p:sp>
+      <p:sp>
+        <p:nvSpPr>
+          <p:cNvPr id="3" name="テキスト プレースホルダー 2"/>
           <p:cNvSpPr>
             <a:spLocks noGrp="1"/>
           </p:cNvSpPr>
@@ -11178,32 +12871,7 @@
               <a:rPr lang="en-US" altLang="ja-JP" dirty="0"/>
               <a:t>]])}</a:t>
             </a:r>
-            <a:endParaRPr lang="ja-JP" altLang="en-US" dirty="0"/>
-          </a:p>
-          <a:p>
-            <a:pPr marL="0" indent="0">
-              <a:buNone/>
-            </a:pPr>
             <a:endParaRPr kumimoji="1" lang="ja-JP" altLang="en-US" dirty="0"/>
-          </a:p>
-        </p:txBody>
-      </p:sp>
-      <p:sp>
-        <p:nvSpPr>
-          <p:cNvPr id="4" name="タイトル 3"/>
-          <p:cNvSpPr>
-            <a:spLocks noGrp="1"/>
-          </p:cNvSpPr>
-          <p:nvPr>
-            <p:ph type="title"/>
-          </p:nvPr>
-        </p:nvSpPr>
-        <p:spPr/>
-        <p:txBody>
-          <a:bodyPr/>
-          <a:lstStyle/>
-          <a:p>
-            <a:endParaRPr kumimoji="1" lang="ja-JP" altLang="en-US"/>
           </a:p>
         </p:txBody>
       </p:sp>
@@ -11246,7 +12914,26 @@
       </p:grpSpPr>
       <p:sp>
         <p:nvSpPr>
-          <p:cNvPr id="5" name="テキスト プレースホルダー 4"/>
+          <p:cNvPr id="2" name="タイトル 1"/>
+          <p:cNvSpPr>
+            <a:spLocks noGrp="1"/>
+          </p:cNvSpPr>
+          <p:nvPr>
+            <p:ph type="title"/>
+          </p:nvPr>
+        </p:nvSpPr>
+        <p:spPr/>
+        <p:txBody>
+          <a:bodyPr/>
+          <a:lstStyle/>
+          <a:p>
+            <a:endParaRPr kumimoji="1" lang="ja-JP" altLang="en-US"/>
+          </a:p>
+        </p:txBody>
+      </p:sp>
+      <p:sp>
+        <p:nvSpPr>
+          <p:cNvPr id="3" name="テキスト プレースホルダー 2"/>
           <p:cNvSpPr>
             <a:spLocks noGrp="1"/>
           </p:cNvSpPr>
@@ -11264,7 +12951,11 @@
             </a:pPr>
             <a:r>
               <a:rPr lang="en-US" altLang="ja-JP" dirty="0"/>
-              <a:t>od = {</a:t>
+              <a:t>od = </a:t>
+            </a:r>
+            <a:r>
+              <a:rPr lang="en-US" altLang="ja-JP" dirty="0" smtClean="0"/>
+              <a:t>{</a:t>
             </a:r>
           </a:p>
           <a:p>
@@ -11273,10 +12964,30 @@
             </a:pPr>
             <a:r>
               <a:rPr lang="en-US" altLang="ja-JP" dirty="0"/>
-              <a:t>	j:(a[j].append(i), a[j])[1] if j in a else (</a:t>
-            </a:r>
-            <a:r>
-              <a:rPr lang="en-US" altLang="ja-JP" dirty="0" err="1"/>
+              <a:t>	</a:t>
+            </a:r>
+            <a:r>
+              <a:rPr lang="en-US" altLang="ja-JP" dirty="0" smtClean="0"/>
+              <a:t>j:(a[j</a:t>
+            </a:r>
+            <a:r>
+              <a:rPr lang="en-US" altLang="ja-JP" dirty="0"/>
+              <a:t>].append(i), a[j</a:t>
+            </a:r>
+            <a:r>
+              <a:rPr lang="en-US" altLang="ja-JP" dirty="0" smtClean="0"/>
+              <a:t>])[</a:t>
+            </a:r>
+            <a:r>
+              <a:rPr lang="en-US" altLang="ja-JP" dirty="0"/>
+              <a:t>1] if j in a else </a:t>
+            </a:r>
+            <a:r>
+              <a:rPr lang="en-US" altLang="ja-JP" dirty="0" smtClean="0"/>
+              <a:t>(</a:t>
+            </a:r>
+            <a:r>
+              <a:rPr lang="en-US" altLang="ja-JP" dirty="0" err="1" smtClean="0"/>
               <a:t>a.update</a:t>
             </a:r>
             <a:r>
@@ -11289,8 +13000,17 @@
             </a:r>
             <a:r>
               <a:rPr lang="en-US" altLang="ja-JP" dirty="0"/>
-              <a:t>]}), a[j])[1] </a:t>
-            </a:r>
+              <a:t>]}), a[j</a:t>
+            </a:r>
+            <a:r>
+              <a:rPr lang="en-US" altLang="ja-JP" dirty="0" smtClean="0"/>
+              <a:t>])[</a:t>
+            </a:r>
+            <a:r>
+              <a:rPr lang="en-US" altLang="ja-JP" dirty="0"/>
+              <a:t>1] </a:t>
+            </a:r>
+            <a:endParaRPr lang="en-US" altLang="ja-JP" dirty="0" smtClean="0"/>
           </a:p>
           <a:p>
             <a:pPr marL="0" indent="0">
@@ -11298,7 +13018,15 @@
             </a:pPr>
             <a:r>
               <a:rPr lang="en-US" altLang="ja-JP" dirty="0"/>
-              <a:t>	for a in [</a:t>
+              <a:t>	</a:t>
+            </a:r>
+            <a:r>
+              <a:rPr lang="en-US" altLang="ja-JP" dirty="0" smtClean="0"/>
+              <a:t>for </a:t>
+            </a:r>
+            <a:r>
+              <a:rPr lang="en-US" altLang="ja-JP" dirty="0"/>
+              <a:t>a in [</a:t>
             </a:r>
             <a:r>
               <a:rPr lang="en-US" altLang="ja-JP" dirty="0" err="1"/>
@@ -11308,6 +13036,7 @@
               <a:rPr lang="en-US" altLang="ja-JP" dirty="0"/>
               <a:t>()] </a:t>
             </a:r>
+            <a:endParaRPr lang="en-US" altLang="ja-JP" dirty="0" smtClean="0"/>
           </a:p>
           <a:p>
             <a:pPr marL="0" indent="0">
@@ -11315,7 +13044,11 @@
             </a:pPr>
             <a:r>
               <a:rPr lang="en-US" altLang="ja-JP" dirty="0"/>
-              <a:t>	for </a:t>
+              <a:t>	</a:t>
+            </a:r>
+            <a:r>
+              <a:rPr lang="en-US" altLang="ja-JP" dirty="0" smtClean="0"/>
+              <a:t>for </a:t>
             </a:r>
             <a:r>
               <a:rPr lang="en-US" altLang="ja-JP" dirty="0" err="1"/>
@@ -11325,6 +13058,7 @@
               <a:rPr lang="en-US" altLang="ja-JP" dirty="0"/>
               <a:t> in d </a:t>
             </a:r>
+            <a:endParaRPr lang="en-US" altLang="ja-JP" dirty="0" smtClean="0"/>
           </a:p>
           <a:p>
             <a:pPr marL="0" indent="0">
@@ -11332,7 +13066,15 @@
             </a:pPr>
             <a:r>
               <a:rPr lang="en-US" altLang="ja-JP" dirty="0"/>
-              <a:t>	for j in (d[</a:t>
+              <a:t>	</a:t>
+            </a:r>
+            <a:r>
+              <a:rPr lang="en-US" altLang="ja-JP" dirty="0" smtClean="0"/>
+              <a:t>for </a:t>
+            </a:r>
+            <a:r>
+              <a:rPr lang="en-US" altLang="ja-JP" dirty="0"/>
+              <a:t>j in (d[</a:t>
             </a:r>
             <a:r>
               <a:rPr lang="en-US" altLang="ja-JP" dirty="0" err="1"/>
@@ -11355,7 +13097,7 @@
               <a:t>i</a:t>
             </a:r>
             <a:r>
-              <a:rPr lang="en-US" altLang="ja-JP" dirty="0"/>
+              <a:rPr lang="en-US" altLang="ja-JP" dirty="0" smtClean="0"/>
               <a:t>]])</a:t>
             </a:r>
           </a:p>
@@ -11364,35 +13106,10 @@
               <a:buNone/>
             </a:pPr>
             <a:r>
-              <a:rPr lang="en-US" altLang="ja-JP" dirty="0"/>
+              <a:rPr lang="en-US" altLang="ja-JP" dirty="0" smtClean="0"/>
               <a:t>}</a:t>
             </a:r>
-            <a:endParaRPr lang="ja-JP" altLang="en-US" dirty="0"/>
-          </a:p>
-          <a:p>
-            <a:pPr marL="0" indent="0">
-              <a:buNone/>
-            </a:pPr>
             <a:endParaRPr kumimoji="1" lang="ja-JP" altLang="en-US" dirty="0"/>
-          </a:p>
-        </p:txBody>
-      </p:sp>
-      <p:sp>
-        <p:nvSpPr>
-          <p:cNvPr id="4" name="タイトル 3"/>
-          <p:cNvSpPr>
-            <a:spLocks noGrp="1"/>
-          </p:cNvSpPr>
-          <p:nvPr>
-            <p:ph type="title"/>
-          </p:nvPr>
-        </p:nvSpPr>
-        <p:spPr/>
-        <p:txBody>
-          <a:bodyPr/>
-          <a:lstStyle/>
-          <a:p>
-            <a:endParaRPr kumimoji="1" lang="ja-JP" altLang="en-US"/>
           </a:p>
         </p:txBody>
       </p:sp>
@@ -11409,7 +13126,234 @@
   <p:timing>
     <p:tnLst>
       <p:par>
-        <p:cTn id="1" dur="indefinite" restart="never" nodeType="tmRoot"/>
+        <p:cTn id="1" dur="indefinite" restart="never" nodeType="tmRoot">
+          <p:childTnLst>
+            <p:seq concurrent="1" nextAc="seek">
+              <p:cTn id="2" dur="indefinite" nodeType="mainSeq">
+                <p:childTnLst>
+                  <p:par>
+                    <p:cTn id="3" fill="hold">
+                      <p:stCondLst>
+                        <p:cond delay="indefinite"/>
+                      </p:stCondLst>
+                      <p:childTnLst>
+                        <p:par>
+                          <p:cTn id="4" fill="hold">
+                            <p:stCondLst>
+                              <p:cond delay="0"/>
+                            </p:stCondLst>
+                            <p:childTnLst>
+                              <p:par>
+                                <p:cTn id="5" presetID="1" presetClass="entr" presetSubtype="0" fill="hold" nodeType="clickEffect">
+                                  <p:stCondLst>
+                                    <p:cond delay="0"/>
+                                  </p:stCondLst>
+                                  <p:childTnLst>
+                                    <p:set>
+                                      <p:cBhvr>
+                                        <p:cTn id="6" dur="1" fill="hold">
+                                          <p:stCondLst>
+                                            <p:cond delay="0"/>
+                                          </p:stCondLst>
+                                        </p:cTn>
+                                        <p:tgtEl>
+                                          <p:spTgt spid="3">
+                                            <p:txEl>
+                                              <p:pRg st="0" end="0"/>
+                                            </p:txEl>
+                                          </p:spTgt>
+                                        </p:tgtEl>
+                                        <p:attrNameLst>
+                                          <p:attrName>style.visibility</p:attrName>
+                                        </p:attrNameLst>
+                                      </p:cBhvr>
+                                      <p:to>
+                                        <p:strVal val="visible"/>
+                                      </p:to>
+                                    </p:set>
+                                  </p:childTnLst>
+                                </p:cTn>
+                              </p:par>
+                              <p:par>
+                                <p:cTn id="7" presetID="1" presetClass="entr" presetSubtype="0" fill="hold" nodeType="withEffect">
+                                  <p:stCondLst>
+                                    <p:cond delay="0"/>
+                                  </p:stCondLst>
+                                  <p:childTnLst>
+                                    <p:set>
+                                      <p:cBhvr>
+                                        <p:cTn id="8" dur="1" fill="hold">
+                                          <p:stCondLst>
+                                            <p:cond delay="0"/>
+                                          </p:stCondLst>
+                                        </p:cTn>
+                                        <p:tgtEl>
+                                          <p:spTgt spid="3">
+                                            <p:txEl>
+                                              <p:pRg st="1" end="1"/>
+                                            </p:txEl>
+                                          </p:spTgt>
+                                        </p:tgtEl>
+                                        <p:attrNameLst>
+                                          <p:attrName>style.visibility</p:attrName>
+                                        </p:attrNameLst>
+                                      </p:cBhvr>
+                                      <p:to>
+                                        <p:strVal val="visible"/>
+                                      </p:to>
+                                    </p:set>
+                                  </p:childTnLst>
+                                </p:cTn>
+                              </p:par>
+                              <p:par>
+                                <p:cTn id="9" presetID="1" presetClass="entr" presetSubtype="0" fill="hold" nodeType="withEffect">
+                                  <p:stCondLst>
+                                    <p:cond delay="0"/>
+                                  </p:stCondLst>
+                                  <p:childTnLst>
+                                    <p:set>
+                                      <p:cBhvr>
+                                        <p:cTn id="10" dur="1" fill="hold">
+                                          <p:stCondLst>
+                                            <p:cond delay="0"/>
+                                          </p:stCondLst>
+                                        </p:cTn>
+                                        <p:tgtEl>
+                                          <p:spTgt spid="3">
+                                            <p:txEl>
+                                              <p:pRg st="2" end="2"/>
+                                            </p:txEl>
+                                          </p:spTgt>
+                                        </p:tgtEl>
+                                        <p:attrNameLst>
+                                          <p:attrName>style.visibility</p:attrName>
+                                        </p:attrNameLst>
+                                      </p:cBhvr>
+                                      <p:to>
+                                        <p:strVal val="visible"/>
+                                      </p:to>
+                                    </p:set>
+                                  </p:childTnLst>
+                                </p:cTn>
+                              </p:par>
+                              <p:par>
+                                <p:cTn id="11" presetID="1" presetClass="entr" presetSubtype="0" fill="hold" nodeType="withEffect">
+                                  <p:stCondLst>
+                                    <p:cond delay="0"/>
+                                  </p:stCondLst>
+                                  <p:childTnLst>
+                                    <p:set>
+                                      <p:cBhvr>
+                                        <p:cTn id="12" dur="1" fill="hold">
+                                          <p:stCondLst>
+                                            <p:cond delay="0"/>
+                                          </p:stCondLst>
+                                        </p:cTn>
+                                        <p:tgtEl>
+                                          <p:spTgt spid="3">
+                                            <p:txEl>
+                                              <p:pRg st="3" end="3"/>
+                                            </p:txEl>
+                                          </p:spTgt>
+                                        </p:tgtEl>
+                                        <p:attrNameLst>
+                                          <p:attrName>style.visibility</p:attrName>
+                                        </p:attrNameLst>
+                                      </p:cBhvr>
+                                      <p:to>
+                                        <p:strVal val="visible"/>
+                                      </p:to>
+                                    </p:set>
+                                  </p:childTnLst>
+                                </p:cTn>
+                              </p:par>
+                              <p:par>
+                                <p:cTn id="13" presetID="1" presetClass="entr" presetSubtype="0" fill="hold" nodeType="withEffect">
+                                  <p:stCondLst>
+                                    <p:cond delay="0"/>
+                                  </p:stCondLst>
+                                  <p:childTnLst>
+                                    <p:set>
+                                      <p:cBhvr>
+                                        <p:cTn id="14" dur="1" fill="hold">
+                                          <p:stCondLst>
+                                            <p:cond delay="0"/>
+                                          </p:stCondLst>
+                                        </p:cTn>
+                                        <p:tgtEl>
+                                          <p:spTgt spid="3">
+                                            <p:txEl>
+                                              <p:pRg st="4" end="4"/>
+                                            </p:txEl>
+                                          </p:spTgt>
+                                        </p:tgtEl>
+                                        <p:attrNameLst>
+                                          <p:attrName>style.visibility</p:attrName>
+                                        </p:attrNameLst>
+                                      </p:cBhvr>
+                                      <p:to>
+                                        <p:strVal val="visible"/>
+                                      </p:to>
+                                    </p:set>
+                                  </p:childTnLst>
+                                </p:cTn>
+                              </p:par>
+                              <p:par>
+                                <p:cTn id="15" presetID="1" presetClass="entr" presetSubtype="0" fill="hold" nodeType="withEffect">
+                                  <p:stCondLst>
+                                    <p:cond delay="0"/>
+                                  </p:stCondLst>
+                                  <p:childTnLst>
+                                    <p:set>
+                                      <p:cBhvr>
+                                        <p:cTn id="16" dur="1" fill="hold">
+                                          <p:stCondLst>
+                                            <p:cond delay="0"/>
+                                          </p:stCondLst>
+                                        </p:cTn>
+                                        <p:tgtEl>
+                                          <p:spTgt spid="3">
+                                            <p:txEl>
+                                              <p:pRg st="5" end="5"/>
+                                            </p:txEl>
+                                          </p:spTgt>
+                                        </p:tgtEl>
+                                        <p:attrNameLst>
+                                          <p:attrName>style.visibility</p:attrName>
+                                        </p:attrNameLst>
+                                      </p:cBhvr>
+                                      <p:to>
+                                        <p:strVal val="visible"/>
+                                      </p:to>
+                                    </p:set>
+                                  </p:childTnLst>
+                                </p:cTn>
+                              </p:par>
+                            </p:childTnLst>
+                          </p:cTn>
+                        </p:par>
+                      </p:childTnLst>
+                    </p:cTn>
+                  </p:par>
+                </p:childTnLst>
+              </p:cTn>
+              <p:prevCondLst>
+                <p:cond evt="onPrev" delay="0">
+                  <p:tgtEl>
+                    <p:sldTgt/>
+                  </p:tgtEl>
+                </p:cond>
+              </p:prevCondLst>
+              <p:nextCondLst>
+                <p:cond evt="onNext" delay="0">
+                  <p:tgtEl>
+                    <p:sldTgt/>
+                  </p:tgtEl>
+                </p:cond>
+              </p:nextCondLst>
+            </p:seq>
+          </p:childTnLst>
+        </p:cTn>
       </p:par>
     </p:tnLst>
   </p:timing>
